--- a/translations/en-us/RobotGame/TechnicBasics.pptx
+++ b/translations/en-us/RobotGame/TechnicBasics.pptx
@@ -8,29 +8,30 @@
     <p:sldMasterId id="2147483871" r:id="rId4"/>
     <p:sldMasterId id="2147483883" r:id="rId5"/>
     <p:sldMasterId id="2147483895" r:id="rId6"/>
+    <p:sldMasterId id="2147483907" r:id="rId7"/>
   </p:sldMasterIdLst>
   <p:notesMasterIdLst>
-    <p:notesMasterId r:id="rId22"/>
+    <p:notesMasterId r:id="rId23"/>
   </p:notesMasterIdLst>
   <p:handoutMasterIdLst>
-    <p:handoutMasterId r:id="rId23"/>
+    <p:handoutMasterId r:id="rId24"/>
   </p:handoutMasterIdLst>
   <p:sldIdLst>
-    <p:sldId id="289" r:id="rId7"/>
-    <p:sldId id="290" r:id="rId8"/>
-    <p:sldId id="291" r:id="rId9"/>
-    <p:sldId id="301" r:id="rId10"/>
-    <p:sldId id="300" r:id="rId11"/>
-    <p:sldId id="292" r:id="rId12"/>
-    <p:sldId id="302" r:id="rId13"/>
-    <p:sldId id="294" r:id="rId14"/>
-    <p:sldId id="306" r:id="rId15"/>
-    <p:sldId id="303" r:id="rId16"/>
-    <p:sldId id="296" r:id="rId17"/>
-    <p:sldId id="304" r:id="rId18"/>
-    <p:sldId id="305" r:id="rId19"/>
-    <p:sldId id="297" r:id="rId20"/>
-    <p:sldId id="274" r:id="rId21"/>
+    <p:sldId id="289" r:id="rId8"/>
+    <p:sldId id="290" r:id="rId9"/>
+    <p:sldId id="291" r:id="rId10"/>
+    <p:sldId id="301" r:id="rId11"/>
+    <p:sldId id="300" r:id="rId12"/>
+    <p:sldId id="292" r:id="rId13"/>
+    <p:sldId id="302" r:id="rId14"/>
+    <p:sldId id="294" r:id="rId15"/>
+    <p:sldId id="306" r:id="rId16"/>
+    <p:sldId id="303" r:id="rId17"/>
+    <p:sldId id="296" r:id="rId18"/>
+    <p:sldId id="304" r:id="rId19"/>
+    <p:sldId id="305" r:id="rId20"/>
+    <p:sldId id="297" r:id="rId21"/>
+    <p:sldId id="274" r:id="rId22"/>
   </p:sldIdLst>
   <p:sldSz cx="9144000" cy="6858000" type="screen4x3"/>
   <p:notesSz cx="6858000" cy="9144000"/>
@@ -230,7 +231,7 @@
           <a:p>
             <a:fld id="{E354B44E-40A3-0E46-B16A-9BF1250A248B}" type="datetimeFigureOut">
               <a:rPr lang="en-US" smtClean="0"/>
-              <a:t>6/7/18</a:t>
+              <a:t>6/11/18</a:t>
             </a:fld>
             <a:endParaRPr lang="en-US"/>
           </a:p>
@@ -396,7 +397,7 @@
           <a:p>
             <a:fld id="{C86AD16C-2DB4-6642-BAD4-9ED973A087A0}" type="datetimeFigureOut">
               <a:rPr lang="en-US" smtClean="0"/>
-              <a:t>6/7/18</a:t>
+              <a:t>6/11/18</a:t>
             </a:fld>
             <a:endParaRPr lang="en-US"/>
           </a:p>
@@ -1191,9 +1192,9 @@
           <a:bodyPr/>
           <a:lstStyle/>
           <a:p>
-            <a:fld id="{9DBE6547-B4D2-4767-9C82-5218789C179E}" type="datetime1">
+            <a:fld id="{78DA2A79-6E25-49D1-89B3-CD1FC8B0DBA9}" type="datetime1">
               <a:rPr lang="en-US" smtClean="0"/>
-              <a:t>6/7/18</a:t>
+              <a:t>6/11/18</a:t>
             </a:fld>
             <a:endParaRPr lang="en-US"/>
           </a:p>
@@ -1216,7 +1217,7 @@
           <a:p>
             <a:r>
               <a:rPr lang="en-US"/>
-              <a:t>© 2018, FLL Tutorials, Last Edit 8/27/2016</a:t>
+              <a:t>© 2018, FLL Tutorials, Last Edit 6/11/2018</a:t>
             </a:r>
           </a:p>
         </p:txBody>
@@ -1787,9 +1788,9 @@
           <a:bodyPr/>
           <a:lstStyle/>
           <a:p>
-            <a:fld id="{574B1301-84F4-4349-A5A3-3E000C1E3A37}" type="datetime1">
+            <a:fld id="{CA087BBB-B887-46BE-A4DE-2E58C552D532}" type="datetime1">
               <a:rPr lang="en-US" smtClean="0"/>
-              <a:t>6/7/18</a:t>
+              <a:t>6/11/18</a:t>
             </a:fld>
             <a:endParaRPr lang="en-US"/>
           </a:p>
@@ -1812,7 +1813,7 @@
           <a:p>
             <a:r>
               <a:rPr lang="en-US"/>
-              <a:t>© 2018, FLL Tutorials, Last Edit 8/27/2016</a:t>
+              <a:t>© 2018, FLL Tutorials, Last Edit 6/11/2018</a:t>
             </a:r>
           </a:p>
         </p:txBody>
@@ -1968,9 +1969,9 @@
           <a:bodyPr/>
           <a:lstStyle/>
           <a:p>
-            <a:fld id="{F21C73A9-09DE-44BB-8180-547F57406B6D}" type="datetime1">
+            <a:fld id="{4E914C03-9E64-4D25-8C9C-0E8DBA437D3C}" type="datetime1">
               <a:rPr lang="en-US" smtClean="0"/>
-              <a:t>6/7/18</a:t>
+              <a:t>6/11/18</a:t>
             </a:fld>
             <a:endParaRPr lang="en-US"/>
           </a:p>
@@ -1993,7 +1994,7 @@
           <a:p>
             <a:r>
               <a:rPr lang="en-US"/>
-              <a:t>© 2018, FLL Tutorials, Last Edit 8/27/2016</a:t>
+              <a:t>© 2018, FLL Tutorials, Last Edit 6/11/2018</a:t>
             </a:r>
           </a:p>
         </p:txBody>
@@ -2184,9 +2185,9 @@
           <a:bodyPr/>
           <a:lstStyle/>
           <a:p>
-            <a:fld id="{D63EE0B4-C0A6-4BDC-BF30-D311EE756DE7}" type="datetime1">
+            <a:fld id="{EF5B330B-161E-4B9F-9FBF-EC1C9C0B68E8}" type="datetime1">
               <a:rPr lang="en-US" smtClean="0"/>
-              <a:t>6/7/18</a:t>
+              <a:t>6/11/18</a:t>
             </a:fld>
             <a:endParaRPr lang="en-US"/>
           </a:p>
@@ -2214,7 +2215,7 @@
           <a:p>
             <a:r>
               <a:rPr lang="en-US"/>
-              <a:t>© 2018, FLL Tutorials, Last Edit 8/27/2016</a:t>
+              <a:t>© 2018, FLL Tutorials, Last Edit 6/11/2018</a:t>
             </a:r>
           </a:p>
         </p:txBody>
@@ -2404,7 +2405,7 @@
           <a:noFill/>
           <a:extLst>
             <a:ext uri="{909E8E84-426E-40dd-AFC4-6F175D3DCCD1}">
-              <a14:hiddenFill xmlns:a14="http://schemas.microsoft.com/office/drawing/2010/main" xmlns="">
+              <a14:hiddenFill xmlns="" xmlns:a14="http://schemas.microsoft.com/office/drawing/2010/main">
                 <a:solidFill>
                   <a:srgbClr val="FFFFFF"/>
                 </a:solidFill>
@@ -3028,9 +3029,9 @@
           <a:bodyPr/>
           <a:lstStyle/>
           <a:p>
-            <a:fld id="{166EA719-72E3-40A3-B7F5-7A8E109EC0C3}" type="datetime1">
+            <a:fld id="{35234802-638D-48AC-867D-E5D514926F90}" type="datetime1">
               <a:rPr lang="en-US" smtClean="0"/>
-              <a:t>6/7/18</a:t>
+              <a:t>6/11/18</a:t>
             </a:fld>
             <a:endParaRPr lang="en-US"/>
           </a:p>
@@ -3053,7 +3054,7 @@
           <a:p>
             <a:r>
               <a:rPr lang="en-US"/>
-              <a:t>© 2018, FLL Tutorials, Last Edit 8/27/2016</a:t>
+              <a:t>© 2018, FLL Tutorials, Last Edit 6/11/2018</a:t>
             </a:r>
           </a:p>
         </p:txBody>
@@ -3293,9 +3294,9 @@
           <a:bodyPr/>
           <a:lstStyle/>
           <a:p>
-            <a:fld id="{7C7EB921-12E1-41DB-85E9-64F2578906E4}" type="datetime1">
+            <a:fld id="{32123978-8168-48BE-8244-8E2716992799}" type="datetime1">
               <a:rPr lang="en-US" smtClean="0"/>
-              <a:t>6/7/18</a:t>
+              <a:t>6/11/18</a:t>
             </a:fld>
             <a:endParaRPr lang="en-US"/>
           </a:p>
@@ -3349,7 +3350,7 @@
           <a:p>
             <a:r>
               <a:rPr lang="en-US"/>
-              <a:t>© 2018, FLL Tutorials, Last Edit 8/27/2016</a:t>
+              <a:t>© 2018, FLL Tutorials, Last Edit 6/11/2018</a:t>
             </a:r>
           </a:p>
         </p:txBody>
@@ -3596,9 +3597,9 @@
           <a:bodyPr/>
           <a:lstStyle/>
           <a:p>
-            <a:fld id="{6811E898-7439-4724-B977-6FEB87AA7DAA}" type="datetime1">
+            <a:fld id="{B57700F6-DC0B-4BD9-8B82-B754CE481389}" type="datetime1">
               <a:rPr lang="en-US" smtClean="0"/>
-              <a:t>6/7/18</a:t>
+              <a:t>6/11/18</a:t>
             </a:fld>
             <a:endParaRPr lang="en-US"/>
           </a:p>
@@ -3621,7 +3622,7 @@
           <a:p>
             <a:r>
               <a:rPr lang="en-US"/>
-              <a:t>© 2018, FLL Tutorials, Last Edit 8/27/2016</a:t>
+              <a:t>© 2018, FLL Tutorials, Last Edit 6/11/2018</a:t>
             </a:r>
           </a:p>
         </p:txBody>
@@ -4050,9 +4051,9 @@
           <a:bodyPr/>
           <a:lstStyle/>
           <a:p>
-            <a:fld id="{B8704F02-F8BD-405E-BC9C-8503D3E4781D}" type="datetime1">
+            <a:fld id="{E16A5563-2525-4559-9820-333971515B65}" type="datetime1">
               <a:rPr lang="en-US" smtClean="0"/>
-              <a:t>6/7/18</a:t>
+              <a:t>6/11/18</a:t>
             </a:fld>
             <a:endParaRPr lang="en-US"/>
           </a:p>
@@ -4075,7 +4076,7 @@
           <a:p>
             <a:r>
               <a:rPr lang="en-US"/>
-              <a:t>© 2018, FLL Tutorials, Last Edit 8/27/2016</a:t>
+              <a:t>© 2018, FLL Tutorials, Last Edit 6/11/2018</a:t>
             </a:r>
           </a:p>
         </p:txBody>
@@ -4178,9 +4179,9 @@
           <a:bodyPr/>
           <a:lstStyle/>
           <a:p>
-            <a:fld id="{CF755C17-6E9A-4A39-9041-0CB2AA01DBBB}" type="datetime1">
+            <a:fld id="{82F5B72A-3952-4401-8B2C-93609E22BC83}" type="datetime1">
               <a:rPr lang="en-US" smtClean="0"/>
-              <a:t>6/7/18</a:t>
+              <a:t>6/11/18</a:t>
             </a:fld>
             <a:endParaRPr lang="en-US"/>
           </a:p>
@@ -4203,7 +4204,7 @@
           <a:p>
             <a:r>
               <a:rPr lang="en-US"/>
-              <a:t>© 2018, FLL Tutorials, Last Edit 8/27/2016</a:t>
+              <a:t>© 2018, FLL Tutorials, Last Edit 6/11/2018</a:t>
             </a:r>
           </a:p>
         </p:txBody>
@@ -4284,9 +4285,9 @@
           <a:bodyPr/>
           <a:lstStyle/>
           <a:p>
-            <a:fld id="{D7D4F59A-9E1D-479A-AEB3-F2D0EEACC19D}" type="datetime1">
+            <a:fld id="{91B325E6-A1DC-41D7-BE45-8E2F065F611F}" type="datetime1">
               <a:rPr lang="en-US" smtClean="0"/>
-              <a:t>6/7/18</a:t>
+              <a:t>6/11/18</a:t>
             </a:fld>
             <a:endParaRPr lang="en-US"/>
           </a:p>
@@ -4309,7 +4310,7 @@
           <a:p>
             <a:r>
               <a:rPr lang="en-US"/>
-              <a:t>© 2018, FLL Tutorials, Last Edit 8/27/2016</a:t>
+              <a:t>© 2018, FLL Tutorials, Last Edit 6/11/2018</a:t>
             </a:r>
           </a:p>
         </p:txBody>
@@ -4542,9 +4543,9 @@
           <a:bodyPr/>
           <a:lstStyle/>
           <a:p>
-            <a:fld id="{B971E7D6-6BC7-421F-8EB5-14BDED3BA633}" type="datetime1">
+            <a:fld id="{1C3F19E4-E559-488B-87B7-00DA8984FF65}" type="datetime1">
               <a:rPr lang="en-US" smtClean="0"/>
-              <a:t>6/7/18</a:t>
+              <a:t>6/11/18</a:t>
             </a:fld>
             <a:endParaRPr lang="en-US"/>
           </a:p>
@@ -4567,7 +4568,7 @@
           <a:p>
             <a:r>
               <a:rPr lang="en-US"/>
-              <a:t>© 2018, FLL Tutorials, Last Edit 8/27/2016</a:t>
+              <a:t>© 2018, FLL Tutorials, Last Edit 6/11/2018</a:t>
             </a:r>
           </a:p>
         </p:txBody>
@@ -4754,9 +4755,9 @@
           <a:bodyPr/>
           <a:lstStyle/>
           <a:p>
-            <a:fld id="{452791C2-309F-4A09-B9EA-24DC4A462435}" type="datetime1">
+            <a:fld id="{DEC50F7F-C68B-4DE5-B6CA-99C0FC3B4A7D}" type="datetime1">
               <a:rPr lang="en-US" smtClean="0"/>
-              <a:t>6/7/18</a:t>
+              <a:t>6/11/18</a:t>
             </a:fld>
             <a:endParaRPr lang="en-US"/>
           </a:p>
@@ -4779,7 +4780,7 @@
           <a:p>
             <a:r>
               <a:rPr lang="en-US"/>
-              <a:t>© 2018, FLL Tutorials, Last Edit 8/27/2016</a:t>
+              <a:t>© 2018, FLL Tutorials, Last Edit 6/11/2018</a:t>
             </a:r>
           </a:p>
         </p:txBody>
@@ -5037,9 +5038,9 @@
           <a:bodyPr/>
           <a:lstStyle/>
           <a:p>
-            <a:fld id="{8DF378B5-19A0-4978-9600-74794624B0E5}" type="datetime1">
+            <a:fld id="{16944D5B-DCC4-4A4B-8B38-9C58552107EA}" type="datetime1">
               <a:rPr lang="en-US" smtClean="0"/>
-              <a:t>6/7/18</a:t>
+              <a:t>6/11/18</a:t>
             </a:fld>
             <a:endParaRPr lang="en-US"/>
           </a:p>
@@ -5062,7 +5063,7 @@
           <a:p>
             <a:r>
               <a:rPr lang="en-US"/>
-              <a:t>© 2018, FLL Tutorials, Last Edit 8/27/2016</a:t>
+              <a:t>© 2018, FLL Tutorials, Last Edit 6/11/2018</a:t>
             </a:r>
           </a:p>
         </p:txBody>
@@ -5304,9 +5305,9 @@
           <a:bodyPr/>
           <a:lstStyle/>
           <a:p>
-            <a:fld id="{9C0DDF6C-3210-4791-A38A-79C9C6ABE2F9}" type="datetime1">
+            <a:fld id="{9279BFF2-87BD-42F6-A481-3B3F2EDC089F}" type="datetime1">
               <a:rPr lang="en-US" smtClean="0"/>
-              <a:t>6/7/18</a:t>
+              <a:t>6/11/18</a:t>
             </a:fld>
             <a:endParaRPr lang="en-US"/>
           </a:p>
@@ -5329,7 +5330,7 @@
           <a:p>
             <a:r>
               <a:rPr lang="en-US"/>
-              <a:t>© 2018, FLL Tutorials, Last Edit 8/27/2016</a:t>
+              <a:t>© 2018, FLL Tutorials, Last Edit 6/11/2018</a:t>
             </a:r>
           </a:p>
         </p:txBody>
@@ -5493,9 +5494,9 @@
           <a:bodyPr/>
           <a:lstStyle/>
           <a:p>
-            <a:fld id="{FA9000F7-D682-4D07-961D-069F5A62F71B}" type="datetime1">
+            <a:fld id="{CA853701-E264-4D58-A84E-DFA1D94188FF}" type="datetime1">
               <a:rPr lang="en-US" smtClean="0"/>
-              <a:t>6/7/18</a:t>
+              <a:t>6/11/18</a:t>
             </a:fld>
             <a:endParaRPr lang="en-US"/>
           </a:p>
@@ -5518,7 +5519,7 @@
           <a:p>
             <a:r>
               <a:rPr lang="en-US"/>
-              <a:t>© 2018, FLL Tutorials, Last Edit 8/27/2016</a:t>
+              <a:t>© 2018, FLL Tutorials, Last Edit 6/11/2018</a:t>
             </a:r>
           </a:p>
         </p:txBody>
@@ -5694,9 +5695,9 @@
           <a:bodyPr/>
           <a:lstStyle/>
           <a:p>
-            <a:fld id="{69461D57-D18E-4E68-BBF3-20DF80CDB951}" type="datetime1">
+            <a:fld id="{A4FF5105-BEF3-4EC0-9588-DCDA97EB251D}" type="datetime1">
               <a:rPr lang="en-US" smtClean="0"/>
-              <a:t>6/7/18</a:t>
+              <a:t>6/11/18</a:t>
             </a:fld>
             <a:endParaRPr lang="en-US"/>
           </a:p>
@@ -5719,7 +5720,7 @@
           <a:p>
             <a:r>
               <a:rPr lang="en-US"/>
-              <a:t>© 2018, FLL Tutorials, Last Edit 8/27/2016</a:t>
+              <a:t>© 2018, FLL Tutorials, Last Edit 6/11/2018</a:t>
             </a:r>
           </a:p>
         </p:txBody>
@@ -5865,9 +5866,9 @@
           <a:bodyPr/>
           <a:lstStyle/>
           <a:p>
-            <a:fld id="{673C3F6D-1873-48F5-AF12-18F298B74DBA}" type="datetime1">
+            <a:fld id="{2AD94645-B01E-4760-9BC7-409C9D939AB7}" type="datetime1">
               <a:rPr lang="en-US" smtClean="0"/>
-              <a:t>6/7/18</a:t>
+              <a:t>6/11/18</a:t>
             </a:fld>
             <a:endParaRPr lang="en-US"/>
           </a:p>
@@ -5890,7 +5891,7 @@
           <a:p>
             <a:r>
               <a:rPr lang="en-US"/>
-              <a:t>© 2018, FLL Tutorials, Last Edit 8/27/2016</a:t>
+              <a:t>© 2018, FLL Tutorials, Last Edit 6/11/2018</a:t>
             </a:r>
           </a:p>
         </p:txBody>
@@ -6113,9 +6114,9 @@
           <a:bodyPr/>
           <a:lstStyle/>
           <a:p>
-            <a:fld id="{2542A42F-7551-4646-8EF8-BCD6969410A2}" type="datetime1">
+            <a:fld id="{D62D9F58-D3D5-43C3-B143-B3F6C00D77F6}" type="datetime1">
               <a:rPr lang="en-US" smtClean="0"/>
-              <a:t>6/7/18</a:t>
+              <a:t>6/11/18</a:t>
             </a:fld>
             <a:endParaRPr lang="en-US"/>
           </a:p>
@@ -6138,7 +6139,7 @@
           <a:p>
             <a:r>
               <a:rPr lang="en-US"/>
-              <a:t>© 2018, FLL Tutorials, Last Edit 8/27/2016</a:t>
+              <a:t>© 2018, FLL Tutorials, Last Edit 6/11/2018</a:t>
             </a:r>
           </a:p>
         </p:txBody>
@@ -6345,9 +6346,9 @@
           <a:bodyPr/>
           <a:lstStyle/>
           <a:p>
-            <a:fld id="{FB516937-A688-4892-A4F4-352171288164}" type="datetime1">
+            <a:fld id="{D34F1EAE-A12A-428A-B721-F6F7E62C0883}" type="datetime1">
               <a:rPr lang="en-US" smtClean="0"/>
-              <a:t>6/7/18</a:t>
+              <a:t>6/11/18</a:t>
             </a:fld>
             <a:endParaRPr lang="en-US"/>
           </a:p>
@@ -6370,7 +6371,7 @@
           <a:p>
             <a:r>
               <a:rPr lang="en-US"/>
-              <a:t>© 2018, FLL Tutorials, Last Edit 8/27/2016</a:t>
+              <a:t>© 2018, FLL Tutorials, Last Edit 6/11/2018</a:t>
             </a:r>
           </a:p>
         </p:txBody>
@@ -6712,9 +6713,9 @@
           <a:bodyPr/>
           <a:lstStyle/>
           <a:p>
-            <a:fld id="{4144133F-BC41-447E-9720-F7ABC3D4410E}" type="datetime1">
+            <a:fld id="{30FF6F9A-AD6A-40F9-BC4E-55BF4FF6F81F}" type="datetime1">
               <a:rPr lang="en-US" smtClean="0"/>
-              <a:t>6/7/18</a:t>
+              <a:t>6/11/18</a:t>
             </a:fld>
             <a:endParaRPr lang="en-US"/>
           </a:p>
@@ -6737,7 +6738,7 @@
           <a:p>
             <a:r>
               <a:rPr lang="en-US"/>
-              <a:t>© 2018, FLL Tutorials, Last Edit 8/27/2016</a:t>
+              <a:t>© 2018, FLL Tutorials, Last Edit 6/11/2018</a:t>
             </a:r>
           </a:p>
         </p:txBody>
@@ -6832,9 +6833,9 @@
           <a:bodyPr/>
           <a:lstStyle/>
           <a:p>
-            <a:fld id="{B5B04D8F-E46A-4A24-8BF7-BFED73029BB4}" type="datetime1">
+            <a:fld id="{D6C9312A-7067-48FC-9E62-A0AD72202C9F}" type="datetime1">
               <a:rPr lang="en-US" smtClean="0"/>
-              <a:t>6/7/18</a:t>
+              <a:t>6/11/18</a:t>
             </a:fld>
             <a:endParaRPr lang="en-US"/>
           </a:p>
@@ -6857,7 +6858,7 @@
           <a:p>
             <a:r>
               <a:rPr lang="en-US"/>
-              <a:t>© 2018, FLL Tutorials, Last Edit 8/27/2016</a:t>
+              <a:t>© 2018, FLL Tutorials, Last Edit 6/11/2018</a:t>
             </a:r>
           </a:p>
         </p:txBody>
@@ -6930,9 +6931,9 @@
           <a:bodyPr/>
           <a:lstStyle/>
           <a:p>
-            <a:fld id="{24C61D3E-5E19-406E-98BA-4A047A7B7A3E}" type="datetime1">
+            <a:fld id="{DB61B80C-1B8D-40F0-ACB2-3D510462C433}" type="datetime1">
               <a:rPr lang="en-US" smtClean="0"/>
-              <a:t>6/7/18</a:t>
+              <a:t>6/11/18</a:t>
             </a:fld>
             <a:endParaRPr lang="en-US"/>
           </a:p>
@@ -6955,7 +6956,7 @@
           <a:p>
             <a:r>
               <a:rPr lang="en-US"/>
-              <a:t>© 2018, FLL Tutorials, Last Edit 8/27/2016</a:t>
+              <a:t>© 2018, FLL Tutorials, Last Edit 6/11/2018</a:t>
             </a:r>
           </a:p>
         </p:txBody>
@@ -7187,9 +7188,9 @@
           <a:bodyPr/>
           <a:lstStyle/>
           <a:p>
-            <a:fld id="{5F81520F-77ED-4F9D-9CD5-0BDCAF00B66E}" type="datetime1">
+            <a:fld id="{7522DA44-0E25-47A8-9662-BEA11265C15A}" type="datetime1">
               <a:rPr lang="en-US" smtClean="0"/>
-              <a:t>6/7/18</a:t>
+              <a:t>6/11/18</a:t>
             </a:fld>
             <a:endParaRPr lang="en-US"/>
           </a:p>
@@ -7235,7 +7236,7 @@
           <a:p>
             <a:r>
               <a:rPr lang="en-US"/>
-              <a:t>© 2018, FLL Tutorials, Last Edit 8/27/2016</a:t>
+              <a:t>© 2018, FLL Tutorials, Last Edit 6/11/2018</a:t>
             </a:r>
           </a:p>
         </p:txBody>
@@ -7465,9 +7466,9 @@
           <a:bodyPr/>
           <a:lstStyle/>
           <a:p>
-            <a:fld id="{FDA5FA60-B9FC-49B8-93C0-89FB7C87057F}" type="datetime1">
+            <a:fld id="{26EEFA9C-C2F1-41A1-91D8-940800D051D9}" type="datetime1">
               <a:rPr lang="en-US" smtClean="0"/>
-              <a:t>6/7/18</a:t>
+              <a:t>6/11/18</a:t>
             </a:fld>
             <a:endParaRPr lang="en-US"/>
           </a:p>
@@ -7490,7 +7491,7 @@
           <a:p>
             <a:r>
               <a:rPr lang="en-US"/>
-              <a:t>© 2018, FLL Tutorials, Last Edit 8/27/2016</a:t>
+              <a:t>© 2018, FLL Tutorials, Last Edit 6/11/2018</a:t>
             </a:r>
           </a:p>
         </p:txBody>
@@ -7723,9 +7724,9 @@
           <a:bodyPr/>
           <a:lstStyle/>
           <a:p>
-            <a:fld id="{DE425918-BF3D-43AE-A6A2-C2DDBD93D905}" type="datetime1">
+            <a:fld id="{BB7FDF06-6448-4703-A3E8-22FD82BA54EF}" type="datetime1">
               <a:rPr lang="en-US" smtClean="0"/>
-              <a:t>6/7/18</a:t>
+              <a:t>6/11/18</a:t>
             </a:fld>
             <a:endParaRPr lang="en-US"/>
           </a:p>
@@ -7748,7 +7749,7 @@
           <a:p>
             <a:r>
               <a:rPr lang="en-US"/>
-              <a:t>© 2018, FLL Tutorials, Last Edit 8/27/2016</a:t>
+              <a:t>© 2018, FLL Tutorials, Last Edit 6/11/2018</a:t>
             </a:r>
           </a:p>
         </p:txBody>
@@ -7894,9 +7895,9 @@
           <a:bodyPr/>
           <a:lstStyle/>
           <a:p>
-            <a:fld id="{E2483142-E43C-4A43-ADEB-1A2B88E53111}" type="datetime1">
+            <a:fld id="{D1DE6C3B-5D04-4E28-9DAA-B09B65E687A8}" type="datetime1">
               <a:rPr lang="en-US" smtClean="0"/>
-              <a:t>6/7/18</a:t>
+              <a:t>6/11/18</a:t>
             </a:fld>
             <a:endParaRPr lang="en-US"/>
           </a:p>
@@ -7919,7 +7920,7 @@
           <a:p>
             <a:r>
               <a:rPr lang="en-US"/>
-              <a:t>© 2018, FLL Tutorials, Last Edit 8/27/2016</a:t>
+              <a:t>© 2018, FLL Tutorials, Last Edit 6/11/2018</a:t>
             </a:r>
           </a:p>
         </p:txBody>
@@ -8075,9 +8076,9 @@
           <a:bodyPr/>
           <a:lstStyle/>
           <a:p>
-            <a:fld id="{DD6CF2E9-98F5-43FE-A138-5F19F7911D67}" type="datetime1">
+            <a:fld id="{15D73A6A-583F-4EA1-A6D6-0D3129C813C1}" type="datetime1">
               <a:rPr lang="en-US" smtClean="0"/>
-              <a:t>6/7/18</a:t>
+              <a:t>6/11/18</a:t>
             </a:fld>
             <a:endParaRPr lang="en-US"/>
           </a:p>
@@ -8100,7 +8101,7 @@
           <a:p>
             <a:r>
               <a:rPr lang="en-US"/>
-              <a:t>© 2018, FLL Tutorials, Last Edit 8/27/2016</a:t>
+              <a:t>© 2018, FLL Tutorials, Last Edit 6/11/2018</a:t>
             </a:r>
           </a:p>
         </p:txBody>
@@ -8332,9 +8333,9 @@
           <a:bodyPr/>
           <a:lstStyle/>
           <a:p>
-            <a:fld id="{8E98B4F2-3EBF-4579-88D9-3F124D22C29F}" type="datetime1">
+            <a:fld id="{52A065DF-400D-4786-B398-D2414DABF427}" type="datetime1">
               <a:rPr lang="en-US" smtClean="0"/>
-              <a:t>6/7/18</a:t>
+              <a:t>6/11/18</a:t>
             </a:fld>
             <a:endParaRPr lang="en-US"/>
           </a:p>
@@ -8357,7 +8358,7 @@
           <a:p>
             <a:r>
               <a:rPr lang="en-US"/>
-              <a:t>© 2018, FLL Tutorials, Last Edit 8/27/2016</a:t>
+              <a:t>© 2018, FLL Tutorials, Last Edit 6/11/2018</a:t>
             </a:r>
           </a:p>
         </p:txBody>
@@ -9356,9 +9357,9 @@
           <a:bodyPr/>
           <a:lstStyle/>
           <a:p>
-            <a:fld id="{8F5D8CCC-3859-4F83-9C4E-65EDFDFB1AA9}" type="datetime1">
+            <a:fld id="{A32C2BD8-8B38-402E-A0C9-937D09FE7271}" type="datetime1">
               <a:rPr lang="en-US" smtClean="0"/>
-              <a:t>6/7/18</a:t>
+              <a:t>6/11/18</a:t>
             </a:fld>
             <a:endParaRPr lang="en-US"/>
           </a:p>
@@ -9381,7 +9382,7 @@
           <a:p>
             <a:r>
               <a:rPr lang="en-US"/>
-              <a:t>© 2018, FLL Tutorials, Last Edit 8/27/2016</a:t>
+              <a:t>© 2018, FLL Tutorials, Last Edit 6/11/2018</a:t>
             </a:r>
           </a:p>
         </p:txBody>
@@ -9618,9 +9619,9 @@
           <a:bodyPr/>
           <a:lstStyle/>
           <a:p>
-            <a:fld id="{3544E4AC-DE74-40C2-AD91-C33AD60B0581}" type="datetime1">
+            <a:fld id="{9E532955-98D8-41E2-B6C5-3C3DFF1CB328}" type="datetime1">
               <a:rPr lang="en-US" smtClean="0"/>
-              <a:t>6/7/18</a:t>
+              <a:t>6/11/18</a:t>
             </a:fld>
             <a:endParaRPr lang="en-US"/>
           </a:p>
@@ -9666,7 +9667,7 @@
           <a:p>
             <a:r>
               <a:rPr lang="en-US"/>
-              <a:t>© 2018, FLL Tutorials, Last Edit 8/27/2016</a:t>
+              <a:t>© 2018, FLL Tutorials, Last Edit 6/11/2018</a:t>
             </a:r>
           </a:p>
         </p:txBody>
@@ -9913,9 +9914,9 @@
           <a:bodyPr/>
           <a:lstStyle/>
           <a:p>
-            <a:fld id="{733031BB-345D-4EDD-997C-1B46C2E513DF}" type="datetime1">
+            <a:fld id="{80C8E23A-0815-4CAE-A2F1-3D508DA9D03F}" type="datetime1">
               <a:rPr lang="en-US" smtClean="0"/>
-              <a:t>6/7/18</a:t>
+              <a:t>6/11/18</a:t>
             </a:fld>
             <a:endParaRPr lang="en-US"/>
           </a:p>
@@ -9938,7 +9939,7 @@
           <a:p>
             <a:r>
               <a:rPr lang="en-US"/>
-              <a:t>© 2018, FLL Tutorials, Last Edit 8/27/2016</a:t>
+              <a:t>© 2018, FLL Tutorials, Last Edit 6/11/2018</a:t>
             </a:r>
           </a:p>
         </p:txBody>
@@ -10359,9 +10360,9 @@
           <a:bodyPr/>
           <a:lstStyle/>
           <a:p>
-            <a:fld id="{99FEB651-5AD0-4959-B7BE-E032A8BE1AFC}" type="datetime1">
+            <a:fld id="{9D40EF57-3A56-4825-A4B5-4CFCC3339B56}" type="datetime1">
               <a:rPr lang="en-US" smtClean="0"/>
-              <a:t>6/7/18</a:t>
+              <a:t>6/11/18</a:t>
             </a:fld>
             <a:endParaRPr lang="en-US"/>
           </a:p>
@@ -10384,7 +10385,7 @@
           <a:p>
             <a:r>
               <a:rPr lang="en-US"/>
-              <a:t>© 2018, FLL Tutorials, Last Edit 8/27/2016</a:t>
+              <a:t>© 2018, FLL Tutorials, Last Edit 6/11/2018</a:t>
             </a:r>
           </a:p>
         </p:txBody>
@@ -10479,9 +10480,9 @@
           <a:bodyPr/>
           <a:lstStyle/>
           <a:p>
-            <a:fld id="{F40DFE16-6169-4FE2-88EA-644B23136C19}" type="datetime1">
+            <a:fld id="{30107764-E05B-4E1D-BFB0-70D0678DD171}" type="datetime1">
               <a:rPr lang="en-US" smtClean="0"/>
-              <a:t>6/7/18</a:t>
+              <a:t>6/11/18</a:t>
             </a:fld>
             <a:endParaRPr lang="en-US"/>
           </a:p>
@@ -10504,7 +10505,7 @@
           <a:p>
             <a:r>
               <a:rPr lang="en-US"/>
-              <a:t>© 2018, FLL Tutorials, Last Edit 8/27/2016</a:t>
+              <a:t>© 2018, FLL Tutorials, Last Edit 6/11/2018</a:t>
             </a:r>
           </a:p>
         </p:txBody>
@@ -10773,9 +10774,9 @@
           <a:bodyPr/>
           <a:lstStyle/>
           <a:p>
-            <a:fld id="{ADAAC898-CAA0-438F-B62D-0F510E08AA89}" type="datetime1">
+            <a:fld id="{0C2F84C3-D4B2-4D52-86CA-A583432BA632}" type="datetime1">
               <a:rPr lang="en-US" smtClean="0"/>
-              <a:t>6/7/18</a:t>
+              <a:t>6/11/18</a:t>
             </a:fld>
             <a:endParaRPr lang="en-US"/>
           </a:p>
@@ -10798,7 +10799,7 @@
           <a:p>
             <a:r>
               <a:rPr lang="en-US"/>
-              <a:t>© 2018, FLL Tutorials, Last Edit 8/27/2016</a:t>
+              <a:t>© 2018, FLL Tutorials, Last Edit 6/11/2018</a:t>
             </a:r>
           </a:p>
         </p:txBody>
@@ -10871,9 +10872,9 @@
           <a:bodyPr/>
           <a:lstStyle/>
           <a:p>
-            <a:fld id="{FEA7E0F1-62F0-449B-85A4-315AD1C1F1A5}" type="datetime1">
+            <a:fld id="{95A983C3-32C9-4C17-845E-80D1150DA2FB}" type="datetime1">
               <a:rPr lang="en-US" smtClean="0"/>
-              <a:t>6/7/18</a:t>
+              <a:t>6/11/18</a:t>
             </a:fld>
             <a:endParaRPr lang="en-US"/>
           </a:p>
@@ -10896,7 +10897,7 @@
           <a:p>
             <a:r>
               <a:rPr lang="en-US"/>
-              <a:t>© 2018, FLL Tutorials, Last Edit 8/27/2016</a:t>
+              <a:t>© 2018, FLL Tutorials, Last Edit 6/11/2018</a:t>
             </a:r>
           </a:p>
         </p:txBody>
@@ -11121,9 +11122,9 @@
           <a:bodyPr/>
           <a:lstStyle/>
           <a:p>
-            <a:fld id="{B1257BA8-AE80-4C7A-B47F-14256B3C4FC0}" type="datetime1">
+            <a:fld id="{F85B5E6B-90F7-4665-8E48-3670BEEE0604}" type="datetime1">
               <a:rPr lang="en-US" smtClean="0"/>
-              <a:t>6/7/18</a:t>
+              <a:t>6/11/18</a:t>
             </a:fld>
             <a:endParaRPr lang="en-US"/>
           </a:p>
@@ -11146,7 +11147,7 @@
           <a:p>
             <a:r>
               <a:rPr lang="en-US"/>
-              <a:t>© 2018, FLL Tutorials, Last Edit 8/27/2016</a:t>
+              <a:t>© 2018, FLL Tutorials, Last Edit 6/11/2018</a:t>
             </a:r>
           </a:p>
         </p:txBody>
@@ -11421,9 +11422,9 @@
           <a:bodyPr/>
           <a:lstStyle/>
           <a:p>
-            <a:fld id="{EDB8E9A1-1F01-4140-AA48-93D64D4AE5C3}" type="datetime1">
+            <a:fld id="{9B830DBF-2BC9-425D-9F4C-86CED9105534}" type="datetime1">
               <a:rPr lang="en-US" smtClean="0"/>
-              <a:t>6/7/18</a:t>
+              <a:t>6/11/18</a:t>
             </a:fld>
             <a:endParaRPr lang="en-US"/>
           </a:p>
@@ -11446,7 +11447,7 @@
           <a:p>
             <a:r>
               <a:rPr lang="en-US"/>
-              <a:t>© 2018, FLL Tutorials, Last Edit 8/27/2016</a:t>
+              <a:t>© 2018, FLL Tutorials, Last Edit 6/11/2018</a:t>
             </a:r>
           </a:p>
         </p:txBody>
@@ -11680,9 +11681,9 @@
           <a:bodyPr/>
           <a:lstStyle/>
           <a:p>
-            <a:fld id="{801ED603-A693-4767-A4B8-CEA6211CEC54}" type="datetime1">
+            <a:fld id="{36919D62-EE52-4308-8614-55E24F448CCA}" type="datetime1">
               <a:rPr lang="en-US" smtClean="0"/>
-              <a:t>6/7/18</a:t>
+              <a:t>6/11/18</a:t>
             </a:fld>
             <a:endParaRPr lang="en-US"/>
           </a:p>
@@ -11705,7 +11706,7 @@
           <a:p>
             <a:r>
               <a:rPr lang="en-US"/>
-              <a:t>© 2018, FLL Tutorials, Last Edit 8/27/2016</a:t>
+              <a:t>© 2018, FLL Tutorials, Last Edit 6/11/2018</a:t>
             </a:r>
           </a:p>
         </p:txBody>
@@ -11861,9 +11862,9 @@
           <a:bodyPr/>
           <a:lstStyle/>
           <a:p>
-            <a:fld id="{E36B2A9F-C0B6-4573-8BD8-C90A672FE5B8}" type="datetime1">
+            <a:fld id="{07AD0AEC-8302-456B-AE55-A88F3870DBD2}" type="datetime1">
               <a:rPr lang="en-US" smtClean="0"/>
-              <a:t>6/7/18</a:t>
+              <a:t>6/11/18</a:t>
             </a:fld>
             <a:endParaRPr lang="en-US"/>
           </a:p>
@@ -11886,7 +11887,7 @@
           <a:p>
             <a:r>
               <a:rPr lang="en-US"/>
-              <a:t>© 2018, FLL Tutorials, Last Edit 8/27/2016</a:t>
+              <a:t>© 2018, FLL Tutorials, Last Edit 6/11/2018</a:t>
             </a:r>
           </a:p>
         </p:txBody>
@@ -12077,9 +12078,9 @@
           <a:bodyPr/>
           <a:lstStyle/>
           <a:p>
-            <a:fld id="{0D17B86A-B7C5-4CBB-8802-FBFBAF475A6E}" type="datetime1">
+            <a:fld id="{3EC37A84-DEB3-48F7-84DA-0C986CA049BE}" type="datetime1">
               <a:rPr lang="en-US" smtClean="0"/>
-              <a:t>6/7/18</a:t>
+              <a:t>6/11/18</a:t>
             </a:fld>
             <a:endParaRPr lang="en-US"/>
           </a:p>
@@ -12107,7 +12108,7 @@
           <a:p>
             <a:r>
               <a:rPr lang="en-US"/>
-              <a:t>© 2018, FLL Tutorials, Last Edit 8/27/2016</a:t>
+              <a:t>© 2018, FLL Tutorials, Last Edit 6/11/2018</a:t>
             </a:r>
           </a:p>
         </p:txBody>
@@ -13333,9 +13334,9 @@
           <a:bodyPr/>
           <a:lstStyle/>
           <a:p>
-            <a:fld id="{845C66B3-856B-40F9-B414-A22D7EF905C2}" type="datetime1">
+            <a:fld id="{4BA13155-0401-4D8E-A80D-2BC638A00C15}" type="datetime1">
               <a:rPr lang="en-US" smtClean="0"/>
-              <a:t>6/7/18</a:t>
+              <a:t>6/11/18</a:t>
             </a:fld>
             <a:endParaRPr lang="en-US"/>
           </a:p>
@@ -13358,7 +13359,7 @@
           <a:p>
             <a:r>
               <a:rPr lang="en-US"/>
-              <a:t>© 2018, FLL Tutorials, Last Edit 8/27/2016</a:t>
+              <a:t>© 2018, FLL Tutorials, Last Edit 6/11/2018</a:t>
             </a:r>
           </a:p>
         </p:txBody>
@@ -13598,9 +13599,9 @@
           <a:bodyPr/>
           <a:lstStyle/>
           <a:p>
-            <a:fld id="{C2BE208E-D619-4210-92F2-2F128531214D}" type="datetime1">
+            <a:fld id="{2E0831E2-E710-43D9-9191-BA0AECABF2CA}" type="datetime1">
               <a:rPr lang="en-US" smtClean="0"/>
-              <a:t>6/7/18</a:t>
+              <a:t>6/11/18</a:t>
             </a:fld>
             <a:endParaRPr lang="en-US"/>
           </a:p>
@@ -13654,7 +13655,7 @@
           <a:p>
             <a:r>
               <a:rPr lang="en-US"/>
-              <a:t>© 2018, FLL Tutorials, Last Edit 8/27/2016</a:t>
+              <a:t>© 2018, FLL Tutorials, Last Edit 6/11/2018</a:t>
             </a:r>
           </a:p>
         </p:txBody>
@@ -13901,9 +13902,9 @@
           <a:bodyPr/>
           <a:lstStyle/>
           <a:p>
-            <a:fld id="{3A2E7143-FDF3-4444-BE4E-46F073232759}" type="datetime1">
+            <a:fld id="{DEA9ADC5-543E-4ABE-B1D9-B7A291052C77}" type="datetime1">
               <a:rPr lang="en-US" smtClean="0"/>
-              <a:t>6/7/18</a:t>
+              <a:t>6/11/18</a:t>
             </a:fld>
             <a:endParaRPr lang="en-US"/>
           </a:p>
@@ -13926,7 +13927,7 @@
           <a:p>
             <a:r>
               <a:rPr lang="en-US"/>
-              <a:t>© 2018, FLL Tutorials, Last Edit 8/27/2016</a:t>
+              <a:t>© 2018, FLL Tutorials, Last Edit 6/11/2018</a:t>
             </a:r>
           </a:p>
         </p:txBody>
@@ -14355,9 +14356,9 @@
           <a:bodyPr/>
           <a:lstStyle/>
           <a:p>
-            <a:fld id="{2A32254A-71E6-4DA0-AAB3-C06FFE80D4AC}" type="datetime1">
+            <a:fld id="{51DBE25E-14F9-4E67-BDCB-5E603FE4D0E5}" type="datetime1">
               <a:rPr lang="en-US" smtClean="0"/>
-              <a:t>6/7/18</a:t>
+              <a:t>6/11/18</a:t>
             </a:fld>
             <a:endParaRPr lang="en-US"/>
           </a:p>
@@ -14380,7 +14381,7 @@
           <a:p>
             <a:r>
               <a:rPr lang="en-US"/>
-              <a:t>© 2018, FLL Tutorials, Last Edit 8/27/2016</a:t>
+              <a:t>© 2018, FLL Tutorials, Last Edit 6/11/2018</a:t>
             </a:r>
           </a:p>
         </p:txBody>
@@ -14809,9 +14810,9 @@
           <a:bodyPr/>
           <a:lstStyle/>
           <a:p>
-            <a:fld id="{E6019942-7898-4A55-8D72-E77FDFD3C8A3}" type="datetime1">
+            <a:fld id="{4B71DA78-45E8-453A-8F81-407AC9091A8C}" type="datetime1">
               <a:rPr lang="en-US" smtClean="0"/>
-              <a:t>6/7/18</a:t>
+              <a:t>6/11/18</a:t>
             </a:fld>
             <a:endParaRPr lang="en-US"/>
           </a:p>
@@ -14834,7 +14835,7 @@
           <a:p>
             <a:r>
               <a:rPr lang="en-US"/>
-              <a:t>© 2018, FLL Tutorials, Last Edit 8/27/2016</a:t>
+              <a:t>© 2018, FLL Tutorials, Last Edit 6/11/2018</a:t>
             </a:r>
           </a:p>
         </p:txBody>
@@ -14929,9 +14930,9 @@
           <a:bodyPr/>
           <a:lstStyle/>
           <a:p>
-            <a:fld id="{B8368821-9688-4F83-9691-A9531FFB1C7F}" type="datetime1">
+            <a:fld id="{C9C5C0CB-6FC3-4067-B47E-6F85D2AE89DE}" type="datetime1">
               <a:rPr lang="en-US" smtClean="0"/>
-              <a:t>6/7/18</a:t>
+              <a:t>6/11/18</a:t>
             </a:fld>
             <a:endParaRPr lang="en-US"/>
           </a:p>
@@ -14954,7 +14955,7 @@
           <a:p>
             <a:r>
               <a:rPr lang="en-US"/>
-              <a:t>© 2018, FLL Tutorials, Last Edit 8/27/2016</a:t>
+              <a:t>© 2018, FLL Tutorials, Last Edit 6/11/2018</a:t>
             </a:r>
           </a:p>
         </p:txBody>
@@ -15035,9 +15036,9 @@
           <a:bodyPr/>
           <a:lstStyle/>
           <a:p>
-            <a:fld id="{8972E2AE-DD60-4C49-A59C-86ACBA982A96}" type="datetime1">
+            <a:fld id="{080869B4-F550-4C1E-90D4-E7F1A5BE39F5}" type="datetime1">
               <a:rPr lang="en-US" smtClean="0"/>
-              <a:t>6/7/18</a:t>
+              <a:t>6/11/18</a:t>
             </a:fld>
             <a:endParaRPr lang="en-US"/>
           </a:p>
@@ -15060,7 +15061,7 @@
           <a:p>
             <a:r>
               <a:rPr lang="en-US"/>
-              <a:t>© 2018, FLL Tutorials, Last Edit 8/27/2016</a:t>
+              <a:t>© 2018, FLL Tutorials, Last Edit 6/11/2018</a:t>
             </a:r>
           </a:p>
         </p:txBody>
@@ -15293,9 +15294,9 @@
           <a:bodyPr/>
           <a:lstStyle/>
           <a:p>
-            <a:fld id="{89B35CED-1158-4E98-97E6-51A112BDC5F9}" type="datetime1">
+            <a:fld id="{D6AB0868-D964-4C94-82A8-AF63CD5818BC}" type="datetime1">
               <a:rPr lang="en-US" smtClean="0"/>
-              <a:t>6/7/18</a:t>
+              <a:t>6/11/18</a:t>
             </a:fld>
             <a:endParaRPr lang="en-US"/>
           </a:p>
@@ -15318,7 +15319,7 @@
           <a:p>
             <a:r>
               <a:rPr lang="en-US"/>
-              <a:t>© 2018, FLL Tutorials, Last Edit 8/27/2016</a:t>
+              <a:t>© 2018, FLL Tutorials, Last Edit 6/11/2018</a:t>
             </a:r>
           </a:p>
         </p:txBody>
@@ -15601,9 +15602,9 @@
           <a:bodyPr/>
           <a:lstStyle/>
           <a:p>
-            <a:fld id="{BA835059-3A05-4D00-BBC4-018A5318FE84}" type="datetime1">
+            <a:fld id="{BCAA5ADF-E5ED-43C1-9768-0B5DB8BF6D46}" type="datetime1">
               <a:rPr lang="en-US" smtClean="0"/>
-              <a:t>6/7/18</a:t>
+              <a:t>6/11/18</a:t>
             </a:fld>
             <a:endParaRPr lang="en-US"/>
           </a:p>
@@ -15626,7 +15627,7 @@
           <a:p>
             <a:r>
               <a:rPr lang="en-US"/>
-              <a:t>© 2018, FLL Tutorials, Last Edit 8/27/2016</a:t>
+              <a:t>© 2018, FLL Tutorials, Last Edit 6/11/2018</a:t>
             </a:r>
           </a:p>
         </p:txBody>
@@ -15868,9 +15869,9 @@
           <a:bodyPr/>
           <a:lstStyle/>
           <a:p>
-            <a:fld id="{2161E1F7-18AB-4466-81F6-699B0F841FCE}" type="datetime1">
+            <a:fld id="{4DED7985-9FC0-4A2B-9806-911789A2287B}" type="datetime1">
               <a:rPr lang="en-US" smtClean="0"/>
-              <a:t>6/7/18</a:t>
+              <a:t>6/11/18</a:t>
             </a:fld>
             <a:endParaRPr lang="en-US"/>
           </a:p>
@@ -15893,7 +15894,7 @@
           <a:p>
             <a:r>
               <a:rPr lang="en-US"/>
-              <a:t>© 2018, FLL Tutorials, Last Edit 8/27/2016</a:t>
+              <a:t>© 2018, FLL Tutorials, Last Edit 6/11/2018</a:t>
             </a:r>
           </a:p>
         </p:txBody>
@@ -16057,9 +16058,9 @@
           <a:bodyPr/>
           <a:lstStyle/>
           <a:p>
-            <a:fld id="{CDE7D1A7-0690-45EF-B693-D4468EC1EE5D}" type="datetime1">
+            <a:fld id="{A76FDAD4-3C61-4DB1-814F-6D54BF333131}" type="datetime1">
               <a:rPr lang="en-US" smtClean="0"/>
-              <a:t>6/7/18</a:t>
+              <a:t>6/11/18</a:t>
             </a:fld>
             <a:endParaRPr lang="en-US"/>
           </a:p>
@@ -16082,7 +16083,7 @@
           <a:p>
             <a:r>
               <a:rPr lang="en-US"/>
-              <a:t>© 2018, FLL Tutorials, Last Edit 8/27/2016</a:t>
+              <a:t>© 2018, FLL Tutorials, Last Edit 6/11/2018</a:t>
             </a:r>
           </a:p>
         </p:txBody>
@@ -16258,9 +16259,9 @@
           <a:bodyPr/>
           <a:lstStyle/>
           <a:p>
-            <a:fld id="{00990A6F-F548-48EB-A1A9-F08F2D06024A}" type="datetime1">
+            <a:fld id="{C31BC068-87BD-406F-88E5-77BE914BECA8}" type="datetime1">
               <a:rPr lang="en-US" smtClean="0"/>
-              <a:t>6/7/18</a:t>
+              <a:t>6/11/18</a:t>
             </a:fld>
             <a:endParaRPr lang="en-US"/>
           </a:p>
@@ -16283,7 +16284,7 @@
           <a:p>
             <a:r>
               <a:rPr lang="en-US"/>
-              <a:t>© 2018, FLL Tutorials, Last Edit 8/27/2016</a:t>
+              <a:t>© 2018, FLL Tutorials, Last Edit 6/11/2018</a:t>
             </a:r>
           </a:p>
         </p:txBody>
@@ -16429,9 +16430,9 @@
           <a:bodyPr/>
           <a:lstStyle/>
           <a:p>
-            <a:fld id="{BF57925F-BA8E-4669-99DA-01E35E2B6CC6}" type="datetime1">
+            <a:fld id="{41151A02-28C1-4062-8854-57CB2E6E5566}" type="datetime1">
               <a:rPr lang="en-US" smtClean="0"/>
-              <a:t>6/7/18</a:t>
+              <a:t>6/11/18</a:t>
             </a:fld>
             <a:endParaRPr lang="en-US"/>
           </a:p>
@@ -16454,7 +16455,7 @@
           <a:p>
             <a:r>
               <a:rPr lang="en-US"/>
-              <a:t>© 2018, FLL Tutorials, Last Edit 8/27/2016</a:t>
+              <a:t>© 2018, FLL Tutorials, Last Edit 6/11/2018</a:t>
             </a:r>
           </a:p>
         </p:txBody>
@@ -16677,9 +16678,9 @@
           <a:bodyPr/>
           <a:lstStyle/>
           <a:p>
-            <a:fld id="{D7AFBE9F-0555-4F8E-AA68-E9C6EE9556F3}" type="datetime1">
+            <a:fld id="{20481B63-943C-4B17-BC03-8583CE948239}" type="datetime1">
               <a:rPr lang="en-US" smtClean="0"/>
-              <a:t>6/7/18</a:t>
+              <a:t>6/11/18</a:t>
             </a:fld>
             <a:endParaRPr lang="en-US"/>
           </a:p>
@@ -16702,7 +16703,7 @@
           <a:p>
             <a:r>
               <a:rPr lang="en-US"/>
-              <a:t>© 2018, FLL Tutorials, Last Edit 8/27/2016</a:t>
+              <a:t>© 2018, FLL Tutorials, Last Edit 6/11/2018</a:t>
             </a:r>
           </a:p>
         </p:txBody>
@@ -16909,9 +16910,9 @@
           <a:bodyPr/>
           <a:lstStyle/>
           <a:p>
-            <a:fld id="{9903D8AB-9001-4CDE-A4F1-DB932ED3E277}" type="datetime1">
+            <a:fld id="{3001E44F-71E0-480A-AF3B-BC8B85FB9996}" type="datetime1">
               <a:rPr lang="en-US" smtClean="0"/>
-              <a:t>6/7/18</a:t>
+              <a:t>6/11/18</a:t>
             </a:fld>
             <a:endParaRPr lang="en-US"/>
           </a:p>
@@ -16934,7 +16935,7 @@
           <a:p>
             <a:r>
               <a:rPr lang="en-US"/>
-              <a:t>© 2018, FLL Tutorials, Last Edit 8/27/2016</a:t>
+              <a:t>© 2018, FLL Tutorials, Last Edit 6/11/2018</a:t>
             </a:r>
           </a:p>
         </p:txBody>
@@ -17029,9 +17030,9 @@
           <a:bodyPr/>
           <a:lstStyle/>
           <a:p>
-            <a:fld id="{2658F60B-79D0-4A9E-B88A-CD9B0B06EC6D}" type="datetime1">
+            <a:fld id="{0B28274F-0EE8-4E6B-8945-EAD310FA67C1}" type="datetime1">
               <a:rPr lang="en-US" smtClean="0"/>
-              <a:t>6/7/18</a:t>
+              <a:t>6/11/18</a:t>
             </a:fld>
             <a:endParaRPr lang="en-US"/>
           </a:p>
@@ -17054,7 +17055,7 @@
           <a:p>
             <a:r>
               <a:rPr lang="en-US"/>
-              <a:t>© 2018, FLL Tutorials, Last Edit 8/27/2016</a:t>
+              <a:t>© 2018, FLL Tutorials, Last Edit 6/11/2018</a:t>
             </a:r>
           </a:p>
         </p:txBody>
@@ -17396,9 +17397,9 @@
           <a:bodyPr/>
           <a:lstStyle/>
           <a:p>
-            <a:fld id="{641150D6-A3B9-4D37-BE5B-6969A6DD3A75}" type="datetime1">
+            <a:fld id="{3626FAF3-102B-44C5-804D-CAE63DD79946}" type="datetime1">
               <a:rPr lang="en-US" smtClean="0"/>
-              <a:t>6/7/18</a:t>
+              <a:t>6/11/18</a:t>
             </a:fld>
             <a:endParaRPr lang="en-US"/>
           </a:p>
@@ -17421,7 +17422,7 @@
           <a:p>
             <a:r>
               <a:rPr lang="en-US"/>
-              <a:t>© 2018, FLL Tutorials, Last Edit 8/27/2016</a:t>
+              <a:t>© 2018, FLL Tutorials, Last Edit 6/11/2018</a:t>
             </a:r>
           </a:p>
         </p:txBody>
@@ -17516,9 +17517,9 @@
           <a:bodyPr/>
           <a:lstStyle/>
           <a:p>
-            <a:fld id="{683F3160-0F64-418C-AF10-954AE12DFDAE}" type="datetime1">
+            <a:fld id="{172857A0-9D31-4012-876E-9354E8BD5BF6}" type="datetime1">
               <a:rPr lang="en-US" smtClean="0"/>
-              <a:t>6/7/18</a:t>
+              <a:t>6/11/18</a:t>
             </a:fld>
             <a:endParaRPr lang="en-US"/>
           </a:p>
@@ -17541,7 +17542,7 @@
           <a:p>
             <a:r>
               <a:rPr lang="en-US"/>
-              <a:t>© 2018, FLL Tutorials, Last Edit 8/27/2016</a:t>
+              <a:t>© 2018, FLL Tutorials, Last Edit 6/11/2018</a:t>
             </a:r>
           </a:p>
         </p:txBody>
@@ -17614,9 +17615,9 @@
           <a:bodyPr/>
           <a:lstStyle/>
           <a:p>
-            <a:fld id="{5ECEF7DA-3102-4126-917E-0803F8AA52BD}" type="datetime1">
+            <a:fld id="{9434379A-E7D2-41C0-B190-BD36E71ECA93}" type="datetime1">
               <a:rPr lang="en-US" smtClean="0"/>
-              <a:t>6/7/18</a:t>
+              <a:t>6/11/18</a:t>
             </a:fld>
             <a:endParaRPr lang="en-US"/>
           </a:p>
@@ -17639,7 +17640,7 @@
           <a:p>
             <a:r>
               <a:rPr lang="en-US"/>
-              <a:t>© 2018, FLL Tutorials, Last Edit 8/27/2016</a:t>
+              <a:t>© 2018, FLL Tutorials, Last Edit 6/11/2018</a:t>
             </a:r>
           </a:p>
         </p:txBody>
@@ -17892,9 +17893,9 @@
           <a:bodyPr/>
           <a:lstStyle/>
           <a:p>
-            <a:fld id="{821DE0FF-A88E-4E6D-B157-1D3B3EF7FEF5}" type="datetime1">
+            <a:fld id="{2FC3B9A7-102B-41FE-A832-B47A76CC7FB5}" type="datetime1">
               <a:rPr lang="en-US" smtClean="0"/>
-              <a:t>6/7/18</a:t>
+              <a:t>6/11/18</a:t>
             </a:fld>
             <a:endParaRPr lang="en-US"/>
           </a:p>
@@ -17917,7 +17918,7 @@
           <a:p>
             <a:r>
               <a:rPr lang="en-US"/>
-              <a:t>© 2018, FLL Tutorials, Last Edit 8/27/2016</a:t>
+              <a:t>© 2018, FLL Tutorials, Last Edit 6/11/2018</a:t>
             </a:r>
           </a:p>
         </p:txBody>
@@ -18150,9 +18151,9 @@
           <a:bodyPr/>
           <a:lstStyle/>
           <a:p>
-            <a:fld id="{70278148-BEB9-4215-A171-14AEAD397C17}" type="datetime1">
+            <a:fld id="{076D8AA1-53A7-4C66-A53F-2750FB6975E5}" type="datetime1">
               <a:rPr lang="en-US" smtClean="0"/>
-              <a:t>6/7/18</a:t>
+              <a:t>6/11/18</a:t>
             </a:fld>
             <a:endParaRPr lang="en-US"/>
           </a:p>
@@ -18175,7 +18176,7 @@
           <a:p>
             <a:r>
               <a:rPr lang="en-US"/>
-              <a:t>© 2018, FLL Tutorials, Last Edit 8/27/2016</a:t>
+              <a:t>© 2018, FLL Tutorials, Last Edit 6/11/2018</a:t>
             </a:r>
           </a:p>
         </p:txBody>
@@ -18321,9 +18322,9 @@
           <a:bodyPr/>
           <a:lstStyle/>
           <a:p>
-            <a:fld id="{FE522EEE-2EFA-4825-B8E5-AD86278FEA01}" type="datetime1">
+            <a:fld id="{091AD8E3-0870-4197-A1E8-06A9E5ADE806}" type="datetime1">
               <a:rPr lang="en-US" smtClean="0"/>
-              <a:t>6/7/18</a:t>
+              <a:t>6/11/18</a:t>
             </a:fld>
             <a:endParaRPr lang="en-US"/>
           </a:p>
@@ -18346,7 +18347,7 @@
           <a:p>
             <a:r>
               <a:rPr lang="en-US"/>
-              <a:t>© 2018, FLL Tutorials, Last Edit 8/27/2016</a:t>
+              <a:t>© 2018, FLL Tutorials, Last Edit 6/11/2018</a:t>
             </a:r>
           </a:p>
         </p:txBody>
@@ -18502,9 +18503,9 @@
           <a:bodyPr/>
           <a:lstStyle/>
           <a:p>
-            <a:fld id="{59A0C88D-4184-401A-855E-56CF03137CEB}" type="datetime1">
+            <a:fld id="{3413E053-BF75-4782-9E99-1F0A36E66181}" type="datetime1">
               <a:rPr lang="en-US" smtClean="0"/>
-              <a:t>6/7/18</a:t>
+              <a:t>6/11/18</a:t>
             </a:fld>
             <a:endParaRPr lang="en-US"/>
           </a:p>
@@ -18527,7 +18528,7 @@
           <a:p>
             <a:r>
               <a:rPr lang="en-US"/>
-              <a:t>© 2018, FLL Tutorials, Last Edit 8/27/2016</a:t>
+              <a:t>© 2018, FLL Tutorials, Last Edit 6/11/2018</a:t>
             </a:r>
           </a:p>
         </p:txBody>
@@ -18559,6 +18560,1328 @@
     <p:extLst>
       <p:ext uri="{BB962C8B-B14F-4D97-AF65-F5344CB8AC3E}">
         <p14:creationId xmlns:p14="http://schemas.microsoft.com/office/powerpoint/2010/main" val="5720026"/>
+      </p:ext>
+    </p:extLst>
+  </p:cSld>
+  <p:clrMapOvr>
+    <a:masterClrMapping/>
+  </p:clrMapOvr>
+</p:sldLayout>
+</file>
+
+<file path=ppt/slideLayouts/slideLayout67.xml><?xml version="1.0" encoding="utf-8"?>
+<p:sldLayout xmlns:a="http://schemas.openxmlformats.org/drawingml/2006/main" xmlns:r="http://schemas.openxmlformats.org/officeDocument/2006/relationships" xmlns:p="http://schemas.openxmlformats.org/presentationml/2006/main" type="title" preserve="1">
+  <p:cSld name="Title Slide">
+    <p:spTree>
+      <p:nvGrpSpPr>
+        <p:cNvPr id="1" name=""/>
+        <p:cNvGrpSpPr/>
+        <p:nvPr/>
+      </p:nvGrpSpPr>
+      <p:grpSpPr>
+        <a:xfrm>
+          <a:off x="0" y="0"/>
+          <a:ext cx="0" cy="0"/>
+          <a:chOff x="0" y="0"/>
+          <a:chExt cx="0" cy="0"/>
+        </a:xfrm>
+      </p:grpSpPr>
+      <p:sp>
+        <p:nvSpPr>
+          <p:cNvPr id="7" name="Rectangle 6"/>
+          <p:cNvSpPr/>
+          <p:nvPr/>
+        </p:nvSpPr>
+        <p:spPr>
+          <a:xfrm>
+            <a:off x="448091" y="563880"/>
+            <a:ext cx="8240108" cy="5682175"/>
+          </a:xfrm>
+          <a:prstGeom prst="rect">
+            <a:avLst/>
+          </a:prstGeom>
+          <a:solidFill>
+            <a:schemeClr val="accent1"/>
+          </a:solidFill>
+          <a:ln>
+            <a:noFill/>
+          </a:ln>
+          <a:effectLst/>
+        </p:spPr>
+        <p:style>
+          <a:lnRef idx="1">
+            <a:schemeClr val="accent1"/>
+          </a:lnRef>
+          <a:fillRef idx="3">
+            <a:schemeClr val="accent1"/>
+          </a:fillRef>
+          <a:effectRef idx="2">
+            <a:schemeClr val="accent1"/>
+          </a:effectRef>
+          <a:fontRef idx="minor">
+            <a:schemeClr val="lt1"/>
+          </a:fontRef>
+        </p:style>
+      </p:sp>
+      <p:sp>
+        <p:nvSpPr>
+          <p:cNvPr id="2" name="Title 1"/>
+          <p:cNvSpPr>
+            <a:spLocks noGrp="1"/>
+          </p:cNvSpPr>
+          <p:nvPr>
+            <p:ph type="ctrTitle" hasCustomPrompt="1"/>
+          </p:nvPr>
+        </p:nvSpPr>
+        <p:spPr>
+          <a:xfrm>
+            <a:off x="581192" y="3936453"/>
+            <a:ext cx="7989752" cy="1033133"/>
+          </a:xfrm>
+          <a:ln>
+            <a:noFill/>
+          </a:ln>
+          <a:effectLst/>
+        </p:spPr>
+        <p:txBody>
+          <a:bodyPr anchor="b">
+            <a:normAutofit/>
+          </a:bodyPr>
+          <a:lstStyle>
+            <a:lvl1pPr algn="ctr">
+              <a:defRPr sz="3600">
+                <a:solidFill>
+                  <a:schemeClr val="bg1"/>
+                </a:solidFill>
+              </a:defRPr>
+            </a:lvl1pPr>
+          </a:lstStyle>
+          <a:p>
+            <a:r>
+              <a:rPr lang="en-US" dirty="0"/>
+              <a:t>title style</a:t>
+            </a:r>
+          </a:p>
+        </p:txBody>
+      </p:sp>
+      <p:sp>
+        <p:nvSpPr>
+          <p:cNvPr id="3" name="Subtitle 2"/>
+          <p:cNvSpPr>
+            <a:spLocks noGrp="1"/>
+          </p:cNvSpPr>
+          <p:nvPr>
+            <p:ph type="subTitle" idx="1"/>
+          </p:nvPr>
+        </p:nvSpPr>
+        <p:spPr>
+          <a:xfrm>
+            <a:off x="581192" y="5175772"/>
+            <a:ext cx="7989752" cy="590321"/>
+          </a:xfrm>
+          <a:ln>
+            <a:noFill/>
+          </a:ln>
+        </p:spPr>
+        <p:txBody>
+          <a:bodyPr anchor="t">
+            <a:normAutofit/>
+          </a:bodyPr>
+          <a:lstStyle>
+            <a:lvl1pPr marL="0" indent="0" algn="ctr">
+              <a:buNone/>
+              <a:defRPr sz="1600" cap="all">
+                <a:solidFill>
+                  <a:schemeClr val="bg1"/>
+                </a:solidFill>
+              </a:defRPr>
+            </a:lvl1pPr>
+            <a:lvl2pPr marL="457200" indent="0" algn="ctr">
+              <a:buNone/>
+              <a:defRPr>
+                <a:solidFill>
+                  <a:schemeClr val="tx1">
+                    <a:tint val="75000"/>
+                  </a:schemeClr>
+                </a:solidFill>
+              </a:defRPr>
+            </a:lvl2pPr>
+            <a:lvl3pPr marL="914400" indent="0" algn="ctr">
+              <a:buNone/>
+              <a:defRPr>
+                <a:solidFill>
+                  <a:schemeClr val="tx1">
+                    <a:tint val="75000"/>
+                  </a:schemeClr>
+                </a:solidFill>
+              </a:defRPr>
+            </a:lvl3pPr>
+            <a:lvl4pPr marL="1371600" indent="0" algn="ctr">
+              <a:buNone/>
+              <a:defRPr>
+                <a:solidFill>
+                  <a:schemeClr val="tx1">
+                    <a:tint val="75000"/>
+                  </a:schemeClr>
+                </a:solidFill>
+              </a:defRPr>
+            </a:lvl4pPr>
+            <a:lvl5pPr marL="1828800" indent="0" algn="ctr">
+              <a:buNone/>
+              <a:defRPr>
+                <a:solidFill>
+                  <a:schemeClr val="tx1">
+                    <a:tint val="75000"/>
+                  </a:schemeClr>
+                </a:solidFill>
+              </a:defRPr>
+            </a:lvl5pPr>
+            <a:lvl6pPr marL="2286000" indent="0" algn="ctr">
+              <a:buNone/>
+              <a:defRPr>
+                <a:solidFill>
+                  <a:schemeClr val="tx1">
+                    <a:tint val="75000"/>
+                  </a:schemeClr>
+                </a:solidFill>
+              </a:defRPr>
+            </a:lvl6pPr>
+            <a:lvl7pPr marL="2743200" indent="0" algn="ctr">
+              <a:buNone/>
+              <a:defRPr>
+                <a:solidFill>
+                  <a:schemeClr val="tx1">
+                    <a:tint val="75000"/>
+                  </a:schemeClr>
+                </a:solidFill>
+              </a:defRPr>
+            </a:lvl7pPr>
+            <a:lvl8pPr marL="3200400" indent="0" algn="ctr">
+              <a:buNone/>
+              <a:defRPr>
+                <a:solidFill>
+                  <a:schemeClr val="tx1">
+                    <a:tint val="75000"/>
+                  </a:schemeClr>
+                </a:solidFill>
+              </a:defRPr>
+            </a:lvl8pPr>
+            <a:lvl9pPr marL="3657600" indent="0" algn="ctr">
+              <a:buNone/>
+              <a:defRPr>
+                <a:solidFill>
+                  <a:schemeClr val="tx1">
+                    <a:tint val="75000"/>
+                  </a:schemeClr>
+                </a:solidFill>
+              </a:defRPr>
+            </a:lvl9pPr>
+          </a:lstStyle>
+          <a:p>
+            <a:r>
+              <a:rPr lang="en-US"/>
+              <a:t>Click to edit Master subtitle style</a:t>
+            </a:r>
+            <a:endParaRPr lang="en-US" dirty="0"/>
+          </a:p>
+        </p:txBody>
+      </p:sp>
+      <p:sp>
+        <p:nvSpPr>
+          <p:cNvPr id="4" name="Date Placeholder 3"/>
+          <p:cNvSpPr>
+            <a:spLocks noGrp="1"/>
+          </p:cNvSpPr>
+          <p:nvPr>
+            <p:ph type="dt" sz="half" idx="10"/>
+          </p:nvPr>
+        </p:nvSpPr>
+        <p:spPr>
+          <a:xfrm>
+            <a:off x="5559327" y="6392242"/>
+            <a:ext cx="2133600" cy="365125"/>
+          </a:xfrm>
+          <a:prstGeom prst="rect">
+            <a:avLst/>
+          </a:prstGeom>
+        </p:spPr>
+        <p:txBody>
+          <a:bodyPr/>
+          <a:lstStyle>
+            <a:lvl1pPr>
+              <a:defRPr>
+                <a:solidFill>
+                  <a:schemeClr val="accent1">
+                    <a:lumMod val="75000"/>
+                    <a:lumOff val="25000"/>
+                  </a:schemeClr>
+                </a:solidFill>
+              </a:defRPr>
+            </a:lvl1pPr>
+          </a:lstStyle>
+          <a:p>
+            <a:fld id="{42ED7603-56D4-4CC1-AC6F-1398B1472455}" type="datetime1">
+              <a:rPr lang="en-US" smtClean="0"/>
+              <a:t>6/11/18</a:t>
+            </a:fld>
+            <a:endParaRPr lang="en-US"/>
+          </a:p>
+        </p:txBody>
+      </p:sp>
+      <p:sp>
+        <p:nvSpPr>
+          <p:cNvPr id="5" name="Footer Placeholder 4"/>
+          <p:cNvSpPr>
+            <a:spLocks noGrp="1"/>
+          </p:cNvSpPr>
+          <p:nvPr>
+            <p:ph type="ftr" sz="quarter" idx="11"/>
+          </p:nvPr>
+        </p:nvSpPr>
+        <p:spPr>
+          <a:xfrm>
+            <a:off x="581192" y="6387916"/>
+            <a:ext cx="4870585" cy="365125"/>
+          </a:xfrm>
+          <a:prstGeom prst="rect">
+            <a:avLst/>
+          </a:prstGeom>
+        </p:spPr>
+        <p:txBody>
+          <a:bodyPr/>
+          <a:lstStyle>
+            <a:lvl1pPr>
+              <a:defRPr>
+                <a:solidFill>
+                  <a:schemeClr val="accent1">
+                    <a:lumMod val="75000"/>
+                    <a:lumOff val="25000"/>
+                  </a:schemeClr>
+                </a:solidFill>
+              </a:defRPr>
+            </a:lvl1pPr>
+          </a:lstStyle>
+          <a:p>
+            <a:r>
+              <a:rPr lang="en-US"/>
+              <a:t>© 2018, FLL Tutorials, Last Edit 6/11/2018</a:t>
+            </a:r>
+          </a:p>
+        </p:txBody>
+      </p:sp>
+      <p:sp>
+        <p:nvSpPr>
+          <p:cNvPr id="6" name="Slide Number Placeholder 5"/>
+          <p:cNvSpPr>
+            <a:spLocks noGrp="1"/>
+          </p:cNvSpPr>
+          <p:nvPr>
+            <p:ph type="sldNum" sz="quarter" idx="12"/>
+          </p:nvPr>
+        </p:nvSpPr>
+        <p:spPr>
+          <a:xfrm>
+            <a:off x="7800476" y="6392242"/>
+            <a:ext cx="770468" cy="365125"/>
+          </a:xfrm>
+          <a:prstGeom prst="rect">
+            <a:avLst/>
+          </a:prstGeom>
+        </p:spPr>
+        <p:txBody>
+          <a:bodyPr/>
+          <a:lstStyle>
+            <a:lvl1pPr>
+              <a:defRPr>
+                <a:solidFill>
+                  <a:schemeClr val="accent1">
+                    <a:lumMod val="75000"/>
+                    <a:lumOff val="25000"/>
+                  </a:schemeClr>
+                </a:solidFill>
+              </a:defRPr>
+            </a:lvl1pPr>
+          </a:lstStyle>
+          <a:p>
+            <a:fld id="{4DBC7FC8-25FB-FC45-8177-2B991DA6778C}" type="slidenum">
+              <a:rPr lang="en-US" smtClean="0"/>
+              <a:t>‹#›</a:t>
+            </a:fld>
+            <a:endParaRPr lang="en-US"/>
+          </a:p>
+        </p:txBody>
+      </p:sp>
+      <p:pic>
+        <p:nvPicPr>
+          <p:cNvPr id="8" name="Picture 7">
+            <a:extLst>
+              <a:ext uri="{FF2B5EF4-FFF2-40B4-BE49-F238E27FC236}">
+                <a16:creationId xmlns:a16="http://schemas.microsoft.com/office/drawing/2014/main" id="{D4B45051-E032-1249-AC8B-C5EB1B15FB44}"/>
+              </a:ext>
+            </a:extLst>
+          </p:cNvPr>
+          <p:cNvPicPr>
+            <a:picLocks noChangeAspect="1"/>
+          </p:cNvPicPr>
+          <p:nvPr/>
+        </p:nvPicPr>
+        <p:blipFill rotWithShape="1">
+          <a:blip r:embed="rId2" cstate="print">
+            <a:extLst>
+              <a:ext uri="{28A0092B-C50C-407E-A947-70E740481C1C}">
+                <a14:useLocalDpi xmlns:a14="http://schemas.microsoft.com/office/drawing/2010/main"/>
+              </a:ext>
+            </a:extLst>
+          </a:blip>
+          <a:srcRect/>
+          <a:stretch/>
+        </p:blipFill>
+        <p:spPr>
+          <a:xfrm>
+            <a:off x="335280" y="563880"/>
+            <a:ext cx="8488680" cy="2915504"/>
+          </a:xfrm>
+          <a:prstGeom prst="rect">
+            <a:avLst/>
+          </a:prstGeom>
+        </p:spPr>
+      </p:pic>
+    </p:spTree>
+    <p:extLst>
+      <p:ext uri="{BB962C8B-B14F-4D97-AF65-F5344CB8AC3E}">
+        <p14:creationId xmlns:p14="http://schemas.microsoft.com/office/powerpoint/2010/main" val="3680604833"/>
+      </p:ext>
+    </p:extLst>
+  </p:cSld>
+  <p:clrMapOvr>
+    <a:masterClrMapping/>
+  </p:clrMapOvr>
+</p:sldLayout>
+</file>
+
+<file path=ppt/slideLayouts/slideLayout68.xml><?xml version="1.0" encoding="utf-8"?>
+<p:sldLayout xmlns:a="http://schemas.openxmlformats.org/drawingml/2006/main" xmlns:r="http://schemas.openxmlformats.org/officeDocument/2006/relationships" xmlns:p="http://schemas.openxmlformats.org/presentationml/2006/main" type="obj" preserve="1">
+  <p:cSld name="Title and Content">
+    <p:spTree>
+      <p:nvGrpSpPr>
+        <p:cNvPr id="1" name=""/>
+        <p:cNvGrpSpPr/>
+        <p:nvPr/>
+      </p:nvGrpSpPr>
+      <p:grpSpPr>
+        <a:xfrm>
+          <a:off x="0" y="0"/>
+          <a:ext cx="0" cy="0"/>
+          <a:chOff x="0" y="0"/>
+          <a:chExt cx="0" cy="0"/>
+        </a:xfrm>
+      </p:grpSpPr>
+      <p:sp>
+        <p:nvSpPr>
+          <p:cNvPr id="7" name="Rectangle 6"/>
+          <p:cNvSpPr>
+            <a:spLocks noChangeAspect="1"/>
+          </p:cNvSpPr>
+          <p:nvPr/>
+        </p:nvSpPr>
+        <p:spPr>
+          <a:xfrm>
+            <a:off x="448092" y="599725"/>
+            <a:ext cx="8238707" cy="818109"/>
+          </a:xfrm>
+          <a:prstGeom prst="rect">
+            <a:avLst/>
+          </a:prstGeom>
+          <a:solidFill>
+            <a:schemeClr val="accent1"/>
+          </a:solidFill>
+          <a:ln>
+            <a:noFill/>
+          </a:ln>
+          <a:effectLst/>
+        </p:spPr>
+        <p:style>
+          <a:lnRef idx="1">
+            <a:schemeClr val="accent1"/>
+          </a:lnRef>
+          <a:fillRef idx="3">
+            <a:schemeClr val="accent1"/>
+          </a:fillRef>
+          <a:effectRef idx="2">
+            <a:schemeClr val="accent1"/>
+          </a:effectRef>
+          <a:fontRef idx="minor">
+            <a:schemeClr val="lt1"/>
+          </a:fontRef>
+        </p:style>
+      </p:sp>
+      <p:sp>
+        <p:nvSpPr>
+          <p:cNvPr id="2" name="Title 1"/>
+          <p:cNvSpPr>
+            <a:spLocks noGrp="1"/>
+          </p:cNvSpPr>
+          <p:nvPr>
+            <p:ph type="title"/>
+          </p:nvPr>
+        </p:nvSpPr>
+        <p:spPr>
+          <a:xfrm>
+            <a:off x="581192" y="687475"/>
+            <a:ext cx="7989752" cy="596796"/>
+          </a:xfrm>
+        </p:spPr>
+        <p:txBody>
+          <a:bodyPr/>
+          <a:lstStyle/>
+          <a:p>
+            <a:r>
+              <a:rPr lang="en-US"/>
+              <a:t>Click to edit Master title style</a:t>
+            </a:r>
+            <a:endParaRPr lang="en-US" dirty="0"/>
+          </a:p>
+        </p:txBody>
+      </p:sp>
+      <p:sp>
+        <p:nvSpPr>
+          <p:cNvPr id="3" name="Content Placeholder 2"/>
+          <p:cNvSpPr>
+            <a:spLocks noGrp="1"/>
+          </p:cNvSpPr>
+          <p:nvPr>
+            <p:ph idx="1"/>
+          </p:nvPr>
+        </p:nvSpPr>
+        <p:spPr>
+          <a:xfrm>
+            <a:off x="448091" y="1505583"/>
+            <a:ext cx="8238707" cy="4353215"/>
+          </a:xfrm>
+        </p:spPr>
+        <p:txBody>
+          <a:bodyPr anchor="t"/>
+          <a:lstStyle>
+            <a:lvl1pPr>
+              <a:defRPr sz="3600"/>
+            </a:lvl1pPr>
+            <a:lvl2pPr>
+              <a:defRPr sz="3200"/>
+            </a:lvl2pPr>
+            <a:lvl3pPr>
+              <a:defRPr sz="2800"/>
+            </a:lvl3pPr>
+            <a:lvl4pPr>
+              <a:defRPr sz="2400"/>
+            </a:lvl4pPr>
+            <a:lvl5pPr>
+              <a:defRPr sz="2400"/>
+            </a:lvl5pPr>
+          </a:lstStyle>
+          <a:p>
+            <a:pPr lvl="0"/>
+            <a:r>
+              <a:rPr lang="en-US"/>
+              <a:t>Edit Master text styles</a:t>
+            </a:r>
+          </a:p>
+          <a:p>
+            <a:pPr lvl="1"/>
+            <a:r>
+              <a:rPr lang="en-US"/>
+              <a:t>Second level</a:t>
+            </a:r>
+          </a:p>
+          <a:p>
+            <a:pPr lvl="2"/>
+            <a:r>
+              <a:rPr lang="en-US"/>
+              <a:t>Third level</a:t>
+            </a:r>
+          </a:p>
+          <a:p>
+            <a:pPr lvl="3"/>
+            <a:r>
+              <a:rPr lang="en-US"/>
+              <a:t>Fourth level</a:t>
+            </a:r>
+          </a:p>
+          <a:p>
+            <a:pPr lvl="4"/>
+            <a:r>
+              <a:rPr lang="en-US"/>
+              <a:t>Fifth level</a:t>
+            </a:r>
+            <a:endParaRPr lang="en-US" dirty="0"/>
+          </a:p>
+        </p:txBody>
+      </p:sp>
+      <p:sp>
+        <p:nvSpPr>
+          <p:cNvPr id="8" name="Date Placeholder 3">
+            <a:extLst>
+              <a:ext uri="{FF2B5EF4-FFF2-40B4-BE49-F238E27FC236}">
+                <a16:creationId xmlns:a16="http://schemas.microsoft.com/office/drawing/2014/main" id="{5E510904-FE82-B349-843E-834D82D5778E}"/>
+              </a:ext>
+            </a:extLst>
+          </p:cNvPr>
+          <p:cNvSpPr>
+            <a:spLocks noGrp="1"/>
+          </p:cNvSpPr>
+          <p:nvPr>
+            <p:ph type="dt" sz="half" idx="10"/>
+          </p:nvPr>
+        </p:nvSpPr>
+        <p:spPr>
+          <a:xfrm>
+            <a:off x="5559327" y="6392242"/>
+            <a:ext cx="2133600" cy="365125"/>
+          </a:xfrm>
+        </p:spPr>
+        <p:txBody>
+          <a:bodyPr/>
+          <a:lstStyle>
+            <a:lvl1pPr>
+              <a:defRPr>
+                <a:solidFill>
+                  <a:schemeClr val="accent1">
+                    <a:lumMod val="75000"/>
+                    <a:lumOff val="25000"/>
+                  </a:schemeClr>
+                </a:solidFill>
+              </a:defRPr>
+            </a:lvl1pPr>
+          </a:lstStyle>
+          <a:p>
+            <a:fld id="{97BDCD33-FCAA-41D2-8DDA-AAF09E680406}" type="datetime1">
+              <a:rPr lang="en-US" smtClean="0"/>
+              <a:t>6/11/18</a:t>
+            </a:fld>
+            <a:endParaRPr lang="en-US"/>
+          </a:p>
+        </p:txBody>
+      </p:sp>
+      <p:sp>
+        <p:nvSpPr>
+          <p:cNvPr id="9" name="Footer Placeholder 4">
+            <a:extLst>
+              <a:ext uri="{FF2B5EF4-FFF2-40B4-BE49-F238E27FC236}">
+                <a16:creationId xmlns:a16="http://schemas.microsoft.com/office/drawing/2014/main" id="{E48965D5-4E22-4D4C-B0D3-4AEC700831CA}"/>
+              </a:ext>
+            </a:extLst>
+          </p:cNvPr>
+          <p:cNvSpPr>
+            <a:spLocks noGrp="1"/>
+          </p:cNvSpPr>
+          <p:nvPr>
+            <p:ph type="ftr" sz="quarter" idx="11"/>
+          </p:nvPr>
+        </p:nvSpPr>
+        <p:spPr>
+          <a:xfrm>
+            <a:off x="581192" y="6387916"/>
+            <a:ext cx="4870585" cy="365125"/>
+          </a:xfrm>
+        </p:spPr>
+        <p:txBody>
+          <a:bodyPr/>
+          <a:lstStyle>
+            <a:lvl1pPr>
+              <a:defRPr>
+                <a:solidFill>
+                  <a:schemeClr val="accent1">
+                    <a:lumMod val="75000"/>
+                    <a:lumOff val="25000"/>
+                  </a:schemeClr>
+                </a:solidFill>
+              </a:defRPr>
+            </a:lvl1pPr>
+          </a:lstStyle>
+          <a:p>
+            <a:r>
+              <a:rPr lang="en-US"/>
+              <a:t>© 2018, FLL Tutorials, Last Edit 6/11/2018</a:t>
+            </a:r>
+          </a:p>
+        </p:txBody>
+      </p:sp>
+      <p:sp>
+        <p:nvSpPr>
+          <p:cNvPr id="10" name="Slide Number Placeholder 5">
+            <a:extLst>
+              <a:ext uri="{FF2B5EF4-FFF2-40B4-BE49-F238E27FC236}">
+                <a16:creationId xmlns:a16="http://schemas.microsoft.com/office/drawing/2014/main" id="{65AB5AFF-5E76-4041-B3D5-669547C07AE0}"/>
+              </a:ext>
+            </a:extLst>
+          </p:cNvPr>
+          <p:cNvSpPr>
+            <a:spLocks noGrp="1"/>
+          </p:cNvSpPr>
+          <p:nvPr>
+            <p:ph type="sldNum" sz="quarter" idx="12"/>
+          </p:nvPr>
+        </p:nvSpPr>
+        <p:spPr>
+          <a:xfrm>
+            <a:off x="7800476" y="6392242"/>
+            <a:ext cx="770468" cy="365125"/>
+          </a:xfrm>
+        </p:spPr>
+        <p:txBody>
+          <a:bodyPr/>
+          <a:lstStyle>
+            <a:lvl1pPr>
+              <a:defRPr>
+                <a:solidFill>
+                  <a:schemeClr val="accent1">
+                    <a:lumMod val="75000"/>
+                    <a:lumOff val="25000"/>
+                  </a:schemeClr>
+                </a:solidFill>
+              </a:defRPr>
+            </a:lvl1pPr>
+          </a:lstStyle>
+          <a:p>
+            <a:fld id="{4DBC7FC8-25FB-FC45-8177-2B991DA6778C}" type="slidenum">
+              <a:rPr lang="en-US" smtClean="0"/>
+              <a:t>‹#›</a:t>
+            </a:fld>
+            <a:endParaRPr lang="en-US" dirty="0"/>
+          </a:p>
+        </p:txBody>
+      </p:sp>
+    </p:spTree>
+    <p:extLst>
+      <p:ext uri="{BB962C8B-B14F-4D97-AF65-F5344CB8AC3E}">
+        <p14:creationId xmlns:p14="http://schemas.microsoft.com/office/powerpoint/2010/main" val="2100434286"/>
+      </p:ext>
+    </p:extLst>
+  </p:cSld>
+  <p:clrMapOvr>
+    <a:masterClrMapping/>
+  </p:clrMapOvr>
+</p:sldLayout>
+</file>
+
+<file path=ppt/slideLayouts/slideLayout69.xml><?xml version="1.0" encoding="utf-8"?>
+<p:sldLayout xmlns:a="http://schemas.openxmlformats.org/drawingml/2006/main" xmlns:r="http://schemas.openxmlformats.org/officeDocument/2006/relationships" xmlns:p="http://schemas.openxmlformats.org/presentationml/2006/main" type="secHead" preserve="1">
+  <p:cSld name="Section Header">
+    <p:spTree>
+      <p:nvGrpSpPr>
+        <p:cNvPr id="1" name=""/>
+        <p:cNvGrpSpPr/>
+        <p:nvPr/>
+      </p:nvGrpSpPr>
+      <p:grpSpPr>
+        <a:xfrm>
+          <a:off x="0" y="0"/>
+          <a:ext cx="0" cy="0"/>
+          <a:chOff x="0" y="0"/>
+          <a:chExt cx="0" cy="0"/>
+        </a:xfrm>
+      </p:grpSpPr>
+      <p:sp>
+        <p:nvSpPr>
+          <p:cNvPr id="8" name="Rectangle 7"/>
+          <p:cNvSpPr>
+            <a:spLocks noChangeAspect="1"/>
+          </p:cNvSpPr>
+          <p:nvPr/>
+        </p:nvSpPr>
+        <p:spPr>
+          <a:xfrm>
+            <a:off x="452646" y="5141973"/>
+            <a:ext cx="8238707" cy="1258827"/>
+          </a:xfrm>
+          <a:prstGeom prst="rect">
+            <a:avLst/>
+          </a:prstGeom>
+          <a:solidFill>
+            <a:schemeClr val="accent1"/>
+          </a:solidFill>
+          <a:ln>
+            <a:noFill/>
+          </a:ln>
+          <a:effectLst/>
+        </p:spPr>
+        <p:style>
+          <a:lnRef idx="1">
+            <a:schemeClr val="accent1"/>
+          </a:lnRef>
+          <a:fillRef idx="3">
+            <a:schemeClr val="accent1"/>
+          </a:fillRef>
+          <a:effectRef idx="2">
+            <a:schemeClr val="accent1"/>
+          </a:effectRef>
+          <a:fontRef idx="minor">
+            <a:schemeClr val="lt1"/>
+          </a:fontRef>
+        </p:style>
+      </p:sp>
+      <p:sp>
+        <p:nvSpPr>
+          <p:cNvPr id="2" name="Title 1"/>
+          <p:cNvSpPr>
+            <a:spLocks noGrp="1"/>
+          </p:cNvSpPr>
+          <p:nvPr>
+            <p:ph type="title"/>
+          </p:nvPr>
+        </p:nvSpPr>
+        <p:spPr>
+          <a:xfrm>
+            <a:off x="581193" y="3036573"/>
+            <a:ext cx="7989751" cy="1504844"/>
+          </a:xfrm>
+        </p:spPr>
+        <p:txBody>
+          <a:bodyPr anchor="b">
+            <a:normAutofit/>
+          </a:bodyPr>
+          <a:lstStyle>
+            <a:lvl1pPr algn="l">
+              <a:defRPr sz="3600" b="0" cap="all">
+                <a:solidFill>
+                  <a:schemeClr val="accent1"/>
+                </a:solidFill>
+              </a:defRPr>
+            </a:lvl1pPr>
+          </a:lstStyle>
+          <a:p>
+            <a:r>
+              <a:rPr lang="en-US"/>
+              <a:t>Click to edit Master title style</a:t>
+            </a:r>
+            <a:endParaRPr lang="en-US" dirty="0"/>
+          </a:p>
+        </p:txBody>
+      </p:sp>
+      <p:sp>
+        <p:nvSpPr>
+          <p:cNvPr id="3" name="Text Placeholder 2"/>
+          <p:cNvSpPr>
+            <a:spLocks noGrp="1"/>
+          </p:cNvSpPr>
+          <p:nvPr>
+            <p:ph type="body" idx="1"/>
+          </p:nvPr>
+        </p:nvSpPr>
+        <p:spPr>
+          <a:xfrm>
+            <a:off x="581193" y="4541417"/>
+            <a:ext cx="7989751" cy="600556"/>
+          </a:xfrm>
+        </p:spPr>
+        <p:txBody>
+          <a:bodyPr anchor="t">
+            <a:normAutofit/>
+          </a:bodyPr>
+          <a:lstStyle>
+            <a:lvl1pPr marL="0" indent="0" algn="l">
+              <a:buNone/>
+              <a:defRPr sz="1800" cap="all">
+                <a:solidFill>
+                  <a:schemeClr val="accent2"/>
+                </a:solidFill>
+              </a:defRPr>
+            </a:lvl1pPr>
+            <a:lvl2pPr marL="457200" indent="0">
+              <a:buNone/>
+              <a:defRPr sz="1800">
+                <a:solidFill>
+                  <a:schemeClr val="tx1">
+                    <a:tint val="75000"/>
+                  </a:schemeClr>
+                </a:solidFill>
+              </a:defRPr>
+            </a:lvl2pPr>
+            <a:lvl3pPr marL="914400" indent="0">
+              <a:buNone/>
+              <a:defRPr sz="1600">
+                <a:solidFill>
+                  <a:schemeClr val="tx1">
+                    <a:tint val="75000"/>
+                  </a:schemeClr>
+                </a:solidFill>
+              </a:defRPr>
+            </a:lvl3pPr>
+            <a:lvl4pPr marL="1371600" indent="0">
+              <a:buNone/>
+              <a:defRPr sz="1400">
+                <a:solidFill>
+                  <a:schemeClr val="tx1">
+                    <a:tint val="75000"/>
+                  </a:schemeClr>
+                </a:solidFill>
+              </a:defRPr>
+            </a:lvl4pPr>
+            <a:lvl5pPr marL="1828800" indent="0">
+              <a:buNone/>
+              <a:defRPr sz="1400">
+                <a:solidFill>
+                  <a:schemeClr val="tx1">
+                    <a:tint val="75000"/>
+                  </a:schemeClr>
+                </a:solidFill>
+              </a:defRPr>
+            </a:lvl5pPr>
+            <a:lvl6pPr marL="2286000" indent="0">
+              <a:buNone/>
+              <a:defRPr sz="1400">
+                <a:solidFill>
+                  <a:schemeClr val="tx1">
+                    <a:tint val="75000"/>
+                  </a:schemeClr>
+                </a:solidFill>
+              </a:defRPr>
+            </a:lvl6pPr>
+            <a:lvl7pPr marL="2743200" indent="0">
+              <a:buNone/>
+              <a:defRPr sz="1400">
+                <a:solidFill>
+                  <a:schemeClr val="tx1">
+                    <a:tint val="75000"/>
+                  </a:schemeClr>
+                </a:solidFill>
+              </a:defRPr>
+            </a:lvl7pPr>
+            <a:lvl8pPr marL="3200400" indent="0">
+              <a:buNone/>
+              <a:defRPr sz="1400">
+                <a:solidFill>
+                  <a:schemeClr val="tx1">
+                    <a:tint val="75000"/>
+                  </a:schemeClr>
+                </a:solidFill>
+              </a:defRPr>
+            </a:lvl8pPr>
+            <a:lvl9pPr marL="3657600" indent="0">
+              <a:buNone/>
+              <a:defRPr sz="1400">
+                <a:solidFill>
+                  <a:schemeClr val="tx1">
+                    <a:tint val="75000"/>
+                  </a:schemeClr>
+                </a:solidFill>
+              </a:defRPr>
+            </a:lvl9pPr>
+          </a:lstStyle>
+          <a:p>
+            <a:pPr lvl="0"/>
+            <a:r>
+              <a:rPr lang="en-US"/>
+              <a:t>Edit Master text styles</a:t>
+            </a:r>
+          </a:p>
+        </p:txBody>
+      </p:sp>
+      <p:sp>
+        <p:nvSpPr>
+          <p:cNvPr id="9" name="Date Placeholder 3">
+            <a:extLst>
+              <a:ext uri="{FF2B5EF4-FFF2-40B4-BE49-F238E27FC236}">
+                <a16:creationId xmlns:a16="http://schemas.microsoft.com/office/drawing/2014/main" id="{52362C45-CC3C-1C41-89EF-9E39AB823873}"/>
+              </a:ext>
+            </a:extLst>
+          </p:cNvPr>
+          <p:cNvSpPr txBox="1">
+            <a:spLocks/>
+          </p:cNvSpPr>
+          <p:nvPr/>
+        </p:nvSpPr>
+        <p:spPr>
+          <a:xfrm>
+            <a:off x="5559327" y="6392242"/>
+            <a:ext cx="2133600" cy="365125"/>
+          </a:xfrm>
+          <a:prstGeom prst="rect">
+            <a:avLst/>
+          </a:prstGeom>
+        </p:spPr>
+        <p:txBody>
+          <a:bodyPr vert="horz" lIns="91440" tIns="45720" rIns="91440" bIns="45720" rtlCol="0" anchor="ctr"/>
+          <a:lstStyle>
+            <a:defPPr>
+              <a:defRPr lang="en-US"/>
+            </a:defPPr>
+            <a:lvl1pPr marL="0" algn="r" defTabSz="457200" rtl="0" eaLnBrk="1" latinLnBrk="0" hangingPunct="1">
+              <a:defRPr sz="900" kern="1200">
+                <a:solidFill>
+                  <a:schemeClr val="accent1">
+                    <a:lumMod val="75000"/>
+                    <a:lumOff val="25000"/>
+                  </a:schemeClr>
+                </a:solidFill>
+                <a:latin typeface="+mn-lt"/>
+                <a:ea typeface="+mn-ea"/>
+                <a:cs typeface="+mn-cs"/>
+              </a:defRPr>
+            </a:lvl1pPr>
+            <a:lvl2pPr marL="457200" algn="l" defTabSz="457200" rtl="0" eaLnBrk="1" latinLnBrk="0" hangingPunct="1">
+              <a:defRPr sz="1800" kern="1200">
+                <a:solidFill>
+                  <a:schemeClr val="tx1"/>
+                </a:solidFill>
+                <a:latin typeface="+mn-lt"/>
+                <a:ea typeface="+mn-ea"/>
+                <a:cs typeface="+mn-cs"/>
+              </a:defRPr>
+            </a:lvl2pPr>
+            <a:lvl3pPr marL="914400" algn="l" defTabSz="457200" rtl="0" eaLnBrk="1" latinLnBrk="0" hangingPunct="1">
+              <a:defRPr sz="1800" kern="1200">
+                <a:solidFill>
+                  <a:schemeClr val="tx1"/>
+                </a:solidFill>
+                <a:latin typeface="+mn-lt"/>
+                <a:ea typeface="+mn-ea"/>
+                <a:cs typeface="+mn-cs"/>
+              </a:defRPr>
+            </a:lvl3pPr>
+            <a:lvl4pPr marL="1371600" algn="l" defTabSz="457200" rtl="0" eaLnBrk="1" latinLnBrk="0" hangingPunct="1">
+              <a:defRPr sz="1800" kern="1200">
+                <a:solidFill>
+                  <a:schemeClr val="tx1"/>
+                </a:solidFill>
+                <a:latin typeface="+mn-lt"/>
+                <a:ea typeface="+mn-ea"/>
+                <a:cs typeface="+mn-cs"/>
+              </a:defRPr>
+            </a:lvl4pPr>
+            <a:lvl5pPr marL="1828800" algn="l" defTabSz="457200" rtl="0" eaLnBrk="1" latinLnBrk="0" hangingPunct="1">
+              <a:defRPr sz="1800" kern="1200">
+                <a:solidFill>
+                  <a:schemeClr val="tx1"/>
+                </a:solidFill>
+                <a:latin typeface="+mn-lt"/>
+                <a:ea typeface="+mn-ea"/>
+                <a:cs typeface="+mn-cs"/>
+              </a:defRPr>
+            </a:lvl5pPr>
+            <a:lvl6pPr marL="2286000" algn="l" defTabSz="457200" rtl="0" eaLnBrk="1" latinLnBrk="0" hangingPunct="1">
+              <a:defRPr sz="1800" kern="1200">
+                <a:solidFill>
+                  <a:schemeClr val="tx1"/>
+                </a:solidFill>
+                <a:latin typeface="+mn-lt"/>
+                <a:ea typeface="+mn-ea"/>
+                <a:cs typeface="+mn-cs"/>
+              </a:defRPr>
+            </a:lvl6pPr>
+            <a:lvl7pPr marL="2743200" algn="l" defTabSz="457200" rtl="0" eaLnBrk="1" latinLnBrk="0" hangingPunct="1">
+              <a:defRPr sz="1800" kern="1200">
+                <a:solidFill>
+                  <a:schemeClr val="tx1"/>
+                </a:solidFill>
+                <a:latin typeface="+mn-lt"/>
+                <a:ea typeface="+mn-ea"/>
+                <a:cs typeface="+mn-cs"/>
+              </a:defRPr>
+            </a:lvl7pPr>
+            <a:lvl8pPr marL="3200400" algn="l" defTabSz="457200" rtl="0" eaLnBrk="1" latinLnBrk="0" hangingPunct="1">
+              <a:defRPr sz="1800" kern="1200">
+                <a:solidFill>
+                  <a:schemeClr val="tx1"/>
+                </a:solidFill>
+                <a:latin typeface="+mn-lt"/>
+                <a:ea typeface="+mn-ea"/>
+                <a:cs typeface="+mn-cs"/>
+              </a:defRPr>
+            </a:lvl8pPr>
+            <a:lvl9pPr marL="3657600" algn="l" defTabSz="457200" rtl="0" eaLnBrk="1" latinLnBrk="0" hangingPunct="1">
+              <a:defRPr sz="1800" kern="1200">
+                <a:solidFill>
+                  <a:schemeClr val="tx1"/>
+                </a:solidFill>
+                <a:latin typeface="+mn-lt"/>
+                <a:ea typeface="+mn-ea"/>
+                <a:cs typeface="+mn-cs"/>
+              </a:defRPr>
+            </a:lvl9pPr>
+          </a:lstStyle>
+          <a:p>
+            <a:r>
+              <a:rPr lang="en-US"/>
+              <a:t>Last Edit: </a:t>
+            </a:r>
+            <a:fld id="{B61BEF0D-F0BB-DE4B-95CE-6DB70DBA9567}" type="datetimeFigureOut">
+              <a:rPr lang="en-US" smtClean="0"/>
+              <a:pPr/>
+              <a:t>6/11/18</a:t>
+            </a:fld>
+            <a:endParaRPr lang="en-US" dirty="0"/>
+          </a:p>
+        </p:txBody>
+      </p:sp>
+      <p:sp>
+        <p:nvSpPr>
+          <p:cNvPr id="10" name="Footer Placeholder 4">
+            <a:extLst>
+              <a:ext uri="{FF2B5EF4-FFF2-40B4-BE49-F238E27FC236}">
+                <a16:creationId xmlns:a16="http://schemas.microsoft.com/office/drawing/2014/main" id="{99E8FBED-B055-2A4A-8E32-9CB6B48C25B3}"/>
+              </a:ext>
+            </a:extLst>
+          </p:cNvPr>
+          <p:cNvSpPr txBox="1">
+            <a:spLocks/>
+          </p:cNvSpPr>
+          <p:nvPr/>
+        </p:nvSpPr>
+        <p:spPr>
+          <a:xfrm>
+            <a:off x="581192" y="6387916"/>
+            <a:ext cx="4870585" cy="365125"/>
+          </a:xfrm>
+          <a:prstGeom prst="rect">
+            <a:avLst/>
+          </a:prstGeom>
+        </p:spPr>
+        <p:txBody>
+          <a:bodyPr vert="horz" lIns="91440" tIns="45720" rIns="91440" bIns="45720" rtlCol="0" anchor="ctr"/>
+          <a:lstStyle>
+            <a:defPPr>
+              <a:defRPr lang="en-US"/>
+            </a:defPPr>
+            <a:lvl1pPr marL="0" algn="l" defTabSz="457200" rtl="0" eaLnBrk="1" latinLnBrk="0" hangingPunct="1">
+              <a:defRPr sz="900" kern="1200" cap="all">
+                <a:solidFill>
+                  <a:schemeClr val="accent1">
+                    <a:lumMod val="75000"/>
+                    <a:lumOff val="25000"/>
+                  </a:schemeClr>
+                </a:solidFill>
+                <a:latin typeface="+mn-lt"/>
+                <a:ea typeface="+mn-ea"/>
+                <a:cs typeface="+mn-cs"/>
+              </a:defRPr>
+            </a:lvl1pPr>
+            <a:lvl2pPr marL="457200" algn="l" defTabSz="457200" rtl="0" eaLnBrk="1" latinLnBrk="0" hangingPunct="1">
+              <a:defRPr sz="1800" kern="1200">
+                <a:solidFill>
+                  <a:schemeClr val="tx1"/>
+                </a:solidFill>
+                <a:latin typeface="+mn-lt"/>
+                <a:ea typeface="+mn-ea"/>
+                <a:cs typeface="+mn-cs"/>
+              </a:defRPr>
+            </a:lvl2pPr>
+            <a:lvl3pPr marL="914400" algn="l" defTabSz="457200" rtl="0" eaLnBrk="1" latinLnBrk="0" hangingPunct="1">
+              <a:defRPr sz="1800" kern="1200">
+                <a:solidFill>
+                  <a:schemeClr val="tx1"/>
+                </a:solidFill>
+                <a:latin typeface="+mn-lt"/>
+                <a:ea typeface="+mn-ea"/>
+                <a:cs typeface="+mn-cs"/>
+              </a:defRPr>
+            </a:lvl3pPr>
+            <a:lvl4pPr marL="1371600" algn="l" defTabSz="457200" rtl="0" eaLnBrk="1" latinLnBrk="0" hangingPunct="1">
+              <a:defRPr sz="1800" kern="1200">
+                <a:solidFill>
+                  <a:schemeClr val="tx1"/>
+                </a:solidFill>
+                <a:latin typeface="+mn-lt"/>
+                <a:ea typeface="+mn-ea"/>
+                <a:cs typeface="+mn-cs"/>
+              </a:defRPr>
+            </a:lvl4pPr>
+            <a:lvl5pPr marL="1828800" algn="l" defTabSz="457200" rtl="0" eaLnBrk="1" latinLnBrk="0" hangingPunct="1">
+              <a:defRPr sz="1800" kern="1200">
+                <a:solidFill>
+                  <a:schemeClr val="tx1"/>
+                </a:solidFill>
+                <a:latin typeface="+mn-lt"/>
+                <a:ea typeface="+mn-ea"/>
+                <a:cs typeface="+mn-cs"/>
+              </a:defRPr>
+            </a:lvl5pPr>
+            <a:lvl6pPr marL="2286000" algn="l" defTabSz="457200" rtl="0" eaLnBrk="1" latinLnBrk="0" hangingPunct="1">
+              <a:defRPr sz="1800" kern="1200">
+                <a:solidFill>
+                  <a:schemeClr val="tx1"/>
+                </a:solidFill>
+                <a:latin typeface="+mn-lt"/>
+                <a:ea typeface="+mn-ea"/>
+                <a:cs typeface="+mn-cs"/>
+              </a:defRPr>
+            </a:lvl6pPr>
+            <a:lvl7pPr marL="2743200" algn="l" defTabSz="457200" rtl="0" eaLnBrk="1" latinLnBrk="0" hangingPunct="1">
+              <a:defRPr sz="1800" kern="1200">
+                <a:solidFill>
+                  <a:schemeClr val="tx1"/>
+                </a:solidFill>
+                <a:latin typeface="+mn-lt"/>
+                <a:ea typeface="+mn-ea"/>
+                <a:cs typeface="+mn-cs"/>
+              </a:defRPr>
+            </a:lvl7pPr>
+            <a:lvl8pPr marL="3200400" algn="l" defTabSz="457200" rtl="0" eaLnBrk="1" latinLnBrk="0" hangingPunct="1">
+              <a:defRPr sz="1800" kern="1200">
+                <a:solidFill>
+                  <a:schemeClr val="tx1"/>
+                </a:solidFill>
+                <a:latin typeface="+mn-lt"/>
+                <a:ea typeface="+mn-ea"/>
+                <a:cs typeface="+mn-cs"/>
+              </a:defRPr>
+            </a:lvl8pPr>
+            <a:lvl9pPr marL="3657600" algn="l" defTabSz="457200" rtl="0" eaLnBrk="1" latinLnBrk="0" hangingPunct="1">
+              <a:defRPr sz="1800" kern="1200">
+                <a:solidFill>
+                  <a:schemeClr val="tx1"/>
+                </a:solidFill>
+                <a:latin typeface="+mn-lt"/>
+                <a:ea typeface="+mn-ea"/>
+                <a:cs typeface="+mn-cs"/>
+              </a:defRPr>
+            </a:lvl9pPr>
+          </a:lstStyle>
+          <a:p>
+            <a:r>
+              <a:rPr lang="en-US"/>
+              <a:t>Copyright 2018, FLL TUTORIALS</a:t>
+            </a:r>
+            <a:endParaRPr lang="en-US" dirty="0"/>
+          </a:p>
+        </p:txBody>
+      </p:sp>
+      <p:sp>
+        <p:nvSpPr>
+          <p:cNvPr id="11" name="Slide Number Placeholder 5">
+            <a:extLst>
+              <a:ext uri="{FF2B5EF4-FFF2-40B4-BE49-F238E27FC236}">
+                <a16:creationId xmlns:a16="http://schemas.microsoft.com/office/drawing/2014/main" id="{AA884034-3EBB-704E-AFCD-9611BBBEBA37}"/>
+              </a:ext>
+            </a:extLst>
+          </p:cNvPr>
+          <p:cNvSpPr txBox="1">
+            <a:spLocks/>
+          </p:cNvSpPr>
+          <p:nvPr/>
+        </p:nvSpPr>
+        <p:spPr>
+          <a:xfrm>
+            <a:off x="7800476" y="6392242"/>
+            <a:ext cx="770468" cy="365125"/>
+          </a:xfrm>
+          <a:prstGeom prst="rect">
+            <a:avLst/>
+          </a:prstGeom>
+        </p:spPr>
+        <p:txBody>
+          <a:bodyPr vert="horz" lIns="91440" tIns="45720" rIns="91440" bIns="45720" rtlCol="0" anchor="ctr"/>
+          <a:lstStyle>
+            <a:defPPr>
+              <a:defRPr lang="en-US"/>
+            </a:defPPr>
+            <a:lvl1pPr marL="0" algn="r" defTabSz="457200" rtl="0" eaLnBrk="1" latinLnBrk="0" hangingPunct="1">
+              <a:defRPr sz="900" kern="1200">
+                <a:solidFill>
+                  <a:schemeClr val="accent1">
+                    <a:lumMod val="75000"/>
+                    <a:lumOff val="25000"/>
+                  </a:schemeClr>
+                </a:solidFill>
+                <a:latin typeface="+mn-lt"/>
+                <a:ea typeface="+mn-ea"/>
+                <a:cs typeface="+mn-cs"/>
+              </a:defRPr>
+            </a:lvl1pPr>
+            <a:lvl2pPr marL="457200" algn="l" defTabSz="457200" rtl="0" eaLnBrk="1" latinLnBrk="0" hangingPunct="1">
+              <a:defRPr sz="1800" kern="1200">
+                <a:solidFill>
+                  <a:schemeClr val="tx1"/>
+                </a:solidFill>
+                <a:latin typeface="+mn-lt"/>
+                <a:ea typeface="+mn-ea"/>
+                <a:cs typeface="+mn-cs"/>
+              </a:defRPr>
+            </a:lvl2pPr>
+            <a:lvl3pPr marL="914400" algn="l" defTabSz="457200" rtl="0" eaLnBrk="1" latinLnBrk="0" hangingPunct="1">
+              <a:defRPr sz="1800" kern="1200">
+                <a:solidFill>
+                  <a:schemeClr val="tx1"/>
+                </a:solidFill>
+                <a:latin typeface="+mn-lt"/>
+                <a:ea typeface="+mn-ea"/>
+                <a:cs typeface="+mn-cs"/>
+              </a:defRPr>
+            </a:lvl3pPr>
+            <a:lvl4pPr marL="1371600" algn="l" defTabSz="457200" rtl="0" eaLnBrk="1" latinLnBrk="0" hangingPunct="1">
+              <a:defRPr sz="1800" kern="1200">
+                <a:solidFill>
+                  <a:schemeClr val="tx1"/>
+                </a:solidFill>
+                <a:latin typeface="+mn-lt"/>
+                <a:ea typeface="+mn-ea"/>
+                <a:cs typeface="+mn-cs"/>
+              </a:defRPr>
+            </a:lvl4pPr>
+            <a:lvl5pPr marL="1828800" algn="l" defTabSz="457200" rtl="0" eaLnBrk="1" latinLnBrk="0" hangingPunct="1">
+              <a:defRPr sz="1800" kern="1200">
+                <a:solidFill>
+                  <a:schemeClr val="tx1"/>
+                </a:solidFill>
+                <a:latin typeface="+mn-lt"/>
+                <a:ea typeface="+mn-ea"/>
+                <a:cs typeface="+mn-cs"/>
+              </a:defRPr>
+            </a:lvl5pPr>
+            <a:lvl6pPr marL="2286000" algn="l" defTabSz="457200" rtl="0" eaLnBrk="1" latinLnBrk="0" hangingPunct="1">
+              <a:defRPr sz="1800" kern="1200">
+                <a:solidFill>
+                  <a:schemeClr val="tx1"/>
+                </a:solidFill>
+                <a:latin typeface="+mn-lt"/>
+                <a:ea typeface="+mn-ea"/>
+                <a:cs typeface="+mn-cs"/>
+              </a:defRPr>
+            </a:lvl6pPr>
+            <a:lvl7pPr marL="2743200" algn="l" defTabSz="457200" rtl="0" eaLnBrk="1" latinLnBrk="0" hangingPunct="1">
+              <a:defRPr sz="1800" kern="1200">
+                <a:solidFill>
+                  <a:schemeClr val="tx1"/>
+                </a:solidFill>
+                <a:latin typeface="+mn-lt"/>
+                <a:ea typeface="+mn-ea"/>
+                <a:cs typeface="+mn-cs"/>
+              </a:defRPr>
+            </a:lvl7pPr>
+            <a:lvl8pPr marL="3200400" algn="l" defTabSz="457200" rtl="0" eaLnBrk="1" latinLnBrk="0" hangingPunct="1">
+              <a:defRPr sz="1800" kern="1200">
+                <a:solidFill>
+                  <a:schemeClr val="tx1"/>
+                </a:solidFill>
+                <a:latin typeface="+mn-lt"/>
+                <a:ea typeface="+mn-ea"/>
+                <a:cs typeface="+mn-cs"/>
+              </a:defRPr>
+            </a:lvl8pPr>
+            <a:lvl9pPr marL="3657600" algn="l" defTabSz="457200" rtl="0" eaLnBrk="1" latinLnBrk="0" hangingPunct="1">
+              <a:defRPr sz="1800" kern="1200">
+                <a:solidFill>
+                  <a:schemeClr val="tx1"/>
+                </a:solidFill>
+                <a:latin typeface="+mn-lt"/>
+                <a:ea typeface="+mn-ea"/>
+                <a:cs typeface="+mn-cs"/>
+              </a:defRPr>
+            </a:lvl9pPr>
+          </a:lstStyle>
+          <a:p>
+            <a:fld id="{D57F1E4F-1CFF-5643-939E-217C01CDF565}" type="slidenum">
+              <a:rPr lang="en-US" smtClean="0"/>
+              <a:pPr/>
+              <a:t>‹#›</a:t>
+            </a:fld>
+            <a:endParaRPr lang="en-US" dirty="0"/>
+          </a:p>
+        </p:txBody>
+      </p:sp>
+    </p:spTree>
+    <p:extLst>
+      <p:ext uri="{BB962C8B-B14F-4D97-AF65-F5344CB8AC3E}">
+        <p14:creationId xmlns:p14="http://schemas.microsoft.com/office/powerpoint/2010/main" val="2920842033"/>
       </p:ext>
     </p:extLst>
   </p:cSld>
@@ -18600,9 +19923,9 @@
           <a:bodyPr/>
           <a:lstStyle/>
           <a:p>
-            <a:fld id="{4E3F1EE6-D996-469A-A59A-4158CEDC5A4C}" type="datetime1">
+            <a:fld id="{163191FC-1424-461F-8E4B-1CAF0FD50D5E}" type="datetime1">
               <a:rPr lang="en-US" smtClean="0"/>
-              <a:t>6/7/18</a:t>
+              <a:t>6/11/18</a:t>
             </a:fld>
             <a:endParaRPr lang="en-US"/>
           </a:p>
@@ -18625,7 +19948,7 @@
           <a:p>
             <a:r>
               <a:rPr lang="en-US"/>
-              <a:t>© 2018, FLL Tutorials, Last Edit 8/27/2016</a:t>
+              <a:t>© 2018, FLL Tutorials, Last Edit 6/11/2018</a:t>
             </a:r>
           </a:p>
         </p:txBody>
@@ -18657,6 +19980,2303 @@
     <p:extLst>
       <p:ext uri="{BB962C8B-B14F-4D97-AF65-F5344CB8AC3E}">
         <p14:creationId xmlns:p14="http://schemas.microsoft.com/office/powerpoint/2010/main" val="74027603"/>
+      </p:ext>
+    </p:extLst>
+  </p:cSld>
+  <p:clrMapOvr>
+    <a:masterClrMapping/>
+  </p:clrMapOvr>
+</p:sldLayout>
+</file>
+
+<file path=ppt/slideLayouts/slideLayout70.xml><?xml version="1.0" encoding="utf-8"?>
+<p:sldLayout xmlns:a="http://schemas.openxmlformats.org/drawingml/2006/main" xmlns:r="http://schemas.openxmlformats.org/officeDocument/2006/relationships" xmlns:p="http://schemas.openxmlformats.org/presentationml/2006/main" type="twoObj" preserve="1">
+  <p:cSld name="Two Content">
+    <p:spTree>
+      <p:nvGrpSpPr>
+        <p:cNvPr id="1" name=""/>
+        <p:cNvGrpSpPr/>
+        <p:nvPr/>
+      </p:nvGrpSpPr>
+      <p:grpSpPr>
+        <a:xfrm>
+          <a:off x="0" y="0"/>
+          <a:ext cx="0" cy="0"/>
+          <a:chOff x="0" y="0"/>
+          <a:chExt cx="0" cy="0"/>
+        </a:xfrm>
+      </p:grpSpPr>
+      <p:sp>
+        <p:nvSpPr>
+          <p:cNvPr id="8" name="Rectangle 7"/>
+          <p:cNvSpPr>
+            <a:spLocks noChangeAspect="1"/>
+          </p:cNvSpPr>
+          <p:nvPr/>
+        </p:nvSpPr>
+        <p:spPr>
+          <a:xfrm>
+            <a:off x="448092" y="599725"/>
+            <a:ext cx="8238707" cy="1258827"/>
+          </a:xfrm>
+          <a:prstGeom prst="rect">
+            <a:avLst/>
+          </a:prstGeom>
+          <a:solidFill>
+            <a:schemeClr val="accent1"/>
+          </a:solidFill>
+          <a:ln>
+            <a:noFill/>
+          </a:ln>
+          <a:effectLst/>
+        </p:spPr>
+        <p:style>
+          <a:lnRef idx="1">
+            <a:schemeClr val="accent1"/>
+          </a:lnRef>
+          <a:fillRef idx="3">
+            <a:schemeClr val="accent1"/>
+          </a:fillRef>
+          <a:effectRef idx="2">
+            <a:schemeClr val="accent1"/>
+          </a:effectRef>
+          <a:fontRef idx="minor">
+            <a:schemeClr val="lt1"/>
+          </a:fontRef>
+        </p:style>
+      </p:sp>
+      <p:sp>
+        <p:nvSpPr>
+          <p:cNvPr id="2" name="Title 1"/>
+          <p:cNvSpPr>
+            <a:spLocks noGrp="1"/>
+          </p:cNvSpPr>
+          <p:nvPr>
+            <p:ph type="title"/>
+          </p:nvPr>
+        </p:nvSpPr>
+        <p:spPr/>
+        <p:txBody>
+          <a:bodyPr/>
+          <a:lstStyle/>
+          <a:p>
+            <a:r>
+              <a:rPr lang="en-US"/>
+              <a:t>Click to edit Master title style</a:t>
+            </a:r>
+            <a:endParaRPr lang="en-US" dirty="0"/>
+          </a:p>
+        </p:txBody>
+      </p:sp>
+      <p:sp>
+        <p:nvSpPr>
+          <p:cNvPr id="3" name="Content Placeholder 2"/>
+          <p:cNvSpPr>
+            <a:spLocks noGrp="1"/>
+          </p:cNvSpPr>
+          <p:nvPr>
+            <p:ph sz="half" idx="1"/>
+          </p:nvPr>
+        </p:nvSpPr>
+        <p:spPr>
+          <a:xfrm>
+            <a:off x="581192" y="2228002"/>
+            <a:ext cx="3899527" cy="3633047"/>
+          </a:xfrm>
+        </p:spPr>
+        <p:txBody>
+          <a:bodyPr>
+            <a:normAutofit/>
+          </a:bodyPr>
+          <a:lstStyle/>
+          <a:p>
+            <a:pPr lvl="0"/>
+            <a:r>
+              <a:rPr lang="en-US"/>
+              <a:t>Edit Master text styles</a:t>
+            </a:r>
+          </a:p>
+          <a:p>
+            <a:pPr lvl="1"/>
+            <a:r>
+              <a:rPr lang="en-US"/>
+              <a:t>Second level</a:t>
+            </a:r>
+          </a:p>
+          <a:p>
+            <a:pPr lvl="2"/>
+            <a:r>
+              <a:rPr lang="en-US"/>
+              <a:t>Third level</a:t>
+            </a:r>
+          </a:p>
+          <a:p>
+            <a:pPr lvl="3"/>
+            <a:r>
+              <a:rPr lang="en-US"/>
+              <a:t>Fourth level</a:t>
+            </a:r>
+          </a:p>
+          <a:p>
+            <a:pPr lvl="4"/>
+            <a:r>
+              <a:rPr lang="en-US"/>
+              <a:t>Fifth level</a:t>
+            </a:r>
+            <a:endParaRPr lang="en-US" dirty="0"/>
+          </a:p>
+        </p:txBody>
+      </p:sp>
+      <p:sp>
+        <p:nvSpPr>
+          <p:cNvPr id="4" name="Content Placeholder 3"/>
+          <p:cNvSpPr>
+            <a:spLocks noGrp="1"/>
+          </p:cNvSpPr>
+          <p:nvPr>
+            <p:ph sz="half" idx="2"/>
+          </p:nvPr>
+        </p:nvSpPr>
+        <p:spPr>
+          <a:xfrm>
+            <a:off x="4663282" y="2228003"/>
+            <a:ext cx="3907662" cy="3633047"/>
+          </a:xfrm>
+        </p:spPr>
+        <p:txBody>
+          <a:bodyPr>
+            <a:normAutofit/>
+          </a:bodyPr>
+          <a:lstStyle/>
+          <a:p>
+            <a:pPr lvl="0"/>
+            <a:r>
+              <a:rPr lang="en-US"/>
+              <a:t>Edit Master text styles</a:t>
+            </a:r>
+          </a:p>
+          <a:p>
+            <a:pPr lvl="1"/>
+            <a:r>
+              <a:rPr lang="en-US"/>
+              <a:t>Second level</a:t>
+            </a:r>
+          </a:p>
+          <a:p>
+            <a:pPr lvl="2"/>
+            <a:r>
+              <a:rPr lang="en-US"/>
+              <a:t>Third level</a:t>
+            </a:r>
+          </a:p>
+          <a:p>
+            <a:pPr lvl="3"/>
+            <a:r>
+              <a:rPr lang="en-US"/>
+              <a:t>Fourth level</a:t>
+            </a:r>
+          </a:p>
+          <a:p>
+            <a:pPr lvl="4"/>
+            <a:r>
+              <a:rPr lang="en-US"/>
+              <a:t>Fifth level</a:t>
+            </a:r>
+            <a:endParaRPr lang="en-US" dirty="0"/>
+          </a:p>
+        </p:txBody>
+      </p:sp>
+      <p:sp>
+        <p:nvSpPr>
+          <p:cNvPr id="5" name="Date Placeholder 4"/>
+          <p:cNvSpPr>
+            <a:spLocks noGrp="1"/>
+          </p:cNvSpPr>
+          <p:nvPr>
+            <p:ph type="dt" sz="half" idx="10"/>
+          </p:nvPr>
+        </p:nvSpPr>
+        <p:spPr>
+          <a:xfrm>
+            <a:off x="5559327" y="5956136"/>
+            <a:ext cx="2133600" cy="365125"/>
+          </a:xfrm>
+          <a:prstGeom prst="rect">
+            <a:avLst/>
+          </a:prstGeom>
+        </p:spPr>
+        <p:txBody>
+          <a:bodyPr/>
+          <a:lstStyle/>
+          <a:p>
+            <a:fld id="{19BE8F95-53C4-4F59-B2BD-8F9DD92E7822}" type="datetime1">
+              <a:rPr lang="en-US" smtClean="0"/>
+              <a:t>6/11/18</a:t>
+            </a:fld>
+            <a:endParaRPr lang="en-US"/>
+          </a:p>
+        </p:txBody>
+      </p:sp>
+      <p:sp>
+        <p:nvSpPr>
+          <p:cNvPr id="6" name="Footer Placeholder 5"/>
+          <p:cNvSpPr>
+            <a:spLocks noGrp="1"/>
+          </p:cNvSpPr>
+          <p:nvPr>
+            <p:ph type="ftr" sz="quarter" idx="11"/>
+          </p:nvPr>
+        </p:nvSpPr>
+        <p:spPr>
+          <a:xfrm>
+            <a:off x="581192" y="5951810"/>
+            <a:ext cx="4870585" cy="365125"/>
+          </a:xfrm>
+          <a:prstGeom prst="rect">
+            <a:avLst/>
+          </a:prstGeom>
+        </p:spPr>
+        <p:txBody>
+          <a:bodyPr/>
+          <a:lstStyle/>
+          <a:p>
+            <a:r>
+              <a:rPr lang="en-US"/>
+              <a:t>© 2018, FLL Tutorials, Last Edit 6/11/2018</a:t>
+            </a:r>
+          </a:p>
+        </p:txBody>
+      </p:sp>
+      <p:sp>
+        <p:nvSpPr>
+          <p:cNvPr id="7" name="Slide Number Placeholder 6"/>
+          <p:cNvSpPr>
+            <a:spLocks noGrp="1"/>
+          </p:cNvSpPr>
+          <p:nvPr>
+            <p:ph type="sldNum" sz="quarter" idx="12"/>
+          </p:nvPr>
+        </p:nvSpPr>
+        <p:spPr>
+          <a:xfrm>
+            <a:off x="7800476" y="5956136"/>
+            <a:ext cx="770468" cy="365125"/>
+          </a:xfrm>
+          <a:prstGeom prst="rect">
+            <a:avLst/>
+          </a:prstGeom>
+        </p:spPr>
+        <p:txBody>
+          <a:bodyPr/>
+          <a:lstStyle/>
+          <a:p>
+            <a:fld id="{4DBC7FC8-25FB-FC45-8177-2B991DA6778C}" type="slidenum">
+              <a:rPr lang="en-US" smtClean="0"/>
+              <a:t>‹#›</a:t>
+            </a:fld>
+            <a:endParaRPr lang="en-US"/>
+          </a:p>
+        </p:txBody>
+      </p:sp>
+    </p:spTree>
+    <p:extLst>
+      <p:ext uri="{BB962C8B-B14F-4D97-AF65-F5344CB8AC3E}">
+        <p14:creationId xmlns:p14="http://schemas.microsoft.com/office/powerpoint/2010/main" val="3984361926"/>
+      </p:ext>
+    </p:extLst>
+  </p:cSld>
+  <p:clrMapOvr>
+    <a:masterClrMapping/>
+  </p:clrMapOvr>
+</p:sldLayout>
+</file>
+
+<file path=ppt/slideLayouts/slideLayout71.xml><?xml version="1.0" encoding="utf-8"?>
+<p:sldLayout xmlns:a="http://schemas.openxmlformats.org/drawingml/2006/main" xmlns:r="http://schemas.openxmlformats.org/officeDocument/2006/relationships" xmlns:p="http://schemas.openxmlformats.org/presentationml/2006/main" type="twoTxTwoObj" preserve="1">
+  <p:cSld name="Comparison">
+    <p:spTree>
+      <p:nvGrpSpPr>
+        <p:cNvPr id="1" name=""/>
+        <p:cNvGrpSpPr/>
+        <p:nvPr/>
+      </p:nvGrpSpPr>
+      <p:grpSpPr>
+        <a:xfrm>
+          <a:off x="0" y="0"/>
+          <a:ext cx="0" cy="0"/>
+          <a:chOff x="0" y="0"/>
+          <a:chExt cx="0" cy="0"/>
+        </a:xfrm>
+      </p:grpSpPr>
+      <p:sp>
+        <p:nvSpPr>
+          <p:cNvPr id="10" name="Rectangle 9"/>
+          <p:cNvSpPr>
+            <a:spLocks noChangeAspect="1"/>
+          </p:cNvSpPr>
+          <p:nvPr/>
+        </p:nvSpPr>
+        <p:spPr>
+          <a:xfrm>
+            <a:off x="448092" y="599725"/>
+            <a:ext cx="8238707" cy="1258827"/>
+          </a:xfrm>
+          <a:prstGeom prst="rect">
+            <a:avLst/>
+          </a:prstGeom>
+          <a:solidFill>
+            <a:schemeClr val="accent1"/>
+          </a:solidFill>
+          <a:ln>
+            <a:noFill/>
+          </a:ln>
+          <a:effectLst/>
+        </p:spPr>
+        <p:style>
+          <a:lnRef idx="1">
+            <a:schemeClr val="accent1"/>
+          </a:lnRef>
+          <a:fillRef idx="3">
+            <a:schemeClr val="accent1"/>
+          </a:fillRef>
+          <a:effectRef idx="2">
+            <a:schemeClr val="accent1"/>
+          </a:effectRef>
+          <a:fontRef idx="minor">
+            <a:schemeClr val="lt1"/>
+          </a:fontRef>
+        </p:style>
+      </p:sp>
+      <p:sp>
+        <p:nvSpPr>
+          <p:cNvPr id="2" name="Title 1"/>
+          <p:cNvSpPr>
+            <a:spLocks noGrp="1"/>
+          </p:cNvSpPr>
+          <p:nvPr>
+            <p:ph type="title"/>
+          </p:nvPr>
+        </p:nvSpPr>
+        <p:spPr/>
+        <p:txBody>
+          <a:bodyPr/>
+          <a:lstStyle>
+            <a:lvl1pPr>
+              <a:defRPr/>
+            </a:lvl1pPr>
+          </a:lstStyle>
+          <a:p>
+            <a:r>
+              <a:rPr lang="en-US"/>
+              <a:t>Click to edit Master title style</a:t>
+            </a:r>
+            <a:endParaRPr lang="en-US" dirty="0"/>
+          </a:p>
+        </p:txBody>
+      </p:sp>
+      <p:sp>
+        <p:nvSpPr>
+          <p:cNvPr id="3" name="Text Placeholder 2"/>
+          <p:cNvSpPr>
+            <a:spLocks noGrp="1"/>
+          </p:cNvSpPr>
+          <p:nvPr>
+            <p:ph type="body" idx="1"/>
+          </p:nvPr>
+        </p:nvSpPr>
+        <p:spPr>
+          <a:xfrm>
+            <a:off x="887219" y="2228003"/>
+            <a:ext cx="3593500" cy="576262"/>
+          </a:xfrm>
+        </p:spPr>
+        <p:txBody>
+          <a:bodyPr anchor="b">
+            <a:noAutofit/>
+          </a:bodyPr>
+          <a:lstStyle>
+            <a:lvl1pPr marL="0" indent="0">
+              <a:buNone/>
+              <a:defRPr sz="2200" b="0">
+                <a:solidFill>
+                  <a:schemeClr val="accent2"/>
+                </a:solidFill>
+              </a:defRPr>
+            </a:lvl1pPr>
+            <a:lvl2pPr marL="457200" indent="0">
+              <a:buNone/>
+              <a:defRPr sz="2000" b="1"/>
+            </a:lvl2pPr>
+            <a:lvl3pPr marL="914400" indent="0">
+              <a:buNone/>
+              <a:defRPr sz="1800" b="1"/>
+            </a:lvl3pPr>
+            <a:lvl4pPr marL="1371600" indent="0">
+              <a:buNone/>
+              <a:defRPr sz="1600" b="1"/>
+            </a:lvl4pPr>
+            <a:lvl5pPr marL="1828800" indent="0">
+              <a:buNone/>
+              <a:defRPr sz="1600" b="1"/>
+            </a:lvl5pPr>
+            <a:lvl6pPr marL="2286000" indent="0">
+              <a:buNone/>
+              <a:defRPr sz="1600" b="1"/>
+            </a:lvl6pPr>
+            <a:lvl7pPr marL="2743200" indent="0">
+              <a:buNone/>
+              <a:defRPr sz="1600" b="1"/>
+            </a:lvl7pPr>
+            <a:lvl8pPr marL="3200400" indent="0">
+              <a:buNone/>
+              <a:defRPr sz="1600" b="1"/>
+            </a:lvl8pPr>
+            <a:lvl9pPr marL="3657600" indent="0">
+              <a:buNone/>
+              <a:defRPr sz="1600" b="1"/>
+            </a:lvl9pPr>
+          </a:lstStyle>
+          <a:p>
+            <a:pPr lvl="0"/>
+            <a:r>
+              <a:rPr lang="en-US"/>
+              <a:t>Edit Master text styles</a:t>
+            </a:r>
+          </a:p>
+        </p:txBody>
+      </p:sp>
+      <p:sp>
+        <p:nvSpPr>
+          <p:cNvPr id="4" name="Content Placeholder 3"/>
+          <p:cNvSpPr>
+            <a:spLocks noGrp="1"/>
+          </p:cNvSpPr>
+          <p:nvPr>
+            <p:ph sz="half" idx="2"/>
+          </p:nvPr>
+        </p:nvSpPr>
+        <p:spPr>
+          <a:xfrm>
+            <a:off x="581192" y="2926051"/>
+            <a:ext cx="3899527" cy="2934999"/>
+          </a:xfrm>
+        </p:spPr>
+        <p:txBody>
+          <a:bodyPr anchor="t">
+            <a:normAutofit/>
+          </a:bodyPr>
+          <a:lstStyle/>
+          <a:p>
+            <a:pPr lvl="0"/>
+            <a:r>
+              <a:rPr lang="en-US"/>
+              <a:t>Edit Master text styles</a:t>
+            </a:r>
+          </a:p>
+          <a:p>
+            <a:pPr lvl="1"/>
+            <a:r>
+              <a:rPr lang="en-US"/>
+              <a:t>Second level</a:t>
+            </a:r>
+          </a:p>
+          <a:p>
+            <a:pPr lvl="2"/>
+            <a:r>
+              <a:rPr lang="en-US"/>
+              <a:t>Third level</a:t>
+            </a:r>
+          </a:p>
+          <a:p>
+            <a:pPr lvl="3"/>
+            <a:r>
+              <a:rPr lang="en-US"/>
+              <a:t>Fourth level</a:t>
+            </a:r>
+          </a:p>
+          <a:p>
+            <a:pPr lvl="4"/>
+            <a:r>
+              <a:rPr lang="en-US"/>
+              <a:t>Fifth level</a:t>
+            </a:r>
+            <a:endParaRPr lang="en-US" dirty="0"/>
+          </a:p>
+        </p:txBody>
+      </p:sp>
+      <p:sp>
+        <p:nvSpPr>
+          <p:cNvPr id="5" name="Text Placeholder 4"/>
+          <p:cNvSpPr>
+            <a:spLocks noGrp="1"/>
+          </p:cNvSpPr>
+          <p:nvPr>
+            <p:ph type="body" sz="quarter" idx="3"/>
+          </p:nvPr>
+        </p:nvSpPr>
+        <p:spPr>
+          <a:xfrm>
+            <a:off x="4969308" y="2228003"/>
+            <a:ext cx="3601635" cy="576262"/>
+          </a:xfrm>
+        </p:spPr>
+        <p:txBody>
+          <a:bodyPr anchor="b">
+            <a:noAutofit/>
+          </a:bodyPr>
+          <a:lstStyle>
+            <a:lvl1pPr marL="0" indent="0">
+              <a:buNone/>
+              <a:defRPr sz="2200" b="0">
+                <a:solidFill>
+                  <a:schemeClr val="accent2"/>
+                </a:solidFill>
+              </a:defRPr>
+            </a:lvl1pPr>
+            <a:lvl2pPr marL="457200" indent="0">
+              <a:buNone/>
+              <a:defRPr sz="2000" b="1"/>
+            </a:lvl2pPr>
+            <a:lvl3pPr marL="914400" indent="0">
+              <a:buNone/>
+              <a:defRPr sz="1800" b="1"/>
+            </a:lvl3pPr>
+            <a:lvl4pPr marL="1371600" indent="0">
+              <a:buNone/>
+              <a:defRPr sz="1600" b="1"/>
+            </a:lvl4pPr>
+            <a:lvl5pPr marL="1828800" indent="0">
+              <a:buNone/>
+              <a:defRPr sz="1600" b="1"/>
+            </a:lvl5pPr>
+            <a:lvl6pPr marL="2286000" indent="0">
+              <a:buNone/>
+              <a:defRPr sz="1600" b="1"/>
+            </a:lvl6pPr>
+            <a:lvl7pPr marL="2743200" indent="0">
+              <a:buNone/>
+              <a:defRPr sz="1600" b="1"/>
+            </a:lvl7pPr>
+            <a:lvl8pPr marL="3200400" indent="0">
+              <a:buNone/>
+              <a:defRPr sz="1600" b="1"/>
+            </a:lvl8pPr>
+            <a:lvl9pPr marL="3657600" indent="0">
+              <a:buNone/>
+              <a:defRPr sz="1600" b="1"/>
+            </a:lvl9pPr>
+          </a:lstStyle>
+          <a:p>
+            <a:pPr lvl="0"/>
+            <a:r>
+              <a:rPr lang="en-US"/>
+              <a:t>Edit Master text styles</a:t>
+            </a:r>
+          </a:p>
+        </p:txBody>
+      </p:sp>
+      <p:sp>
+        <p:nvSpPr>
+          <p:cNvPr id="6" name="Content Placeholder 5"/>
+          <p:cNvSpPr>
+            <a:spLocks noGrp="1"/>
+          </p:cNvSpPr>
+          <p:nvPr>
+            <p:ph sz="quarter" idx="4"/>
+          </p:nvPr>
+        </p:nvSpPr>
+        <p:spPr>
+          <a:xfrm>
+            <a:off x="4663282" y="2926051"/>
+            <a:ext cx="3907662" cy="2934999"/>
+          </a:xfrm>
+        </p:spPr>
+        <p:txBody>
+          <a:bodyPr anchor="t">
+            <a:normAutofit/>
+          </a:bodyPr>
+          <a:lstStyle/>
+          <a:p>
+            <a:pPr lvl="0"/>
+            <a:r>
+              <a:rPr lang="en-US"/>
+              <a:t>Edit Master text styles</a:t>
+            </a:r>
+          </a:p>
+          <a:p>
+            <a:pPr lvl="1"/>
+            <a:r>
+              <a:rPr lang="en-US"/>
+              <a:t>Second level</a:t>
+            </a:r>
+          </a:p>
+          <a:p>
+            <a:pPr lvl="2"/>
+            <a:r>
+              <a:rPr lang="en-US"/>
+              <a:t>Third level</a:t>
+            </a:r>
+          </a:p>
+          <a:p>
+            <a:pPr lvl="3"/>
+            <a:r>
+              <a:rPr lang="en-US"/>
+              <a:t>Fourth level</a:t>
+            </a:r>
+          </a:p>
+          <a:p>
+            <a:pPr lvl="4"/>
+            <a:r>
+              <a:rPr lang="en-US"/>
+              <a:t>Fifth level</a:t>
+            </a:r>
+            <a:endParaRPr lang="en-US" dirty="0"/>
+          </a:p>
+        </p:txBody>
+      </p:sp>
+      <p:sp>
+        <p:nvSpPr>
+          <p:cNvPr id="7" name="Date Placeholder 6"/>
+          <p:cNvSpPr>
+            <a:spLocks noGrp="1"/>
+          </p:cNvSpPr>
+          <p:nvPr>
+            <p:ph type="dt" sz="half" idx="10"/>
+          </p:nvPr>
+        </p:nvSpPr>
+        <p:spPr>
+          <a:xfrm>
+            <a:off x="5559327" y="5956136"/>
+            <a:ext cx="2133600" cy="365125"/>
+          </a:xfrm>
+          <a:prstGeom prst="rect">
+            <a:avLst/>
+          </a:prstGeom>
+        </p:spPr>
+        <p:txBody>
+          <a:bodyPr/>
+          <a:lstStyle/>
+          <a:p>
+            <a:fld id="{DABF2659-82E7-4999-8967-E2EA12FFBFB7}" type="datetime1">
+              <a:rPr lang="en-US" smtClean="0"/>
+              <a:t>6/11/18</a:t>
+            </a:fld>
+            <a:endParaRPr lang="en-US"/>
+          </a:p>
+        </p:txBody>
+      </p:sp>
+      <p:sp>
+        <p:nvSpPr>
+          <p:cNvPr id="8" name="Footer Placeholder 7"/>
+          <p:cNvSpPr>
+            <a:spLocks noGrp="1"/>
+          </p:cNvSpPr>
+          <p:nvPr>
+            <p:ph type="ftr" sz="quarter" idx="11"/>
+          </p:nvPr>
+        </p:nvSpPr>
+        <p:spPr>
+          <a:xfrm>
+            <a:off x="581192" y="5951810"/>
+            <a:ext cx="4870585" cy="365125"/>
+          </a:xfrm>
+          <a:prstGeom prst="rect">
+            <a:avLst/>
+          </a:prstGeom>
+        </p:spPr>
+        <p:txBody>
+          <a:bodyPr/>
+          <a:lstStyle/>
+          <a:p>
+            <a:r>
+              <a:rPr lang="en-US"/>
+              <a:t>© 2018, FLL Tutorials, Last Edit 6/11/2018</a:t>
+            </a:r>
+          </a:p>
+        </p:txBody>
+      </p:sp>
+      <p:sp>
+        <p:nvSpPr>
+          <p:cNvPr id="9" name="Slide Number Placeholder 8"/>
+          <p:cNvSpPr>
+            <a:spLocks noGrp="1"/>
+          </p:cNvSpPr>
+          <p:nvPr>
+            <p:ph type="sldNum" sz="quarter" idx="12"/>
+          </p:nvPr>
+        </p:nvSpPr>
+        <p:spPr>
+          <a:xfrm>
+            <a:off x="7800476" y="5956136"/>
+            <a:ext cx="770468" cy="365125"/>
+          </a:xfrm>
+          <a:prstGeom prst="rect">
+            <a:avLst/>
+          </a:prstGeom>
+        </p:spPr>
+        <p:txBody>
+          <a:bodyPr/>
+          <a:lstStyle/>
+          <a:p>
+            <a:fld id="{4DBC7FC8-25FB-FC45-8177-2B991DA6778C}" type="slidenum">
+              <a:rPr lang="en-US" smtClean="0"/>
+              <a:t>‹#›</a:t>
+            </a:fld>
+            <a:endParaRPr lang="en-US"/>
+          </a:p>
+        </p:txBody>
+      </p:sp>
+    </p:spTree>
+    <p:extLst>
+      <p:ext uri="{BB962C8B-B14F-4D97-AF65-F5344CB8AC3E}">
+        <p14:creationId xmlns:p14="http://schemas.microsoft.com/office/powerpoint/2010/main" val="1113560419"/>
+      </p:ext>
+    </p:extLst>
+  </p:cSld>
+  <p:clrMapOvr>
+    <a:masterClrMapping/>
+  </p:clrMapOvr>
+</p:sldLayout>
+</file>
+
+<file path=ppt/slideLayouts/slideLayout72.xml><?xml version="1.0" encoding="utf-8"?>
+<p:sldLayout xmlns:a="http://schemas.openxmlformats.org/drawingml/2006/main" xmlns:r="http://schemas.openxmlformats.org/officeDocument/2006/relationships" xmlns:p="http://schemas.openxmlformats.org/presentationml/2006/main" type="titleOnly" preserve="1">
+  <p:cSld name="Title Only">
+    <p:spTree>
+      <p:nvGrpSpPr>
+        <p:cNvPr id="1" name=""/>
+        <p:cNvGrpSpPr/>
+        <p:nvPr/>
+      </p:nvGrpSpPr>
+      <p:grpSpPr>
+        <a:xfrm>
+          <a:off x="0" y="0"/>
+          <a:ext cx="0" cy="0"/>
+          <a:chOff x="0" y="0"/>
+          <a:chExt cx="0" cy="0"/>
+        </a:xfrm>
+      </p:grpSpPr>
+      <p:sp>
+        <p:nvSpPr>
+          <p:cNvPr id="6" name="Rectangle 5"/>
+          <p:cNvSpPr>
+            <a:spLocks noChangeAspect="1"/>
+          </p:cNvSpPr>
+          <p:nvPr/>
+        </p:nvSpPr>
+        <p:spPr>
+          <a:xfrm>
+            <a:off x="448092" y="599725"/>
+            <a:ext cx="8238707" cy="1258827"/>
+          </a:xfrm>
+          <a:prstGeom prst="rect">
+            <a:avLst/>
+          </a:prstGeom>
+          <a:solidFill>
+            <a:schemeClr val="accent1"/>
+          </a:solidFill>
+          <a:ln>
+            <a:noFill/>
+          </a:ln>
+          <a:effectLst/>
+        </p:spPr>
+        <p:style>
+          <a:lnRef idx="1">
+            <a:schemeClr val="accent1"/>
+          </a:lnRef>
+          <a:fillRef idx="3">
+            <a:schemeClr val="accent1"/>
+          </a:fillRef>
+          <a:effectRef idx="2">
+            <a:schemeClr val="accent1"/>
+          </a:effectRef>
+          <a:fontRef idx="minor">
+            <a:schemeClr val="lt1"/>
+          </a:fontRef>
+        </p:style>
+      </p:sp>
+      <p:sp>
+        <p:nvSpPr>
+          <p:cNvPr id="2" name="Title 1"/>
+          <p:cNvSpPr>
+            <a:spLocks noGrp="1"/>
+          </p:cNvSpPr>
+          <p:nvPr>
+            <p:ph type="title"/>
+          </p:nvPr>
+        </p:nvSpPr>
+        <p:spPr/>
+        <p:txBody>
+          <a:bodyPr/>
+          <a:lstStyle/>
+          <a:p>
+            <a:r>
+              <a:rPr lang="en-US"/>
+              <a:t>Click to edit Master title style</a:t>
+            </a:r>
+            <a:endParaRPr lang="en-US" dirty="0"/>
+          </a:p>
+        </p:txBody>
+      </p:sp>
+      <p:sp>
+        <p:nvSpPr>
+          <p:cNvPr id="3" name="Date Placeholder 2"/>
+          <p:cNvSpPr>
+            <a:spLocks noGrp="1"/>
+          </p:cNvSpPr>
+          <p:nvPr>
+            <p:ph type="dt" sz="half" idx="10"/>
+          </p:nvPr>
+        </p:nvSpPr>
+        <p:spPr>
+          <a:xfrm>
+            <a:off x="5559327" y="5956136"/>
+            <a:ext cx="2133600" cy="365125"/>
+          </a:xfrm>
+          <a:prstGeom prst="rect">
+            <a:avLst/>
+          </a:prstGeom>
+        </p:spPr>
+        <p:txBody>
+          <a:bodyPr/>
+          <a:lstStyle/>
+          <a:p>
+            <a:fld id="{FC35997C-81EB-4E13-9CEB-EE4FF450559C}" type="datetime1">
+              <a:rPr lang="en-US" smtClean="0"/>
+              <a:t>6/11/18</a:t>
+            </a:fld>
+            <a:endParaRPr lang="en-US"/>
+          </a:p>
+        </p:txBody>
+      </p:sp>
+      <p:sp>
+        <p:nvSpPr>
+          <p:cNvPr id="4" name="Footer Placeholder 3"/>
+          <p:cNvSpPr>
+            <a:spLocks noGrp="1"/>
+          </p:cNvSpPr>
+          <p:nvPr>
+            <p:ph type="ftr" sz="quarter" idx="11"/>
+          </p:nvPr>
+        </p:nvSpPr>
+        <p:spPr>
+          <a:xfrm>
+            <a:off x="581192" y="5951810"/>
+            <a:ext cx="4870585" cy="365125"/>
+          </a:xfrm>
+          <a:prstGeom prst="rect">
+            <a:avLst/>
+          </a:prstGeom>
+        </p:spPr>
+        <p:txBody>
+          <a:bodyPr/>
+          <a:lstStyle/>
+          <a:p>
+            <a:r>
+              <a:rPr lang="en-US"/>
+              <a:t>© 2018, FLL Tutorials, Last Edit 6/11/2018</a:t>
+            </a:r>
+          </a:p>
+        </p:txBody>
+      </p:sp>
+      <p:sp>
+        <p:nvSpPr>
+          <p:cNvPr id="5" name="Slide Number Placeholder 4"/>
+          <p:cNvSpPr>
+            <a:spLocks noGrp="1"/>
+          </p:cNvSpPr>
+          <p:nvPr>
+            <p:ph type="sldNum" sz="quarter" idx="12"/>
+          </p:nvPr>
+        </p:nvSpPr>
+        <p:spPr>
+          <a:xfrm>
+            <a:off x="7800476" y="5956136"/>
+            <a:ext cx="770468" cy="365125"/>
+          </a:xfrm>
+          <a:prstGeom prst="rect">
+            <a:avLst/>
+          </a:prstGeom>
+        </p:spPr>
+        <p:txBody>
+          <a:bodyPr/>
+          <a:lstStyle/>
+          <a:p>
+            <a:fld id="{4DBC7FC8-25FB-FC45-8177-2B991DA6778C}" type="slidenum">
+              <a:rPr lang="en-US" smtClean="0"/>
+              <a:t>‹#›</a:t>
+            </a:fld>
+            <a:endParaRPr lang="en-US"/>
+          </a:p>
+        </p:txBody>
+      </p:sp>
+    </p:spTree>
+    <p:extLst>
+      <p:ext uri="{BB962C8B-B14F-4D97-AF65-F5344CB8AC3E}">
+        <p14:creationId xmlns:p14="http://schemas.microsoft.com/office/powerpoint/2010/main" val="2903095641"/>
+      </p:ext>
+    </p:extLst>
+  </p:cSld>
+  <p:clrMapOvr>
+    <a:masterClrMapping/>
+  </p:clrMapOvr>
+</p:sldLayout>
+</file>
+
+<file path=ppt/slideLayouts/slideLayout73.xml><?xml version="1.0" encoding="utf-8"?>
+<p:sldLayout xmlns:a="http://schemas.openxmlformats.org/drawingml/2006/main" xmlns:r="http://schemas.openxmlformats.org/officeDocument/2006/relationships" xmlns:p="http://schemas.openxmlformats.org/presentationml/2006/main" type="blank" preserve="1">
+  <p:cSld name="Blank">
+    <p:spTree>
+      <p:nvGrpSpPr>
+        <p:cNvPr id="1" name=""/>
+        <p:cNvGrpSpPr/>
+        <p:nvPr/>
+      </p:nvGrpSpPr>
+      <p:grpSpPr>
+        <a:xfrm>
+          <a:off x="0" y="0"/>
+          <a:ext cx="0" cy="0"/>
+          <a:chOff x="0" y="0"/>
+          <a:chExt cx="0" cy="0"/>
+        </a:xfrm>
+      </p:grpSpPr>
+      <p:sp>
+        <p:nvSpPr>
+          <p:cNvPr id="2" name="Date Placeholder 1"/>
+          <p:cNvSpPr>
+            <a:spLocks noGrp="1"/>
+          </p:cNvSpPr>
+          <p:nvPr>
+            <p:ph type="dt" sz="half" idx="10"/>
+          </p:nvPr>
+        </p:nvSpPr>
+        <p:spPr>
+          <a:xfrm>
+            <a:off x="5559327" y="5956136"/>
+            <a:ext cx="2133600" cy="365125"/>
+          </a:xfrm>
+          <a:prstGeom prst="rect">
+            <a:avLst/>
+          </a:prstGeom>
+        </p:spPr>
+        <p:txBody>
+          <a:bodyPr/>
+          <a:lstStyle/>
+          <a:p>
+            <a:fld id="{0A119FE7-F343-450F-9C09-DDC0FE950B51}" type="datetime1">
+              <a:rPr lang="en-US" smtClean="0"/>
+              <a:t>6/11/18</a:t>
+            </a:fld>
+            <a:endParaRPr lang="en-US"/>
+          </a:p>
+        </p:txBody>
+      </p:sp>
+      <p:sp>
+        <p:nvSpPr>
+          <p:cNvPr id="3" name="Footer Placeholder 2"/>
+          <p:cNvSpPr>
+            <a:spLocks noGrp="1"/>
+          </p:cNvSpPr>
+          <p:nvPr>
+            <p:ph type="ftr" sz="quarter" idx="11"/>
+          </p:nvPr>
+        </p:nvSpPr>
+        <p:spPr>
+          <a:xfrm>
+            <a:off x="581192" y="5951810"/>
+            <a:ext cx="4870585" cy="365125"/>
+          </a:xfrm>
+          <a:prstGeom prst="rect">
+            <a:avLst/>
+          </a:prstGeom>
+        </p:spPr>
+        <p:txBody>
+          <a:bodyPr/>
+          <a:lstStyle/>
+          <a:p>
+            <a:r>
+              <a:rPr lang="en-US"/>
+              <a:t>© 2018, FLL Tutorials, Last Edit 6/11/2018</a:t>
+            </a:r>
+          </a:p>
+        </p:txBody>
+      </p:sp>
+      <p:sp>
+        <p:nvSpPr>
+          <p:cNvPr id="4" name="Slide Number Placeholder 3"/>
+          <p:cNvSpPr>
+            <a:spLocks noGrp="1"/>
+          </p:cNvSpPr>
+          <p:nvPr>
+            <p:ph type="sldNum" sz="quarter" idx="12"/>
+          </p:nvPr>
+        </p:nvSpPr>
+        <p:spPr>
+          <a:xfrm>
+            <a:off x="7800476" y="5956136"/>
+            <a:ext cx="770468" cy="365125"/>
+          </a:xfrm>
+          <a:prstGeom prst="rect">
+            <a:avLst/>
+          </a:prstGeom>
+        </p:spPr>
+        <p:txBody>
+          <a:bodyPr/>
+          <a:lstStyle/>
+          <a:p>
+            <a:fld id="{4DBC7FC8-25FB-FC45-8177-2B991DA6778C}" type="slidenum">
+              <a:rPr lang="en-US" smtClean="0"/>
+              <a:t>‹#›</a:t>
+            </a:fld>
+            <a:endParaRPr lang="en-US"/>
+          </a:p>
+        </p:txBody>
+      </p:sp>
+    </p:spTree>
+    <p:extLst>
+      <p:ext uri="{BB962C8B-B14F-4D97-AF65-F5344CB8AC3E}">
+        <p14:creationId xmlns:p14="http://schemas.microsoft.com/office/powerpoint/2010/main" val="1302396856"/>
+      </p:ext>
+    </p:extLst>
+  </p:cSld>
+  <p:clrMapOvr>
+    <a:masterClrMapping/>
+  </p:clrMapOvr>
+</p:sldLayout>
+</file>
+
+<file path=ppt/slideLayouts/slideLayout74.xml><?xml version="1.0" encoding="utf-8"?>
+<p:sldLayout xmlns:a="http://schemas.openxmlformats.org/drawingml/2006/main" xmlns:r="http://schemas.openxmlformats.org/officeDocument/2006/relationships" xmlns:p="http://schemas.openxmlformats.org/presentationml/2006/main" type="objTx" preserve="1">
+  <p:cSld name="Content with Caption">
+    <p:spTree>
+      <p:nvGrpSpPr>
+        <p:cNvPr id="1" name=""/>
+        <p:cNvGrpSpPr/>
+        <p:nvPr/>
+      </p:nvGrpSpPr>
+      <p:grpSpPr>
+        <a:xfrm>
+          <a:off x="0" y="0"/>
+          <a:ext cx="0" cy="0"/>
+          <a:chOff x="0" y="0"/>
+          <a:chExt cx="0" cy="0"/>
+        </a:xfrm>
+      </p:grpSpPr>
+      <p:sp>
+        <p:nvSpPr>
+          <p:cNvPr id="9" name="Rectangle 8"/>
+          <p:cNvSpPr>
+            <a:spLocks noChangeAspect="1"/>
+          </p:cNvSpPr>
+          <p:nvPr/>
+        </p:nvSpPr>
+        <p:spPr>
+          <a:xfrm>
+            <a:off x="452646" y="5141973"/>
+            <a:ext cx="8238707" cy="1274702"/>
+          </a:xfrm>
+          <a:prstGeom prst="rect">
+            <a:avLst/>
+          </a:prstGeom>
+          <a:solidFill>
+            <a:schemeClr val="accent1"/>
+          </a:solidFill>
+          <a:ln>
+            <a:noFill/>
+          </a:ln>
+          <a:effectLst/>
+        </p:spPr>
+        <p:style>
+          <a:lnRef idx="1">
+            <a:schemeClr val="accent1"/>
+          </a:lnRef>
+          <a:fillRef idx="3">
+            <a:schemeClr val="accent1"/>
+          </a:fillRef>
+          <a:effectRef idx="2">
+            <a:schemeClr val="accent1"/>
+          </a:effectRef>
+          <a:fontRef idx="minor">
+            <a:schemeClr val="lt1"/>
+          </a:fontRef>
+        </p:style>
+      </p:sp>
+      <p:sp>
+        <p:nvSpPr>
+          <p:cNvPr id="2" name="Title 1"/>
+          <p:cNvSpPr>
+            <a:spLocks noGrp="1"/>
+          </p:cNvSpPr>
+          <p:nvPr>
+            <p:ph type="title"/>
+          </p:nvPr>
+        </p:nvSpPr>
+        <p:spPr>
+          <a:xfrm>
+            <a:off x="581352" y="5262296"/>
+            <a:ext cx="3536625" cy="689514"/>
+          </a:xfrm>
+        </p:spPr>
+        <p:txBody>
+          <a:bodyPr anchor="ctr"/>
+          <a:lstStyle>
+            <a:lvl1pPr algn="l">
+              <a:defRPr sz="2000" b="0">
+                <a:solidFill>
+                  <a:schemeClr val="accent1">
+                    <a:lumMod val="75000"/>
+                    <a:lumOff val="25000"/>
+                  </a:schemeClr>
+                </a:solidFill>
+              </a:defRPr>
+            </a:lvl1pPr>
+          </a:lstStyle>
+          <a:p>
+            <a:r>
+              <a:rPr lang="en-US"/>
+              <a:t>Click to edit Master title style</a:t>
+            </a:r>
+            <a:endParaRPr lang="en-US" dirty="0"/>
+          </a:p>
+        </p:txBody>
+      </p:sp>
+      <p:sp>
+        <p:nvSpPr>
+          <p:cNvPr id="3" name="Content Placeholder 2"/>
+          <p:cNvSpPr>
+            <a:spLocks noGrp="1"/>
+          </p:cNvSpPr>
+          <p:nvPr>
+            <p:ph idx="1"/>
+          </p:nvPr>
+        </p:nvSpPr>
+        <p:spPr>
+          <a:xfrm>
+            <a:off x="446399" y="601200"/>
+            <a:ext cx="8240400" cy="4204800"/>
+          </a:xfrm>
+        </p:spPr>
+        <p:txBody>
+          <a:bodyPr anchor="ctr">
+            <a:normAutofit/>
+          </a:bodyPr>
+          <a:lstStyle>
+            <a:lvl1pPr>
+              <a:defRPr sz="2000">
+                <a:solidFill>
+                  <a:schemeClr val="tx2"/>
+                </a:solidFill>
+              </a:defRPr>
+            </a:lvl1pPr>
+            <a:lvl2pPr>
+              <a:defRPr sz="1800">
+                <a:solidFill>
+                  <a:schemeClr val="tx2"/>
+                </a:solidFill>
+              </a:defRPr>
+            </a:lvl2pPr>
+            <a:lvl3pPr>
+              <a:defRPr sz="1600">
+                <a:solidFill>
+                  <a:schemeClr val="tx2"/>
+                </a:solidFill>
+              </a:defRPr>
+            </a:lvl3pPr>
+            <a:lvl4pPr>
+              <a:defRPr sz="1400">
+                <a:solidFill>
+                  <a:schemeClr val="tx2"/>
+                </a:solidFill>
+              </a:defRPr>
+            </a:lvl4pPr>
+            <a:lvl5pPr>
+              <a:defRPr sz="1400">
+                <a:solidFill>
+                  <a:schemeClr val="tx2"/>
+                </a:solidFill>
+              </a:defRPr>
+            </a:lvl5pPr>
+            <a:lvl6pPr>
+              <a:defRPr sz="1400">
+                <a:solidFill>
+                  <a:schemeClr val="tx2"/>
+                </a:solidFill>
+              </a:defRPr>
+            </a:lvl6pPr>
+            <a:lvl7pPr>
+              <a:defRPr sz="1400">
+                <a:solidFill>
+                  <a:schemeClr val="tx2"/>
+                </a:solidFill>
+              </a:defRPr>
+            </a:lvl7pPr>
+            <a:lvl8pPr>
+              <a:defRPr sz="1400">
+                <a:solidFill>
+                  <a:schemeClr val="tx2"/>
+                </a:solidFill>
+              </a:defRPr>
+            </a:lvl8pPr>
+            <a:lvl9pPr>
+              <a:defRPr sz="1400">
+                <a:solidFill>
+                  <a:schemeClr val="tx2"/>
+                </a:solidFill>
+              </a:defRPr>
+            </a:lvl9pPr>
+          </a:lstStyle>
+          <a:p>
+            <a:pPr lvl="0"/>
+            <a:r>
+              <a:rPr lang="en-US"/>
+              <a:t>Edit Master text styles</a:t>
+            </a:r>
+          </a:p>
+          <a:p>
+            <a:pPr lvl="1"/>
+            <a:r>
+              <a:rPr lang="en-US"/>
+              <a:t>Second level</a:t>
+            </a:r>
+          </a:p>
+          <a:p>
+            <a:pPr lvl="2"/>
+            <a:r>
+              <a:rPr lang="en-US"/>
+              <a:t>Third level</a:t>
+            </a:r>
+          </a:p>
+          <a:p>
+            <a:pPr lvl="3"/>
+            <a:r>
+              <a:rPr lang="en-US"/>
+              <a:t>Fourth level</a:t>
+            </a:r>
+          </a:p>
+          <a:p>
+            <a:pPr lvl="4"/>
+            <a:r>
+              <a:rPr lang="en-US"/>
+              <a:t>Fifth level</a:t>
+            </a:r>
+            <a:endParaRPr lang="en-US" dirty="0"/>
+          </a:p>
+        </p:txBody>
+      </p:sp>
+      <p:sp>
+        <p:nvSpPr>
+          <p:cNvPr id="4" name="Text Placeholder 3"/>
+          <p:cNvSpPr>
+            <a:spLocks noGrp="1"/>
+          </p:cNvSpPr>
+          <p:nvPr>
+            <p:ph type="body" sz="half" idx="2"/>
+          </p:nvPr>
+        </p:nvSpPr>
+        <p:spPr>
+          <a:xfrm>
+            <a:off x="4305617" y="5262295"/>
+            <a:ext cx="4265327" cy="689515"/>
+          </a:xfrm>
+        </p:spPr>
+        <p:txBody>
+          <a:bodyPr anchor="ctr">
+            <a:normAutofit/>
+          </a:bodyPr>
+          <a:lstStyle>
+            <a:lvl1pPr marL="0" indent="0" algn="r">
+              <a:buNone/>
+              <a:defRPr sz="1100">
+                <a:solidFill>
+                  <a:schemeClr val="bg1"/>
+                </a:solidFill>
+              </a:defRPr>
+            </a:lvl1pPr>
+            <a:lvl2pPr marL="457200" indent="0">
+              <a:buNone/>
+              <a:defRPr sz="1100"/>
+            </a:lvl2pPr>
+            <a:lvl3pPr marL="914400" indent="0">
+              <a:buNone/>
+              <a:defRPr sz="1000"/>
+            </a:lvl3pPr>
+            <a:lvl4pPr marL="1371600" indent="0">
+              <a:buNone/>
+              <a:defRPr sz="900"/>
+            </a:lvl4pPr>
+            <a:lvl5pPr marL="1828800" indent="0">
+              <a:buNone/>
+              <a:defRPr sz="900"/>
+            </a:lvl5pPr>
+            <a:lvl6pPr marL="2286000" indent="0">
+              <a:buNone/>
+              <a:defRPr sz="900"/>
+            </a:lvl6pPr>
+            <a:lvl7pPr marL="2743200" indent="0">
+              <a:buNone/>
+              <a:defRPr sz="900"/>
+            </a:lvl7pPr>
+            <a:lvl8pPr marL="3200400" indent="0">
+              <a:buNone/>
+              <a:defRPr sz="900"/>
+            </a:lvl8pPr>
+            <a:lvl9pPr marL="3657600" indent="0">
+              <a:buNone/>
+              <a:defRPr sz="900"/>
+            </a:lvl9pPr>
+          </a:lstStyle>
+          <a:p>
+            <a:pPr lvl="0"/>
+            <a:r>
+              <a:rPr lang="en-US"/>
+              <a:t>Edit Master text styles</a:t>
+            </a:r>
+          </a:p>
+        </p:txBody>
+      </p:sp>
+      <p:sp>
+        <p:nvSpPr>
+          <p:cNvPr id="5" name="Date Placeholder 4"/>
+          <p:cNvSpPr>
+            <a:spLocks noGrp="1"/>
+          </p:cNvSpPr>
+          <p:nvPr>
+            <p:ph type="dt" sz="half" idx="10"/>
+          </p:nvPr>
+        </p:nvSpPr>
+        <p:spPr>
+          <a:xfrm>
+            <a:off x="5559327" y="5956136"/>
+            <a:ext cx="2133600" cy="365125"/>
+          </a:xfrm>
+          <a:prstGeom prst="rect">
+            <a:avLst/>
+          </a:prstGeom>
+        </p:spPr>
+        <p:txBody>
+          <a:bodyPr/>
+          <a:lstStyle>
+            <a:lvl1pPr>
+              <a:defRPr>
+                <a:solidFill>
+                  <a:schemeClr val="accent1">
+                    <a:lumMod val="75000"/>
+                    <a:lumOff val="25000"/>
+                  </a:schemeClr>
+                </a:solidFill>
+              </a:defRPr>
+            </a:lvl1pPr>
+          </a:lstStyle>
+          <a:p>
+            <a:fld id="{2F9BBE75-C39F-4204-9E80-3725E99B3624}" type="datetime1">
+              <a:rPr lang="en-US" smtClean="0"/>
+              <a:t>6/11/18</a:t>
+            </a:fld>
+            <a:endParaRPr lang="en-US"/>
+          </a:p>
+        </p:txBody>
+      </p:sp>
+      <p:sp>
+        <p:nvSpPr>
+          <p:cNvPr id="6" name="Footer Placeholder 5"/>
+          <p:cNvSpPr>
+            <a:spLocks noGrp="1"/>
+          </p:cNvSpPr>
+          <p:nvPr>
+            <p:ph type="ftr" sz="quarter" idx="11"/>
+          </p:nvPr>
+        </p:nvSpPr>
+        <p:spPr>
+          <a:xfrm>
+            <a:off x="581192" y="5951810"/>
+            <a:ext cx="4870585" cy="365125"/>
+          </a:xfrm>
+          <a:prstGeom prst="rect">
+            <a:avLst/>
+          </a:prstGeom>
+        </p:spPr>
+        <p:txBody>
+          <a:bodyPr/>
+          <a:lstStyle>
+            <a:lvl1pPr>
+              <a:defRPr>
+                <a:solidFill>
+                  <a:schemeClr val="accent1">
+                    <a:lumMod val="75000"/>
+                    <a:lumOff val="25000"/>
+                  </a:schemeClr>
+                </a:solidFill>
+              </a:defRPr>
+            </a:lvl1pPr>
+          </a:lstStyle>
+          <a:p>
+            <a:r>
+              <a:rPr lang="en-US"/>
+              <a:t>© 2018, FLL Tutorials, Last Edit 6/11/2018</a:t>
+            </a:r>
+          </a:p>
+        </p:txBody>
+      </p:sp>
+      <p:sp>
+        <p:nvSpPr>
+          <p:cNvPr id="7" name="Slide Number Placeholder 6"/>
+          <p:cNvSpPr>
+            <a:spLocks noGrp="1"/>
+          </p:cNvSpPr>
+          <p:nvPr>
+            <p:ph type="sldNum" sz="quarter" idx="12"/>
+          </p:nvPr>
+        </p:nvSpPr>
+        <p:spPr>
+          <a:xfrm>
+            <a:off x="7800476" y="5956136"/>
+            <a:ext cx="770468" cy="365125"/>
+          </a:xfrm>
+          <a:prstGeom prst="rect">
+            <a:avLst/>
+          </a:prstGeom>
+        </p:spPr>
+        <p:txBody>
+          <a:bodyPr/>
+          <a:lstStyle>
+            <a:lvl1pPr>
+              <a:defRPr>
+                <a:solidFill>
+                  <a:schemeClr val="accent1">
+                    <a:lumMod val="75000"/>
+                    <a:lumOff val="25000"/>
+                  </a:schemeClr>
+                </a:solidFill>
+              </a:defRPr>
+            </a:lvl1pPr>
+          </a:lstStyle>
+          <a:p>
+            <a:fld id="{4DBC7FC8-25FB-FC45-8177-2B991DA6778C}" type="slidenum">
+              <a:rPr lang="en-US" smtClean="0"/>
+              <a:t>‹#›</a:t>
+            </a:fld>
+            <a:endParaRPr lang="en-US"/>
+          </a:p>
+        </p:txBody>
+      </p:sp>
+    </p:spTree>
+    <p:extLst>
+      <p:ext uri="{BB962C8B-B14F-4D97-AF65-F5344CB8AC3E}">
+        <p14:creationId xmlns:p14="http://schemas.microsoft.com/office/powerpoint/2010/main" val="279713028"/>
+      </p:ext>
+    </p:extLst>
+  </p:cSld>
+  <p:clrMapOvr>
+    <a:masterClrMapping/>
+  </p:clrMapOvr>
+</p:sldLayout>
+</file>
+
+<file path=ppt/slideLayouts/slideLayout75.xml><?xml version="1.0" encoding="utf-8"?>
+<p:sldLayout xmlns:a="http://schemas.openxmlformats.org/drawingml/2006/main" xmlns:r="http://schemas.openxmlformats.org/officeDocument/2006/relationships" xmlns:p="http://schemas.openxmlformats.org/presentationml/2006/main" type="picTx" preserve="1">
+  <p:cSld name="Picture with Caption">
+    <p:spTree>
+      <p:nvGrpSpPr>
+        <p:cNvPr id="1" name=""/>
+        <p:cNvGrpSpPr/>
+        <p:nvPr/>
+      </p:nvGrpSpPr>
+      <p:grpSpPr>
+        <a:xfrm>
+          <a:off x="0" y="0"/>
+          <a:ext cx="0" cy="0"/>
+          <a:chOff x="0" y="0"/>
+          <a:chExt cx="0" cy="0"/>
+        </a:xfrm>
+      </p:grpSpPr>
+      <p:sp>
+        <p:nvSpPr>
+          <p:cNvPr id="2" name="Title 1"/>
+          <p:cNvSpPr>
+            <a:spLocks noGrp="1"/>
+          </p:cNvSpPr>
+          <p:nvPr>
+            <p:ph type="title"/>
+          </p:nvPr>
+        </p:nvSpPr>
+        <p:spPr>
+          <a:xfrm>
+            <a:off x="581192" y="4693389"/>
+            <a:ext cx="7989752" cy="566738"/>
+          </a:xfrm>
+        </p:spPr>
+        <p:txBody>
+          <a:bodyPr anchor="b">
+            <a:normAutofit/>
+          </a:bodyPr>
+          <a:lstStyle>
+            <a:lvl1pPr algn="l">
+              <a:defRPr sz="2400" b="0">
+                <a:solidFill>
+                  <a:schemeClr val="accent1"/>
+                </a:solidFill>
+              </a:defRPr>
+            </a:lvl1pPr>
+          </a:lstStyle>
+          <a:p>
+            <a:r>
+              <a:rPr lang="en-US"/>
+              <a:t>Click to edit Master title style</a:t>
+            </a:r>
+            <a:endParaRPr lang="en-US" dirty="0"/>
+          </a:p>
+        </p:txBody>
+      </p:sp>
+      <p:sp>
+        <p:nvSpPr>
+          <p:cNvPr id="3" name="Picture Placeholder 2"/>
+          <p:cNvSpPr>
+            <a:spLocks noGrp="1" noChangeAspect="1"/>
+          </p:cNvSpPr>
+          <p:nvPr>
+            <p:ph type="pic" idx="1"/>
+          </p:nvPr>
+        </p:nvSpPr>
+        <p:spPr>
+          <a:xfrm>
+            <a:off x="448093" y="599725"/>
+            <a:ext cx="8238706" cy="3557252"/>
+          </a:xfrm>
+        </p:spPr>
+        <p:txBody>
+          <a:bodyPr anchor="t">
+            <a:normAutofit/>
+          </a:bodyPr>
+          <a:lstStyle>
+            <a:lvl1pPr marL="0" indent="0" algn="ctr">
+              <a:buNone/>
+              <a:defRPr sz="1600"/>
+            </a:lvl1pPr>
+            <a:lvl2pPr marL="457200" indent="0">
+              <a:buNone/>
+              <a:defRPr sz="1600"/>
+            </a:lvl2pPr>
+            <a:lvl3pPr marL="914400" indent="0">
+              <a:buNone/>
+              <a:defRPr sz="1600"/>
+            </a:lvl3pPr>
+            <a:lvl4pPr marL="1371600" indent="0">
+              <a:buNone/>
+              <a:defRPr sz="1600"/>
+            </a:lvl4pPr>
+            <a:lvl5pPr marL="1828800" indent="0">
+              <a:buNone/>
+              <a:defRPr sz="1600"/>
+            </a:lvl5pPr>
+            <a:lvl6pPr marL="2286000" indent="0">
+              <a:buNone/>
+              <a:defRPr sz="1600"/>
+            </a:lvl6pPr>
+            <a:lvl7pPr marL="2743200" indent="0">
+              <a:buNone/>
+              <a:defRPr sz="1600"/>
+            </a:lvl7pPr>
+            <a:lvl8pPr marL="3200400" indent="0">
+              <a:buNone/>
+              <a:defRPr sz="1600"/>
+            </a:lvl8pPr>
+            <a:lvl9pPr marL="3657600" indent="0">
+              <a:buNone/>
+              <a:defRPr sz="1600"/>
+            </a:lvl9pPr>
+          </a:lstStyle>
+          <a:p>
+            <a:r>
+              <a:rPr lang="en-US"/>
+              <a:t>Click icon to add picture</a:t>
+            </a:r>
+            <a:endParaRPr lang="en-US" dirty="0"/>
+          </a:p>
+        </p:txBody>
+      </p:sp>
+      <p:sp>
+        <p:nvSpPr>
+          <p:cNvPr id="4" name="Text Placeholder 3"/>
+          <p:cNvSpPr>
+            <a:spLocks noGrp="1"/>
+          </p:cNvSpPr>
+          <p:nvPr>
+            <p:ph type="body" sz="half" idx="2"/>
+          </p:nvPr>
+        </p:nvSpPr>
+        <p:spPr>
+          <a:xfrm>
+            <a:off x="581192" y="5260126"/>
+            <a:ext cx="7989752" cy="598671"/>
+          </a:xfrm>
+        </p:spPr>
+        <p:txBody>
+          <a:bodyPr>
+            <a:normAutofit/>
+          </a:bodyPr>
+          <a:lstStyle>
+            <a:lvl1pPr marL="0" indent="0">
+              <a:buNone/>
+              <a:defRPr sz="1200"/>
+            </a:lvl1pPr>
+            <a:lvl2pPr marL="457200" indent="0">
+              <a:buNone/>
+              <a:defRPr sz="1200"/>
+            </a:lvl2pPr>
+            <a:lvl3pPr marL="914400" indent="0">
+              <a:buNone/>
+              <a:defRPr sz="1000"/>
+            </a:lvl3pPr>
+            <a:lvl4pPr marL="1371600" indent="0">
+              <a:buNone/>
+              <a:defRPr sz="900"/>
+            </a:lvl4pPr>
+            <a:lvl5pPr marL="1828800" indent="0">
+              <a:buNone/>
+              <a:defRPr sz="900"/>
+            </a:lvl5pPr>
+            <a:lvl6pPr marL="2286000" indent="0">
+              <a:buNone/>
+              <a:defRPr sz="900"/>
+            </a:lvl6pPr>
+            <a:lvl7pPr marL="2743200" indent="0">
+              <a:buNone/>
+              <a:defRPr sz="900"/>
+            </a:lvl7pPr>
+            <a:lvl8pPr marL="3200400" indent="0">
+              <a:buNone/>
+              <a:defRPr sz="900"/>
+            </a:lvl8pPr>
+            <a:lvl9pPr marL="3657600" indent="0">
+              <a:buNone/>
+              <a:defRPr sz="900"/>
+            </a:lvl9pPr>
+          </a:lstStyle>
+          <a:p>
+            <a:pPr lvl="0"/>
+            <a:r>
+              <a:rPr lang="en-US"/>
+              <a:t>Edit Master text styles</a:t>
+            </a:r>
+          </a:p>
+        </p:txBody>
+      </p:sp>
+      <p:sp>
+        <p:nvSpPr>
+          <p:cNvPr id="5" name="Date Placeholder 4"/>
+          <p:cNvSpPr>
+            <a:spLocks noGrp="1"/>
+          </p:cNvSpPr>
+          <p:nvPr>
+            <p:ph type="dt" sz="half" idx="10"/>
+          </p:nvPr>
+        </p:nvSpPr>
+        <p:spPr>
+          <a:xfrm>
+            <a:off x="5559327" y="5956136"/>
+            <a:ext cx="2133600" cy="365125"/>
+          </a:xfrm>
+          <a:prstGeom prst="rect">
+            <a:avLst/>
+          </a:prstGeom>
+        </p:spPr>
+        <p:txBody>
+          <a:bodyPr/>
+          <a:lstStyle/>
+          <a:p>
+            <a:fld id="{9383E75F-093E-436D-ABCC-DD8CC586D1D4}" type="datetime1">
+              <a:rPr lang="en-US" smtClean="0"/>
+              <a:t>6/11/18</a:t>
+            </a:fld>
+            <a:endParaRPr lang="en-US"/>
+          </a:p>
+        </p:txBody>
+      </p:sp>
+      <p:sp>
+        <p:nvSpPr>
+          <p:cNvPr id="6" name="Footer Placeholder 5"/>
+          <p:cNvSpPr>
+            <a:spLocks noGrp="1"/>
+          </p:cNvSpPr>
+          <p:nvPr>
+            <p:ph type="ftr" sz="quarter" idx="11"/>
+          </p:nvPr>
+        </p:nvSpPr>
+        <p:spPr>
+          <a:xfrm>
+            <a:off x="581192" y="5951810"/>
+            <a:ext cx="4870585" cy="365125"/>
+          </a:xfrm>
+          <a:prstGeom prst="rect">
+            <a:avLst/>
+          </a:prstGeom>
+        </p:spPr>
+        <p:txBody>
+          <a:bodyPr/>
+          <a:lstStyle/>
+          <a:p>
+            <a:r>
+              <a:rPr lang="en-US"/>
+              <a:t>© 2018, FLL Tutorials, Last Edit 6/11/2018</a:t>
+            </a:r>
+          </a:p>
+        </p:txBody>
+      </p:sp>
+      <p:sp>
+        <p:nvSpPr>
+          <p:cNvPr id="7" name="Slide Number Placeholder 6"/>
+          <p:cNvSpPr>
+            <a:spLocks noGrp="1"/>
+          </p:cNvSpPr>
+          <p:nvPr>
+            <p:ph type="sldNum" sz="quarter" idx="12"/>
+          </p:nvPr>
+        </p:nvSpPr>
+        <p:spPr>
+          <a:xfrm>
+            <a:off x="7800476" y="5956136"/>
+            <a:ext cx="770468" cy="365125"/>
+          </a:xfrm>
+          <a:prstGeom prst="rect">
+            <a:avLst/>
+          </a:prstGeom>
+        </p:spPr>
+        <p:txBody>
+          <a:bodyPr/>
+          <a:lstStyle/>
+          <a:p>
+            <a:fld id="{4DBC7FC8-25FB-FC45-8177-2B991DA6778C}" type="slidenum">
+              <a:rPr lang="en-US" smtClean="0"/>
+              <a:t>‹#›</a:t>
+            </a:fld>
+            <a:endParaRPr lang="en-US"/>
+          </a:p>
+        </p:txBody>
+      </p:sp>
+    </p:spTree>
+    <p:extLst>
+      <p:ext uri="{BB962C8B-B14F-4D97-AF65-F5344CB8AC3E}">
+        <p14:creationId xmlns:p14="http://schemas.microsoft.com/office/powerpoint/2010/main" val="2082640240"/>
+      </p:ext>
+    </p:extLst>
+  </p:cSld>
+  <p:clrMapOvr>
+    <a:masterClrMapping/>
+  </p:clrMapOvr>
+</p:sldLayout>
+</file>
+
+<file path=ppt/slideLayouts/slideLayout76.xml><?xml version="1.0" encoding="utf-8"?>
+<p:sldLayout xmlns:a="http://schemas.openxmlformats.org/drawingml/2006/main" xmlns:r="http://schemas.openxmlformats.org/officeDocument/2006/relationships" xmlns:p="http://schemas.openxmlformats.org/presentationml/2006/main" type="vertTx" preserve="1">
+  <p:cSld name="Title and Vertical Text">
+    <p:spTree>
+      <p:nvGrpSpPr>
+        <p:cNvPr id="1" name=""/>
+        <p:cNvGrpSpPr/>
+        <p:nvPr/>
+      </p:nvGrpSpPr>
+      <p:grpSpPr>
+        <a:xfrm>
+          <a:off x="0" y="0"/>
+          <a:ext cx="0" cy="0"/>
+          <a:chOff x="0" y="0"/>
+          <a:chExt cx="0" cy="0"/>
+        </a:xfrm>
+      </p:grpSpPr>
+      <p:sp>
+        <p:nvSpPr>
+          <p:cNvPr id="7" name="Rectangle 6"/>
+          <p:cNvSpPr>
+            <a:spLocks noChangeAspect="1"/>
+          </p:cNvSpPr>
+          <p:nvPr/>
+        </p:nvSpPr>
+        <p:spPr>
+          <a:xfrm>
+            <a:off x="448092" y="599725"/>
+            <a:ext cx="8238707" cy="1258827"/>
+          </a:xfrm>
+          <a:prstGeom prst="rect">
+            <a:avLst/>
+          </a:prstGeom>
+          <a:solidFill>
+            <a:schemeClr val="accent1"/>
+          </a:solidFill>
+          <a:ln>
+            <a:noFill/>
+          </a:ln>
+          <a:effectLst/>
+        </p:spPr>
+        <p:style>
+          <a:lnRef idx="1">
+            <a:schemeClr val="accent1"/>
+          </a:lnRef>
+          <a:fillRef idx="3">
+            <a:schemeClr val="accent1"/>
+          </a:fillRef>
+          <a:effectRef idx="2">
+            <a:schemeClr val="accent1"/>
+          </a:effectRef>
+          <a:fontRef idx="minor">
+            <a:schemeClr val="lt1"/>
+          </a:fontRef>
+        </p:style>
+      </p:sp>
+      <p:sp>
+        <p:nvSpPr>
+          <p:cNvPr id="2" name="Title 1"/>
+          <p:cNvSpPr>
+            <a:spLocks noGrp="1"/>
+          </p:cNvSpPr>
+          <p:nvPr>
+            <p:ph type="title"/>
+          </p:nvPr>
+        </p:nvSpPr>
+        <p:spPr/>
+        <p:txBody>
+          <a:bodyPr/>
+          <a:lstStyle/>
+          <a:p>
+            <a:r>
+              <a:rPr lang="en-US"/>
+              <a:t>Click to edit Master title style</a:t>
+            </a:r>
+            <a:endParaRPr lang="en-US" dirty="0"/>
+          </a:p>
+        </p:txBody>
+      </p:sp>
+      <p:sp>
+        <p:nvSpPr>
+          <p:cNvPr id="3" name="Vertical Text Placeholder 2"/>
+          <p:cNvSpPr>
+            <a:spLocks noGrp="1"/>
+          </p:cNvSpPr>
+          <p:nvPr>
+            <p:ph type="body" orient="vert" idx="1"/>
+          </p:nvPr>
+        </p:nvSpPr>
+        <p:spPr/>
+        <p:txBody>
+          <a:bodyPr vert="eaVert" anchor="t"/>
+          <a:lstStyle>
+            <a:lvl1pPr algn="l">
+              <a:defRPr/>
+            </a:lvl1pPr>
+            <a:lvl2pPr algn="l">
+              <a:defRPr/>
+            </a:lvl2pPr>
+            <a:lvl3pPr algn="l">
+              <a:defRPr/>
+            </a:lvl3pPr>
+            <a:lvl4pPr algn="l">
+              <a:defRPr/>
+            </a:lvl4pPr>
+            <a:lvl5pPr algn="l">
+              <a:defRPr/>
+            </a:lvl5pPr>
+          </a:lstStyle>
+          <a:p>
+            <a:pPr lvl="0"/>
+            <a:r>
+              <a:rPr lang="en-US"/>
+              <a:t>Edit Master text styles</a:t>
+            </a:r>
+          </a:p>
+          <a:p>
+            <a:pPr lvl="1"/>
+            <a:r>
+              <a:rPr lang="en-US"/>
+              <a:t>Second level</a:t>
+            </a:r>
+          </a:p>
+          <a:p>
+            <a:pPr lvl="2"/>
+            <a:r>
+              <a:rPr lang="en-US"/>
+              <a:t>Third level</a:t>
+            </a:r>
+          </a:p>
+          <a:p>
+            <a:pPr lvl="3"/>
+            <a:r>
+              <a:rPr lang="en-US"/>
+              <a:t>Fourth level</a:t>
+            </a:r>
+          </a:p>
+          <a:p>
+            <a:pPr lvl="4"/>
+            <a:r>
+              <a:rPr lang="en-US"/>
+              <a:t>Fifth level</a:t>
+            </a:r>
+            <a:endParaRPr lang="en-US" dirty="0"/>
+          </a:p>
+        </p:txBody>
+      </p:sp>
+      <p:sp>
+        <p:nvSpPr>
+          <p:cNvPr id="4" name="Date Placeholder 3"/>
+          <p:cNvSpPr>
+            <a:spLocks noGrp="1"/>
+          </p:cNvSpPr>
+          <p:nvPr>
+            <p:ph type="dt" sz="half" idx="10"/>
+          </p:nvPr>
+        </p:nvSpPr>
+        <p:spPr>
+          <a:xfrm>
+            <a:off x="5559327" y="5956136"/>
+            <a:ext cx="2133600" cy="365125"/>
+          </a:xfrm>
+          <a:prstGeom prst="rect">
+            <a:avLst/>
+          </a:prstGeom>
+        </p:spPr>
+        <p:txBody>
+          <a:bodyPr/>
+          <a:lstStyle/>
+          <a:p>
+            <a:fld id="{FCBBBEC5-7D27-482D-9EDE-3B3D85410A3F}" type="datetime1">
+              <a:rPr lang="en-US" smtClean="0"/>
+              <a:t>6/11/18</a:t>
+            </a:fld>
+            <a:endParaRPr lang="en-US"/>
+          </a:p>
+        </p:txBody>
+      </p:sp>
+      <p:sp>
+        <p:nvSpPr>
+          <p:cNvPr id="5" name="Footer Placeholder 4"/>
+          <p:cNvSpPr>
+            <a:spLocks noGrp="1"/>
+          </p:cNvSpPr>
+          <p:nvPr>
+            <p:ph type="ftr" sz="quarter" idx="11"/>
+          </p:nvPr>
+        </p:nvSpPr>
+        <p:spPr>
+          <a:xfrm>
+            <a:off x="581192" y="5951810"/>
+            <a:ext cx="4870585" cy="365125"/>
+          </a:xfrm>
+          <a:prstGeom prst="rect">
+            <a:avLst/>
+          </a:prstGeom>
+        </p:spPr>
+        <p:txBody>
+          <a:bodyPr/>
+          <a:lstStyle/>
+          <a:p>
+            <a:r>
+              <a:rPr lang="en-US"/>
+              <a:t>© 2018, FLL Tutorials, Last Edit 6/11/2018</a:t>
+            </a:r>
+          </a:p>
+        </p:txBody>
+      </p:sp>
+      <p:sp>
+        <p:nvSpPr>
+          <p:cNvPr id="6" name="Slide Number Placeholder 5"/>
+          <p:cNvSpPr>
+            <a:spLocks noGrp="1"/>
+          </p:cNvSpPr>
+          <p:nvPr>
+            <p:ph type="sldNum" sz="quarter" idx="12"/>
+          </p:nvPr>
+        </p:nvSpPr>
+        <p:spPr>
+          <a:xfrm>
+            <a:off x="7800476" y="5956136"/>
+            <a:ext cx="770468" cy="365125"/>
+          </a:xfrm>
+          <a:prstGeom prst="rect">
+            <a:avLst/>
+          </a:prstGeom>
+        </p:spPr>
+        <p:txBody>
+          <a:bodyPr/>
+          <a:lstStyle/>
+          <a:p>
+            <a:fld id="{4DBC7FC8-25FB-FC45-8177-2B991DA6778C}" type="slidenum">
+              <a:rPr lang="en-US" smtClean="0"/>
+              <a:t>‹#›</a:t>
+            </a:fld>
+            <a:endParaRPr lang="en-US"/>
+          </a:p>
+        </p:txBody>
+      </p:sp>
+    </p:spTree>
+    <p:extLst>
+      <p:ext uri="{BB962C8B-B14F-4D97-AF65-F5344CB8AC3E}">
+        <p14:creationId xmlns:p14="http://schemas.microsoft.com/office/powerpoint/2010/main" val="1906759507"/>
+      </p:ext>
+    </p:extLst>
+  </p:cSld>
+  <p:clrMapOvr>
+    <a:masterClrMapping/>
+  </p:clrMapOvr>
+</p:sldLayout>
+</file>
+
+<file path=ppt/slideLayouts/slideLayout77.xml><?xml version="1.0" encoding="utf-8"?>
+<p:sldLayout xmlns:a="http://schemas.openxmlformats.org/drawingml/2006/main" xmlns:r="http://schemas.openxmlformats.org/officeDocument/2006/relationships" xmlns:p="http://schemas.openxmlformats.org/presentationml/2006/main" type="vertTitleAndTx" preserve="1">
+  <p:cSld name="Vertical Title and Text">
+    <p:spTree>
+      <p:nvGrpSpPr>
+        <p:cNvPr id="1" name=""/>
+        <p:cNvGrpSpPr/>
+        <p:nvPr/>
+      </p:nvGrpSpPr>
+      <p:grpSpPr>
+        <a:xfrm>
+          <a:off x="0" y="0"/>
+          <a:ext cx="0" cy="0"/>
+          <a:chOff x="0" y="0"/>
+          <a:chExt cx="0" cy="0"/>
+        </a:xfrm>
+      </p:grpSpPr>
+      <p:sp>
+        <p:nvSpPr>
+          <p:cNvPr id="7" name="Rectangle 6"/>
+          <p:cNvSpPr>
+            <a:spLocks noChangeAspect="1"/>
+          </p:cNvSpPr>
+          <p:nvPr/>
+        </p:nvSpPr>
+        <p:spPr>
+          <a:xfrm>
+            <a:off x="6629400" y="599725"/>
+            <a:ext cx="2057399" cy="5816950"/>
+          </a:xfrm>
+          <a:prstGeom prst="rect">
+            <a:avLst/>
+          </a:prstGeom>
+          <a:solidFill>
+            <a:schemeClr val="accent1"/>
+          </a:solidFill>
+          <a:ln>
+            <a:noFill/>
+          </a:ln>
+          <a:effectLst/>
+        </p:spPr>
+        <p:style>
+          <a:lnRef idx="1">
+            <a:schemeClr val="accent1"/>
+          </a:lnRef>
+          <a:fillRef idx="3">
+            <a:schemeClr val="accent1"/>
+          </a:fillRef>
+          <a:effectRef idx="2">
+            <a:schemeClr val="accent1"/>
+          </a:effectRef>
+          <a:fontRef idx="minor">
+            <a:schemeClr val="lt1"/>
+          </a:fontRef>
+        </p:style>
+      </p:sp>
+      <p:sp>
+        <p:nvSpPr>
+          <p:cNvPr id="2" name="Vertical Title 1"/>
+          <p:cNvSpPr>
+            <a:spLocks noGrp="1"/>
+          </p:cNvSpPr>
+          <p:nvPr>
+            <p:ph type="title" orient="vert"/>
+          </p:nvPr>
+        </p:nvSpPr>
+        <p:spPr>
+          <a:xfrm>
+            <a:off x="6629400" y="675725"/>
+            <a:ext cx="1503123" cy="5183073"/>
+          </a:xfrm>
+        </p:spPr>
+        <p:txBody>
+          <a:bodyPr vert="eaVert"/>
+          <a:lstStyle/>
+          <a:p>
+            <a:r>
+              <a:rPr lang="en-US"/>
+              <a:t>Click to edit Master title style</a:t>
+            </a:r>
+            <a:endParaRPr lang="en-US" dirty="0"/>
+          </a:p>
+        </p:txBody>
+      </p:sp>
+      <p:sp>
+        <p:nvSpPr>
+          <p:cNvPr id="3" name="Vertical Text Placeholder 2"/>
+          <p:cNvSpPr>
+            <a:spLocks noGrp="1"/>
+          </p:cNvSpPr>
+          <p:nvPr>
+            <p:ph type="body" orient="vert" idx="1"/>
+          </p:nvPr>
+        </p:nvSpPr>
+        <p:spPr>
+          <a:xfrm>
+            <a:off x="581192" y="675725"/>
+            <a:ext cx="5922209" cy="5183073"/>
+          </a:xfrm>
+        </p:spPr>
+        <p:txBody>
+          <a:bodyPr vert="eaVert" anchor="t"/>
+          <a:lstStyle/>
+          <a:p>
+            <a:pPr lvl="0"/>
+            <a:r>
+              <a:rPr lang="en-US"/>
+              <a:t>Edit Master text styles</a:t>
+            </a:r>
+          </a:p>
+          <a:p>
+            <a:pPr lvl="1"/>
+            <a:r>
+              <a:rPr lang="en-US"/>
+              <a:t>Second level</a:t>
+            </a:r>
+          </a:p>
+          <a:p>
+            <a:pPr lvl="2"/>
+            <a:r>
+              <a:rPr lang="en-US"/>
+              <a:t>Third level</a:t>
+            </a:r>
+          </a:p>
+          <a:p>
+            <a:pPr lvl="3"/>
+            <a:r>
+              <a:rPr lang="en-US"/>
+              <a:t>Fourth level</a:t>
+            </a:r>
+          </a:p>
+          <a:p>
+            <a:pPr lvl="4"/>
+            <a:r>
+              <a:rPr lang="en-US"/>
+              <a:t>Fifth level</a:t>
+            </a:r>
+            <a:endParaRPr lang="en-US" dirty="0"/>
+          </a:p>
+        </p:txBody>
+      </p:sp>
+      <p:sp>
+        <p:nvSpPr>
+          <p:cNvPr id="4" name="Date Placeholder 3"/>
+          <p:cNvSpPr>
+            <a:spLocks noGrp="1"/>
+          </p:cNvSpPr>
+          <p:nvPr>
+            <p:ph type="dt" sz="half" idx="10"/>
+          </p:nvPr>
+        </p:nvSpPr>
+        <p:spPr>
+          <a:xfrm>
+            <a:off x="6745255" y="5956136"/>
+            <a:ext cx="947672" cy="365125"/>
+          </a:xfrm>
+          <a:prstGeom prst="rect">
+            <a:avLst/>
+          </a:prstGeom>
+        </p:spPr>
+        <p:txBody>
+          <a:bodyPr/>
+          <a:lstStyle>
+            <a:lvl1pPr>
+              <a:defRPr>
+                <a:solidFill>
+                  <a:schemeClr val="accent1">
+                    <a:lumMod val="75000"/>
+                    <a:lumOff val="25000"/>
+                  </a:schemeClr>
+                </a:solidFill>
+              </a:defRPr>
+            </a:lvl1pPr>
+          </a:lstStyle>
+          <a:p>
+            <a:fld id="{12E05487-55E2-45F2-ABDA-95A37FBF1687}" type="datetime1">
+              <a:rPr lang="en-US" smtClean="0"/>
+              <a:t>6/11/18</a:t>
+            </a:fld>
+            <a:endParaRPr lang="en-US"/>
+          </a:p>
+        </p:txBody>
+      </p:sp>
+      <p:sp>
+        <p:nvSpPr>
+          <p:cNvPr id="5" name="Footer Placeholder 4"/>
+          <p:cNvSpPr>
+            <a:spLocks noGrp="1"/>
+          </p:cNvSpPr>
+          <p:nvPr>
+            <p:ph type="ftr" sz="quarter" idx="11"/>
+          </p:nvPr>
+        </p:nvSpPr>
+        <p:spPr>
+          <a:xfrm>
+            <a:off x="581192" y="5951810"/>
+            <a:ext cx="5922209" cy="365125"/>
+          </a:xfrm>
+          <a:prstGeom prst="rect">
+            <a:avLst/>
+          </a:prstGeom>
+        </p:spPr>
+        <p:txBody>
+          <a:bodyPr/>
+          <a:lstStyle/>
+          <a:p>
+            <a:r>
+              <a:rPr lang="en-US"/>
+              <a:t>© 2018, FLL Tutorials, Last Edit 6/11/2018</a:t>
+            </a:r>
+          </a:p>
+        </p:txBody>
+      </p:sp>
+      <p:sp>
+        <p:nvSpPr>
+          <p:cNvPr id="6" name="Slide Number Placeholder 5"/>
+          <p:cNvSpPr>
+            <a:spLocks noGrp="1"/>
+          </p:cNvSpPr>
+          <p:nvPr>
+            <p:ph type="sldNum" sz="quarter" idx="12"/>
+          </p:nvPr>
+        </p:nvSpPr>
+        <p:spPr>
+          <a:xfrm>
+            <a:off x="7800476" y="5956136"/>
+            <a:ext cx="770468" cy="365125"/>
+          </a:xfrm>
+          <a:prstGeom prst="rect">
+            <a:avLst/>
+          </a:prstGeom>
+        </p:spPr>
+        <p:txBody>
+          <a:bodyPr/>
+          <a:lstStyle>
+            <a:lvl1pPr>
+              <a:defRPr>
+                <a:solidFill>
+                  <a:schemeClr val="accent1">
+                    <a:lumMod val="75000"/>
+                    <a:lumOff val="25000"/>
+                  </a:schemeClr>
+                </a:solidFill>
+              </a:defRPr>
+            </a:lvl1pPr>
+          </a:lstStyle>
+          <a:p>
+            <a:fld id="{4DBC7FC8-25FB-FC45-8177-2B991DA6778C}" type="slidenum">
+              <a:rPr lang="en-US" smtClean="0"/>
+              <a:t>‹#›</a:t>
+            </a:fld>
+            <a:endParaRPr lang="en-US"/>
+          </a:p>
+        </p:txBody>
+      </p:sp>
+    </p:spTree>
+    <p:extLst>
+      <p:ext uri="{BB962C8B-B14F-4D97-AF65-F5344CB8AC3E}">
+        <p14:creationId xmlns:p14="http://schemas.microsoft.com/office/powerpoint/2010/main" val="3318576742"/>
       </p:ext>
     </p:extLst>
   </p:cSld>
@@ -18850,9 +22470,9 @@
           <a:bodyPr/>
           <a:lstStyle/>
           <a:p>
-            <a:fld id="{0D1D8F96-4C9A-4053-9B05-97C12BD32B2B}" type="datetime1">
+            <a:fld id="{C8998F37-5757-428F-B2EB-D2A5C8AF84D1}" type="datetime1">
               <a:rPr lang="en-US" smtClean="0"/>
-              <a:t>6/7/18</a:t>
+              <a:t>6/11/18</a:t>
             </a:fld>
             <a:endParaRPr lang="en-US"/>
           </a:p>
@@ -18875,7 +22495,7 @@
           <a:p>
             <a:r>
               <a:rPr lang="en-US"/>
-              <a:t>© 2018, FLL Tutorials, Last Edit 8/27/2016</a:t>
+              <a:t>© 2018, FLL Tutorials, Last Edit 6/11/2018</a:t>
             </a:r>
           </a:p>
         </p:txBody>
@@ -19150,9 +22770,9 @@
           <a:bodyPr/>
           <a:lstStyle/>
           <a:p>
-            <a:fld id="{6BE8DD01-53F4-4855-96DE-98164393138D}" type="datetime1">
+            <a:fld id="{22C40611-8DE4-41B7-82C5-46BD359C8F8B}" type="datetime1">
               <a:rPr lang="en-US" smtClean="0"/>
-              <a:t>6/7/18</a:t>
+              <a:t>6/11/18</a:t>
             </a:fld>
             <a:endParaRPr lang="en-US"/>
           </a:p>
@@ -19175,7 +22795,7 @@
           <a:p>
             <a:r>
               <a:rPr lang="en-US"/>
-              <a:t>© 2018, FLL Tutorials, Last Edit 8/27/2016</a:t>
+              <a:t>© 2018, FLL Tutorials, Last Edit 6/11/2018</a:t>
             </a:r>
           </a:p>
         </p:txBody>
@@ -19451,9 +23071,9 @@
             </a:lvl1pPr>
           </a:lstStyle>
           <a:p>
-            <a:fld id="{19DE1819-F05A-4B7A-89B4-28505BB42E3D}" type="datetime1">
+            <a:fld id="{CD545273-D1CB-4F9F-BC3C-B8B219AEB723}" type="datetime1">
               <a:rPr lang="en-US" smtClean="0"/>
-              <a:t>6/7/18</a:t>
+              <a:t>6/11/18</a:t>
             </a:fld>
             <a:endParaRPr lang="en-US"/>
           </a:p>
@@ -19492,7 +23112,7 @@
           <a:p>
             <a:r>
               <a:rPr lang="en-US"/>
-              <a:t>© 2018, FLL Tutorials, Last Edit 8/27/2016</a:t>
+              <a:t>© 2018, FLL Tutorials, Last Edit 6/11/2018</a:t>
             </a:r>
           </a:p>
         </p:txBody>
@@ -19974,7 +23594,7 @@
     <p:sldLayoutId id="2147483845" r:id="rId10"/>
     <p:sldLayoutId id="2147483846" r:id="rId11"/>
   </p:sldLayoutIdLst>
-  <p:hf hdr="0" dt="0"/>
+  <p:hf sldNum="0" hdr="0" dt="0"/>
   <p:txStyles>
     <p:titleStyle>
       <a:lvl1pPr algn="l" defTabSz="914400" rtl="0" eaLnBrk="1" latinLnBrk="0" hangingPunct="1">
@@ -20403,9 +24023,9 @@
             </a:lvl1pPr>
           </a:lstStyle>
           <a:p>
-            <a:fld id="{34CD8B9C-CD45-4BDF-87C4-B3542F4F7636}" type="datetime1">
+            <a:fld id="{BFCB1517-3D91-448A-A67F-5AD7BE4B8733}" type="datetime1">
               <a:rPr lang="en-US" smtClean="0"/>
-              <a:t>6/7/18</a:t>
+              <a:t>6/11/18</a:t>
             </a:fld>
             <a:endParaRPr lang="en-US"/>
           </a:p>
@@ -20444,7 +24064,7 @@
           <a:p>
             <a:r>
               <a:rPr lang="en-US"/>
-              <a:t>© 2018, FLL Tutorials, Last Edit 8/27/2016</a:t>
+              <a:t>© 2018, FLL Tutorials, Last Edit 6/11/2018</a:t>
             </a:r>
           </a:p>
         </p:txBody>
@@ -21032,7 +24652,7 @@
     <p:sldLayoutId id="2147483857" r:id="rId10"/>
     <p:sldLayoutId id="2147483858" r:id="rId11"/>
   </p:sldLayoutIdLst>
-  <p:hf hdr="0" dt="0"/>
+  <p:hf sldNum="0" hdr="0" dt="0"/>
   <p:txStyles>
     <p:titleStyle>
       <a:lvl1pPr algn="l" defTabSz="914400" rtl="0" eaLnBrk="1" latinLnBrk="0" hangingPunct="1">
@@ -21461,9 +25081,9 @@
             </a:lvl1pPr>
           </a:lstStyle>
           <a:p>
-            <a:fld id="{EA503BD0-EB18-4461-B2F5-723F4E0BD109}" type="datetime1">
+            <a:fld id="{5F6109C3-2FD9-47C9-ACEE-EF44FF0CB09E}" type="datetime1">
               <a:rPr lang="en-US" smtClean="0"/>
-              <a:t>6/7/18</a:t>
+              <a:t>6/11/18</a:t>
             </a:fld>
             <a:endParaRPr lang="en-US"/>
           </a:p>
@@ -21504,7 +25124,7 @@
           <a:p>
             <a:r>
               <a:rPr lang="en-US"/>
-              <a:t>© 2018, FLL Tutorials, Last Edit 8/27/2016</a:t>
+              <a:t>© 2018, FLL Tutorials, Last Edit 6/11/2018</a:t>
             </a:r>
           </a:p>
         </p:txBody>
@@ -21571,7 +25191,7 @@
     <p:sldLayoutId id="2147483869" r:id="rId10"/>
     <p:sldLayoutId id="2147483870" r:id="rId11"/>
   </p:sldLayoutIdLst>
-  <p:hf hdr="0" dt="0"/>
+  <p:hf sldNum="0" hdr="0" dt="0"/>
   <p:txStyles>
     <p:titleStyle>
       <a:lvl1pPr algn="l" defTabSz="914400" rtl="0" eaLnBrk="1" latinLnBrk="0" hangingPunct="1">
@@ -22003,9 +25623,9 @@
             </a:lvl1pPr>
           </a:lstStyle>
           <a:p>
-            <a:fld id="{D28EB378-E885-4A27-9495-1A9B1D804C18}" type="datetime1">
+            <a:fld id="{D79FE078-B84E-4361-AAF5-1BBC8B0042FA}" type="datetime1">
               <a:rPr lang="en-US" smtClean="0"/>
-              <a:t>6/7/18</a:t>
+              <a:t>6/11/18</a:t>
             </a:fld>
             <a:endParaRPr lang="en-US"/>
           </a:p>
@@ -22044,7 +25664,7 @@
           <a:p>
             <a:r>
               <a:rPr lang="en-US"/>
-              <a:t>© 2018, FLL Tutorials, Last Edit 8/27/2016</a:t>
+              <a:t>© 2018, FLL Tutorials, Last Edit 6/11/2018</a:t>
             </a:r>
           </a:p>
         </p:txBody>
@@ -22943,7 +26563,7 @@
     <p:sldLayoutId id="2147483881" r:id="rId10"/>
     <p:sldLayoutId id="2147483882" r:id="rId11"/>
   </p:sldLayoutIdLst>
-  <p:hf hdr="0" dt="0"/>
+  <p:hf sldNum="0" hdr="0" dt="0"/>
   <p:txStyles>
     <p:titleStyle>
       <a:lvl1pPr algn="l" defTabSz="914400" rtl="0" eaLnBrk="1" latinLnBrk="0" hangingPunct="1">
@@ -23372,9 +26992,9 @@
             </a:lvl1pPr>
           </a:lstStyle>
           <a:p>
-            <a:fld id="{8D0BCDB3-7DFB-4986-A04B-2EACF568E5DF}" type="datetime1">
+            <a:fld id="{34150216-B574-4DA4-BF35-4C59DF9871C8}" type="datetime1">
               <a:rPr lang="en-US" smtClean="0"/>
-              <a:t>6/7/18</a:t>
+              <a:t>6/11/18</a:t>
             </a:fld>
             <a:endParaRPr lang="en-US"/>
           </a:p>
@@ -23413,7 +27033,7 @@
           <a:p>
             <a:r>
               <a:rPr lang="en-US"/>
-              <a:t>© 2018, FLL Tutorials, Last Edit 8/27/2016</a:t>
+              <a:t>© 2018, FLL Tutorials, Last Edit 6/11/2018</a:t>
             </a:r>
           </a:p>
         </p:txBody>
@@ -24021,7 +27641,7 @@
     <p:sldLayoutId id="2147483893" r:id="rId10"/>
     <p:sldLayoutId id="2147483894" r:id="rId11"/>
   </p:sldLayoutIdLst>
-  <p:hf hdr="0" dt="0"/>
+  <p:hf sldNum="0" hdr="0" dt="0"/>
   <p:txStyles>
     <p:titleStyle>
       <a:lvl1pPr algn="l" defTabSz="914400" rtl="0" eaLnBrk="1" latinLnBrk="0" hangingPunct="1">
@@ -24450,9 +28070,9 @@
             </a:lvl1pPr>
           </a:lstStyle>
           <a:p>
-            <a:fld id="{EF2A48D9-FEEA-4052-A4B1-F486228F58C1}" type="datetime1">
+            <a:fld id="{F5834530-F8F9-48D8-B9BC-E3B03C7FD50E}" type="datetime1">
               <a:rPr lang="en-US" smtClean="0"/>
-              <a:t>6/7/18</a:t>
+              <a:t>6/11/18</a:t>
             </a:fld>
             <a:endParaRPr lang="en-US"/>
           </a:p>
@@ -24493,7 +28113,7 @@
           <a:p>
             <a:r>
               <a:rPr lang="en-US"/>
-              <a:t>© 2018, FLL Tutorials, Last Edit 8/27/2016</a:t>
+              <a:t>© 2018, FLL Tutorials, Last Edit 6/11/2018</a:t>
             </a:r>
           </a:p>
         </p:txBody>
@@ -24560,7 +28180,7 @@
     <p:sldLayoutId id="2147483905" r:id="rId10"/>
     <p:sldLayoutId id="2147483906" r:id="rId11"/>
   </p:sldLayoutIdLst>
-  <p:hf hdr="0" dt="0"/>
+  <p:hf sldNum="0" hdr="0" dt="0"/>
   <p:txStyles>
     <p:titleStyle>
       <a:lvl1pPr algn="l" defTabSz="914400" rtl="0" eaLnBrk="1" latinLnBrk="0" hangingPunct="1">
@@ -24844,6 +28464,771 @@
 </p:sldMaster>
 </file>
 
+<file path=ppt/slideMasters/slideMaster7.xml><?xml version="1.0" encoding="utf-8"?>
+<p:sldMaster xmlns:a="http://schemas.openxmlformats.org/drawingml/2006/main" xmlns:r="http://schemas.openxmlformats.org/officeDocument/2006/relationships" xmlns:p="http://schemas.openxmlformats.org/presentationml/2006/main">
+  <p:cSld>
+    <p:bg>
+      <p:bgRef idx="1001">
+        <a:schemeClr val="bg1"/>
+      </p:bgRef>
+    </p:bg>
+    <p:spTree>
+      <p:nvGrpSpPr>
+        <p:cNvPr id="1" name=""/>
+        <p:cNvGrpSpPr/>
+        <p:nvPr/>
+      </p:nvGrpSpPr>
+      <p:grpSpPr>
+        <a:xfrm>
+          <a:off x="0" y="0"/>
+          <a:ext cx="0" cy="0"/>
+          <a:chOff x="0" y="0"/>
+          <a:chExt cx="0" cy="0"/>
+        </a:xfrm>
+      </p:grpSpPr>
+      <p:sp>
+        <p:nvSpPr>
+          <p:cNvPr id="2" name="Title Placeholder 1"/>
+          <p:cNvSpPr>
+            <a:spLocks noGrp="1"/>
+          </p:cNvSpPr>
+          <p:nvPr>
+            <p:ph type="title"/>
+          </p:nvPr>
+        </p:nvSpPr>
+        <p:spPr>
+          <a:xfrm>
+            <a:off x="581192" y="687474"/>
+            <a:ext cx="7989752" cy="1083329"/>
+          </a:xfrm>
+          <a:prstGeom prst="rect">
+            <a:avLst/>
+          </a:prstGeom>
+        </p:spPr>
+        <p:txBody>
+          <a:bodyPr vert="horz" lIns="91440" tIns="45720" rIns="91440" bIns="45720" rtlCol="0" anchor="b">
+            <a:normAutofit/>
+          </a:bodyPr>
+          <a:lstStyle/>
+          <a:p>
+            <a:r>
+              <a:rPr lang="en-US"/>
+              <a:t>Click to edit Master title style</a:t>
+            </a:r>
+            <a:endParaRPr lang="en-US" dirty="0"/>
+          </a:p>
+        </p:txBody>
+      </p:sp>
+      <p:sp>
+        <p:nvSpPr>
+          <p:cNvPr id="3" name="Text Placeholder 2"/>
+          <p:cNvSpPr>
+            <a:spLocks noGrp="1"/>
+          </p:cNvSpPr>
+          <p:nvPr>
+            <p:ph type="body" idx="1"/>
+          </p:nvPr>
+        </p:nvSpPr>
+        <p:spPr>
+          <a:xfrm>
+            <a:off x="581192" y="2228003"/>
+            <a:ext cx="7989752" cy="3630794"/>
+          </a:xfrm>
+          <a:prstGeom prst="rect">
+            <a:avLst/>
+          </a:prstGeom>
+        </p:spPr>
+        <p:txBody>
+          <a:bodyPr vert="horz" lIns="91440" tIns="45720" rIns="91440" bIns="45720" rtlCol="0" anchor="ctr">
+            <a:normAutofit/>
+          </a:bodyPr>
+          <a:lstStyle/>
+          <a:p>
+            <a:pPr lvl="0"/>
+            <a:r>
+              <a:rPr lang="en-US"/>
+              <a:t>Edit Master text styles</a:t>
+            </a:r>
+          </a:p>
+          <a:p>
+            <a:pPr lvl="1"/>
+            <a:r>
+              <a:rPr lang="en-US"/>
+              <a:t>Second level</a:t>
+            </a:r>
+          </a:p>
+          <a:p>
+            <a:pPr lvl="2"/>
+            <a:r>
+              <a:rPr lang="en-US"/>
+              <a:t>Third level</a:t>
+            </a:r>
+          </a:p>
+          <a:p>
+            <a:pPr lvl="3"/>
+            <a:r>
+              <a:rPr lang="en-US"/>
+              <a:t>Fourth level</a:t>
+            </a:r>
+          </a:p>
+          <a:p>
+            <a:pPr lvl="4"/>
+            <a:r>
+              <a:rPr lang="en-US"/>
+              <a:t>Fifth level</a:t>
+            </a:r>
+            <a:endParaRPr lang="en-US" dirty="0"/>
+          </a:p>
+        </p:txBody>
+      </p:sp>
+      <p:sp>
+        <p:nvSpPr>
+          <p:cNvPr id="9" name="Rectangle 8"/>
+          <p:cNvSpPr/>
+          <p:nvPr/>
+        </p:nvSpPr>
+        <p:spPr>
+          <a:xfrm>
+            <a:off x="448091" y="441325"/>
+            <a:ext cx="2719909" cy="108000"/>
+          </a:xfrm>
+          <a:prstGeom prst="rect">
+            <a:avLst/>
+          </a:prstGeom>
+          <a:solidFill>
+            <a:schemeClr val="accent1"/>
+          </a:solidFill>
+          <a:ln>
+            <a:noFill/>
+          </a:ln>
+          <a:effectLst/>
+        </p:spPr>
+        <p:style>
+          <a:lnRef idx="1">
+            <a:schemeClr val="accent1"/>
+          </a:lnRef>
+          <a:fillRef idx="3">
+            <a:schemeClr val="accent1"/>
+          </a:fillRef>
+          <a:effectRef idx="2">
+            <a:schemeClr val="accent1"/>
+          </a:effectRef>
+          <a:fontRef idx="minor">
+            <a:schemeClr val="lt1"/>
+          </a:fontRef>
+        </p:style>
+      </p:sp>
+      <p:sp>
+        <p:nvSpPr>
+          <p:cNvPr id="10" name="Rectangle 9"/>
+          <p:cNvSpPr/>
+          <p:nvPr/>
+        </p:nvSpPr>
+        <p:spPr>
+          <a:xfrm>
+            <a:off x="5976001" y="441325"/>
+            <a:ext cx="2710800" cy="108000"/>
+          </a:xfrm>
+          <a:prstGeom prst="rect">
+            <a:avLst/>
+          </a:prstGeom>
+          <a:solidFill>
+            <a:schemeClr val="accent4"/>
+          </a:solidFill>
+          <a:ln>
+            <a:noFill/>
+          </a:ln>
+          <a:effectLst/>
+        </p:spPr>
+        <p:style>
+          <a:lnRef idx="1">
+            <a:schemeClr val="accent1"/>
+          </a:lnRef>
+          <a:fillRef idx="3">
+            <a:schemeClr val="accent1"/>
+          </a:fillRef>
+          <a:effectRef idx="2">
+            <a:schemeClr val="accent1"/>
+          </a:effectRef>
+          <a:fontRef idx="minor">
+            <a:schemeClr val="lt1"/>
+          </a:fontRef>
+        </p:style>
+      </p:sp>
+      <p:sp>
+        <p:nvSpPr>
+          <p:cNvPr id="11" name="Rectangle 10"/>
+          <p:cNvSpPr/>
+          <p:nvPr/>
+        </p:nvSpPr>
+        <p:spPr>
+          <a:xfrm>
+            <a:off x="3216601" y="441325"/>
+            <a:ext cx="2710800" cy="108000"/>
+          </a:xfrm>
+          <a:prstGeom prst="rect">
+            <a:avLst/>
+          </a:prstGeom>
+          <a:solidFill>
+            <a:schemeClr val="accent2"/>
+          </a:solidFill>
+          <a:ln>
+            <a:noFill/>
+          </a:ln>
+          <a:effectLst/>
+        </p:spPr>
+        <p:style>
+          <a:lnRef idx="1">
+            <a:schemeClr val="accent1"/>
+          </a:lnRef>
+          <a:fillRef idx="3">
+            <a:schemeClr val="accent1"/>
+          </a:fillRef>
+          <a:effectRef idx="2">
+            <a:schemeClr val="accent1"/>
+          </a:effectRef>
+          <a:fontRef idx="minor">
+            <a:schemeClr val="lt1"/>
+          </a:fontRef>
+        </p:style>
+      </p:sp>
+      <p:sp>
+        <p:nvSpPr>
+          <p:cNvPr id="12" name="Date Placeholder 3">
+            <a:extLst>
+              <a:ext uri="{FF2B5EF4-FFF2-40B4-BE49-F238E27FC236}">
+                <a16:creationId xmlns:a16="http://schemas.microsoft.com/office/drawing/2014/main" id="{0AAE8D72-8133-BD4C-9ABB-B6CCBBAC2CA1}"/>
+              </a:ext>
+            </a:extLst>
+          </p:cNvPr>
+          <p:cNvSpPr>
+            <a:spLocks noGrp="1"/>
+          </p:cNvSpPr>
+          <p:nvPr>
+            <p:ph type="dt" sz="half" idx="2"/>
+          </p:nvPr>
+        </p:nvSpPr>
+        <p:spPr>
+          <a:xfrm>
+            <a:off x="5559327" y="6392242"/>
+            <a:ext cx="2133600" cy="365125"/>
+          </a:xfrm>
+          <a:prstGeom prst="rect">
+            <a:avLst/>
+          </a:prstGeom>
+        </p:spPr>
+        <p:txBody>
+          <a:bodyPr/>
+          <a:lstStyle>
+            <a:lvl1pPr>
+              <a:defRPr>
+                <a:solidFill>
+                  <a:schemeClr val="accent1">
+                    <a:lumMod val="75000"/>
+                    <a:lumOff val="25000"/>
+                  </a:schemeClr>
+                </a:solidFill>
+              </a:defRPr>
+            </a:lvl1pPr>
+          </a:lstStyle>
+          <a:p>
+            <a:fld id="{32A599D3-A7E9-46A7-948E-382BB12B5E64}" type="datetime1">
+              <a:rPr lang="en-US" smtClean="0"/>
+              <a:t>6/11/18</a:t>
+            </a:fld>
+            <a:endParaRPr lang="en-US"/>
+          </a:p>
+        </p:txBody>
+      </p:sp>
+      <p:sp>
+        <p:nvSpPr>
+          <p:cNvPr id="13" name="Footer Placeholder 4">
+            <a:extLst>
+              <a:ext uri="{FF2B5EF4-FFF2-40B4-BE49-F238E27FC236}">
+                <a16:creationId xmlns:a16="http://schemas.microsoft.com/office/drawing/2014/main" id="{CAB9BFBD-8489-AA40-9E3F-B3F63A8BD518}"/>
+              </a:ext>
+            </a:extLst>
+          </p:cNvPr>
+          <p:cNvSpPr>
+            <a:spLocks noGrp="1"/>
+          </p:cNvSpPr>
+          <p:nvPr>
+            <p:ph type="ftr" sz="quarter" idx="3"/>
+          </p:nvPr>
+        </p:nvSpPr>
+        <p:spPr>
+          <a:xfrm>
+            <a:off x="581192" y="6387916"/>
+            <a:ext cx="4870585" cy="365125"/>
+          </a:xfrm>
+          <a:prstGeom prst="rect">
+            <a:avLst/>
+          </a:prstGeom>
+        </p:spPr>
+        <p:txBody>
+          <a:bodyPr/>
+          <a:lstStyle>
+            <a:lvl1pPr>
+              <a:defRPr>
+                <a:solidFill>
+                  <a:schemeClr val="accent1">
+                    <a:lumMod val="75000"/>
+                    <a:lumOff val="25000"/>
+                  </a:schemeClr>
+                </a:solidFill>
+              </a:defRPr>
+            </a:lvl1pPr>
+          </a:lstStyle>
+          <a:p>
+            <a:r>
+              <a:rPr lang="en-US"/>
+              <a:t>© 2018, FLL Tutorials, Last Edit 6/11/2018</a:t>
+            </a:r>
+          </a:p>
+        </p:txBody>
+      </p:sp>
+      <p:sp>
+        <p:nvSpPr>
+          <p:cNvPr id="14" name="Slide Number Placeholder 5">
+            <a:extLst>
+              <a:ext uri="{FF2B5EF4-FFF2-40B4-BE49-F238E27FC236}">
+                <a16:creationId xmlns:a16="http://schemas.microsoft.com/office/drawing/2014/main" id="{B04709EF-0344-434E-8D31-15D41ADEE43F}"/>
+              </a:ext>
+            </a:extLst>
+          </p:cNvPr>
+          <p:cNvSpPr>
+            <a:spLocks noGrp="1"/>
+          </p:cNvSpPr>
+          <p:nvPr>
+            <p:ph type="sldNum" sz="quarter" idx="4"/>
+          </p:nvPr>
+        </p:nvSpPr>
+        <p:spPr>
+          <a:xfrm>
+            <a:off x="7800476" y="6392242"/>
+            <a:ext cx="770468" cy="365125"/>
+          </a:xfrm>
+          <a:prstGeom prst="rect">
+            <a:avLst/>
+          </a:prstGeom>
+        </p:spPr>
+        <p:txBody>
+          <a:bodyPr/>
+          <a:lstStyle>
+            <a:lvl1pPr>
+              <a:defRPr>
+                <a:solidFill>
+                  <a:schemeClr val="accent1">
+                    <a:lumMod val="75000"/>
+                    <a:lumOff val="25000"/>
+                  </a:schemeClr>
+                </a:solidFill>
+              </a:defRPr>
+            </a:lvl1pPr>
+          </a:lstStyle>
+          <a:p>
+            <a:fld id="{4DBC7FC8-25FB-FC45-8177-2B991DA6778C}" type="slidenum">
+              <a:rPr lang="en-US" smtClean="0"/>
+              <a:t>‹#›</a:t>
+            </a:fld>
+            <a:endParaRPr lang="en-US"/>
+          </a:p>
+        </p:txBody>
+      </p:sp>
+    </p:spTree>
+    <p:extLst>
+      <p:ext uri="{BB962C8B-B14F-4D97-AF65-F5344CB8AC3E}">
+        <p14:creationId xmlns:p14="http://schemas.microsoft.com/office/powerpoint/2010/main" val="2078942696"/>
+      </p:ext>
+    </p:extLst>
+  </p:cSld>
+  <p:clrMap bg1="lt1" tx1="dk1" bg2="lt2" tx2="dk2" accent1="accent1" accent2="accent2" accent3="accent3" accent4="accent4" accent5="accent5" accent6="accent6" hlink="hlink" folHlink="folHlink"/>
+  <p:sldLayoutIdLst>
+    <p:sldLayoutId id="2147483908" r:id="rId1"/>
+    <p:sldLayoutId id="2147483909" r:id="rId2"/>
+    <p:sldLayoutId id="2147483910" r:id="rId3"/>
+    <p:sldLayoutId id="2147483911" r:id="rId4"/>
+    <p:sldLayoutId id="2147483912" r:id="rId5"/>
+    <p:sldLayoutId id="2147483913" r:id="rId6"/>
+    <p:sldLayoutId id="2147483914" r:id="rId7"/>
+    <p:sldLayoutId id="2147483915" r:id="rId8"/>
+    <p:sldLayoutId id="2147483916" r:id="rId9"/>
+    <p:sldLayoutId id="2147483917" r:id="rId10"/>
+    <p:sldLayoutId id="2147483918" r:id="rId11"/>
+  </p:sldLayoutIdLst>
+  <p:hf sldNum="0" hdr="0" dt="0"/>
+  <p:txStyles>
+    <p:titleStyle>
+      <a:lvl1pPr algn="l" defTabSz="457200" rtl="0" eaLnBrk="1" latinLnBrk="0" hangingPunct="1">
+        <a:spcBef>
+          <a:spcPct val="0"/>
+        </a:spcBef>
+        <a:buNone/>
+        <a:defRPr sz="2800" b="0" kern="1200" cap="all">
+          <a:solidFill>
+            <a:schemeClr val="bg1"/>
+          </a:solidFill>
+          <a:latin typeface="+mj-lt"/>
+          <a:ea typeface="+mj-ea"/>
+          <a:cs typeface="+mj-cs"/>
+        </a:defRPr>
+      </a:lvl1pPr>
+      <a:lvl2pPr eaLnBrk="1" hangingPunct="1">
+        <a:defRPr>
+          <a:solidFill>
+            <a:schemeClr val="tx2"/>
+          </a:solidFill>
+        </a:defRPr>
+      </a:lvl2pPr>
+      <a:lvl3pPr eaLnBrk="1" hangingPunct="1">
+        <a:defRPr>
+          <a:solidFill>
+            <a:schemeClr val="tx2"/>
+          </a:solidFill>
+        </a:defRPr>
+      </a:lvl3pPr>
+      <a:lvl4pPr eaLnBrk="1" hangingPunct="1">
+        <a:defRPr>
+          <a:solidFill>
+            <a:schemeClr val="tx2"/>
+          </a:solidFill>
+        </a:defRPr>
+      </a:lvl4pPr>
+      <a:lvl5pPr eaLnBrk="1" hangingPunct="1">
+        <a:defRPr>
+          <a:solidFill>
+            <a:schemeClr val="tx2"/>
+          </a:solidFill>
+        </a:defRPr>
+      </a:lvl5pPr>
+      <a:lvl6pPr eaLnBrk="1" hangingPunct="1">
+        <a:defRPr>
+          <a:solidFill>
+            <a:schemeClr val="tx2"/>
+          </a:solidFill>
+        </a:defRPr>
+      </a:lvl6pPr>
+      <a:lvl7pPr eaLnBrk="1" hangingPunct="1">
+        <a:defRPr>
+          <a:solidFill>
+            <a:schemeClr val="tx2"/>
+          </a:solidFill>
+        </a:defRPr>
+      </a:lvl7pPr>
+      <a:lvl8pPr eaLnBrk="1" hangingPunct="1">
+        <a:defRPr>
+          <a:solidFill>
+            <a:schemeClr val="tx2"/>
+          </a:solidFill>
+        </a:defRPr>
+      </a:lvl8pPr>
+      <a:lvl9pPr eaLnBrk="1" hangingPunct="1">
+        <a:defRPr>
+          <a:solidFill>
+            <a:schemeClr val="tx2"/>
+          </a:solidFill>
+        </a:defRPr>
+      </a:lvl9pPr>
+    </p:titleStyle>
+    <p:bodyStyle>
+      <a:lvl1pPr marL="306000" indent="-306000" algn="l" defTabSz="457200" rtl="0" eaLnBrk="1" latinLnBrk="0" hangingPunct="1">
+        <a:spcBef>
+          <a:spcPct val="20000"/>
+        </a:spcBef>
+        <a:spcAft>
+          <a:spcPts val="600"/>
+        </a:spcAft>
+        <a:buClr>
+          <a:schemeClr val="accent2"/>
+        </a:buClr>
+        <a:buSzPct val="92000"/>
+        <a:buFont typeface="Wingdings 2" panose="05020102010507070707" pitchFamily="18" charset="2"/>
+        <a:buChar char=""/>
+        <a:defRPr sz="1800" kern="1200">
+          <a:solidFill>
+            <a:schemeClr val="tx2"/>
+          </a:solidFill>
+          <a:latin typeface="+mn-lt"/>
+          <a:ea typeface="+mn-ea"/>
+          <a:cs typeface="+mn-cs"/>
+        </a:defRPr>
+      </a:lvl1pPr>
+      <a:lvl2pPr marL="630000" indent="-306000" algn="l" defTabSz="457200" rtl="0" eaLnBrk="1" latinLnBrk="0" hangingPunct="1">
+        <a:spcBef>
+          <a:spcPct val="20000"/>
+        </a:spcBef>
+        <a:spcAft>
+          <a:spcPts val="600"/>
+        </a:spcAft>
+        <a:buClr>
+          <a:schemeClr val="accent2"/>
+        </a:buClr>
+        <a:buSzPct val="92000"/>
+        <a:buFont typeface="Wingdings 2" panose="05020102010507070707" pitchFamily="18" charset="2"/>
+        <a:buChar char=""/>
+        <a:defRPr sz="1600" kern="1200">
+          <a:solidFill>
+            <a:schemeClr val="tx2"/>
+          </a:solidFill>
+          <a:latin typeface="+mn-lt"/>
+          <a:ea typeface="+mn-ea"/>
+          <a:cs typeface="+mn-cs"/>
+        </a:defRPr>
+      </a:lvl2pPr>
+      <a:lvl3pPr marL="900000" indent="-270000" algn="l" defTabSz="457200" rtl="0" eaLnBrk="1" latinLnBrk="0" hangingPunct="1">
+        <a:spcBef>
+          <a:spcPct val="20000"/>
+        </a:spcBef>
+        <a:spcAft>
+          <a:spcPts val="600"/>
+        </a:spcAft>
+        <a:buClr>
+          <a:schemeClr val="accent2"/>
+        </a:buClr>
+        <a:buSzPct val="92000"/>
+        <a:buFont typeface="Wingdings 2" panose="05020102010507070707" pitchFamily="18" charset="2"/>
+        <a:buChar char=""/>
+        <a:defRPr sz="1400" kern="1200">
+          <a:solidFill>
+            <a:schemeClr val="tx2"/>
+          </a:solidFill>
+          <a:latin typeface="+mn-lt"/>
+          <a:ea typeface="+mn-ea"/>
+          <a:cs typeface="+mn-cs"/>
+        </a:defRPr>
+      </a:lvl3pPr>
+      <a:lvl4pPr marL="1242000" indent="-234000" algn="l" defTabSz="457200" rtl="0" eaLnBrk="1" latinLnBrk="0" hangingPunct="1">
+        <a:spcBef>
+          <a:spcPct val="20000"/>
+        </a:spcBef>
+        <a:spcAft>
+          <a:spcPts val="600"/>
+        </a:spcAft>
+        <a:buClr>
+          <a:schemeClr val="accent2"/>
+        </a:buClr>
+        <a:buSzPct val="92000"/>
+        <a:buFont typeface="Wingdings 2" panose="05020102010507070707" pitchFamily="18" charset="2"/>
+        <a:buChar char=""/>
+        <a:defRPr sz="1200" kern="1200">
+          <a:solidFill>
+            <a:schemeClr val="tx2"/>
+          </a:solidFill>
+          <a:latin typeface="+mn-lt"/>
+          <a:ea typeface="+mn-ea"/>
+          <a:cs typeface="+mn-cs"/>
+        </a:defRPr>
+      </a:lvl4pPr>
+      <a:lvl5pPr marL="1602000" indent="-234000" algn="l" defTabSz="457200" rtl="0" eaLnBrk="1" latinLnBrk="0" hangingPunct="1">
+        <a:spcBef>
+          <a:spcPct val="20000"/>
+        </a:spcBef>
+        <a:spcAft>
+          <a:spcPts val="600"/>
+        </a:spcAft>
+        <a:buClr>
+          <a:schemeClr val="accent2"/>
+        </a:buClr>
+        <a:buSzPct val="92000"/>
+        <a:buFont typeface="Wingdings 2" panose="05020102010507070707" pitchFamily="18" charset="2"/>
+        <a:buChar char=""/>
+        <a:defRPr sz="1200" kern="1200">
+          <a:solidFill>
+            <a:schemeClr val="tx2"/>
+          </a:solidFill>
+          <a:latin typeface="+mn-lt"/>
+          <a:ea typeface="+mn-ea"/>
+          <a:cs typeface="+mn-cs"/>
+        </a:defRPr>
+      </a:lvl5pPr>
+      <a:lvl6pPr marL="1900000" indent="-228600" algn="l" defTabSz="457200" rtl="0" eaLnBrk="1" latinLnBrk="0" hangingPunct="1">
+        <a:spcBef>
+          <a:spcPct val="20000"/>
+        </a:spcBef>
+        <a:spcAft>
+          <a:spcPts val="600"/>
+        </a:spcAft>
+        <a:buClr>
+          <a:schemeClr val="accent2"/>
+        </a:buClr>
+        <a:buSzPct val="92000"/>
+        <a:buFont typeface="Wingdings 2" panose="05020102010507070707" pitchFamily="18" charset="2"/>
+        <a:buChar char=""/>
+        <a:defRPr sz="1200" kern="1200">
+          <a:solidFill>
+            <a:schemeClr val="tx2"/>
+          </a:solidFill>
+          <a:latin typeface="+mn-lt"/>
+          <a:ea typeface="+mn-ea"/>
+          <a:cs typeface="+mn-cs"/>
+        </a:defRPr>
+      </a:lvl6pPr>
+      <a:lvl7pPr marL="2200000" indent="-228600" algn="l" defTabSz="457200" rtl="0" eaLnBrk="1" latinLnBrk="0" hangingPunct="1">
+        <a:spcBef>
+          <a:spcPct val="20000"/>
+        </a:spcBef>
+        <a:spcAft>
+          <a:spcPts val="600"/>
+        </a:spcAft>
+        <a:buClr>
+          <a:schemeClr val="accent2"/>
+        </a:buClr>
+        <a:buSzPct val="92000"/>
+        <a:buFont typeface="Wingdings 2" panose="05020102010507070707" pitchFamily="18" charset="2"/>
+        <a:buChar char=""/>
+        <a:defRPr sz="1200" kern="1200">
+          <a:solidFill>
+            <a:schemeClr val="tx2"/>
+          </a:solidFill>
+          <a:latin typeface="+mn-lt"/>
+          <a:ea typeface="+mn-ea"/>
+          <a:cs typeface="+mn-cs"/>
+        </a:defRPr>
+      </a:lvl7pPr>
+      <a:lvl8pPr marL="2500000" indent="-228600" algn="l" defTabSz="457200" rtl="0" eaLnBrk="1" latinLnBrk="0" hangingPunct="1">
+        <a:spcBef>
+          <a:spcPct val="20000"/>
+        </a:spcBef>
+        <a:spcAft>
+          <a:spcPts val="600"/>
+        </a:spcAft>
+        <a:buClr>
+          <a:schemeClr val="accent2"/>
+        </a:buClr>
+        <a:buSzPct val="92000"/>
+        <a:buFont typeface="Wingdings 2" panose="05020102010507070707" pitchFamily="18" charset="2"/>
+        <a:buChar char=""/>
+        <a:defRPr sz="1200" kern="1200">
+          <a:solidFill>
+            <a:schemeClr val="tx2"/>
+          </a:solidFill>
+          <a:latin typeface="+mn-lt"/>
+          <a:ea typeface="+mn-ea"/>
+          <a:cs typeface="+mn-cs"/>
+        </a:defRPr>
+      </a:lvl8pPr>
+      <a:lvl9pPr marL="2800000" indent="-228600" algn="l" defTabSz="457200" rtl="0" eaLnBrk="1" latinLnBrk="0" hangingPunct="1">
+        <a:spcBef>
+          <a:spcPct val="20000"/>
+        </a:spcBef>
+        <a:spcAft>
+          <a:spcPts val="600"/>
+        </a:spcAft>
+        <a:buClr>
+          <a:schemeClr val="accent2"/>
+        </a:buClr>
+        <a:buSzPct val="92000"/>
+        <a:buFont typeface="Wingdings 2" panose="05020102010507070707" pitchFamily="18" charset="2"/>
+        <a:buChar char=""/>
+        <a:defRPr sz="1200" kern="1200">
+          <a:solidFill>
+            <a:schemeClr val="tx2"/>
+          </a:solidFill>
+          <a:latin typeface="+mn-lt"/>
+          <a:ea typeface="+mn-ea"/>
+          <a:cs typeface="+mn-cs"/>
+        </a:defRPr>
+      </a:lvl9pPr>
+    </p:bodyStyle>
+    <p:otherStyle>
+      <a:defPPr>
+        <a:defRPr lang="en-US"/>
+      </a:defPPr>
+      <a:lvl1pPr marL="0" algn="l" defTabSz="457200" rtl="0" eaLnBrk="1" latinLnBrk="0" hangingPunct="1">
+        <a:defRPr sz="1800" kern="1200">
+          <a:solidFill>
+            <a:schemeClr val="tx1"/>
+          </a:solidFill>
+          <a:latin typeface="+mn-lt"/>
+          <a:ea typeface="+mn-ea"/>
+          <a:cs typeface="+mn-cs"/>
+        </a:defRPr>
+      </a:lvl1pPr>
+      <a:lvl2pPr marL="457200" algn="l" defTabSz="457200" rtl="0" eaLnBrk="1" latinLnBrk="0" hangingPunct="1">
+        <a:defRPr sz="1800" kern="1200">
+          <a:solidFill>
+            <a:schemeClr val="tx1"/>
+          </a:solidFill>
+          <a:latin typeface="+mn-lt"/>
+          <a:ea typeface="+mn-ea"/>
+          <a:cs typeface="+mn-cs"/>
+        </a:defRPr>
+      </a:lvl2pPr>
+      <a:lvl3pPr marL="914400" algn="l" defTabSz="457200" rtl="0" eaLnBrk="1" latinLnBrk="0" hangingPunct="1">
+        <a:defRPr sz="1800" kern="1200">
+          <a:solidFill>
+            <a:schemeClr val="tx1"/>
+          </a:solidFill>
+          <a:latin typeface="+mn-lt"/>
+          <a:ea typeface="+mn-ea"/>
+          <a:cs typeface="+mn-cs"/>
+        </a:defRPr>
+      </a:lvl3pPr>
+      <a:lvl4pPr marL="1371600" algn="l" defTabSz="457200" rtl="0" eaLnBrk="1" latinLnBrk="0" hangingPunct="1">
+        <a:defRPr sz="1800" kern="1200">
+          <a:solidFill>
+            <a:schemeClr val="tx1"/>
+          </a:solidFill>
+          <a:latin typeface="+mn-lt"/>
+          <a:ea typeface="+mn-ea"/>
+          <a:cs typeface="+mn-cs"/>
+        </a:defRPr>
+      </a:lvl4pPr>
+      <a:lvl5pPr marL="1828800" algn="l" defTabSz="457200" rtl="0" eaLnBrk="1" latinLnBrk="0" hangingPunct="1">
+        <a:defRPr sz="1800" kern="1200">
+          <a:solidFill>
+            <a:schemeClr val="tx1"/>
+          </a:solidFill>
+          <a:latin typeface="+mn-lt"/>
+          <a:ea typeface="+mn-ea"/>
+          <a:cs typeface="+mn-cs"/>
+        </a:defRPr>
+      </a:lvl5pPr>
+      <a:lvl6pPr marL="2286000" algn="l" defTabSz="457200" rtl="0" eaLnBrk="1" latinLnBrk="0" hangingPunct="1">
+        <a:defRPr sz="1800" kern="1200">
+          <a:solidFill>
+            <a:schemeClr val="tx1"/>
+          </a:solidFill>
+          <a:latin typeface="+mn-lt"/>
+          <a:ea typeface="+mn-ea"/>
+          <a:cs typeface="+mn-cs"/>
+        </a:defRPr>
+      </a:lvl6pPr>
+      <a:lvl7pPr marL="2743200" algn="l" defTabSz="457200" rtl="0" eaLnBrk="1" latinLnBrk="0" hangingPunct="1">
+        <a:defRPr sz="1800" kern="1200">
+          <a:solidFill>
+            <a:schemeClr val="tx1"/>
+          </a:solidFill>
+          <a:latin typeface="+mn-lt"/>
+          <a:ea typeface="+mn-ea"/>
+          <a:cs typeface="+mn-cs"/>
+        </a:defRPr>
+      </a:lvl7pPr>
+      <a:lvl8pPr marL="3200400" algn="l" defTabSz="457200" rtl="0" eaLnBrk="1" latinLnBrk="0" hangingPunct="1">
+        <a:defRPr sz="1800" kern="1200">
+          <a:solidFill>
+            <a:schemeClr val="tx1"/>
+          </a:solidFill>
+          <a:latin typeface="+mn-lt"/>
+          <a:ea typeface="+mn-ea"/>
+          <a:cs typeface="+mn-cs"/>
+        </a:defRPr>
+      </a:lvl8pPr>
+      <a:lvl9pPr marL="3657600" algn="l" defTabSz="457200" rtl="0" eaLnBrk="1" latinLnBrk="0" hangingPunct="1">
+        <a:defRPr sz="1800" kern="1200">
+          <a:solidFill>
+            <a:schemeClr val="tx1"/>
+          </a:solidFill>
+          <a:latin typeface="+mn-lt"/>
+          <a:ea typeface="+mn-ea"/>
+          <a:cs typeface="+mn-cs"/>
+        </a:defRPr>
+      </a:lvl9pPr>
+    </p:otherStyle>
+  </p:txStyles>
+</p:sldMaster>
+</file>
+
 <file path=ppt/slides/slide1.xml><?xml version="1.0" encoding="utf-8"?>
 <p:sld xmlns:a="http://schemas.openxmlformats.org/drawingml/2006/main" xmlns:r="http://schemas.openxmlformats.org/officeDocument/2006/relationships" xmlns:p="http://schemas.openxmlformats.org/presentationml/2006/main">
   <p:cSld>
@@ -24863,6 +29248,29 @@
       </p:grpSpPr>
       <p:sp>
         <p:nvSpPr>
+          <p:cNvPr id="3" name="Title 2"/>
+          <p:cNvSpPr>
+            <a:spLocks noGrp="1"/>
+          </p:cNvSpPr>
+          <p:nvPr>
+            <p:ph type="ctrTitle"/>
+          </p:nvPr>
+        </p:nvSpPr>
+        <p:spPr/>
+        <p:txBody>
+          <a:bodyPr/>
+          <a:lstStyle/>
+          <a:p>
+            <a:pPr algn="ctr"/>
+            <a:r>
+              <a:rPr lang="en-US" dirty="0"/>
+              <a:t>Robot DESIGN Lesson</a:t>
+            </a:r>
+          </a:p>
+        </p:txBody>
+      </p:sp>
+      <p:sp>
+        <p:nvSpPr>
           <p:cNvPr id="2" name="Subtitle 1"/>
           <p:cNvSpPr>
             <a:spLocks noGrp="1"/>
@@ -24883,58 +29291,6 @@
           </a:p>
         </p:txBody>
       </p:sp>
-      <p:sp>
-        <p:nvSpPr>
-          <p:cNvPr id="3" name="Title 2"/>
-          <p:cNvSpPr>
-            <a:spLocks noGrp="1"/>
-          </p:cNvSpPr>
-          <p:nvPr>
-            <p:ph type="ctrTitle"/>
-          </p:nvPr>
-        </p:nvSpPr>
-        <p:spPr/>
-        <p:txBody>
-          <a:bodyPr/>
-          <a:lstStyle/>
-          <a:p>
-            <a:pPr algn="ctr"/>
-            <a:r>
-              <a:rPr lang="en-US" dirty="0"/>
-              <a:t>Robot DESIGN Lesson</a:t>
-            </a:r>
-          </a:p>
-        </p:txBody>
-      </p:sp>
-      <p:pic>
-        <p:nvPicPr>
-          <p:cNvPr id="4" name="Picture 3"/>
-          <p:cNvPicPr>
-            <a:picLocks noChangeAspect="1"/>
-          </p:cNvPicPr>
-          <p:nvPr/>
-        </p:nvPicPr>
-        <p:blipFill rotWithShape="1">
-          <a:blip r:embed="rId2" cstate="print">
-            <a:extLst>
-              <a:ext uri="{28A0092B-C50C-407E-A947-70E740481C1C}">
-                <a14:useLocalDpi xmlns:a14="http://schemas.microsoft.com/office/drawing/2010/main"/>
-              </a:ext>
-            </a:extLst>
-          </a:blip>
-          <a:srcRect/>
-          <a:stretch/>
-        </p:blipFill>
-        <p:spPr>
-          <a:xfrm>
-            <a:off x="3793356" y="4564606"/>
-            <a:ext cx="1536320" cy="954261"/>
-          </a:xfrm>
-          <a:prstGeom prst="rect">
-            <a:avLst/>
-          </a:prstGeom>
-        </p:spPr>
-      </p:pic>
     </p:spTree>
     <p:extLst>
       <p:ext uri="{BB962C8B-B14F-4D97-AF65-F5344CB8AC3E}">
@@ -25032,31 +29388,8 @@
           <a:p>
             <a:r>
               <a:rPr lang="en-US"/>
-              <a:t>© 2018, FLL Tutorials, Last Edit 8/27/2016</a:t>
-            </a:r>
-          </a:p>
-        </p:txBody>
-      </p:sp>
-      <p:sp>
-        <p:nvSpPr>
-          <p:cNvPr id="5" name="Slide Number Placeholder 4"/>
-          <p:cNvSpPr>
-            <a:spLocks noGrp="1"/>
-          </p:cNvSpPr>
-          <p:nvPr>
-            <p:ph type="sldNum" sz="quarter" idx="12"/>
-          </p:nvPr>
-        </p:nvSpPr>
-        <p:spPr/>
-        <p:txBody>
-          <a:bodyPr/>
-          <a:lstStyle/>
-          <a:p>
-            <a:fld id="{4DBC7FC8-25FB-FC45-8177-2B991DA6778C}" type="slidenum">
-              <a:rPr lang="en-US" smtClean="0"/>
-              <a:t>10</a:t>
-            </a:fld>
-            <a:endParaRPr lang="en-US" dirty="0"/>
+              <a:t>© 2018, FLL Tutorials, Last Edit 6/11/2018</a:t>
+            </a:r>
           </a:p>
         </p:txBody>
       </p:sp>
@@ -25068,7 +29401,7 @@
         </p:nvSpPr>
         <p:spPr>
           <a:xfrm>
-            <a:off x="680224" y="1717288"/>
+            <a:off x="581192" y="1717288"/>
             <a:ext cx="3651937" cy="3785652"/>
           </a:xfrm>
           <a:prstGeom prst="rect">
@@ -25181,8 +29514,8 @@
         </p:nvSpPr>
         <p:spPr>
           <a:xfrm>
-            <a:off x="479502" y="1261953"/>
-            <a:ext cx="4887950" cy="4373563"/>
+            <a:off x="479502" y="1537441"/>
+            <a:ext cx="4887950" cy="4098075"/>
           </a:xfrm>
         </p:spPr>
         <p:txBody>
@@ -25236,31 +29569,8 @@
           <a:p>
             <a:r>
               <a:rPr lang="en-US"/>
-              <a:t>© 2018, FLL Tutorials, Last Edit 8/27/2016</a:t>
-            </a:r>
-            <a:endParaRPr lang="en-US" dirty="0"/>
-          </a:p>
-        </p:txBody>
-      </p:sp>
-      <p:sp>
-        <p:nvSpPr>
-          <p:cNvPr id="5" name="Slide Number Placeholder 4"/>
-          <p:cNvSpPr>
-            <a:spLocks noGrp="1"/>
-          </p:cNvSpPr>
-          <p:nvPr>
-            <p:ph type="sldNum" sz="quarter" idx="12"/>
-          </p:nvPr>
-        </p:nvSpPr>
-        <p:spPr/>
-        <p:txBody>
-          <a:bodyPr/>
-          <a:lstStyle/>
-          <a:p>
-            <a:fld id="{4DBC7FC8-25FB-FC45-8177-2B991DA6778C}" type="slidenum">
-              <a:rPr lang="en-US" smtClean="0"/>
-              <a:t>11</a:t>
-            </a:fld>
+              <a:t>© 2018, FLL Tutorials, Last Edit 6/11/2018</a:t>
+            </a:r>
             <a:endParaRPr lang="en-US" dirty="0"/>
           </a:p>
         </p:txBody>
@@ -25281,13 +29591,13 @@
               </a:ext>
             </a:extLst>
           </a:blip>
-          <a:srcRect/>
+          <a:srcRect r="4154"/>
           <a:stretch/>
         </p:blipFill>
         <p:spPr>
           <a:xfrm rot="5400000">
-            <a:off x="3951083" y="2396316"/>
-            <a:ext cx="5871117" cy="2889692"/>
+            <a:off x="4515332" y="2819265"/>
+            <a:ext cx="5156263" cy="2647864"/>
           </a:xfrm>
           <a:prstGeom prst="rect">
             <a:avLst/>
@@ -25302,8 +29612,8 @@
         </p:nvSpPr>
         <p:spPr>
           <a:xfrm>
-            <a:off x="7549374" y="3190912"/>
-            <a:ext cx="490653" cy="307777"/>
+            <a:off x="7676343" y="3383398"/>
+            <a:ext cx="449592" cy="261610"/>
           </a:xfrm>
           <a:prstGeom prst="rect">
             <a:avLst/>
@@ -25317,7 +29627,7 @@
           <a:lstStyle/>
           <a:p>
             <a:r>
-              <a:rPr lang="en-US" sz="1400" dirty="0"/>
+              <a:rPr lang="en-US" sz="1100" dirty="0"/>
               <a:t>16</a:t>
             </a:r>
           </a:p>
@@ -25331,8 +29641,8 @@
         </p:nvSpPr>
         <p:spPr>
           <a:xfrm>
-            <a:off x="7703060" y="860999"/>
-            <a:ext cx="490653" cy="307777"/>
+            <a:off x="7855001" y="1537441"/>
+            <a:ext cx="449592" cy="261610"/>
           </a:xfrm>
           <a:prstGeom prst="rect">
             <a:avLst/>
@@ -25346,7 +29656,7 @@
           <a:lstStyle/>
           <a:p>
             <a:r>
-              <a:rPr lang="en-US" sz="1400" dirty="0"/>
+              <a:rPr lang="en-US" sz="1100" dirty="0"/>
               <a:t>32</a:t>
             </a:r>
           </a:p>
@@ -25360,8 +29670,8 @@
         </p:nvSpPr>
         <p:spPr>
           <a:xfrm>
-            <a:off x="7435429" y="3799174"/>
-            <a:ext cx="490653" cy="307777"/>
+            <a:off x="7562398" y="3991660"/>
+            <a:ext cx="449592" cy="261610"/>
           </a:xfrm>
           <a:prstGeom prst="rect">
             <a:avLst/>
@@ -25375,7 +29685,7 @@
           <a:lstStyle/>
           <a:p>
             <a:r>
-              <a:rPr lang="en-US" sz="1400" dirty="0"/>
+              <a:rPr lang="en-US" sz="1100" dirty="0"/>
               <a:t>12</a:t>
             </a:r>
           </a:p>
@@ -25389,8 +29699,8 @@
         </p:nvSpPr>
         <p:spPr>
           <a:xfrm>
-            <a:off x="7141780" y="4118839"/>
-            <a:ext cx="490653" cy="307777"/>
+            <a:off x="7268749" y="4311325"/>
+            <a:ext cx="449592" cy="261610"/>
           </a:xfrm>
           <a:prstGeom prst="rect">
             <a:avLst/>
@@ -25404,7 +29714,7 @@
           <a:lstStyle/>
           <a:p>
             <a:r>
-              <a:rPr lang="en-US" sz="1400" dirty="0"/>
+              <a:rPr lang="en-US" sz="1100" dirty="0"/>
               <a:t>10</a:t>
             </a:r>
           </a:p>
@@ -25418,8 +29728,8 @@
         </p:nvSpPr>
         <p:spPr>
           <a:xfrm>
-            <a:off x="7060004" y="4271239"/>
-            <a:ext cx="490653" cy="307777"/>
+            <a:off x="7186973" y="4463725"/>
+            <a:ext cx="449592" cy="261610"/>
           </a:xfrm>
           <a:prstGeom prst="rect">
             <a:avLst/>
@@ -25433,7 +29743,7 @@
           <a:lstStyle/>
           <a:p>
             <a:r>
-              <a:rPr lang="en-US" sz="1400" dirty="0"/>
+              <a:rPr lang="en-US" sz="1100" dirty="0"/>
               <a:t>9</a:t>
             </a:r>
           </a:p>
@@ -25447,8 +29757,8 @@
         </p:nvSpPr>
         <p:spPr>
           <a:xfrm>
-            <a:off x="6922474" y="4412488"/>
-            <a:ext cx="490653" cy="307777"/>
+            <a:off x="7049443" y="4604974"/>
+            <a:ext cx="449592" cy="261610"/>
           </a:xfrm>
           <a:prstGeom prst="rect">
             <a:avLst/>
@@ -25462,7 +29772,7 @@
           <a:lstStyle/>
           <a:p>
             <a:r>
-              <a:rPr lang="en-US" sz="1400" dirty="0"/>
+              <a:rPr lang="en-US" sz="1100" dirty="0"/>
               <a:t>8</a:t>
             </a:r>
           </a:p>
@@ -25476,8 +29786,8 @@
         </p:nvSpPr>
         <p:spPr>
           <a:xfrm>
-            <a:off x="6762641" y="4564888"/>
-            <a:ext cx="490653" cy="307777"/>
+            <a:off x="6889610" y="4757374"/>
+            <a:ext cx="449592" cy="261610"/>
           </a:xfrm>
           <a:prstGeom prst="rect">
             <a:avLst/>
@@ -25491,7 +29801,7 @@
           <a:lstStyle/>
           <a:p>
             <a:r>
-              <a:rPr lang="en-US" sz="1400" dirty="0"/>
+              <a:rPr lang="en-US" sz="1100" dirty="0"/>
               <a:t>7</a:t>
             </a:r>
           </a:p>
@@ -25505,8 +29815,8 @@
         </p:nvSpPr>
         <p:spPr>
           <a:xfrm>
-            <a:off x="6602811" y="4694986"/>
-            <a:ext cx="490653" cy="307777"/>
+            <a:off x="6729780" y="4887472"/>
+            <a:ext cx="449592" cy="261610"/>
           </a:xfrm>
           <a:prstGeom prst="rect">
             <a:avLst/>
@@ -25520,7 +29830,7 @@
           <a:lstStyle/>
           <a:p>
             <a:r>
-              <a:rPr lang="en-US" sz="1400" dirty="0"/>
+              <a:rPr lang="en-US" sz="1100" dirty="0"/>
               <a:t>6</a:t>
             </a:r>
           </a:p>
@@ -25534,8 +29844,8 @@
         </p:nvSpPr>
         <p:spPr>
           <a:xfrm>
-            <a:off x="6431825" y="4847386"/>
-            <a:ext cx="490653" cy="307777"/>
+            <a:off x="6558794" y="5039872"/>
+            <a:ext cx="449592" cy="261610"/>
           </a:xfrm>
           <a:prstGeom prst="rect">
             <a:avLst/>
@@ -25549,7 +29859,7 @@
           <a:lstStyle/>
           <a:p>
             <a:r>
-              <a:rPr lang="en-US" sz="1400" dirty="0"/>
+              <a:rPr lang="en-US" sz="1100" dirty="0"/>
               <a:t>5</a:t>
             </a:r>
           </a:p>
@@ -25563,8 +29873,8 @@
         </p:nvSpPr>
         <p:spPr>
           <a:xfrm>
-            <a:off x="6316597" y="4966333"/>
-            <a:ext cx="490653" cy="307777"/>
+            <a:off x="6443566" y="5158819"/>
+            <a:ext cx="449592" cy="261610"/>
           </a:xfrm>
           <a:prstGeom prst="rect">
             <a:avLst/>
@@ -25578,7 +29888,7 @@
           <a:lstStyle/>
           <a:p>
             <a:r>
-              <a:rPr lang="en-US" sz="1400" dirty="0"/>
+              <a:rPr lang="en-US" sz="1100" dirty="0"/>
               <a:t>4</a:t>
             </a:r>
           </a:p>
@@ -25592,8 +29902,8 @@
         </p:nvSpPr>
         <p:spPr>
           <a:xfrm>
-            <a:off x="6167914" y="5118733"/>
-            <a:ext cx="490653" cy="307777"/>
+            <a:off x="6294883" y="5311219"/>
+            <a:ext cx="449592" cy="261610"/>
           </a:xfrm>
           <a:prstGeom prst="rect">
             <a:avLst/>
@@ -25607,7 +29917,7 @@
           <a:lstStyle/>
           <a:p>
             <a:r>
-              <a:rPr lang="en-US" sz="1400" dirty="0"/>
+              <a:rPr lang="en-US" sz="1100" dirty="0"/>
               <a:t>3</a:t>
             </a:r>
           </a:p>
@@ -25621,8 +29931,8 @@
         </p:nvSpPr>
         <p:spPr>
           <a:xfrm>
-            <a:off x="6030382" y="5271133"/>
-            <a:ext cx="490653" cy="307777"/>
+            <a:off x="6157351" y="5463619"/>
+            <a:ext cx="449592" cy="261610"/>
           </a:xfrm>
           <a:prstGeom prst="rect">
             <a:avLst/>
@@ -25636,7 +29946,7 @@
           <a:lstStyle/>
           <a:p>
             <a:r>
-              <a:rPr lang="en-US" sz="1400" dirty="0"/>
+              <a:rPr lang="en-US" sz="1100" dirty="0"/>
               <a:t>2</a:t>
             </a:r>
           </a:p>
@@ -25708,13 +30018,13 @@
         </p:nvSpPr>
         <p:spPr>
           <a:xfrm>
-            <a:off x="457200" y="1238582"/>
+            <a:off x="457200" y="1579242"/>
             <a:ext cx="8138160" cy="1847519"/>
           </a:xfrm>
         </p:spPr>
         <p:txBody>
           <a:bodyPr>
-            <a:normAutofit/>
+            <a:normAutofit fontScale="77500" lnSpcReduction="20000"/>
           </a:bodyPr>
           <a:lstStyle/>
           <a:p>
@@ -25756,31 +30066,8 @@
           <a:p>
             <a:r>
               <a:rPr lang="en-US"/>
-              <a:t>© 2018, FLL Tutorials, Last Edit 8/27/2016</a:t>
-            </a:r>
-          </a:p>
-        </p:txBody>
-      </p:sp>
-      <p:sp>
-        <p:nvSpPr>
-          <p:cNvPr id="5" name="Slide Number Placeholder 4"/>
-          <p:cNvSpPr>
-            <a:spLocks noGrp="1"/>
-          </p:cNvSpPr>
-          <p:nvPr>
-            <p:ph type="sldNum" sz="quarter" idx="12"/>
-          </p:nvPr>
-        </p:nvSpPr>
-        <p:spPr/>
-        <p:txBody>
-          <a:bodyPr/>
-          <a:lstStyle/>
-          <a:p>
-            <a:fld id="{4DBC7FC8-25FB-FC45-8177-2B991DA6778C}" type="slidenum">
-              <a:rPr lang="en-US" smtClean="0"/>
-              <a:t>12</a:t>
-            </a:fld>
-            <a:endParaRPr lang="en-US" dirty="0"/>
+              <a:t>© 2018, FLL Tutorials, Last Edit 6/11/2018</a:t>
+            </a:r>
           </a:p>
         </p:txBody>
       </p:sp>
@@ -25792,7 +30079,7 @@
         </p:nvSpPr>
         <p:spPr>
           <a:xfrm>
-            <a:off x="2261375" y="4749021"/>
+            <a:off x="2261375" y="5089681"/>
             <a:ext cx="245327" cy="369332"/>
           </a:xfrm>
           <a:prstGeom prst="rect">
@@ -25821,7 +30108,7 @@
         </p:nvSpPr>
         <p:spPr>
           <a:xfrm>
-            <a:off x="3015668" y="4749021"/>
+            <a:off x="3015668" y="5089681"/>
             <a:ext cx="245327" cy="369332"/>
           </a:xfrm>
           <a:prstGeom prst="rect">
@@ -25850,7 +30137,7 @@
         </p:nvSpPr>
         <p:spPr>
           <a:xfrm>
-            <a:off x="3736470" y="4749021"/>
+            <a:off x="3736470" y="5089681"/>
             <a:ext cx="245327" cy="369332"/>
           </a:xfrm>
           <a:prstGeom prst="rect">
@@ -25879,7 +30166,7 @@
         </p:nvSpPr>
         <p:spPr>
           <a:xfrm>
-            <a:off x="4569604" y="4749021"/>
+            <a:off x="4569604" y="5089681"/>
             <a:ext cx="245327" cy="369332"/>
           </a:xfrm>
           <a:prstGeom prst="rect">
@@ -25908,7 +30195,7 @@
         </p:nvSpPr>
         <p:spPr>
           <a:xfrm>
-            <a:off x="5366319" y="4749021"/>
+            <a:off x="5366319" y="5089681"/>
             <a:ext cx="245327" cy="369332"/>
           </a:xfrm>
           <a:prstGeom prst="rect">
@@ -25937,7 +30224,7 @@
         </p:nvSpPr>
         <p:spPr>
           <a:xfrm>
-            <a:off x="6520694" y="4749021"/>
+            <a:off x="6520694" y="5089681"/>
             <a:ext cx="245327" cy="369332"/>
           </a:xfrm>
           <a:prstGeom prst="rect">
@@ -25966,7 +30253,7 @@
         </p:nvSpPr>
         <p:spPr>
           <a:xfrm>
-            <a:off x="3609280" y="5047656"/>
+            <a:off x="3609280" y="5388316"/>
             <a:ext cx="695088" cy="338554"/>
           </a:xfrm>
           <a:prstGeom prst="rect">
@@ -26009,7 +30296,7 @@
         </p:blipFill>
         <p:spPr>
           <a:xfrm>
-            <a:off x="359198" y="3124172"/>
+            <a:off x="359198" y="3464832"/>
             <a:ext cx="8686801" cy="1483113"/>
           </a:xfrm>
           <a:prstGeom prst="rect">
@@ -26025,7 +30312,7 @@
         </p:nvSpPr>
         <p:spPr>
           <a:xfrm>
-            <a:off x="4449342" y="5047656"/>
+            <a:off x="4449342" y="5388316"/>
             <a:ext cx="695088" cy="338554"/>
           </a:xfrm>
           <a:prstGeom prst="rect">
@@ -26055,7 +30342,7 @@
         </p:nvSpPr>
         <p:spPr>
           <a:xfrm>
-            <a:off x="5203908" y="5047656"/>
+            <a:off x="5203908" y="5388316"/>
             <a:ext cx="695088" cy="338554"/>
           </a:xfrm>
           <a:prstGeom prst="rect">
@@ -26085,7 +30372,7 @@
         </p:nvSpPr>
         <p:spPr>
           <a:xfrm>
-            <a:off x="6390598" y="5047656"/>
+            <a:off x="6390598" y="5388316"/>
             <a:ext cx="695088" cy="338554"/>
           </a:xfrm>
           <a:prstGeom prst="rect">
@@ -26116,7 +30403,7 @@
         </p:nvSpPr>
         <p:spPr>
           <a:xfrm>
-            <a:off x="1951463" y="3153007"/>
+            <a:off x="1951463" y="3493667"/>
             <a:ext cx="5486400" cy="2411452"/>
           </a:xfrm>
           <a:prstGeom prst="rect">
@@ -26195,12 +30482,8 @@
           <a:lstStyle/>
           <a:p>
             <a:r>
-              <a:rPr lang="en-US" dirty="0" err="1"/>
-              <a:t>AXlE</a:t>
-            </a:r>
-            <a:r>
               <a:rPr lang="en-US" dirty="0"/>
-              <a:t> TEST</a:t>
+              <a:t>AXLE TEST</a:t>
             </a:r>
           </a:p>
         </p:txBody>
@@ -26222,7 +30505,9 @@
           </a:xfrm>
         </p:spPr>
         <p:txBody>
-          <a:bodyPr/>
+          <a:bodyPr>
+            <a:normAutofit/>
+          </a:bodyPr>
           <a:lstStyle/>
           <a:p>
             <a:pPr marL="342900" indent="-342900">
@@ -26230,7 +30515,7 @@
               <a:buChar char="•"/>
             </a:pPr>
             <a:r>
-              <a:rPr lang="en-US" b="0" dirty="0"/>
+              <a:rPr lang="en-US" sz="2400" b="0" dirty="0"/>
               <a:t>Sometimes, shorter axles with connectors are a lot stronger than one long axle</a:t>
             </a:r>
           </a:p>
@@ -26240,12 +30525,12 @@
               <a:buChar char="•"/>
             </a:pPr>
             <a:r>
-              <a:rPr lang="en-US" b="0" dirty="0"/>
+              <a:rPr lang="en-US" sz="2400" b="0" dirty="0"/>
               <a:t>Construct both builds below. Try bending/twisting them. Which one is stronger?</a:t>
             </a:r>
           </a:p>
           <a:p>
-            <a:endParaRPr lang="en-US" dirty="0"/>
+            <a:endParaRPr lang="en-US" sz="2400" dirty="0"/>
           </a:p>
         </p:txBody>
       </p:sp>
@@ -26266,31 +30551,8 @@
           <a:p>
             <a:r>
               <a:rPr lang="en-US"/>
-              <a:t>© 2018, FLL Tutorials, Last Edit 8/27/2016</a:t>
-            </a:r>
-          </a:p>
-        </p:txBody>
-      </p:sp>
-      <p:sp>
-        <p:nvSpPr>
-          <p:cNvPr id="5" name="Slide Number Placeholder 4"/>
-          <p:cNvSpPr>
-            <a:spLocks noGrp="1"/>
-          </p:cNvSpPr>
-          <p:nvPr>
-            <p:ph type="sldNum" sz="quarter" idx="12"/>
-          </p:nvPr>
-        </p:nvSpPr>
-        <p:spPr/>
-        <p:txBody>
-          <a:bodyPr/>
-          <a:lstStyle/>
-          <a:p>
-            <a:fld id="{4DBC7FC8-25FB-FC45-8177-2B991DA6778C}" type="slidenum">
-              <a:rPr lang="en-US" smtClean="0"/>
-              <a:t>13</a:t>
-            </a:fld>
-            <a:endParaRPr lang="en-US" dirty="0"/>
+              <a:t>© 2018, FLL Tutorials, Last Edit 6/11/2018</a:t>
+            </a:r>
           </a:p>
         </p:txBody>
       </p:sp>
@@ -26450,12 +30712,14 @@
         </p:nvSpPr>
         <p:spPr>
           <a:xfrm>
-            <a:off x="602165" y="1172738"/>
-            <a:ext cx="4828479" cy="4373563"/>
-          </a:xfrm>
-        </p:spPr>
-        <p:txBody>
-          <a:bodyPr/>
+            <a:off x="602165" y="1497106"/>
+            <a:ext cx="4828479" cy="4049195"/>
+          </a:xfrm>
+        </p:spPr>
+        <p:txBody>
+          <a:bodyPr>
+            <a:normAutofit/>
+          </a:bodyPr>
           <a:lstStyle/>
           <a:p>
             <a:pPr marL="342900" indent="-342900">
@@ -26463,7 +30727,7 @@
               <a:buChar char="•"/>
             </a:pPr>
             <a:r>
-              <a:rPr lang="en-US" b="0" dirty="0"/>
+              <a:rPr lang="en-US" sz="2400" b="0" dirty="0"/>
               <a:t>Bushings can come in very handy </a:t>
             </a:r>
           </a:p>
@@ -26473,7 +30737,7 @@
               <a:buChar char="•"/>
             </a:pPr>
             <a:r>
-              <a:rPr lang="en-US" b="0" dirty="0"/>
+              <a:rPr lang="en-US" sz="2400" b="0" dirty="0"/>
               <a:t>They are used in axles like a space holder</a:t>
             </a:r>
           </a:p>
@@ -26496,31 +30760,8 @@
           <a:p>
             <a:r>
               <a:rPr lang="en-US"/>
-              <a:t>© 2018, FLL Tutorials, Last Edit 8/27/2016</a:t>
-            </a:r>
-          </a:p>
-        </p:txBody>
-      </p:sp>
-      <p:sp>
-        <p:nvSpPr>
-          <p:cNvPr id="5" name="Slide Number Placeholder 4"/>
-          <p:cNvSpPr>
-            <a:spLocks noGrp="1"/>
-          </p:cNvSpPr>
-          <p:nvPr>
-            <p:ph type="sldNum" sz="quarter" idx="12"/>
-          </p:nvPr>
-        </p:nvSpPr>
-        <p:spPr/>
-        <p:txBody>
-          <a:bodyPr/>
-          <a:lstStyle/>
-          <a:p>
-            <a:fld id="{4DBC7FC8-25FB-FC45-8177-2B991DA6778C}" type="slidenum">
-              <a:rPr lang="en-US" smtClean="0"/>
-              <a:t>14</a:t>
-            </a:fld>
-            <a:endParaRPr lang="en-US" dirty="0"/>
+              <a:t>© 2018, FLL Tutorials, Last Edit 6/11/2018</a:t>
+            </a:r>
           </a:p>
         </p:txBody>
       </p:sp>
@@ -26545,7 +30786,7 @@
         </p:blipFill>
         <p:spPr>
           <a:xfrm>
-            <a:off x="6228751" y="1172738"/>
+            <a:off x="6058421" y="1547429"/>
             <a:ext cx="2228631" cy="1618412"/>
           </a:xfrm>
           <a:prstGeom prst="rect">
@@ -26588,8 +30829,8 @@
         </p:blipFill>
         <p:spPr>
           <a:xfrm>
-            <a:off x="524394" y="2066611"/>
-            <a:ext cx="5836811" cy="4021349"/>
+            <a:off x="524394" y="3429000"/>
+            <a:ext cx="3859363" cy="2658960"/>
           </a:xfrm>
           <a:prstGeom prst="rect">
             <a:avLst/>
@@ -26660,7 +30901,9 @@
         </p:nvSpPr>
         <p:spPr/>
         <p:txBody>
-          <a:bodyPr/>
+          <a:bodyPr>
+            <a:normAutofit/>
+          </a:bodyPr>
           <a:lstStyle/>
           <a:p>
             <a:pPr marL="342900" indent="-342900">
@@ -26668,22 +30911,22 @@
               <a:buChar char="•"/>
             </a:pPr>
             <a:r>
-              <a:rPr lang="en-US" dirty="0"/>
+              <a:rPr lang="en-US" sz="3200" dirty="0"/>
               <a:t>This tutorial was created by Sanjay </a:t>
             </a:r>
             <a:r>
-              <a:rPr lang="en-US" dirty="0" err="1"/>
+              <a:rPr lang="en-US" sz="3200" dirty="0" err="1"/>
               <a:t>Seshan</a:t>
             </a:r>
             <a:r>
-              <a:rPr lang="en-US" dirty="0"/>
+              <a:rPr lang="en-US" sz="3200" dirty="0"/>
               <a:t> and Arvind </a:t>
             </a:r>
             <a:r>
-              <a:rPr lang="en-US" dirty="0" err="1"/>
+              <a:rPr lang="en-US" sz="3200" dirty="0" err="1"/>
               <a:t>Seshan</a:t>
             </a:r>
-            <a:endParaRPr lang="en-US" dirty="0"/>
+            <a:endParaRPr lang="en-US" sz="3200" dirty="0"/>
           </a:p>
           <a:p>
             <a:pPr marL="342900" indent="-342900">
@@ -26691,26 +30934,19 @@
               <a:buChar char="•"/>
             </a:pPr>
             <a:r>
-              <a:rPr lang="en-US" dirty="0"/>
+              <a:rPr lang="en-US" sz="3200" dirty="0"/>
               <a:t>More lessons at </a:t>
             </a:r>
             <a:r>
-              <a:rPr lang="en-US" dirty="0">
+              <a:rPr lang="en-US" sz="3200" dirty="0">
                 <a:hlinkClick r:id="rId3"/>
               </a:rPr>
-              <a:t>www.ev3lessons</a:t>
-            </a:r>
-            <a:r>
-              <a:rPr lang="en-US">
-                <a:hlinkClick r:id="rId3"/>
-              </a:rPr>
-              <a:t>.com</a:t>
-            </a:r>
-            <a:r>
-              <a:rPr lang="en-US"/>
+              <a:t>www.ev3lessons.com</a:t>
+            </a:r>
+            <a:r>
+              <a:rPr lang="en-US" sz="3200" dirty="0"/>
               <a:t> and www.flltutorials.com</a:t>
             </a:r>
-            <a:endParaRPr lang="en-US" dirty="0"/>
           </a:p>
         </p:txBody>
       </p:sp>
@@ -26731,32 +30967,8 @@
           <a:p>
             <a:r>
               <a:rPr lang="en-US"/>
-              <a:t>© 2018, FLL Tutorials, Last Edit 8/27/2016</a:t>
-            </a:r>
-          </a:p>
-        </p:txBody>
-      </p:sp>
-      <p:sp>
-        <p:nvSpPr>
-          <p:cNvPr id="7" name="Slide Number Placeholder 6"/>
-          <p:cNvSpPr>
-            <a:spLocks noGrp="1"/>
-          </p:cNvSpPr>
-          <p:nvPr>
-            <p:ph type="sldNum" sz="quarter" idx="12"/>
-          </p:nvPr>
-        </p:nvSpPr>
-        <p:spPr/>
-        <p:txBody>
-          <a:bodyPr/>
-          <a:lstStyle/>
-          <a:p>
-            <a:fld id="{4382A7F7-08BF-4252-8141-63FB96055BBB}" type="slidenum">
-              <a:rPr lang="en-US" smtClean="0"/>
-              <a:pPr/>
-              <a:t>15</a:t>
-            </a:fld>
-            <a:endParaRPr lang="en-US"/>
+              <a:t>© 2018, FLL Tutorials, Last Edit 6/11/2018</a:t>
+            </a:r>
           </a:p>
         </p:txBody>
       </p:sp>
@@ -26785,7 +30997,7 @@
           <a:effectLst/>
           <a:extLst>
             <a:ext uri="{91240B29-F687-4f45-9708-019B960494DF}">
-              <a14:hiddenLine xmlns="" xmlns:a14="http://schemas.microsoft.com/office/drawing/2010/main" w="9525">
+              <a14:hiddenLine xmlns:a14="http://schemas.microsoft.com/office/drawing/2010/main" xmlns="" w="9525">
                 <a:solidFill>
                   <a:schemeClr val="tx1"/>
                 </a:solidFill>
@@ -26795,7 +31007,7 @@
               </a14:hiddenLine>
             </a:ext>
             <a:ext uri="{AF507438-7753-43e0-B8FC-AC1667EBCBE1}">
-              <a14:hiddenEffects xmlns="" xmlns:a14="http://schemas.microsoft.com/office/drawing/2010/main">
+              <a14:hiddenEffects xmlns:a14="http://schemas.microsoft.com/office/drawing/2010/main" xmlns="">
                 <a:effectLst>
                   <a:outerShdw dist="35921" dir="2700000" algn="ctr" rotWithShape="0">
                     <a:schemeClr val="bg2"/>
@@ -27136,7 +31348,7 @@
           <a:noFill/>
           <a:extLst>
             <a:ext uri="{909E8E84-426E-40dd-AFC4-6F175D3DCCD1}">
-              <a14:hiddenFill xmlns="" xmlns:a14="http://schemas.microsoft.com/office/drawing/2010/main">
+              <a14:hiddenFill xmlns:a14="http://schemas.microsoft.com/office/drawing/2010/main" xmlns="">
                 <a:solidFill>
                   <a:srgbClr val="FFFFFF"/>
                 </a:solidFill>
@@ -27257,31 +31469,8 @@
           <a:p>
             <a:r>
               <a:rPr lang="en-US"/>
-              <a:t>© 2018, FLL Tutorials, Last Edit 8/27/2016</a:t>
-            </a:r>
-          </a:p>
-        </p:txBody>
-      </p:sp>
-      <p:sp>
-        <p:nvSpPr>
-          <p:cNvPr id="5" name="Slide Number Placeholder 4"/>
-          <p:cNvSpPr>
-            <a:spLocks noGrp="1"/>
-          </p:cNvSpPr>
-          <p:nvPr>
-            <p:ph type="sldNum" sz="quarter" idx="12"/>
-          </p:nvPr>
-        </p:nvSpPr>
-        <p:spPr/>
-        <p:txBody>
-          <a:bodyPr/>
-          <a:lstStyle/>
-          <a:p>
-            <a:fld id="{4DBC7FC8-25FB-FC45-8177-2B991DA6778C}" type="slidenum">
-              <a:rPr lang="en-US" smtClean="0"/>
-              <a:t>2</a:t>
-            </a:fld>
-            <a:endParaRPr lang="en-US" dirty="0"/>
+              <a:t>© 2018, FLL Tutorials, Last Edit 6/11/2018</a:t>
+            </a:r>
           </a:p>
         </p:txBody>
       </p:sp>
@@ -27354,7 +31543,9 @@
           </a:xfrm>
         </p:spPr>
         <p:txBody>
-          <a:bodyPr/>
+          <a:bodyPr>
+            <a:normAutofit/>
+          </a:bodyPr>
           <a:lstStyle/>
           <a:p>
             <a:pPr marL="342900" indent="-342900">
@@ -27362,11 +31553,11 @@
               <a:buChar char="•"/>
             </a:pPr>
             <a:r>
-              <a:rPr lang="en-US" b="0" dirty="0" err="1"/>
+              <a:rPr lang="en-US" sz="2000" b="0" dirty="0" err="1"/>
               <a:t>Liftarms</a:t>
             </a:r>
             <a:r>
-              <a:rPr lang="en-US" b="0" dirty="0"/>
+              <a:rPr lang="en-US" sz="2000" b="0" dirty="0"/>
               <a:t> come in various sizes from 2M to 15M length</a:t>
             </a:r>
           </a:p>
@@ -27376,7 +31567,7 @@
               <a:buChar char="•"/>
             </a:pPr>
             <a:r>
-              <a:rPr lang="en-US" b="0" dirty="0"/>
+              <a:rPr lang="en-US" sz="2000" b="0" dirty="0"/>
               <a:t>Technic is measured in Modules (M)</a:t>
             </a:r>
           </a:p>
@@ -27386,7 +31577,7 @@
               <a:buChar char="•"/>
             </a:pPr>
             <a:r>
-              <a:rPr lang="en-US" b="0" dirty="0"/>
+              <a:rPr lang="en-US" sz="2000" b="0" dirty="0"/>
               <a:t>The number of holes corresponds to the Modules </a:t>
             </a:r>
           </a:p>
@@ -27409,31 +31600,8 @@
           <a:p>
             <a:r>
               <a:rPr lang="en-US"/>
-              <a:t>© 2018, FLL Tutorials, Last Edit 8/27/2016</a:t>
-            </a:r>
-          </a:p>
-        </p:txBody>
-      </p:sp>
-      <p:sp>
-        <p:nvSpPr>
-          <p:cNvPr id="5" name="Slide Number Placeholder 4"/>
-          <p:cNvSpPr>
-            <a:spLocks noGrp="1"/>
-          </p:cNvSpPr>
-          <p:nvPr>
-            <p:ph type="sldNum" sz="quarter" idx="12"/>
-          </p:nvPr>
-        </p:nvSpPr>
-        <p:spPr/>
-        <p:txBody>
-          <a:bodyPr/>
-          <a:lstStyle/>
-          <a:p>
-            <a:fld id="{4DBC7FC8-25FB-FC45-8177-2B991DA6778C}" type="slidenum">
-              <a:rPr lang="en-US" smtClean="0"/>
-              <a:t>3</a:t>
-            </a:fld>
-            <a:endParaRPr lang="en-US" dirty="0"/>
+              <a:t>© 2018, FLL Tutorials, Last Edit 6/11/2018</a:t>
+            </a:r>
           </a:p>
         </p:txBody>
       </p:sp>
@@ -27487,7 +31655,7 @@
         </p:blipFill>
         <p:spPr>
           <a:xfrm>
-            <a:off x="696949" y="4472062"/>
+            <a:off x="696949" y="4170251"/>
             <a:ext cx="3512635" cy="912542"/>
           </a:xfrm>
           <a:prstGeom prst="rect">
@@ -27503,7 +31671,7 @@
         </p:nvCxnSpPr>
         <p:spPr>
           <a:xfrm>
-            <a:off x="1773043" y="4817433"/>
+            <a:off x="1773043" y="4515622"/>
             <a:ext cx="11151" cy="591015"/>
           </a:xfrm>
           <a:prstGeom prst="line">
@@ -27538,7 +31706,7 @@
         </p:nvCxnSpPr>
         <p:spPr>
           <a:xfrm>
-            <a:off x="2197270" y="4816823"/>
+            <a:off x="2197270" y="4515012"/>
             <a:ext cx="11151" cy="591015"/>
           </a:xfrm>
           <a:prstGeom prst="line">
@@ -27573,7 +31741,7 @@
         </p:nvSpPr>
         <p:spPr>
           <a:xfrm>
-            <a:off x="1739589" y="5243554"/>
+            <a:off x="1739589" y="4941743"/>
             <a:ext cx="535259" cy="369332"/>
           </a:xfrm>
           <a:prstGeom prst="rect">
@@ -27606,7 +31774,7 @@
         </p:nvCxnSpPr>
         <p:spPr>
           <a:xfrm>
-            <a:off x="2616816" y="4813719"/>
+            <a:off x="2616816" y="4511908"/>
             <a:ext cx="11151" cy="591015"/>
           </a:xfrm>
           <a:prstGeom prst="line">
@@ -27641,7 +31809,7 @@
         </p:nvSpPr>
         <p:spPr>
           <a:xfrm>
-            <a:off x="2169392" y="5242244"/>
+            <a:off x="2169392" y="4940433"/>
             <a:ext cx="535259" cy="369332"/>
           </a:xfrm>
           <a:prstGeom prst="rect">
@@ -27674,7 +31842,7 @@
         </p:nvSpPr>
         <p:spPr>
           <a:xfrm>
-            <a:off x="1048213" y="5852331"/>
+            <a:off x="1048213" y="5550520"/>
             <a:ext cx="2587083" cy="369332"/>
           </a:xfrm>
           <a:prstGeom prst="rect">
@@ -27940,7 +32108,7 @@
         </p:nvSpPr>
         <p:spPr>
           <a:xfrm>
-            <a:off x="780583" y="4126374"/>
+            <a:off x="780583" y="3824563"/>
             <a:ext cx="3429001" cy="2366501"/>
           </a:xfrm>
           <a:prstGeom prst="rect">
@@ -28042,31 +32210,8 @@
           <a:p>
             <a:r>
               <a:rPr lang="en-US"/>
-              <a:t>© 2018, FLL Tutorials, Last Edit 8/27/2016</a:t>
-            </a:r>
-          </a:p>
-        </p:txBody>
-      </p:sp>
-      <p:sp>
-        <p:nvSpPr>
-          <p:cNvPr id="5" name="Slide Number Placeholder 4"/>
-          <p:cNvSpPr>
-            <a:spLocks noGrp="1"/>
-          </p:cNvSpPr>
-          <p:nvPr>
-            <p:ph type="sldNum" sz="quarter" idx="12"/>
-          </p:nvPr>
-        </p:nvSpPr>
-        <p:spPr/>
-        <p:txBody>
-          <a:bodyPr/>
-          <a:lstStyle/>
-          <a:p>
-            <a:fld id="{4DBC7FC8-25FB-FC45-8177-2B991DA6778C}" type="slidenum">
-              <a:rPr lang="en-US" smtClean="0"/>
-              <a:t>4</a:t>
-            </a:fld>
-            <a:endParaRPr lang="en-US" dirty="0"/>
+              <a:t>© 2018, FLL Tutorials, Last Edit 6/11/2018</a:t>
+            </a:r>
           </a:p>
         </p:txBody>
       </p:sp>
@@ -28182,7 +32327,12 @@
             <p:ph type="title"/>
           </p:nvPr>
         </p:nvSpPr>
-        <p:spPr/>
+        <p:spPr>
+          <a:xfrm>
+            <a:off x="581192" y="1216394"/>
+            <a:ext cx="7989752" cy="596796"/>
+          </a:xfrm>
+        </p:spPr>
         <p:txBody>
           <a:bodyPr/>
           <a:lstStyle/>
@@ -28221,15 +32371,15 @@
               <a:buChar char="•"/>
             </a:pPr>
             <a:r>
-              <a:rPr lang="en-US" b="0" dirty="0"/>
+              <a:rPr lang="en-US" sz="2400" b="0" dirty="0"/>
               <a:t>Don’t force LEGO into angles they are not meant for. You will put stress on the </a:t>
             </a:r>
             <a:r>
-              <a:rPr lang="en-US" b="0" dirty="0" err="1"/>
+              <a:rPr lang="en-US" sz="2400" b="0" dirty="0" err="1"/>
               <a:t>liftarms</a:t>
             </a:r>
             <a:r>
-              <a:rPr lang="en-US" b="0" dirty="0"/>
+              <a:rPr lang="en-US" sz="2400" b="0" dirty="0"/>
               <a:t> and the pegs</a:t>
             </a:r>
           </a:p>
@@ -28238,7 +32388,7 @@
               <a:buFont typeface="Arial" charset="0"/>
               <a:buChar char="•"/>
             </a:pPr>
-            <a:endParaRPr lang="en-US" dirty="0"/>
+            <a:endParaRPr lang="en-US" sz="2000" dirty="0"/>
           </a:p>
         </p:txBody>
       </p:sp>
@@ -28259,31 +32409,8 @@
           <a:p>
             <a:r>
               <a:rPr lang="en-US"/>
-              <a:t>© 2018, FLL Tutorials, Last Edit 8/27/2016</a:t>
-            </a:r>
-          </a:p>
-        </p:txBody>
-      </p:sp>
-      <p:sp>
-        <p:nvSpPr>
-          <p:cNvPr id="5" name="Slide Number Placeholder 4"/>
-          <p:cNvSpPr>
-            <a:spLocks noGrp="1"/>
-          </p:cNvSpPr>
-          <p:nvPr>
-            <p:ph type="sldNum" sz="quarter" idx="12"/>
-          </p:nvPr>
-        </p:nvSpPr>
-        <p:spPr/>
-        <p:txBody>
-          <a:bodyPr/>
-          <a:lstStyle/>
-          <a:p>
-            <a:fld id="{4DBC7FC8-25FB-FC45-8177-2B991DA6778C}" type="slidenum">
-              <a:rPr lang="en-US" smtClean="0"/>
-              <a:t>5</a:t>
-            </a:fld>
-            <a:endParaRPr lang="en-US" dirty="0"/>
+              <a:t>© 2018, FLL Tutorials, Last Edit 6/11/2018</a:t>
+            </a:r>
           </a:p>
         </p:txBody>
       </p:sp>
@@ -28295,7 +32422,7 @@
         </p:nvGrpSpPr>
         <p:grpSpPr>
           <a:xfrm>
-            <a:off x="380499" y="838518"/>
+            <a:off x="380499" y="1367437"/>
             <a:ext cx="8322175" cy="3077909"/>
             <a:chOff x="457199" y="431750"/>
             <a:chExt cx="8322175" cy="3077909"/>
@@ -28627,8 +32754,8 @@
         </p:nvSpPr>
         <p:spPr>
           <a:xfrm>
-            <a:off x="3906035" y="3562208"/>
-            <a:ext cx="2896210" cy="1200329"/>
+            <a:off x="3715353" y="3779959"/>
+            <a:ext cx="1978693" cy="1477328"/>
           </a:xfrm>
           <a:prstGeom prst="rect">
             <a:avLst/>
@@ -28656,8 +32783,8 @@
         </p:nvSpPr>
         <p:spPr>
           <a:xfrm>
-            <a:off x="3536535" y="916575"/>
-            <a:ext cx="3544488" cy="5459882"/>
+            <a:off x="3536535" y="1559859"/>
+            <a:ext cx="3544488" cy="4816598"/>
           </a:xfrm>
           <a:prstGeom prst="rect">
             <a:avLst/>
@@ -28753,7 +32880,7 @@
         </p:nvSpPr>
         <p:spPr>
           <a:xfrm>
-            <a:off x="457200" y="1253122"/>
+            <a:off x="457200" y="1835831"/>
             <a:ext cx="4972050" cy="4373563"/>
           </a:xfrm>
         </p:spPr>
@@ -28812,31 +32939,8 @@
           <a:p>
             <a:r>
               <a:rPr lang="en-US"/>
-              <a:t>© 2018, FLL Tutorials, Last Edit 8/27/2016</a:t>
-            </a:r>
-          </a:p>
-        </p:txBody>
-      </p:sp>
-      <p:sp>
-        <p:nvSpPr>
-          <p:cNvPr id="5" name="Slide Number Placeholder 4"/>
-          <p:cNvSpPr>
-            <a:spLocks noGrp="1"/>
-          </p:cNvSpPr>
-          <p:nvPr>
-            <p:ph type="sldNum" sz="quarter" idx="12"/>
-          </p:nvPr>
-        </p:nvSpPr>
-        <p:spPr/>
-        <p:txBody>
-          <a:bodyPr/>
-          <a:lstStyle/>
-          <a:p>
-            <a:fld id="{4DBC7FC8-25FB-FC45-8177-2B991DA6778C}" type="slidenum">
-              <a:rPr lang="en-US" smtClean="0"/>
-              <a:t>6</a:t>
-            </a:fld>
-            <a:endParaRPr lang="en-US" dirty="0"/>
+              <a:t>© 2018, FLL Tutorials, Last Edit 6/11/2018</a:t>
+            </a:r>
           </a:p>
         </p:txBody>
       </p:sp>
@@ -28861,7 +32965,7 @@
         </p:blipFill>
         <p:spPr>
           <a:xfrm>
-            <a:off x="5113411" y="1385888"/>
+            <a:off x="5113411" y="1968597"/>
             <a:ext cx="3581400" cy="2838450"/>
           </a:xfrm>
           <a:prstGeom prst="rect">
@@ -28912,7 +33016,7 @@
         </p:nvSpPr>
         <p:spPr>
           <a:xfrm>
-            <a:off x="5416058" y="3957051"/>
+            <a:off x="5416058" y="4539760"/>
             <a:ext cx="1109492" cy="369332"/>
           </a:xfrm>
           <a:prstGeom prst="rect">
@@ -28945,7 +33049,7 @@
         </p:nvSpPr>
         <p:spPr>
           <a:xfrm>
-            <a:off x="7095483" y="3971119"/>
+            <a:off x="7095483" y="4553828"/>
             <a:ext cx="1204944" cy="369332"/>
           </a:xfrm>
           <a:prstGeom prst="rect">
@@ -28978,7 +33082,7 @@
         </p:nvSpPr>
         <p:spPr>
           <a:xfrm>
-            <a:off x="5822167" y="1154986"/>
+            <a:off x="5822167" y="1737695"/>
             <a:ext cx="1155407" cy="369332"/>
           </a:xfrm>
           <a:prstGeom prst="rect">
@@ -29011,7 +33115,7 @@
         </p:nvSpPr>
         <p:spPr>
           <a:xfrm>
-            <a:off x="7699882" y="1564735"/>
+            <a:off x="7699882" y="2147444"/>
             <a:ext cx="1042671" cy="369332"/>
           </a:xfrm>
           <a:prstGeom prst="rect">
@@ -29040,7 +33144,7 @@
         </p:nvSpPr>
         <p:spPr>
           <a:xfrm>
-            <a:off x="6961646" y="1380069"/>
+            <a:off x="6961646" y="1962778"/>
             <a:ext cx="604424" cy="369332"/>
           </a:xfrm>
           <a:prstGeom prst="rect">
@@ -29126,7 +33230,7 @@
         </p:nvSpPr>
         <p:spPr>
           <a:xfrm>
-            <a:off x="568712" y="1276843"/>
+            <a:off x="568712" y="1644065"/>
             <a:ext cx="4972050" cy="4373563"/>
           </a:xfrm>
         </p:spPr>
@@ -29174,31 +33278,8 @@
           <a:p>
             <a:r>
               <a:rPr lang="en-US"/>
-              <a:t>© 2018, FLL Tutorials, Last Edit 8/27/2016</a:t>
-            </a:r>
-          </a:p>
-        </p:txBody>
-      </p:sp>
-      <p:sp>
-        <p:nvSpPr>
-          <p:cNvPr id="5" name="Slide Number Placeholder 4"/>
-          <p:cNvSpPr>
-            <a:spLocks noGrp="1"/>
-          </p:cNvSpPr>
-          <p:nvPr>
-            <p:ph type="sldNum" sz="quarter" idx="12"/>
-          </p:nvPr>
-        </p:nvSpPr>
-        <p:spPr/>
-        <p:txBody>
-          <a:bodyPr/>
-          <a:lstStyle/>
-          <a:p>
-            <a:fld id="{4DBC7FC8-25FB-FC45-8177-2B991DA6778C}" type="slidenum">
-              <a:rPr lang="en-US" smtClean="0"/>
-              <a:t>7</a:t>
-            </a:fld>
-            <a:endParaRPr lang="en-US" dirty="0"/>
+              <a:t>© 2018, FLL Tutorials, Last Edit 6/11/2018</a:t>
+            </a:r>
           </a:p>
         </p:txBody>
       </p:sp>
@@ -29223,7 +33304,7 @@
         </p:blipFill>
         <p:spPr>
           <a:xfrm>
-            <a:off x="6298720" y="1375400"/>
+            <a:off x="6298720" y="1744732"/>
             <a:ext cx="1660433" cy="1852612"/>
           </a:xfrm>
           <a:prstGeom prst="rect">
@@ -29239,7 +33320,7 @@
         </p:nvSpPr>
         <p:spPr>
           <a:xfrm>
-            <a:off x="6679579" y="1274733"/>
+            <a:off x="6679579" y="1644065"/>
             <a:ext cx="1279574" cy="369332"/>
           </a:xfrm>
           <a:prstGeom prst="rect">
@@ -29391,31 +33472,8 @@
           <a:p>
             <a:r>
               <a:rPr lang="en-US"/>
-              <a:t>© 2018, FLL Tutorials, Last Edit 8/27/2016</a:t>
-            </a:r>
-          </a:p>
-        </p:txBody>
-      </p:sp>
-      <p:sp>
-        <p:nvSpPr>
-          <p:cNvPr id="5" name="Slide Number Placeholder 4"/>
-          <p:cNvSpPr>
-            <a:spLocks noGrp="1"/>
-          </p:cNvSpPr>
-          <p:nvPr>
-            <p:ph type="sldNum" sz="quarter" idx="12"/>
-          </p:nvPr>
-        </p:nvSpPr>
-        <p:spPr/>
-        <p:txBody>
-          <a:bodyPr/>
-          <a:lstStyle/>
-          <a:p>
-            <a:fld id="{4DBC7FC8-25FB-FC45-8177-2B991DA6778C}" type="slidenum">
-              <a:rPr lang="en-US" smtClean="0"/>
-              <a:t>8</a:t>
-            </a:fld>
-            <a:endParaRPr lang="en-US" dirty="0"/>
+              <a:t>© 2018, FLL Tutorials, Last Edit 6/11/2018</a:t>
+            </a:r>
           </a:p>
         </p:txBody>
       </p:sp>
@@ -29440,7 +33498,7 @@
         </p:blipFill>
         <p:spPr>
           <a:xfrm>
-            <a:off x="4036633" y="1293192"/>
+            <a:off x="4036633" y="1938651"/>
             <a:ext cx="4666041" cy="3559212"/>
           </a:xfrm>
           <a:prstGeom prst="rect">
@@ -29527,7 +33585,7 @@
               <a:buChar char="•"/>
             </a:pPr>
             <a:r>
-              <a:rPr lang="en-US" b="0" dirty="0"/>
+              <a:rPr lang="en-US" sz="2400" b="0" dirty="0"/>
               <a:t>Build each of these.</a:t>
             </a:r>
           </a:p>
@@ -29537,19 +33595,19 @@
               <a:buChar char="•"/>
             </a:pPr>
             <a:r>
-              <a:rPr lang="en-US" b="0" dirty="0"/>
+              <a:rPr lang="en-US" sz="2400" b="0" dirty="0"/>
               <a:t>Compare them for </a:t>
             </a:r>
             <a:r>
-              <a:rPr lang="en-US" b="0" u="sng" dirty="0"/>
+              <a:rPr lang="en-US" sz="2400" b="0" u="sng" dirty="0"/>
               <a:t>weight</a:t>
             </a:r>
             <a:r>
-              <a:rPr lang="en-US" b="0" dirty="0"/>
+              <a:rPr lang="en-US" sz="2400" b="0" dirty="0"/>
               <a:t> and </a:t>
             </a:r>
             <a:r>
-              <a:rPr lang="en-US" b="0" u="sng" dirty="0"/>
+              <a:rPr lang="en-US" sz="2400" b="0" u="sng" dirty="0"/>
               <a:t>strength</a:t>
             </a:r>
           </a:p>
@@ -29559,7 +33617,7 @@
               <a:buChar char="•"/>
             </a:pPr>
             <a:r>
-              <a:rPr lang="en-US" b="0" dirty="0"/>
+              <a:rPr lang="en-US" sz="2400" b="0" dirty="0"/>
               <a:t>Try to pull the pieces apart. Which one stays together the best?</a:t>
             </a:r>
           </a:p>
@@ -29582,31 +33640,8 @@
           <a:p>
             <a:r>
               <a:rPr lang="en-US"/>
-              <a:t>© 2018, FLL Tutorials, Last Edit 8/27/2016</a:t>
-            </a:r>
-          </a:p>
-        </p:txBody>
-      </p:sp>
-      <p:sp>
-        <p:nvSpPr>
-          <p:cNvPr id="5" name="Slide Number Placeholder 4"/>
-          <p:cNvSpPr>
-            <a:spLocks noGrp="1"/>
-          </p:cNvSpPr>
-          <p:nvPr>
-            <p:ph type="sldNum" sz="quarter" idx="12"/>
-          </p:nvPr>
-        </p:nvSpPr>
-        <p:spPr/>
-        <p:txBody>
-          <a:bodyPr/>
-          <a:lstStyle/>
-          <a:p>
-            <a:fld id="{4DBC7FC8-25FB-FC45-8177-2B991DA6778C}" type="slidenum">
-              <a:rPr lang="en-US" smtClean="0"/>
-              <a:t>9</a:t>
-            </a:fld>
-            <a:endParaRPr lang="en-US" dirty="0"/>
+              <a:t>© 2018, FLL Tutorials, Last Edit 6/11/2018</a:t>
+            </a:r>
           </a:p>
         </p:txBody>
       </p:sp>
@@ -29631,8 +33666,8 @@
         </p:blipFill>
         <p:spPr>
           <a:xfrm>
-            <a:off x="2747959" y="1435409"/>
-            <a:ext cx="5709424" cy="4184270"/>
+            <a:off x="3349134" y="1752600"/>
+            <a:ext cx="5337666" cy="3911819"/>
           </a:xfrm>
           <a:prstGeom prst="rect">
             <a:avLst/>
@@ -31202,9 +35237,9 @@
 </file>
 
 <file path=ppt/theme/theme7.xml><?xml version="1.0" encoding="utf-8"?>
-<a:theme xmlns:a="http://schemas.openxmlformats.org/drawingml/2006/main" name="Office Theme">
+<a:theme xmlns:a="http://schemas.openxmlformats.org/drawingml/2006/main" name="Dividend">
   <a:themeElements>
-    <a:clrScheme name="Office">
+    <a:clrScheme name="Dividend">
       <a:dk1>
         <a:sysClr val="windowText" lastClr="000000"/>
       </a:dk1>
@@ -31212,81 +35247,48 @@
         <a:sysClr val="window" lastClr="FFFFFF"/>
       </a:lt1>
       <a:dk2>
-        <a:srgbClr val="1F497D"/>
+        <a:srgbClr val="3D3D3D"/>
       </a:dk2>
       <a:lt2>
-        <a:srgbClr val="EEECE1"/>
+        <a:srgbClr val="EBEBEB"/>
       </a:lt2>
       <a:accent1>
-        <a:srgbClr val="4F81BD"/>
+        <a:srgbClr val="1A3260"/>
       </a:accent1>
       <a:accent2>
-        <a:srgbClr val="C0504D"/>
+        <a:srgbClr val="4590B8"/>
       </a:accent2>
       <a:accent3>
-        <a:srgbClr val="9BBB59"/>
+        <a:srgbClr val="45CBE8"/>
       </a:accent3>
       <a:accent4>
-        <a:srgbClr val="8064A2"/>
+        <a:srgbClr val="969FA7"/>
       </a:accent4>
       <a:accent5>
-        <a:srgbClr val="4BACC6"/>
+        <a:srgbClr val="A2C777"/>
       </a:accent5>
       <a:accent6>
-        <a:srgbClr val="F79646"/>
+        <a:srgbClr val="42955F"/>
       </a:accent6>
       <a:hlink>
-        <a:srgbClr val="0000FF"/>
+        <a:srgbClr val="828282"/>
       </a:hlink>
       <a:folHlink>
-        <a:srgbClr val="800080"/>
+        <a:srgbClr val="A5A5A5"/>
       </a:folHlink>
     </a:clrScheme>
-    <a:fontScheme name="Office">
+    <a:fontScheme name="Dividend">
       <a:majorFont>
-        <a:latin typeface="Calibri"/>
+        <a:latin typeface="Gill Sans MT" panose="020B0502020104020203"/>
         <a:ea typeface=""/>
         <a:cs typeface=""/>
-        <a:font script="Jpan" typeface="ＭＳ Ｐゴシック"/>
-        <a:font script="Hang" typeface="맑은 고딕"/>
-        <a:font script="Hans" typeface="宋体"/>
-        <a:font script="Hant" typeface="新細明體"/>
-        <a:font script="Arab" typeface="Times New Roman"/>
-        <a:font script="Hebr" typeface="Times New Roman"/>
-        <a:font script="Thai" typeface="Angsana New"/>
-        <a:font script="Ethi" typeface="Nyala"/>
-        <a:font script="Beng" typeface="Vrinda"/>
-        <a:font script="Gujr" typeface="Shruti"/>
-        <a:font script="Khmr" typeface="MoolBoran"/>
-        <a:font script="Knda" typeface="Tunga"/>
-        <a:font script="Guru" typeface="Raavi"/>
-        <a:font script="Cans" typeface="Euphemia"/>
-        <a:font script="Cher" typeface="Plantagenet Cherokee"/>
-        <a:font script="Yiii" typeface="Microsoft Yi Baiti"/>
-        <a:font script="Tibt" typeface="Microsoft Himalaya"/>
-        <a:font script="Thaa" typeface="MV Boli"/>
-        <a:font script="Deva" typeface="Mangal"/>
-        <a:font script="Telu" typeface="Gautami"/>
-        <a:font script="Taml" typeface="Latha"/>
-        <a:font script="Syrc" typeface="Estrangelo Edessa"/>
-        <a:font script="Orya" typeface="Kalinga"/>
-        <a:font script="Mlym" typeface="Kartika"/>
-        <a:font script="Laoo" typeface="DokChampa"/>
-        <a:font script="Sinh" typeface="Iskoola Pota"/>
-        <a:font script="Mong" typeface="Mongolian Baiti"/>
-        <a:font script="Viet" typeface="Times New Roman"/>
-        <a:font script="Uigh" typeface="Microsoft Uighur"/>
-        <a:font script="Geor" typeface="Sylfaen"/>
-      </a:majorFont>
-      <a:minorFont>
-        <a:latin typeface="Calibri"/>
-        <a:ea typeface=""/>
-        <a:cs typeface=""/>
-        <a:font script="Jpan" typeface="ＭＳ Ｐゴシック"/>
-        <a:font script="Hang" typeface="맑은 고딕"/>
-        <a:font script="Hans" typeface="宋体"/>
-        <a:font script="Hant" typeface="新細明體"/>
-        <a:font script="Arab" typeface="Arial"/>
+        <a:font script="Grek" typeface="Corbel"/>
+        <a:font script="Cyrl" typeface="Corbel"/>
+        <a:font script="Jpan" typeface="HGｺﾞｼｯｸE"/>
+        <a:font script="Hang" typeface="휴먼매직체"/>
+        <a:font script="Hans" typeface="华文中宋"/>
+        <a:font script="Hant" typeface="微軟正黑體"/>
+        <a:font script="Arab" typeface="Majalla UI"/>
         <a:font script="Hebr" typeface="Arial"/>
         <a:font script="Thai" typeface="Cordia New"/>
         <a:font script="Ethi" typeface="Nyala"/>
@@ -31309,12 +35311,49 @@
         <a:font script="Laoo" typeface="DokChampa"/>
         <a:font script="Sinh" typeface="Iskoola Pota"/>
         <a:font script="Mong" typeface="Mongolian Baiti"/>
-        <a:font script="Viet" typeface="Arial"/>
+        <a:font script="Viet" typeface="Tahoma"/>
+        <a:font script="Uigh" typeface="Microsoft Uighur"/>
+        <a:font script="Geor" typeface="Sylfaen"/>
+      </a:majorFont>
+      <a:minorFont>
+        <a:latin typeface="Gill Sans MT" panose="020B0502020104020203"/>
+        <a:ea typeface=""/>
+        <a:cs typeface=""/>
+        <a:font script="Grek" typeface="Corbel"/>
+        <a:font script="Cyrl" typeface="Corbel"/>
+        <a:font script="Jpan" typeface="HGｺﾞｼｯｸE"/>
+        <a:font script="Hang" typeface="휴먼매직체"/>
+        <a:font script="Hans" typeface="华文中宋"/>
+        <a:font script="Hant" typeface="微軟正黑體"/>
+        <a:font script="Arab" typeface="Majalla UI"/>
+        <a:font script="Hebr" typeface="Arial"/>
+        <a:font script="Thai" typeface="Cordia New"/>
+        <a:font script="Ethi" typeface="Nyala"/>
+        <a:font script="Beng" typeface="Vrinda"/>
+        <a:font script="Gujr" typeface="Shruti"/>
+        <a:font script="Khmr" typeface="DaunPenh"/>
+        <a:font script="Knda" typeface="Tunga"/>
+        <a:font script="Guru" typeface="Raavi"/>
+        <a:font script="Cans" typeface="Euphemia"/>
+        <a:font script="Cher" typeface="Plantagenet Cherokee"/>
+        <a:font script="Yiii" typeface="Microsoft Yi Baiti"/>
+        <a:font script="Tibt" typeface="Microsoft Himalaya"/>
+        <a:font script="Thaa" typeface="MV Boli"/>
+        <a:font script="Deva" typeface="Mangal"/>
+        <a:font script="Telu" typeface="Gautami"/>
+        <a:font script="Taml" typeface="Latha"/>
+        <a:font script="Syrc" typeface="Estrangelo Edessa"/>
+        <a:font script="Orya" typeface="Kalinga"/>
+        <a:font script="Mlym" typeface="Kartika"/>
+        <a:font script="Laoo" typeface="DokChampa"/>
+        <a:font script="Sinh" typeface="Iskoola Pota"/>
+        <a:font script="Mong" typeface="Mongolian Baiti"/>
+        <a:font script="Viet" typeface="Tahoma"/>
         <a:font script="Uigh" typeface="Microsoft Uighur"/>
         <a:font script="Geor" typeface="Sylfaen"/>
       </a:minorFont>
     </a:fontScheme>
-    <a:fmtScheme name="Office">
+    <a:fmtScheme name="Dividend">
       <a:fillStyleLst>
         <a:solidFill>
           <a:schemeClr val="phClr"/>
@@ -31323,62 +35362,54 @@
           <a:gsLst>
             <a:gs pos="0">
               <a:schemeClr val="phClr">
-                <a:tint val="50000"/>
-                <a:satMod val="300000"/>
-              </a:schemeClr>
-            </a:gs>
-            <a:gs pos="35000">
-              <a:schemeClr val="phClr">
-                <a:tint val="37000"/>
-                <a:satMod val="300000"/>
+                <a:tint val="68000"/>
+                <a:alpha val="90000"/>
+                <a:lumMod val="100000"/>
               </a:schemeClr>
             </a:gs>
             <a:gs pos="100000">
               <a:schemeClr val="phClr">
-                <a:tint val="15000"/>
-                <a:satMod val="350000"/>
+                <a:tint val="90000"/>
+                <a:lumMod val="95000"/>
               </a:schemeClr>
             </a:gs>
           </a:gsLst>
-          <a:lin ang="16200000" scaled="1"/>
+          <a:lin ang="5400000" scaled="1"/>
         </a:gradFill>
         <a:gradFill rotWithShape="1">
           <a:gsLst>
             <a:gs pos="0">
               <a:schemeClr val="phClr">
-                <a:tint val="100000"/>
-                <a:shade val="100000"/>
-                <a:satMod val="130000"/>
+                <a:tint val="98000"/>
+                <a:lumMod val="110000"/>
               </a:schemeClr>
             </a:gs>
-            <a:gs pos="100000">
+            <a:gs pos="84000">
               <a:schemeClr val="phClr">
-                <a:tint val="50000"/>
-                <a:shade val="100000"/>
-                <a:satMod val="350000"/>
+                <a:shade val="90000"/>
+                <a:lumMod val="88000"/>
               </a:schemeClr>
             </a:gs>
           </a:gsLst>
-          <a:lin ang="16200000" scaled="0"/>
+          <a:lin ang="5400000" scaled="0"/>
         </a:gradFill>
       </a:fillStyleLst>
       <a:lnStyleLst>
-        <a:ln w="9525" cap="flat" cmpd="sng" algn="ctr">
+        <a:ln w="12700" cap="rnd" cmpd="sng" algn="ctr">
           <a:solidFill>
             <a:schemeClr val="phClr">
-              <a:shade val="95000"/>
-              <a:satMod val="105000"/>
+              <a:lumMod val="90000"/>
             </a:schemeClr>
           </a:solidFill>
           <a:prstDash val="solid"/>
         </a:ln>
-        <a:ln w="25400" cap="flat" cmpd="sng" algn="ctr">
+        <a:ln w="22225" cap="rnd" cmpd="sng" algn="ctr">
           <a:solidFill>
             <a:schemeClr val="phClr"/>
           </a:solidFill>
           <a:prstDash val="solid"/>
         </a:ln>
-        <a:ln w="38100" cap="flat" cmpd="sng" algn="ctr">
+        <a:ln w="25400" cap="rnd" cmpd="sng" algn="ctr">
           <a:solidFill>
             <a:schemeClr val="phClr"/>
           </a:solidFill>
@@ -31387,28 +35418,22 @@
       </a:lnStyleLst>
       <a:effectStyleLst>
         <a:effectStyle>
+          <a:effectLst/>
+        </a:effectStyle>
+        <a:effectStyle>
           <a:effectLst>
-            <a:outerShdw blurRad="40000" dist="20000" dir="5400000" rotWithShape="0">
+            <a:outerShdw blurRad="38100" dist="25400" dir="5400000" rotWithShape="0">
               <a:srgbClr val="000000">
-                <a:alpha val="38000"/>
+                <a:alpha val="55000"/>
               </a:srgbClr>
             </a:outerShdw>
           </a:effectLst>
         </a:effectStyle>
         <a:effectStyle>
           <a:effectLst>
-            <a:outerShdw blurRad="40000" dist="23000" dir="5400000" rotWithShape="0">
+            <a:outerShdw blurRad="88900" dist="38100" dir="5040000" rotWithShape="0">
               <a:srgbClr val="000000">
-                <a:alpha val="35000"/>
-              </a:srgbClr>
-            </a:outerShdw>
-          </a:effectLst>
-        </a:effectStyle>
-        <a:effectStyle>
-          <a:effectLst>
-            <a:outerShdw blurRad="40000" dist="23000" dir="5400000" rotWithShape="0">
-              <a:srgbClr val="000000">
-                <a:alpha val="35000"/>
+                <a:alpha val="60000"/>
               </a:srgbClr>
             </a:outerShdw>
           </a:effectLst>
@@ -31416,12 +35441,12 @@
             <a:camera prst="orthographicFront">
               <a:rot lat="0" lon="0" rev="0"/>
             </a:camera>
-            <a:lightRig rig="threePt" dir="t">
+            <a:lightRig rig="threePt" dir="tl">
               <a:rot lat="0" lon="0" rev="1200000"/>
             </a:lightRig>
           </a:scene3d>
           <a:sp3d>
-            <a:bevelT w="63500" h="25400"/>
+            <a:bevelT w="38100" h="50800"/>
           </a:sp3d>
         </a:effectStyle>
       </a:effectStyleLst>
@@ -31433,91 +35458,50 @@
           <a:gsLst>
             <a:gs pos="0">
               <a:schemeClr val="phClr">
-                <a:tint val="40000"/>
-                <a:satMod val="350000"/>
+                <a:tint val="90000"/>
+                <a:lumMod val="110000"/>
               </a:schemeClr>
             </a:gs>
-            <a:gs pos="40000">
+            <a:gs pos="88000">
               <a:schemeClr val="phClr">
-                <a:tint val="45000"/>
-                <a:shade val="99000"/>
-                <a:satMod val="350000"/>
-              </a:schemeClr>
-            </a:gs>
-            <a:gs pos="100000">
-              <a:schemeClr val="phClr">
-                <a:shade val="20000"/>
-                <a:satMod val="255000"/>
+                <a:shade val="94000"/>
+                <a:satMod val="110000"/>
+                <a:lumMod val="88000"/>
               </a:schemeClr>
             </a:gs>
           </a:gsLst>
-          <a:path path="circle">
-            <a:fillToRect l="50000" t="-80000" r="50000" b="180000"/>
-          </a:path>
+          <a:lin ang="5400000" scaled="0"/>
         </a:gradFill>
         <a:gradFill rotWithShape="1">
           <a:gsLst>
             <a:gs pos="0">
               <a:schemeClr val="phClr">
-                <a:tint val="80000"/>
-                <a:satMod val="300000"/>
+                <a:tint val="90000"/>
+                <a:lumMod val="110000"/>
               </a:schemeClr>
             </a:gs>
             <a:gs pos="100000">
               <a:schemeClr val="phClr">
-                <a:shade val="30000"/>
-                <a:satMod val="200000"/>
+                <a:shade val="98000"/>
+                <a:satMod val="110000"/>
+                <a:lumMod val="86000"/>
               </a:schemeClr>
             </a:gs>
           </a:gsLst>
           <a:path path="circle">
-            <a:fillToRect l="50000" t="50000" r="50000" b="50000"/>
+            <a:fillToRect l="50000" t="50000" r="100000" b="100000"/>
           </a:path>
         </a:gradFill>
       </a:bgFillStyleLst>
     </a:fmtScheme>
   </a:themeElements>
-  <a:objectDefaults>
-    <a:spDef>
-      <a:spPr/>
-      <a:bodyPr/>
-      <a:lstStyle/>
-      <a:style>
-        <a:lnRef idx="1">
-          <a:schemeClr val="accent1"/>
-        </a:lnRef>
-        <a:fillRef idx="3">
-          <a:schemeClr val="accent1"/>
-        </a:fillRef>
-        <a:effectRef idx="2">
-          <a:schemeClr val="accent1"/>
-        </a:effectRef>
-        <a:fontRef idx="minor">
-          <a:schemeClr val="lt1"/>
-        </a:fontRef>
-      </a:style>
-    </a:spDef>
-    <a:lnDef>
-      <a:spPr/>
-      <a:bodyPr/>
-      <a:lstStyle/>
-      <a:style>
-        <a:lnRef idx="2">
-          <a:schemeClr val="accent1"/>
-        </a:lnRef>
-        <a:fillRef idx="0">
-          <a:schemeClr val="accent1"/>
-        </a:fillRef>
-        <a:effectRef idx="1">
-          <a:schemeClr val="accent1"/>
-        </a:effectRef>
-        <a:fontRef idx="minor">
-          <a:schemeClr val="tx1"/>
-        </a:fontRef>
-      </a:style>
-    </a:lnDef>
-  </a:objectDefaults>
+  <a:objectDefaults/>
   <a:extraClrSchemeLst/>
+  <a:extLst>
+    <a:ext uri="{05A4C25C-085E-4340-85A3-A5531E510DB2}">
+      <thm15:themeFamily xmlns:thm15="http://schemas.microsoft.com/office/thememl/2012/main" name="EngineeringJournal" id="{97721FB4-21DC-6D4C-AC10-5E4545120761}" vid="{EB585347-F0B4-B74F-BF80-5185492EFC16}"/>
+    </a:ext>
+  </a:extLst>
 </a:theme>
 </file>
 
@@ -31839,4 +35823,324 @@
   </a:objectDefaults>
   <a:extraClrSchemeLst/>
 </a:theme>
+</file>
+
+<file path=ppt/theme/theme9.xml><?xml version="1.0" encoding="utf-8"?>
+<a:theme xmlns:a="http://schemas.openxmlformats.org/drawingml/2006/main" name="Office Theme">
+  <a:themeElements>
+    <a:clrScheme name="Office">
+      <a:dk1>
+        <a:sysClr val="windowText" lastClr="000000"/>
+      </a:dk1>
+      <a:lt1>
+        <a:sysClr val="window" lastClr="FFFFFF"/>
+      </a:lt1>
+      <a:dk2>
+        <a:srgbClr val="1F497D"/>
+      </a:dk2>
+      <a:lt2>
+        <a:srgbClr val="EEECE1"/>
+      </a:lt2>
+      <a:accent1>
+        <a:srgbClr val="4F81BD"/>
+      </a:accent1>
+      <a:accent2>
+        <a:srgbClr val="C0504D"/>
+      </a:accent2>
+      <a:accent3>
+        <a:srgbClr val="9BBB59"/>
+      </a:accent3>
+      <a:accent4>
+        <a:srgbClr val="8064A2"/>
+      </a:accent4>
+      <a:accent5>
+        <a:srgbClr val="4BACC6"/>
+      </a:accent5>
+      <a:accent6>
+        <a:srgbClr val="F79646"/>
+      </a:accent6>
+      <a:hlink>
+        <a:srgbClr val="0000FF"/>
+      </a:hlink>
+      <a:folHlink>
+        <a:srgbClr val="800080"/>
+      </a:folHlink>
+    </a:clrScheme>
+    <a:fontScheme name="Office">
+      <a:majorFont>
+        <a:latin typeface="Calibri"/>
+        <a:ea typeface=""/>
+        <a:cs typeface=""/>
+        <a:font script="Jpan" typeface="ＭＳ Ｐゴシック"/>
+        <a:font script="Hang" typeface="맑은 고딕"/>
+        <a:font script="Hans" typeface="宋体"/>
+        <a:font script="Hant" typeface="新細明體"/>
+        <a:font script="Arab" typeface="Times New Roman"/>
+        <a:font script="Hebr" typeface="Times New Roman"/>
+        <a:font script="Thai" typeface="Angsana New"/>
+        <a:font script="Ethi" typeface="Nyala"/>
+        <a:font script="Beng" typeface="Vrinda"/>
+        <a:font script="Gujr" typeface="Shruti"/>
+        <a:font script="Khmr" typeface="MoolBoran"/>
+        <a:font script="Knda" typeface="Tunga"/>
+        <a:font script="Guru" typeface="Raavi"/>
+        <a:font script="Cans" typeface="Euphemia"/>
+        <a:font script="Cher" typeface="Plantagenet Cherokee"/>
+        <a:font script="Yiii" typeface="Microsoft Yi Baiti"/>
+        <a:font script="Tibt" typeface="Microsoft Himalaya"/>
+        <a:font script="Thaa" typeface="MV Boli"/>
+        <a:font script="Deva" typeface="Mangal"/>
+        <a:font script="Telu" typeface="Gautami"/>
+        <a:font script="Taml" typeface="Latha"/>
+        <a:font script="Syrc" typeface="Estrangelo Edessa"/>
+        <a:font script="Orya" typeface="Kalinga"/>
+        <a:font script="Mlym" typeface="Kartika"/>
+        <a:font script="Laoo" typeface="DokChampa"/>
+        <a:font script="Sinh" typeface="Iskoola Pota"/>
+        <a:font script="Mong" typeface="Mongolian Baiti"/>
+        <a:font script="Viet" typeface="Times New Roman"/>
+        <a:font script="Uigh" typeface="Microsoft Uighur"/>
+        <a:font script="Geor" typeface="Sylfaen"/>
+      </a:majorFont>
+      <a:minorFont>
+        <a:latin typeface="Calibri"/>
+        <a:ea typeface=""/>
+        <a:cs typeface=""/>
+        <a:font script="Jpan" typeface="ＭＳ Ｐゴシック"/>
+        <a:font script="Hang" typeface="맑은 고딕"/>
+        <a:font script="Hans" typeface="宋体"/>
+        <a:font script="Hant" typeface="新細明體"/>
+        <a:font script="Arab" typeface="Arial"/>
+        <a:font script="Hebr" typeface="Arial"/>
+        <a:font script="Thai" typeface="Cordia New"/>
+        <a:font script="Ethi" typeface="Nyala"/>
+        <a:font script="Beng" typeface="Vrinda"/>
+        <a:font script="Gujr" typeface="Shruti"/>
+        <a:font script="Khmr" typeface="DaunPenh"/>
+        <a:font script="Knda" typeface="Tunga"/>
+        <a:font script="Guru" typeface="Raavi"/>
+        <a:font script="Cans" typeface="Euphemia"/>
+        <a:font script="Cher" typeface="Plantagenet Cherokee"/>
+        <a:font script="Yiii" typeface="Microsoft Yi Baiti"/>
+        <a:font script="Tibt" typeface="Microsoft Himalaya"/>
+        <a:font script="Thaa" typeface="MV Boli"/>
+        <a:font script="Deva" typeface="Mangal"/>
+        <a:font script="Telu" typeface="Gautami"/>
+        <a:font script="Taml" typeface="Latha"/>
+        <a:font script="Syrc" typeface="Estrangelo Edessa"/>
+        <a:font script="Orya" typeface="Kalinga"/>
+        <a:font script="Mlym" typeface="Kartika"/>
+        <a:font script="Laoo" typeface="DokChampa"/>
+        <a:font script="Sinh" typeface="Iskoola Pota"/>
+        <a:font script="Mong" typeface="Mongolian Baiti"/>
+        <a:font script="Viet" typeface="Arial"/>
+        <a:font script="Uigh" typeface="Microsoft Uighur"/>
+        <a:font script="Geor" typeface="Sylfaen"/>
+      </a:minorFont>
+    </a:fontScheme>
+    <a:fmtScheme name="Office">
+      <a:fillStyleLst>
+        <a:solidFill>
+          <a:schemeClr val="phClr"/>
+        </a:solidFill>
+        <a:gradFill rotWithShape="1">
+          <a:gsLst>
+            <a:gs pos="0">
+              <a:schemeClr val="phClr">
+                <a:tint val="50000"/>
+                <a:satMod val="300000"/>
+              </a:schemeClr>
+            </a:gs>
+            <a:gs pos="35000">
+              <a:schemeClr val="phClr">
+                <a:tint val="37000"/>
+                <a:satMod val="300000"/>
+              </a:schemeClr>
+            </a:gs>
+            <a:gs pos="100000">
+              <a:schemeClr val="phClr">
+                <a:tint val="15000"/>
+                <a:satMod val="350000"/>
+              </a:schemeClr>
+            </a:gs>
+          </a:gsLst>
+          <a:lin ang="16200000" scaled="1"/>
+        </a:gradFill>
+        <a:gradFill rotWithShape="1">
+          <a:gsLst>
+            <a:gs pos="0">
+              <a:schemeClr val="phClr">
+                <a:tint val="100000"/>
+                <a:shade val="100000"/>
+                <a:satMod val="130000"/>
+              </a:schemeClr>
+            </a:gs>
+            <a:gs pos="100000">
+              <a:schemeClr val="phClr">
+                <a:tint val="50000"/>
+                <a:shade val="100000"/>
+                <a:satMod val="350000"/>
+              </a:schemeClr>
+            </a:gs>
+          </a:gsLst>
+          <a:lin ang="16200000" scaled="0"/>
+        </a:gradFill>
+      </a:fillStyleLst>
+      <a:lnStyleLst>
+        <a:ln w="9525" cap="flat" cmpd="sng" algn="ctr">
+          <a:solidFill>
+            <a:schemeClr val="phClr">
+              <a:shade val="95000"/>
+              <a:satMod val="105000"/>
+            </a:schemeClr>
+          </a:solidFill>
+          <a:prstDash val="solid"/>
+        </a:ln>
+        <a:ln w="25400" cap="flat" cmpd="sng" algn="ctr">
+          <a:solidFill>
+            <a:schemeClr val="phClr"/>
+          </a:solidFill>
+          <a:prstDash val="solid"/>
+        </a:ln>
+        <a:ln w="38100" cap="flat" cmpd="sng" algn="ctr">
+          <a:solidFill>
+            <a:schemeClr val="phClr"/>
+          </a:solidFill>
+          <a:prstDash val="solid"/>
+        </a:ln>
+      </a:lnStyleLst>
+      <a:effectStyleLst>
+        <a:effectStyle>
+          <a:effectLst>
+            <a:outerShdw blurRad="40000" dist="20000" dir="5400000" rotWithShape="0">
+              <a:srgbClr val="000000">
+                <a:alpha val="38000"/>
+              </a:srgbClr>
+            </a:outerShdw>
+          </a:effectLst>
+        </a:effectStyle>
+        <a:effectStyle>
+          <a:effectLst>
+            <a:outerShdw blurRad="40000" dist="23000" dir="5400000" rotWithShape="0">
+              <a:srgbClr val="000000">
+                <a:alpha val="35000"/>
+              </a:srgbClr>
+            </a:outerShdw>
+          </a:effectLst>
+        </a:effectStyle>
+        <a:effectStyle>
+          <a:effectLst>
+            <a:outerShdw blurRad="40000" dist="23000" dir="5400000" rotWithShape="0">
+              <a:srgbClr val="000000">
+                <a:alpha val="35000"/>
+              </a:srgbClr>
+            </a:outerShdw>
+          </a:effectLst>
+          <a:scene3d>
+            <a:camera prst="orthographicFront">
+              <a:rot lat="0" lon="0" rev="0"/>
+            </a:camera>
+            <a:lightRig rig="threePt" dir="t">
+              <a:rot lat="0" lon="0" rev="1200000"/>
+            </a:lightRig>
+          </a:scene3d>
+          <a:sp3d>
+            <a:bevelT w="63500" h="25400"/>
+          </a:sp3d>
+        </a:effectStyle>
+      </a:effectStyleLst>
+      <a:bgFillStyleLst>
+        <a:solidFill>
+          <a:schemeClr val="phClr"/>
+        </a:solidFill>
+        <a:gradFill rotWithShape="1">
+          <a:gsLst>
+            <a:gs pos="0">
+              <a:schemeClr val="phClr">
+                <a:tint val="40000"/>
+                <a:satMod val="350000"/>
+              </a:schemeClr>
+            </a:gs>
+            <a:gs pos="40000">
+              <a:schemeClr val="phClr">
+                <a:tint val="45000"/>
+                <a:shade val="99000"/>
+                <a:satMod val="350000"/>
+              </a:schemeClr>
+            </a:gs>
+            <a:gs pos="100000">
+              <a:schemeClr val="phClr">
+                <a:shade val="20000"/>
+                <a:satMod val="255000"/>
+              </a:schemeClr>
+            </a:gs>
+          </a:gsLst>
+          <a:path path="circle">
+            <a:fillToRect l="50000" t="-80000" r="50000" b="180000"/>
+          </a:path>
+        </a:gradFill>
+        <a:gradFill rotWithShape="1">
+          <a:gsLst>
+            <a:gs pos="0">
+              <a:schemeClr val="phClr">
+                <a:tint val="80000"/>
+                <a:satMod val="300000"/>
+              </a:schemeClr>
+            </a:gs>
+            <a:gs pos="100000">
+              <a:schemeClr val="phClr">
+                <a:shade val="30000"/>
+                <a:satMod val="200000"/>
+              </a:schemeClr>
+            </a:gs>
+          </a:gsLst>
+          <a:path path="circle">
+            <a:fillToRect l="50000" t="50000" r="50000" b="50000"/>
+          </a:path>
+        </a:gradFill>
+      </a:bgFillStyleLst>
+    </a:fmtScheme>
+  </a:themeElements>
+  <a:objectDefaults>
+    <a:spDef>
+      <a:spPr/>
+      <a:bodyPr/>
+      <a:lstStyle/>
+      <a:style>
+        <a:lnRef idx="1">
+          <a:schemeClr val="accent1"/>
+        </a:lnRef>
+        <a:fillRef idx="3">
+          <a:schemeClr val="accent1"/>
+        </a:fillRef>
+        <a:effectRef idx="2">
+          <a:schemeClr val="accent1"/>
+        </a:effectRef>
+        <a:fontRef idx="minor">
+          <a:schemeClr val="lt1"/>
+        </a:fontRef>
+      </a:style>
+    </a:spDef>
+    <a:lnDef>
+      <a:spPr/>
+      <a:bodyPr/>
+      <a:lstStyle/>
+      <a:style>
+        <a:lnRef idx="2">
+          <a:schemeClr val="accent1"/>
+        </a:lnRef>
+        <a:fillRef idx="0">
+          <a:schemeClr val="accent1"/>
+        </a:fillRef>
+        <a:effectRef idx="1">
+          <a:schemeClr val="accent1"/>
+        </a:effectRef>
+        <a:fontRef idx="minor">
+          <a:schemeClr val="tx1"/>
+        </a:fontRef>
+      </a:style>
+    </a:lnDef>
+  </a:objectDefaults>
+  <a:extraClrSchemeLst/>
+</a:theme>
 </file>
--- a/translations/en-us/RobotGame/TechnicBasics.pptx
+++ b/translations/en-us/RobotGame/TechnicBasics.pptx
@@ -2405,7 +2405,7 @@
           <a:noFill/>
           <a:extLst>
             <a:ext uri="{909E8E84-426E-40dd-AFC4-6F175D3DCCD1}">
-              <a14:hiddenFill xmlns="" xmlns:a14="http://schemas.microsoft.com/office/drawing/2010/main">
+              <a14:hiddenFill xmlns:a14="http://schemas.microsoft.com/office/drawing/2010/main" xmlns="">
                 <a:solidFill>
                   <a:srgbClr val="FFFFFF"/>
                 </a:solidFill>
@@ -29264,7 +29264,7 @@
             <a:pPr algn="ctr"/>
             <a:r>
               <a:rPr lang="en-US" dirty="0"/>
-              <a:t>Robot DESIGN Lesson</a:t>
+              <a:t>Technic Basics</a:t>
             </a:r>
           </a:p>
         </p:txBody>
@@ -29285,9 +29285,10 @@
           <a:lstStyle/>
           <a:p>
             <a:r>
-              <a:rPr lang="en-US" dirty="0"/>
-              <a:t>Basic Building Techniques for LEGO Robots</a:t>
-            </a:r>
+              <a:rPr lang="en-US"/>
+              <a:t>Seshan Brothers</a:t>
+            </a:r>
+            <a:endParaRPr lang="en-US" dirty="0"/>
           </a:p>
         </p:txBody>
       </p:sp>
@@ -30997,7 +30998,7 @@
           <a:effectLst/>
           <a:extLst>
             <a:ext uri="{91240B29-F687-4f45-9708-019B960494DF}">
-              <a14:hiddenLine xmlns:a14="http://schemas.microsoft.com/office/drawing/2010/main" xmlns="" w="9525">
+              <a14:hiddenLine xmlns="" xmlns:a14="http://schemas.microsoft.com/office/drawing/2010/main" w="9525">
                 <a:solidFill>
                   <a:schemeClr val="tx1"/>
                 </a:solidFill>
@@ -31007,7 +31008,7 @@
               </a14:hiddenLine>
             </a:ext>
             <a:ext uri="{AF507438-7753-43e0-B8FC-AC1667EBCBE1}">
-              <a14:hiddenEffects xmlns:a14="http://schemas.microsoft.com/office/drawing/2010/main" xmlns="">
+              <a14:hiddenEffects xmlns="" xmlns:a14="http://schemas.microsoft.com/office/drawing/2010/main">
                 <a:effectLst>
                   <a:outerShdw dist="35921" dir="2700000" algn="ctr" rotWithShape="0">
                     <a:schemeClr val="bg2"/>
@@ -31348,7 +31349,7 @@
           <a:noFill/>
           <a:extLst>
             <a:ext uri="{909E8E84-426E-40dd-AFC4-6F175D3DCCD1}">
-              <a14:hiddenFill xmlns:a14="http://schemas.microsoft.com/office/drawing/2010/main" xmlns="">
+              <a14:hiddenFill xmlns="" xmlns:a14="http://schemas.microsoft.com/office/drawing/2010/main">
                 <a:solidFill>
                   <a:srgbClr val="FFFFFF"/>
                 </a:solidFill>

--- a/translations/en-us/RobotGame/TechnicBasics.pptx
+++ b/translations/en-us/RobotGame/TechnicBasics.pptx
@@ -231,7 +231,7 @@
           <a:p>
             <a:fld id="{E354B44E-40A3-0E46-B16A-9BF1250A248B}" type="datetimeFigureOut">
               <a:rPr lang="en-US" smtClean="0"/>
-              <a:t>6/11/18</a:t>
+              <a:t>5/29/23</a:t>
             </a:fld>
             <a:endParaRPr lang="en-US"/>
           </a:p>
@@ -397,7 +397,7 @@
           <a:p>
             <a:fld id="{C86AD16C-2DB4-6642-BAD4-9ED973A087A0}" type="datetimeFigureOut">
               <a:rPr lang="en-US" smtClean="0"/>
-              <a:t>6/11/18</a:t>
+              <a:t>5/29/23</a:t>
             </a:fld>
             <a:endParaRPr lang="en-US"/>
           </a:p>
@@ -1192,9 +1192,9 @@
           <a:bodyPr/>
           <a:lstStyle/>
           <a:p>
-            <a:fld id="{78DA2A79-6E25-49D1-89B3-CD1FC8B0DBA9}" type="datetime1">
+            <a:fld id="{5A006D49-9F00-734C-B444-C4415C44A094}" type="datetime1">
               <a:rPr lang="en-US" smtClean="0"/>
-              <a:t>6/11/18</a:t>
+              <a:t>5/29/23</a:t>
             </a:fld>
             <a:endParaRPr lang="en-US"/>
           </a:p>
@@ -1217,7 +1217,7 @@
           <a:p>
             <a:r>
               <a:rPr lang="en-US"/>
-              <a:t>© 2018, FLL Tutorials, Last Edit 6/11/2018</a:t>
+              <a:t>© 2023, FLLTutorials.com, Last Edit 5/29/2023</a:t>
             </a:r>
           </a:p>
         </p:txBody>
@@ -1788,9 +1788,9 @@
           <a:bodyPr/>
           <a:lstStyle/>
           <a:p>
-            <a:fld id="{CA087BBB-B887-46BE-A4DE-2E58C552D532}" type="datetime1">
+            <a:fld id="{C02246B5-80EB-BF4F-B7DF-B188614F2D3B}" type="datetime1">
               <a:rPr lang="en-US" smtClean="0"/>
-              <a:t>6/11/18</a:t>
+              <a:t>5/29/23</a:t>
             </a:fld>
             <a:endParaRPr lang="en-US"/>
           </a:p>
@@ -1813,7 +1813,7 @@
           <a:p>
             <a:r>
               <a:rPr lang="en-US"/>
-              <a:t>© 2018, FLL Tutorials, Last Edit 6/11/2018</a:t>
+              <a:t>© 2023, FLLTutorials.com, Last Edit 5/29/2023</a:t>
             </a:r>
           </a:p>
         </p:txBody>
@@ -1969,9 +1969,9 @@
           <a:bodyPr/>
           <a:lstStyle/>
           <a:p>
-            <a:fld id="{4E914C03-9E64-4D25-8C9C-0E8DBA437D3C}" type="datetime1">
+            <a:fld id="{1CD93E6B-2F66-ED41-B40B-7E0F11EA1DFA}" type="datetime1">
               <a:rPr lang="en-US" smtClean="0"/>
-              <a:t>6/11/18</a:t>
+              <a:t>5/29/23</a:t>
             </a:fld>
             <a:endParaRPr lang="en-US"/>
           </a:p>
@@ -1994,7 +1994,7 @@
           <a:p>
             <a:r>
               <a:rPr lang="en-US"/>
-              <a:t>© 2018, FLL Tutorials, Last Edit 6/11/2018</a:t>
+              <a:t>© 2023, FLLTutorials.com, Last Edit 5/29/2023</a:t>
             </a:r>
           </a:p>
         </p:txBody>
@@ -2185,9 +2185,9 @@
           <a:bodyPr/>
           <a:lstStyle/>
           <a:p>
-            <a:fld id="{EF5B330B-161E-4B9F-9FBF-EC1C9C0B68E8}" type="datetime1">
+            <a:fld id="{A158C86B-4B5D-1D4B-B3F8-3A25B7C5966E}" type="datetime1">
               <a:rPr lang="en-US" smtClean="0"/>
-              <a:t>6/11/18</a:t>
+              <a:t>5/29/23</a:t>
             </a:fld>
             <a:endParaRPr lang="en-US"/>
           </a:p>
@@ -2215,7 +2215,7 @@
           <a:p>
             <a:r>
               <a:rPr lang="en-US"/>
-              <a:t>© 2018, FLL Tutorials, Last Edit 6/11/2018</a:t>
+              <a:t>© 2023, FLLTutorials.com, Last Edit 5/29/2023</a:t>
             </a:r>
           </a:p>
         </p:txBody>
@@ -2405,7 +2405,7 @@
           <a:noFill/>
           <a:extLst>
             <a:ext uri="{909E8E84-426E-40dd-AFC4-6F175D3DCCD1}">
-              <a14:hiddenFill xmlns:a14="http://schemas.microsoft.com/office/drawing/2010/main" xmlns="">
+              <a14:hiddenFill xmlns="" xmlns:a14="http://schemas.microsoft.com/office/drawing/2010/main">
                 <a:solidFill>
                   <a:srgbClr val="FFFFFF"/>
                 </a:solidFill>
@@ -3029,9 +3029,9 @@
           <a:bodyPr/>
           <a:lstStyle/>
           <a:p>
-            <a:fld id="{35234802-638D-48AC-867D-E5D514926F90}" type="datetime1">
+            <a:fld id="{768BF2F6-3490-9047-9ABA-1CD6F0476335}" type="datetime1">
               <a:rPr lang="en-US" smtClean="0"/>
-              <a:t>6/11/18</a:t>
+              <a:t>5/29/23</a:t>
             </a:fld>
             <a:endParaRPr lang="en-US"/>
           </a:p>
@@ -3054,7 +3054,7 @@
           <a:p>
             <a:r>
               <a:rPr lang="en-US"/>
-              <a:t>© 2018, FLL Tutorials, Last Edit 6/11/2018</a:t>
+              <a:t>© 2023, FLLTutorials.com, Last Edit 5/29/2023</a:t>
             </a:r>
           </a:p>
         </p:txBody>
@@ -3294,9 +3294,9 @@
           <a:bodyPr/>
           <a:lstStyle/>
           <a:p>
-            <a:fld id="{32123978-8168-48BE-8244-8E2716992799}" type="datetime1">
+            <a:fld id="{B659EECF-8981-0646-A304-36B644203D12}" type="datetime1">
               <a:rPr lang="en-US" smtClean="0"/>
-              <a:t>6/11/18</a:t>
+              <a:t>5/29/23</a:t>
             </a:fld>
             <a:endParaRPr lang="en-US"/>
           </a:p>
@@ -3350,7 +3350,7 @@
           <a:p>
             <a:r>
               <a:rPr lang="en-US"/>
-              <a:t>© 2018, FLL Tutorials, Last Edit 6/11/2018</a:t>
+              <a:t>© 2023, FLLTutorials.com, Last Edit 5/29/2023</a:t>
             </a:r>
           </a:p>
         </p:txBody>
@@ -3597,9 +3597,9 @@
           <a:bodyPr/>
           <a:lstStyle/>
           <a:p>
-            <a:fld id="{B57700F6-DC0B-4BD9-8B82-B754CE481389}" type="datetime1">
+            <a:fld id="{14243842-4FED-1044-B09C-5419DBC8127A}" type="datetime1">
               <a:rPr lang="en-US" smtClean="0"/>
-              <a:t>6/11/18</a:t>
+              <a:t>5/29/23</a:t>
             </a:fld>
             <a:endParaRPr lang="en-US"/>
           </a:p>
@@ -3622,7 +3622,7 @@
           <a:p>
             <a:r>
               <a:rPr lang="en-US"/>
-              <a:t>© 2018, FLL Tutorials, Last Edit 6/11/2018</a:t>
+              <a:t>© 2023, FLLTutorials.com, Last Edit 5/29/2023</a:t>
             </a:r>
           </a:p>
         </p:txBody>
@@ -4051,9 +4051,9 @@
           <a:bodyPr/>
           <a:lstStyle/>
           <a:p>
-            <a:fld id="{E16A5563-2525-4559-9820-333971515B65}" type="datetime1">
+            <a:fld id="{B03BDCE2-7C8F-FA49-97A7-5FD6641481E1}" type="datetime1">
               <a:rPr lang="en-US" smtClean="0"/>
-              <a:t>6/11/18</a:t>
+              <a:t>5/29/23</a:t>
             </a:fld>
             <a:endParaRPr lang="en-US"/>
           </a:p>
@@ -4076,7 +4076,7 @@
           <a:p>
             <a:r>
               <a:rPr lang="en-US"/>
-              <a:t>© 2018, FLL Tutorials, Last Edit 6/11/2018</a:t>
+              <a:t>© 2023, FLLTutorials.com, Last Edit 5/29/2023</a:t>
             </a:r>
           </a:p>
         </p:txBody>
@@ -4179,9 +4179,9 @@
           <a:bodyPr/>
           <a:lstStyle/>
           <a:p>
-            <a:fld id="{82F5B72A-3952-4401-8B2C-93609E22BC83}" type="datetime1">
+            <a:fld id="{1EB9B2D2-24D3-7640-859A-A1E37544E833}" type="datetime1">
               <a:rPr lang="en-US" smtClean="0"/>
-              <a:t>6/11/18</a:t>
+              <a:t>5/29/23</a:t>
             </a:fld>
             <a:endParaRPr lang="en-US"/>
           </a:p>
@@ -4204,7 +4204,7 @@
           <a:p>
             <a:r>
               <a:rPr lang="en-US"/>
-              <a:t>© 2018, FLL Tutorials, Last Edit 6/11/2018</a:t>
+              <a:t>© 2023, FLLTutorials.com, Last Edit 5/29/2023</a:t>
             </a:r>
           </a:p>
         </p:txBody>
@@ -4285,9 +4285,9 @@
           <a:bodyPr/>
           <a:lstStyle/>
           <a:p>
-            <a:fld id="{91B325E6-A1DC-41D7-BE45-8E2F065F611F}" type="datetime1">
+            <a:fld id="{C8D76D80-3531-B042-AB1D-A190FB6593F5}" type="datetime1">
               <a:rPr lang="en-US" smtClean="0"/>
-              <a:t>6/11/18</a:t>
+              <a:t>5/29/23</a:t>
             </a:fld>
             <a:endParaRPr lang="en-US"/>
           </a:p>
@@ -4310,7 +4310,7 @@
           <a:p>
             <a:r>
               <a:rPr lang="en-US"/>
-              <a:t>© 2018, FLL Tutorials, Last Edit 6/11/2018</a:t>
+              <a:t>© 2023, FLLTutorials.com, Last Edit 5/29/2023</a:t>
             </a:r>
           </a:p>
         </p:txBody>
@@ -4543,9 +4543,9 @@
           <a:bodyPr/>
           <a:lstStyle/>
           <a:p>
-            <a:fld id="{1C3F19E4-E559-488B-87B7-00DA8984FF65}" type="datetime1">
+            <a:fld id="{B53D98AC-7CF0-0C42-83D5-51086AA4E37C}" type="datetime1">
               <a:rPr lang="en-US" smtClean="0"/>
-              <a:t>6/11/18</a:t>
+              <a:t>5/29/23</a:t>
             </a:fld>
             <a:endParaRPr lang="en-US"/>
           </a:p>
@@ -4568,7 +4568,7 @@
           <a:p>
             <a:r>
               <a:rPr lang="en-US"/>
-              <a:t>© 2018, FLL Tutorials, Last Edit 6/11/2018</a:t>
+              <a:t>© 2023, FLLTutorials.com, Last Edit 5/29/2023</a:t>
             </a:r>
           </a:p>
         </p:txBody>
@@ -4755,9 +4755,9 @@
           <a:bodyPr/>
           <a:lstStyle/>
           <a:p>
-            <a:fld id="{DEC50F7F-C68B-4DE5-B6CA-99C0FC3B4A7D}" type="datetime1">
+            <a:fld id="{9F4A11C1-394A-D94B-8983-3A49270F6734}" type="datetime1">
               <a:rPr lang="en-US" smtClean="0"/>
-              <a:t>6/11/18</a:t>
+              <a:t>5/29/23</a:t>
             </a:fld>
             <a:endParaRPr lang="en-US"/>
           </a:p>
@@ -4780,7 +4780,7 @@
           <a:p>
             <a:r>
               <a:rPr lang="en-US"/>
-              <a:t>© 2018, FLL Tutorials, Last Edit 6/11/2018</a:t>
+              <a:t>© 2023, FLLTutorials.com, Last Edit 5/29/2023</a:t>
             </a:r>
           </a:p>
         </p:txBody>
@@ -5038,9 +5038,9 @@
           <a:bodyPr/>
           <a:lstStyle/>
           <a:p>
-            <a:fld id="{16944D5B-DCC4-4A4B-8B38-9C58552107EA}" type="datetime1">
+            <a:fld id="{8320FD61-8E45-A24C-B027-948DBCC4F323}" type="datetime1">
               <a:rPr lang="en-US" smtClean="0"/>
-              <a:t>6/11/18</a:t>
+              <a:t>5/29/23</a:t>
             </a:fld>
             <a:endParaRPr lang="en-US"/>
           </a:p>
@@ -5063,7 +5063,7 @@
           <a:p>
             <a:r>
               <a:rPr lang="en-US"/>
-              <a:t>© 2018, FLL Tutorials, Last Edit 6/11/2018</a:t>
+              <a:t>© 2023, FLLTutorials.com, Last Edit 5/29/2023</a:t>
             </a:r>
           </a:p>
         </p:txBody>
@@ -5305,9 +5305,9 @@
           <a:bodyPr/>
           <a:lstStyle/>
           <a:p>
-            <a:fld id="{9279BFF2-87BD-42F6-A481-3B3F2EDC089F}" type="datetime1">
+            <a:fld id="{61C85149-8FB3-5343-93DD-DC64843F2B91}" type="datetime1">
               <a:rPr lang="en-US" smtClean="0"/>
-              <a:t>6/11/18</a:t>
+              <a:t>5/29/23</a:t>
             </a:fld>
             <a:endParaRPr lang="en-US"/>
           </a:p>
@@ -5330,7 +5330,7 @@
           <a:p>
             <a:r>
               <a:rPr lang="en-US"/>
-              <a:t>© 2018, FLL Tutorials, Last Edit 6/11/2018</a:t>
+              <a:t>© 2023, FLLTutorials.com, Last Edit 5/29/2023</a:t>
             </a:r>
           </a:p>
         </p:txBody>
@@ -5494,9 +5494,9 @@
           <a:bodyPr/>
           <a:lstStyle/>
           <a:p>
-            <a:fld id="{CA853701-E264-4D58-A84E-DFA1D94188FF}" type="datetime1">
+            <a:fld id="{EDE24D0C-BAEB-1D41-A3C0-59CA3517456D}" type="datetime1">
               <a:rPr lang="en-US" smtClean="0"/>
-              <a:t>6/11/18</a:t>
+              <a:t>5/29/23</a:t>
             </a:fld>
             <a:endParaRPr lang="en-US"/>
           </a:p>
@@ -5519,7 +5519,7 @@
           <a:p>
             <a:r>
               <a:rPr lang="en-US"/>
-              <a:t>© 2018, FLL Tutorials, Last Edit 6/11/2018</a:t>
+              <a:t>© 2023, FLLTutorials.com, Last Edit 5/29/2023</a:t>
             </a:r>
           </a:p>
         </p:txBody>
@@ -5695,9 +5695,9 @@
           <a:bodyPr/>
           <a:lstStyle/>
           <a:p>
-            <a:fld id="{A4FF5105-BEF3-4EC0-9588-DCDA97EB251D}" type="datetime1">
+            <a:fld id="{55A98CB2-3880-C74D-8E2B-2D548514B063}" type="datetime1">
               <a:rPr lang="en-US" smtClean="0"/>
-              <a:t>6/11/18</a:t>
+              <a:t>5/29/23</a:t>
             </a:fld>
             <a:endParaRPr lang="en-US"/>
           </a:p>
@@ -5720,7 +5720,7 @@
           <a:p>
             <a:r>
               <a:rPr lang="en-US"/>
-              <a:t>© 2018, FLL Tutorials, Last Edit 6/11/2018</a:t>
+              <a:t>© 2023, FLLTutorials.com, Last Edit 5/29/2023</a:t>
             </a:r>
           </a:p>
         </p:txBody>
@@ -5866,9 +5866,9 @@
           <a:bodyPr/>
           <a:lstStyle/>
           <a:p>
-            <a:fld id="{2AD94645-B01E-4760-9BC7-409C9D939AB7}" type="datetime1">
+            <a:fld id="{87BD3C5C-3F9B-BD46-BB36-5C2D9206B325}" type="datetime1">
               <a:rPr lang="en-US" smtClean="0"/>
-              <a:t>6/11/18</a:t>
+              <a:t>5/29/23</a:t>
             </a:fld>
             <a:endParaRPr lang="en-US"/>
           </a:p>
@@ -5891,7 +5891,7 @@
           <a:p>
             <a:r>
               <a:rPr lang="en-US"/>
-              <a:t>© 2018, FLL Tutorials, Last Edit 6/11/2018</a:t>
+              <a:t>© 2023, FLLTutorials.com, Last Edit 5/29/2023</a:t>
             </a:r>
           </a:p>
         </p:txBody>
@@ -6114,9 +6114,9 @@
           <a:bodyPr/>
           <a:lstStyle/>
           <a:p>
-            <a:fld id="{D62D9F58-D3D5-43C3-B143-B3F6C00D77F6}" type="datetime1">
+            <a:fld id="{2514AF8A-775A-4F43-86BF-AC028916F417}" type="datetime1">
               <a:rPr lang="en-US" smtClean="0"/>
-              <a:t>6/11/18</a:t>
+              <a:t>5/29/23</a:t>
             </a:fld>
             <a:endParaRPr lang="en-US"/>
           </a:p>
@@ -6139,7 +6139,7 @@
           <a:p>
             <a:r>
               <a:rPr lang="en-US"/>
-              <a:t>© 2018, FLL Tutorials, Last Edit 6/11/2018</a:t>
+              <a:t>© 2023, FLLTutorials.com, Last Edit 5/29/2023</a:t>
             </a:r>
           </a:p>
         </p:txBody>
@@ -6346,9 +6346,9 @@
           <a:bodyPr/>
           <a:lstStyle/>
           <a:p>
-            <a:fld id="{D34F1EAE-A12A-428A-B721-F6F7E62C0883}" type="datetime1">
+            <a:fld id="{92D7CED4-76BE-A548-B8D7-0783B4D01056}" type="datetime1">
               <a:rPr lang="en-US" smtClean="0"/>
-              <a:t>6/11/18</a:t>
+              <a:t>5/29/23</a:t>
             </a:fld>
             <a:endParaRPr lang="en-US"/>
           </a:p>
@@ -6371,7 +6371,7 @@
           <a:p>
             <a:r>
               <a:rPr lang="en-US"/>
-              <a:t>© 2018, FLL Tutorials, Last Edit 6/11/2018</a:t>
+              <a:t>© 2023, FLLTutorials.com, Last Edit 5/29/2023</a:t>
             </a:r>
           </a:p>
         </p:txBody>
@@ -6713,9 +6713,9 @@
           <a:bodyPr/>
           <a:lstStyle/>
           <a:p>
-            <a:fld id="{30FF6F9A-AD6A-40F9-BC4E-55BF4FF6F81F}" type="datetime1">
+            <a:fld id="{1EE74AC4-BDC7-5247-AAD2-4B5897192483}" type="datetime1">
               <a:rPr lang="en-US" smtClean="0"/>
-              <a:t>6/11/18</a:t>
+              <a:t>5/29/23</a:t>
             </a:fld>
             <a:endParaRPr lang="en-US"/>
           </a:p>
@@ -6738,7 +6738,7 @@
           <a:p>
             <a:r>
               <a:rPr lang="en-US"/>
-              <a:t>© 2018, FLL Tutorials, Last Edit 6/11/2018</a:t>
+              <a:t>© 2023, FLLTutorials.com, Last Edit 5/29/2023</a:t>
             </a:r>
           </a:p>
         </p:txBody>
@@ -6833,9 +6833,9 @@
           <a:bodyPr/>
           <a:lstStyle/>
           <a:p>
-            <a:fld id="{D6C9312A-7067-48FC-9E62-A0AD72202C9F}" type="datetime1">
+            <a:fld id="{B3793D2F-95F1-E149-AF22-7FDA74BE9363}" type="datetime1">
               <a:rPr lang="en-US" smtClean="0"/>
-              <a:t>6/11/18</a:t>
+              <a:t>5/29/23</a:t>
             </a:fld>
             <a:endParaRPr lang="en-US"/>
           </a:p>
@@ -6858,7 +6858,7 @@
           <a:p>
             <a:r>
               <a:rPr lang="en-US"/>
-              <a:t>© 2018, FLL Tutorials, Last Edit 6/11/2018</a:t>
+              <a:t>© 2023, FLLTutorials.com, Last Edit 5/29/2023</a:t>
             </a:r>
           </a:p>
         </p:txBody>
@@ -6931,9 +6931,9 @@
           <a:bodyPr/>
           <a:lstStyle/>
           <a:p>
-            <a:fld id="{DB61B80C-1B8D-40F0-ACB2-3D510462C433}" type="datetime1">
+            <a:fld id="{625734C2-05BF-1447-996D-9E663B037C8A}" type="datetime1">
               <a:rPr lang="en-US" smtClean="0"/>
-              <a:t>6/11/18</a:t>
+              <a:t>5/29/23</a:t>
             </a:fld>
             <a:endParaRPr lang="en-US"/>
           </a:p>
@@ -6956,7 +6956,7 @@
           <a:p>
             <a:r>
               <a:rPr lang="en-US"/>
-              <a:t>© 2018, FLL Tutorials, Last Edit 6/11/2018</a:t>
+              <a:t>© 2023, FLLTutorials.com, Last Edit 5/29/2023</a:t>
             </a:r>
           </a:p>
         </p:txBody>
@@ -7188,9 +7188,9 @@
           <a:bodyPr/>
           <a:lstStyle/>
           <a:p>
-            <a:fld id="{7522DA44-0E25-47A8-9662-BEA11265C15A}" type="datetime1">
+            <a:fld id="{AFC2F998-1A0C-6343-B9A8-84BBD1A3DDEC}" type="datetime1">
               <a:rPr lang="en-US" smtClean="0"/>
-              <a:t>6/11/18</a:t>
+              <a:t>5/29/23</a:t>
             </a:fld>
             <a:endParaRPr lang="en-US"/>
           </a:p>
@@ -7236,7 +7236,7 @@
           <a:p>
             <a:r>
               <a:rPr lang="en-US"/>
-              <a:t>© 2018, FLL Tutorials, Last Edit 6/11/2018</a:t>
+              <a:t>© 2023, FLLTutorials.com, Last Edit 5/29/2023</a:t>
             </a:r>
           </a:p>
         </p:txBody>
@@ -7466,9 +7466,9 @@
           <a:bodyPr/>
           <a:lstStyle/>
           <a:p>
-            <a:fld id="{26EEFA9C-C2F1-41A1-91D8-940800D051D9}" type="datetime1">
+            <a:fld id="{A1A236A6-F29B-BA48-BD8B-148A2DD1DBF4}" type="datetime1">
               <a:rPr lang="en-US" smtClean="0"/>
-              <a:t>6/11/18</a:t>
+              <a:t>5/29/23</a:t>
             </a:fld>
             <a:endParaRPr lang="en-US"/>
           </a:p>
@@ -7491,7 +7491,7 @@
           <a:p>
             <a:r>
               <a:rPr lang="en-US"/>
-              <a:t>© 2018, FLL Tutorials, Last Edit 6/11/2018</a:t>
+              <a:t>© 2023, FLLTutorials.com, Last Edit 5/29/2023</a:t>
             </a:r>
           </a:p>
         </p:txBody>
@@ -7724,9 +7724,9 @@
           <a:bodyPr/>
           <a:lstStyle/>
           <a:p>
-            <a:fld id="{BB7FDF06-6448-4703-A3E8-22FD82BA54EF}" type="datetime1">
+            <a:fld id="{E6F820F2-E90B-9A47-B257-3BCAED4E0F6D}" type="datetime1">
               <a:rPr lang="en-US" smtClean="0"/>
-              <a:t>6/11/18</a:t>
+              <a:t>5/29/23</a:t>
             </a:fld>
             <a:endParaRPr lang="en-US"/>
           </a:p>
@@ -7749,7 +7749,7 @@
           <a:p>
             <a:r>
               <a:rPr lang="en-US"/>
-              <a:t>© 2018, FLL Tutorials, Last Edit 6/11/2018</a:t>
+              <a:t>© 2023, FLLTutorials.com, Last Edit 5/29/2023</a:t>
             </a:r>
           </a:p>
         </p:txBody>
@@ -7895,9 +7895,9 @@
           <a:bodyPr/>
           <a:lstStyle/>
           <a:p>
-            <a:fld id="{D1DE6C3B-5D04-4E28-9DAA-B09B65E687A8}" type="datetime1">
+            <a:fld id="{E28F7025-3F23-A646-9D53-0682BF15AEF1}" type="datetime1">
               <a:rPr lang="en-US" smtClean="0"/>
-              <a:t>6/11/18</a:t>
+              <a:t>5/29/23</a:t>
             </a:fld>
             <a:endParaRPr lang="en-US"/>
           </a:p>
@@ -7920,7 +7920,7 @@
           <a:p>
             <a:r>
               <a:rPr lang="en-US"/>
-              <a:t>© 2018, FLL Tutorials, Last Edit 6/11/2018</a:t>
+              <a:t>© 2023, FLLTutorials.com, Last Edit 5/29/2023</a:t>
             </a:r>
           </a:p>
         </p:txBody>
@@ -8076,9 +8076,9 @@
           <a:bodyPr/>
           <a:lstStyle/>
           <a:p>
-            <a:fld id="{15D73A6A-583F-4EA1-A6D6-0D3129C813C1}" type="datetime1">
+            <a:fld id="{761C3641-841B-6F4F-B1DB-A32471BDCB9F}" type="datetime1">
               <a:rPr lang="en-US" smtClean="0"/>
-              <a:t>6/11/18</a:t>
+              <a:t>5/29/23</a:t>
             </a:fld>
             <a:endParaRPr lang="en-US"/>
           </a:p>
@@ -8101,7 +8101,7 @@
           <a:p>
             <a:r>
               <a:rPr lang="en-US"/>
-              <a:t>© 2018, FLL Tutorials, Last Edit 6/11/2018</a:t>
+              <a:t>© 2023, FLLTutorials.com, Last Edit 5/29/2023</a:t>
             </a:r>
           </a:p>
         </p:txBody>
@@ -8333,9 +8333,9 @@
           <a:bodyPr/>
           <a:lstStyle/>
           <a:p>
-            <a:fld id="{52A065DF-400D-4786-B398-D2414DABF427}" type="datetime1">
+            <a:fld id="{90A64C05-BBF5-A348-AC73-0EB6BB268011}" type="datetime1">
               <a:rPr lang="en-US" smtClean="0"/>
-              <a:t>6/11/18</a:t>
+              <a:t>5/29/23</a:t>
             </a:fld>
             <a:endParaRPr lang="en-US"/>
           </a:p>
@@ -8358,7 +8358,7 @@
           <a:p>
             <a:r>
               <a:rPr lang="en-US"/>
-              <a:t>© 2018, FLL Tutorials, Last Edit 6/11/2018</a:t>
+              <a:t>© 2023, FLLTutorials.com, Last Edit 5/29/2023</a:t>
             </a:r>
           </a:p>
         </p:txBody>
@@ -9357,9 +9357,9 @@
           <a:bodyPr/>
           <a:lstStyle/>
           <a:p>
-            <a:fld id="{A32C2BD8-8B38-402E-A0C9-937D09FE7271}" type="datetime1">
+            <a:fld id="{A3996A6D-C499-FC4F-BA26-C105C5A0AC7C}" type="datetime1">
               <a:rPr lang="en-US" smtClean="0"/>
-              <a:t>6/11/18</a:t>
+              <a:t>5/29/23</a:t>
             </a:fld>
             <a:endParaRPr lang="en-US"/>
           </a:p>
@@ -9382,7 +9382,7 @@
           <a:p>
             <a:r>
               <a:rPr lang="en-US"/>
-              <a:t>© 2018, FLL Tutorials, Last Edit 6/11/2018</a:t>
+              <a:t>© 2023, FLLTutorials.com, Last Edit 5/29/2023</a:t>
             </a:r>
           </a:p>
         </p:txBody>
@@ -9619,9 +9619,9 @@
           <a:bodyPr/>
           <a:lstStyle/>
           <a:p>
-            <a:fld id="{9E532955-98D8-41E2-B6C5-3C3DFF1CB328}" type="datetime1">
+            <a:fld id="{D5CA9CAB-29D5-2E49-A462-64BB2D33B22E}" type="datetime1">
               <a:rPr lang="en-US" smtClean="0"/>
-              <a:t>6/11/18</a:t>
+              <a:t>5/29/23</a:t>
             </a:fld>
             <a:endParaRPr lang="en-US"/>
           </a:p>
@@ -9667,7 +9667,7 @@
           <a:p>
             <a:r>
               <a:rPr lang="en-US"/>
-              <a:t>© 2018, FLL Tutorials, Last Edit 6/11/2018</a:t>
+              <a:t>© 2023, FLLTutorials.com, Last Edit 5/29/2023</a:t>
             </a:r>
           </a:p>
         </p:txBody>
@@ -9914,9 +9914,9 @@
           <a:bodyPr/>
           <a:lstStyle/>
           <a:p>
-            <a:fld id="{80C8E23A-0815-4CAE-A2F1-3D508DA9D03F}" type="datetime1">
+            <a:fld id="{D3E462F7-E5FA-8D47-A330-F9150920D203}" type="datetime1">
               <a:rPr lang="en-US" smtClean="0"/>
-              <a:t>6/11/18</a:t>
+              <a:t>5/29/23</a:t>
             </a:fld>
             <a:endParaRPr lang="en-US"/>
           </a:p>
@@ -9939,7 +9939,7 @@
           <a:p>
             <a:r>
               <a:rPr lang="en-US"/>
-              <a:t>© 2018, FLL Tutorials, Last Edit 6/11/2018</a:t>
+              <a:t>© 2023, FLLTutorials.com, Last Edit 5/29/2023</a:t>
             </a:r>
           </a:p>
         </p:txBody>
@@ -10360,9 +10360,9 @@
           <a:bodyPr/>
           <a:lstStyle/>
           <a:p>
-            <a:fld id="{9D40EF57-3A56-4825-A4B5-4CFCC3339B56}" type="datetime1">
+            <a:fld id="{89D85840-1C14-3D4D-BCB3-3A902C37EF49}" type="datetime1">
               <a:rPr lang="en-US" smtClean="0"/>
-              <a:t>6/11/18</a:t>
+              <a:t>5/29/23</a:t>
             </a:fld>
             <a:endParaRPr lang="en-US"/>
           </a:p>
@@ -10385,7 +10385,7 @@
           <a:p>
             <a:r>
               <a:rPr lang="en-US"/>
-              <a:t>© 2018, FLL Tutorials, Last Edit 6/11/2018</a:t>
+              <a:t>© 2023, FLLTutorials.com, Last Edit 5/29/2023</a:t>
             </a:r>
           </a:p>
         </p:txBody>
@@ -10480,9 +10480,9 @@
           <a:bodyPr/>
           <a:lstStyle/>
           <a:p>
-            <a:fld id="{30107764-E05B-4E1D-BFB0-70D0678DD171}" type="datetime1">
+            <a:fld id="{5052E6F2-3372-4D4B-9DCE-087251BF1E2B}" type="datetime1">
               <a:rPr lang="en-US" smtClean="0"/>
-              <a:t>6/11/18</a:t>
+              <a:t>5/29/23</a:t>
             </a:fld>
             <a:endParaRPr lang="en-US"/>
           </a:p>
@@ -10505,7 +10505,7 @@
           <a:p>
             <a:r>
               <a:rPr lang="en-US"/>
-              <a:t>© 2018, FLL Tutorials, Last Edit 6/11/2018</a:t>
+              <a:t>© 2023, FLLTutorials.com, Last Edit 5/29/2023</a:t>
             </a:r>
           </a:p>
         </p:txBody>
@@ -10774,9 +10774,9 @@
           <a:bodyPr/>
           <a:lstStyle/>
           <a:p>
-            <a:fld id="{0C2F84C3-D4B2-4D52-86CA-A583432BA632}" type="datetime1">
+            <a:fld id="{C55EF73D-AA12-7A4E-8CF2-EE6625F0A14B}" type="datetime1">
               <a:rPr lang="en-US" smtClean="0"/>
-              <a:t>6/11/18</a:t>
+              <a:t>5/29/23</a:t>
             </a:fld>
             <a:endParaRPr lang="en-US"/>
           </a:p>
@@ -10799,7 +10799,7 @@
           <a:p>
             <a:r>
               <a:rPr lang="en-US"/>
-              <a:t>© 2018, FLL Tutorials, Last Edit 6/11/2018</a:t>
+              <a:t>© 2023, FLLTutorials.com, Last Edit 5/29/2023</a:t>
             </a:r>
           </a:p>
         </p:txBody>
@@ -10872,9 +10872,9 @@
           <a:bodyPr/>
           <a:lstStyle/>
           <a:p>
-            <a:fld id="{95A983C3-32C9-4C17-845E-80D1150DA2FB}" type="datetime1">
+            <a:fld id="{B3A2F629-CCF9-074A-B8B3-99387BD7496E}" type="datetime1">
               <a:rPr lang="en-US" smtClean="0"/>
-              <a:t>6/11/18</a:t>
+              <a:t>5/29/23</a:t>
             </a:fld>
             <a:endParaRPr lang="en-US"/>
           </a:p>
@@ -10897,7 +10897,7 @@
           <a:p>
             <a:r>
               <a:rPr lang="en-US"/>
-              <a:t>© 2018, FLL Tutorials, Last Edit 6/11/2018</a:t>
+              <a:t>© 2023, FLLTutorials.com, Last Edit 5/29/2023</a:t>
             </a:r>
           </a:p>
         </p:txBody>
@@ -11122,9 +11122,9 @@
           <a:bodyPr/>
           <a:lstStyle/>
           <a:p>
-            <a:fld id="{F85B5E6B-90F7-4665-8E48-3670BEEE0604}" type="datetime1">
+            <a:fld id="{2E839A05-1ADA-C44F-90EF-36F95DBED3C1}" type="datetime1">
               <a:rPr lang="en-US" smtClean="0"/>
-              <a:t>6/11/18</a:t>
+              <a:t>5/29/23</a:t>
             </a:fld>
             <a:endParaRPr lang="en-US"/>
           </a:p>
@@ -11147,7 +11147,7 @@
           <a:p>
             <a:r>
               <a:rPr lang="en-US"/>
-              <a:t>© 2018, FLL Tutorials, Last Edit 6/11/2018</a:t>
+              <a:t>© 2023, FLLTutorials.com, Last Edit 5/29/2023</a:t>
             </a:r>
           </a:p>
         </p:txBody>
@@ -11422,9 +11422,9 @@
           <a:bodyPr/>
           <a:lstStyle/>
           <a:p>
-            <a:fld id="{9B830DBF-2BC9-425D-9F4C-86CED9105534}" type="datetime1">
+            <a:fld id="{31BF0A73-1140-D745-9324-165D3727F6E0}" type="datetime1">
               <a:rPr lang="en-US" smtClean="0"/>
-              <a:t>6/11/18</a:t>
+              <a:t>5/29/23</a:t>
             </a:fld>
             <a:endParaRPr lang="en-US"/>
           </a:p>
@@ -11447,7 +11447,7 @@
           <a:p>
             <a:r>
               <a:rPr lang="en-US"/>
-              <a:t>© 2018, FLL Tutorials, Last Edit 6/11/2018</a:t>
+              <a:t>© 2023, FLLTutorials.com, Last Edit 5/29/2023</a:t>
             </a:r>
           </a:p>
         </p:txBody>
@@ -11681,9 +11681,9 @@
           <a:bodyPr/>
           <a:lstStyle/>
           <a:p>
-            <a:fld id="{36919D62-EE52-4308-8614-55E24F448CCA}" type="datetime1">
+            <a:fld id="{976DA70F-CAA7-A348-A62C-1DCCE601A06E}" type="datetime1">
               <a:rPr lang="en-US" smtClean="0"/>
-              <a:t>6/11/18</a:t>
+              <a:t>5/29/23</a:t>
             </a:fld>
             <a:endParaRPr lang="en-US"/>
           </a:p>
@@ -11706,7 +11706,7 @@
           <a:p>
             <a:r>
               <a:rPr lang="en-US"/>
-              <a:t>© 2018, FLL Tutorials, Last Edit 6/11/2018</a:t>
+              <a:t>© 2023, FLLTutorials.com, Last Edit 5/29/2023</a:t>
             </a:r>
           </a:p>
         </p:txBody>
@@ -11862,9 +11862,9 @@
           <a:bodyPr/>
           <a:lstStyle/>
           <a:p>
-            <a:fld id="{07AD0AEC-8302-456B-AE55-A88F3870DBD2}" type="datetime1">
+            <a:fld id="{A482B1C2-3BF7-AA40-9BEF-37456F513E69}" type="datetime1">
               <a:rPr lang="en-US" smtClean="0"/>
-              <a:t>6/11/18</a:t>
+              <a:t>5/29/23</a:t>
             </a:fld>
             <a:endParaRPr lang="en-US"/>
           </a:p>
@@ -11887,7 +11887,7 @@
           <a:p>
             <a:r>
               <a:rPr lang="en-US"/>
-              <a:t>© 2018, FLL Tutorials, Last Edit 6/11/2018</a:t>
+              <a:t>© 2023, FLLTutorials.com, Last Edit 5/29/2023</a:t>
             </a:r>
           </a:p>
         </p:txBody>
@@ -12078,9 +12078,9 @@
           <a:bodyPr/>
           <a:lstStyle/>
           <a:p>
-            <a:fld id="{3EC37A84-DEB3-48F7-84DA-0C986CA049BE}" type="datetime1">
+            <a:fld id="{534D9563-ED6F-8548-9B7F-21874F160D43}" type="datetime1">
               <a:rPr lang="en-US" smtClean="0"/>
-              <a:t>6/11/18</a:t>
+              <a:t>5/29/23</a:t>
             </a:fld>
             <a:endParaRPr lang="en-US"/>
           </a:p>
@@ -12108,7 +12108,7 @@
           <a:p>
             <a:r>
               <a:rPr lang="en-US"/>
-              <a:t>© 2018, FLL Tutorials, Last Edit 6/11/2018</a:t>
+              <a:t>© 2023, FLLTutorials.com, Last Edit 5/29/2023</a:t>
             </a:r>
           </a:p>
         </p:txBody>
@@ -13334,9 +13334,9 @@
           <a:bodyPr/>
           <a:lstStyle/>
           <a:p>
-            <a:fld id="{4BA13155-0401-4D8E-A80D-2BC638A00C15}" type="datetime1">
+            <a:fld id="{F390F1BF-641C-A349-90F7-C6FE53ABBEE2}" type="datetime1">
               <a:rPr lang="en-US" smtClean="0"/>
-              <a:t>6/11/18</a:t>
+              <a:t>5/29/23</a:t>
             </a:fld>
             <a:endParaRPr lang="en-US"/>
           </a:p>
@@ -13359,7 +13359,7 @@
           <a:p>
             <a:r>
               <a:rPr lang="en-US"/>
-              <a:t>© 2018, FLL Tutorials, Last Edit 6/11/2018</a:t>
+              <a:t>© 2023, FLLTutorials.com, Last Edit 5/29/2023</a:t>
             </a:r>
           </a:p>
         </p:txBody>
@@ -13599,9 +13599,9 @@
           <a:bodyPr/>
           <a:lstStyle/>
           <a:p>
-            <a:fld id="{2E0831E2-E710-43D9-9191-BA0AECABF2CA}" type="datetime1">
+            <a:fld id="{5B42D4E0-DDA8-A344-9045-3E9A3EFFE9CB}" type="datetime1">
               <a:rPr lang="en-US" smtClean="0"/>
-              <a:t>6/11/18</a:t>
+              <a:t>5/29/23</a:t>
             </a:fld>
             <a:endParaRPr lang="en-US"/>
           </a:p>
@@ -13655,7 +13655,7 @@
           <a:p>
             <a:r>
               <a:rPr lang="en-US"/>
-              <a:t>© 2018, FLL Tutorials, Last Edit 6/11/2018</a:t>
+              <a:t>© 2023, FLLTutorials.com, Last Edit 5/29/2023</a:t>
             </a:r>
           </a:p>
         </p:txBody>
@@ -13902,9 +13902,9 @@
           <a:bodyPr/>
           <a:lstStyle/>
           <a:p>
-            <a:fld id="{DEA9ADC5-543E-4ABE-B1D9-B7A291052C77}" type="datetime1">
+            <a:fld id="{B6E7D61B-22ED-DD4A-BD09-14F8D2FEBA5E}" type="datetime1">
               <a:rPr lang="en-US" smtClean="0"/>
-              <a:t>6/11/18</a:t>
+              <a:t>5/29/23</a:t>
             </a:fld>
             <a:endParaRPr lang="en-US"/>
           </a:p>
@@ -13927,7 +13927,7 @@
           <a:p>
             <a:r>
               <a:rPr lang="en-US"/>
-              <a:t>© 2018, FLL Tutorials, Last Edit 6/11/2018</a:t>
+              <a:t>© 2023, FLLTutorials.com, Last Edit 5/29/2023</a:t>
             </a:r>
           </a:p>
         </p:txBody>
@@ -14356,9 +14356,9 @@
           <a:bodyPr/>
           <a:lstStyle/>
           <a:p>
-            <a:fld id="{51DBE25E-14F9-4E67-BDCB-5E603FE4D0E5}" type="datetime1">
+            <a:fld id="{AF084E02-597E-1F41-A738-197D6D86EC51}" type="datetime1">
               <a:rPr lang="en-US" smtClean="0"/>
-              <a:t>6/11/18</a:t>
+              <a:t>5/29/23</a:t>
             </a:fld>
             <a:endParaRPr lang="en-US"/>
           </a:p>
@@ -14381,7 +14381,7 @@
           <a:p>
             <a:r>
               <a:rPr lang="en-US"/>
-              <a:t>© 2018, FLL Tutorials, Last Edit 6/11/2018</a:t>
+              <a:t>© 2023, FLLTutorials.com, Last Edit 5/29/2023</a:t>
             </a:r>
           </a:p>
         </p:txBody>
@@ -14810,9 +14810,9 @@
           <a:bodyPr/>
           <a:lstStyle/>
           <a:p>
-            <a:fld id="{4B71DA78-45E8-453A-8F81-407AC9091A8C}" type="datetime1">
+            <a:fld id="{03224779-3C12-524E-85A9-52FE1A10A8FE}" type="datetime1">
               <a:rPr lang="en-US" smtClean="0"/>
-              <a:t>6/11/18</a:t>
+              <a:t>5/29/23</a:t>
             </a:fld>
             <a:endParaRPr lang="en-US"/>
           </a:p>
@@ -14835,7 +14835,7 @@
           <a:p>
             <a:r>
               <a:rPr lang="en-US"/>
-              <a:t>© 2018, FLL Tutorials, Last Edit 6/11/2018</a:t>
+              <a:t>© 2023, FLLTutorials.com, Last Edit 5/29/2023</a:t>
             </a:r>
           </a:p>
         </p:txBody>
@@ -14930,9 +14930,9 @@
           <a:bodyPr/>
           <a:lstStyle/>
           <a:p>
-            <a:fld id="{C9C5C0CB-6FC3-4067-B47E-6F85D2AE89DE}" type="datetime1">
+            <a:fld id="{44E7280C-4911-944F-869D-087A5E1D2BF4}" type="datetime1">
               <a:rPr lang="en-US" smtClean="0"/>
-              <a:t>6/11/18</a:t>
+              <a:t>5/29/23</a:t>
             </a:fld>
             <a:endParaRPr lang="en-US"/>
           </a:p>
@@ -14955,7 +14955,7 @@
           <a:p>
             <a:r>
               <a:rPr lang="en-US"/>
-              <a:t>© 2018, FLL Tutorials, Last Edit 6/11/2018</a:t>
+              <a:t>© 2023, FLLTutorials.com, Last Edit 5/29/2023</a:t>
             </a:r>
           </a:p>
         </p:txBody>
@@ -15036,9 +15036,9 @@
           <a:bodyPr/>
           <a:lstStyle/>
           <a:p>
-            <a:fld id="{080869B4-F550-4C1E-90D4-E7F1A5BE39F5}" type="datetime1">
+            <a:fld id="{1FC91850-B2ED-DB46-AA6E-1DB3230CFE8A}" type="datetime1">
               <a:rPr lang="en-US" smtClean="0"/>
-              <a:t>6/11/18</a:t>
+              <a:t>5/29/23</a:t>
             </a:fld>
             <a:endParaRPr lang="en-US"/>
           </a:p>
@@ -15061,7 +15061,7 @@
           <a:p>
             <a:r>
               <a:rPr lang="en-US"/>
-              <a:t>© 2018, FLL Tutorials, Last Edit 6/11/2018</a:t>
+              <a:t>© 2023, FLLTutorials.com, Last Edit 5/29/2023</a:t>
             </a:r>
           </a:p>
         </p:txBody>
@@ -15294,9 +15294,9 @@
           <a:bodyPr/>
           <a:lstStyle/>
           <a:p>
-            <a:fld id="{D6AB0868-D964-4C94-82A8-AF63CD5818BC}" type="datetime1">
+            <a:fld id="{BBE57D4D-499C-D940-81FD-7D16FE19B12D}" type="datetime1">
               <a:rPr lang="en-US" smtClean="0"/>
-              <a:t>6/11/18</a:t>
+              <a:t>5/29/23</a:t>
             </a:fld>
             <a:endParaRPr lang="en-US"/>
           </a:p>
@@ -15319,7 +15319,7 @@
           <a:p>
             <a:r>
               <a:rPr lang="en-US"/>
-              <a:t>© 2018, FLL Tutorials, Last Edit 6/11/2018</a:t>
+              <a:t>© 2023, FLLTutorials.com, Last Edit 5/29/2023</a:t>
             </a:r>
           </a:p>
         </p:txBody>
@@ -15602,9 +15602,9 @@
           <a:bodyPr/>
           <a:lstStyle/>
           <a:p>
-            <a:fld id="{BCAA5ADF-E5ED-43C1-9768-0B5DB8BF6D46}" type="datetime1">
+            <a:fld id="{6ABC2F56-7A41-224E-8E89-E32C53B9FA4B}" type="datetime1">
               <a:rPr lang="en-US" smtClean="0"/>
-              <a:t>6/11/18</a:t>
+              <a:t>5/29/23</a:t>
             </a:fld>
             <a:endParaRPr lang="en-US"/>
           </a:p>
@@ -15627,7 +15627,7 @@
           <a:p>
             <a:r>
               <a:rPr lang="en-US"/>
-              <a:t>© 2018, FLL Tutorials, Last Edit 6/11/2018</a:t>
+              <a:t>© 2023, FLLTutorials.com, Last Edit 5/29/2023</a:t>
             </a:r>
           </a:p>
         </p:txBody>
@@ -15869,9 +15869,9 @@
           <a:bodyPr/>
           <a:lstStyle/>
           <a:p>
-            <a:fld id="{4DED7985-9FC0-4A2B-9806-911789A2287B}" type="datetime1">
+            <a:fld id="{15DE584B-D7FC-B341-9BC6-55823557DE01}" type="datetime1">
               <a:rPr lang="en-US" smtClean="0"/>
-              <a:t>6/11/18</a:t>
+              <a:t>5/29/23</a:t>
             </a:fld>
             <a:endParaRPr lang="en-US"/>
           </a:p>
@@ -15894,7 +15894,7 @@
           <a:p>
             <a:r>
               <a:rPr lang="en-US"/>
-              <a:t>© 2018, FLL Tutorials, Last Edit 6/11/2018</a:t>
+              <a:t>© 2023, FLLTutorials.com, Last Edit 5/29/2023</a:t>
             </a:r>
           </a:p>
         </p:txBody>
@@ -16058,9 +16058,9 @@
           <a:bodyPr/>
           <a:lstStyle/>
           <a:p>
-            <a:fld id="{A76FDAD4-3C61-4DB1-814F-6D54BF333131}" type="datetime1">
+            <a:fld id="{676D0DD0-420A-294F-8BB3-911A16D42DF3}" type="datetime1">
               <a:rPr lang="en-US" smtClean="0"/>
-              <a:t>6/11/18</a:t>
+              <a:t>5/29/23</a:t>
             </a:fld>
             <a:endParaRPr lang="en-US"/>
           </a:p>
@@ -16083,7 +16083,7 @@
           <a:p>
             <a:r>
               <a:rPr lang="en-US"/>
-              <a:t>© 2018, FLL Tutorials, Last Edit 6/11/2018</a:t>
+              <a:t>© 2023, FLLTutorials.com, Last Edit 5/29/2023</a:t>
             </a:r>
           </a:p>
         </p:txBody>
@@ -16259,9 +16259,9 @@
           <a:bodyPr/>
           <a:lstStyle/>
           <a:p>
-            <a:fld id="{C31BC068-87BD-406F-88E5-77BE914BECA8}" type="datetime1">
+            <a:fld id="{A70FE400-99B8-734B-B984-78A10B305A0F}" type="datetime1">
               <a:rPr lang="en-US" smtClean="0"/>
-              <a:t>6/11/18</a:t>
+              <a:t>5/29/23</a:t>
             </a:fld>
             <a:endParaRPr lang="en-US"/>
           </a:p>
@@ -16284,7 +16284,7 @@
           <a:p>
             <a:r>
               <a:rPr lang="en-US"/>
-              <a:t>© 2018, FLL Tutorials, Last Edit 6/11/2018</a:t>
+              <a:t>© 2023, FLLTutorials.com, Last Edit 5/29/2023</a:t>
             </a:r>
           </a:p>
         </p:txBody>
@@ -16430,9 +16430,9 @@
           <a:bodyPr/>
           <a:lstStyle/>
           <a:p>
-            <a:fld id="{41151A02-28C1-4062-8854-57CB2E6E5566}" type="datetime1">
+            <a:fld id="{CE403555-20C4-0647-8123-187C2AA8A9E7}" type="datetime1">
               <a:rPr lang="en-US" smtClean="0"/>
-              <a:t>6/11/18</a:t>
+              <a:t>5/29/23</a:t>
             </a:fld>
             <a:endParaRPr lang="en-US"/>
           </a:p>
@@ -16455,7 +16455,7 @@
           <a:p>
             <a:r>
               <a:rPr lang="en-US"/>
-              <a:t>© 2018, FLL Tutorials, Last Edit 6/11/2018</a:t>
+              <a:t>© 2023, FLLTutorials.com, Last Edit 5/29/2023</a:t>
             </a:r>
           </a:p>
         </p:txBody>
@@ -16678,9 +16678,9 @@
           <a:bodyPr/>
           <a:lstStyle/>
           <a:p>
-            <a:fld id="{20481B63-943C-4B17-BC03-8583CE948239}" type="datetime1">
+            <a:fld id="{091D3185-5FAE-4749-8CB9-0A52E902E478}" type="datetime1">
               <a:rPr lang="en-US" smtClean="0"/>
-              <a:t>6/11/18</a:t>
+              <a:t>5/29/23</a:t>
             </a:fld>
             <a:endParaRPr lang="en-US"/>
           </a:p>
@@ -16703,7 +16703,7 @@
           <a:p>
             <a:r>
               <a:rPr lang="en-US"/>
-              <a:t>© 2018, FLL Tutorials, Last Edit 6/11/2018</a:t>
+              <a:t>© 2023, FLLTutorials.com, Last Edit 5/29/2023</a:t>
             </a:r>
           </a:p>
         </p:txBody>
@@ -16910,9 +16910,9 @@
           <a:bodyPr/>
           <a:lstStyle/>
           <a:p>
-            <a:fld id="{3001E44F-71E0-480A-AF3B-BC8B85FB9996}" type="datetime1">
+            <a:fld id="{458E04F9-3050-E04F-90A2-117A7C5715F9}" type="datetime1">
               <a:rPr lang="en-US" smtClean="0"/>
-              <a:t>6/11/18</a:t>
+              <a:t>5/29/23</a:t>
             </a:fld>
             <a:endParaRPr lang="en-US"/>
           </a:p>
@@ -16935,7 +16935,7 @@
           <a:p>
             <a:r>
               <a:rPr lang="en-US"/>
-              <a:t>© 2018, FLL Tutorials, Last Edit 6/11/2018</a:t>
+              <a:t>© 2023, FLLTutorials.com, Last Edit 5/29/2023</a:t>
             </a:r>
           </a:p>
         </p:txBody>
@@ -17030,9 +17030,9 @@
           <a:bodyPr/>
           <a:lstStyle/>
           <a:p>
-            <a:fld id="{0B28274F-0EE8-4E6B-8945-EAD310FA67C1}" type="datetime1">
+            <a:fld id="{8F7E50DC-E298-914E-BE4E-ACD8967C5025}" type="datetime1">
               <a:rPr lang="en-US" smtClean="0"/>
-              <a:t>6/11/18</a:t>
+              <a:t>5/29/23</a:t>
             </a:fld>
             <a:endParaRPr lang="en-US"/>
           </a:p>
@@ -17055,7 +17055,7 @@
           <a:p>
             <a:r>
               <a:rPr lang="en-US"/>
-              <a:t>© 2018, FLL Tutorials, Last Edit 6/11/2018</a:t>
+              <a:t>© 2023, FLLTutorials.com, Last Edit 5/29/2023</a:t>
             </a:r>
           </a:p>
         </p:txBody>
@@ -17397,9 +17397,9 @@
           <a:bodyPr/>
           <a:lstStyle/>
           <a:p>
-            <a:fld id="{3626FAF3-102B-44C5-804D-CAE63DD79946}" type="datetime1">
+            <a:fld id="{B4871272-03FD-D542-82BF-FB8CBF80281A}" type="datetime1">
               <a:rPr lang="en-US" smtClean="0"/>
-              <a:t>6/11/18</a:t>
+              <a:t>5/29/23</a:t>
             </a:fld>
             <a:endParaRPr lang="en-US"/>
           </a:p>
@@ -17422,7 +17422,7 @@
           <a:p>
             <a:r>
               <a:rPr lang="en-US"/>
-              <a:t>© 2018, FLL Tutorials, Last Edit 6/11/2018</a:t>
+              <a:t>© 2023, FLLTutorials.com, Last Edit 5/29/2023</a:t>
             </a:r>
           </a:p>
         </p:txBody>
@@ -17517,9 +17517,9 @@
           <a:bodyPr/>
           <a:lstStyle/>
           <a:p>
-            <a:fld id="{172857A0-9D31-4012-876E-9354E8BD5BF6}" type="datetime1">
+            <a:fld id="{0CB87CC1-ED0A-A54A-85E2-711050BFB97F}" type="datetime1">
               <a:rPr lang="en-US" smtClean="0"/>
-              <a:t>6/11/18</a:t>
+              <a:t>5/29/23</a:t>
             </a:fld>
             <a:endParaRPr lang="en-US"/>
           </a:p>
@@ -17542,7 +17542,7 @@
           <a:p>
             <a:r>
               <a:rPr lang="en-US"/>
-              <a:t>© 2018, FLL Tutorials, Last Edit 6/11/2018</a:t>
+              <a:t>© 2023, FLLTutorials.com, Last Edit 5/29/2023</a:t>
             </a:r>
           </a:p>
         </p:txBody>
@@ -17615,9 +17615,9 @@
           <a:bodyPr/>
           <a:lstStyle/>
           <a:p>
-            <a:fld id="{9434379A-E7D2-41C0-B190-BD36E71ECA93}" type="datetime1">
+            <a:fld id="{37DFEF69-7920-6947-8E55-F8E872E66A70}" type="datetime1">
               <a:rPr lang="en-US" smtClean="0"/>
-              <a:t>6/11/18</a:t>
+              <a:t>5/29/23</a:t>
             </a:fld>
             <a:endParaRPr lang="en-US"/>
           </a:p>
@@ -17640,7 +17640,7 @@
           <a:p>
             <a:r>
               <a:rPr lang="en-US"/>
-              <a:t>© 2018, FLL Tutorials, Last Edit 6/11/2018</a:t>
+              <a:t>© 2023, FLLTutorials.com, Last Edit 5/29/2023</a:t>
             </a:r>
           </a:p>
         </p:txBody>
@@ -17893,9 +17893,9 @@
           <a:bodyPr/>
           <a:lstStyle/>
           <a:p>
-            <a:fld id="{2FC3B9A7-102B-41FE-A832-B47A76CC7FB5}" type="datetime1">
+            <a:fld id="{8686E4A1-CF3B-D14C-A019-DB1C1636C223}" type="datetime1">
               <a:rPr lang="en-US" smtClean="0"/>
-              <a:t>6/11/18</a:t>
+              <a:t>5/29/23</a:t>
             </a:fld>
             <a:endParaRPr lang="en-US"/>
           </a:p>
@@ -17918,7 +17918,7 @@
           <a:p>
             <a:r>
               <a:rPr lang="en-US"/>
-              <a:t>© 2018, FLL Tutorials, Last Edit 6/11/2018</a:t>
+              <a:t>© 2023, FLLTutorials.com, Last Edit 5/29/2023</a:t>
             </a:r>
           </a:p>
         </p:txBody>
@@ -18151,9 +18151,9 @@
           <a:bodyPr/>
           <a:lstStyle/>
           <a:p>
-            <a:fld id="{076D8AA1-53A7-4C66-A53F-2750FB6975E5}" type="datetime1">
+            <a:fld id="{B7BF3324-59D3-5D44-9ED8-D74FCDD1DD19}" type="datetime1">
               <a:rPr lang="en-US" smtClean="0"/>
-              <a:t>6/11/18</a:t>
+              <a:t>5/29/23</a:t>
             </a:fld>
             <a:endParaRPr lang="en-US"/>
           </a:p>
@@ -18176,7 +18176,7 @@
           <a:p>
             <a:r>
               <a:rPr lang="en-US"/>
-              <a:t>© 2018, FLL Tutorials, Last Edit 6/11/2018</a:t>
+              <a:t>© 2023, FLLTutorials.com, Last Edit 5/29/2023</a:t>
             </a:r>
           </a:p>
         </p:txBody>
@@ -18322,9 +18322,9 @@
           <a:bodyPr/>
           <a:lstStyle/>
           <a:p>
-            <a:fld id="{091AD8E3-0870-4197-A1E8-06A9E5ADE806}" type="datetime1">
+            <a:fld id="{572D67B3-AA38-1940-AC17-FA65B1EF5D38}" type="datetime1">
               <a:rPr lang="en-US" smtClean="0"/>
-              <a:t>6/11/18</a:t>
+              <a:t>5/29/23</a:t>
             </a:fld>
             <a:endParaRPr lang="en-US"/>
           </a:p>
@@ -18347,7 +18347,7 @@
           <a:p>
             <a:r>
               <a:rPr lang="en-US"/>
-              <a:t>© 2018, FLL Tutorials, Last Edit 6/11/2018</a:t>
+              <a:t>© 2023, FLLTutorials.com, Last Edit 5/29/2023</a:t>
             </a:r>
           </a:p>
         </p:txBody>
@@ -18503,9 +18503,9 @@
           <a:bodyPr/>
           <a:lstStyle/>
           <a:p>
-            <a:fld id="{3413E053-BF75-4782-9E99-1F0A36E66181}" type="datetime1">
+            <a:fld id="{F386085A-A101-B84E-917A-FC8B413970CB}" type="datetime1">
               <a:rPr lang="en-US" smtClean="0"/>
-              <a:t>6/11/18</a:t>
+              <a:t>5/29/23</a:t>
             </a:fld>
             <a:endParaRPr lang="en-US"/>
           </a:p>
@@ -18528,7 +18528,7 @@
           <a:p>
             <a:r>
               <a:rPr lang="en-US"/>
-              <a:t>© 2018, FLL Tutorials, Last Edit 6/11/2018</a:t>
+              <a:t>© 2023, FLLTutorials.com, Last Edit 5/29/2023</a:t>
             </a:r>
           </a:p>
         </p:txBody>
@@ -18820,9 +18820,9 @@
             </a:lvl1pPr>
           </a:lstStyle>
           <a:p>
-            <a:fld id="{42ED7603-56D4-4CC1-AC6F-1398B1472455}" type="datetime1">
+            <a:fld id="{18BDB5D8-6C39-3D45-9B81-FD8245920E4D}" type="datetime1">
               <a:rPr lang="en-US" smtClean="0"/>
-              <a:t>6/11/18</a:t>
+              <a:t>5/29/23</a:t>
             </a:fld>
             <a:endParaRPr lang="en-US"/>
           </a:p>
@@ -18864,7 +18864,7 @@
           <a:p>
             <a:r>
               <a:rPr lang="en-US"/>
-              <a:t>© 2018, FLL Tutorials, Last Edit 6/11/2018</a:t>
+              <a:t>© 2023, FLLTutorials.com, Last Edit 5/29/2023</a:t>
             </a:r>
           </a:p>
         </p:txBody>
@@ -19153,9 +19153,9 @@
             </a:lvl1pPr>
           </a:lstStyle>
           <a:p>
-            <a:fld id="{97BDCD33-FCAA-41D2-8DDA-AAF09E680406}" type="datetime1">
+            <a:fld id="{881C3F1B-7E66-C749-B43C-F30C67EC1680}" type="datetime1">
               <a:rPr lang="en-US" smtClean="0"/>
-              <a:t>6/11/18</a:t>
+              <a:t>5/29/23</a:t>
             </a:fld>
             <a:endParaRPr lang="en-US"/>
           </a:p>
@@ -19200,7 +19200,7 @@
           <a:p>
             <a:r>
               <a:rPr lang="en-US"/>
-              <a:t>© 2018, FLL Tutorials, Last Edit 6/11/2018</a:t>
+              <a:t>© 2023, FLLTutorials.com, Last Edit 5/29/2023</a:t>
             </a:r>
           </a:p>
         </p:txBody>
@@ -19607,7 +19607,7 @@
             <a:fld id="{B61BEF0D-F0BB-DE4B-95CE-6DB70DBA9567}" type="datetimeFigureOut">
               <a:rPr lang="en-US" smtClean="0"/>
               <a:pPr/>
-              <a:t>6/11/18</a:t>
+              <a:t>5/29/23</a:t>
             </a:fld>
             <a:endParaRPr lang="en-US" dirty="0"/>
           </a:p>
@@ -19923,9 +19923,9 @@
           <a:bodyPr/>
           <a:lstStyle/>
           <a:p>
-            <a:fld id="{163191FC-1424-461F-8E4B-1CAF0FD50D5E}" type="datetime1">
+            <a:fld id="{3BD3B498-1E97-4B4A-9654-DAE74BD9A0A3}" type="datetime1">
               <a:rPr lang="en-US" smtClean="0"/>
-              <a:t>6/11/18</a:t>
+              <a:t>5/29/23</a:t>
             </a:fld>
             <a:endParaRPr lang="en-US"/>
           </a:p>
@@ -19948,7 +19948,7 @@
           <a:p>
             <a:r>
               <a:rPr lang="en-US"/>
-              <a:t>© 2018, FLL Tutorials, Last Edit 6/11/2018</a:t>
+              <a:t>© 2023, FLLTutorials.com, Last Edit 5/29/2023</a:t>
             </a:r>
           </a:p>
         </p:txBody>
@@ -20209,9 +20209,9 @@
           <a:bodyPr/>
           <a:lstStyle/>
           <a:p>
-            <a:fld id="{19BE8F95-53C4-4F59-B2BD-8F9DD92E7822}" type="datetime1">
+            <a:fld id="{3D026B8F-E17D-F241-9B59-24A99A70CBDE}" type="datetime1">
               <a:rPr lang="en-US" smtClean="0"/>
-              <a:t>6/11/18</a:t>
+              <a:t>5/29/23</a:t>
             </a:fld>
             <a:endParaRPr lang="en-US"/>
           </a:p>
@@ -20242,7 +20242,7 @@
           <a:p>
             <a:r>
               <a:rPr lang="en-US"/>
-              <a:t>© 2018, FLL Tutorials, Last Edit 6/11/2018</a:t>
+              <a:t>© 2023, FLLTutorials.com, Last Edit 5/29/2023</a:t>
             </a:r>
           </a:p>
         </p:txBody>
@@ -20657,9 +20657,9 @@
           <a:bodyPr/>
           <a:lstStyle/>
           <a:p>
-            <a:fld id="{DABF2659-82E7-4999-8967-E2EA12FFBFB7}" type="datetime1">
+            <a:fld id="{0E042F00-CCEB-8E45-8272-C6817DD853D4}" type="datetime1">
               <a:rPr lang="en-US" smtClean="0"/>
-              <a:t>6/11/18</a:t>
+              <a:t>5/29/23</a:t>
             </a:fld>
             <a:endParaRPr lang="en-US"/>
           </a:p>
@@ -20690,7 +20690,7 @@
           <a:p>
             <a:r>
               <a:rPr lang="en-US"/>
-              <a:t>© 2018, FLL Tutorials, Last Edit 6/11/2018</a:t>
+              <a:t>© 2023, FLLTutorials.com, Last Edit 5/29/2023</a:t>
             </a:r>
           </a:p>
         </p:txBody>
@@ -20841,9 +20841,9 @@
           <a:bodyPr/>
           <a:lstStyle/>
           <a:p>
-            <a:fld id="{FC35997C-81EB-4E13-9CEB-EE4FF450559C}" type="datetime1">
+            <a:fld id="{09D1C97D-C0F5-C041-8080-50EEED61E126}" type="datetime1">
               <a:rPr lang="en-US" smtClean="0"/>
-              <a:t>6/11/18</a:t>
+              <a:t>5/29/23</a:t>
             </a:fld>
             <a:endParaRPr lang="en-US"/>
           </a:p>
@@ -20874,7 +20874,7 @@
           <a:p>
             <a:r>
               <a:rPr lang="en-US"/>
-              <a:t>© 2018, FLL Tutorials, Last Edit 6/11/2018</a:t>
+              <a:t>© 2023, FLLTutorials.com, Last Edit 5/29/2023</a:t>
             </a:r>
           </a:p>
         </p:txBody>
@@ -20963,9 +20963,9 @@
           <a:bodyPr/>
           <a:lstStyle/>
           <a:p>
-            <a:fld id="{0A119FE7-F343-450F-9C09-DDC0FE950B51}" type="datetime1">
+            <a:fld id="{5F451FD1-81BB-7348-916E-3AC1705039F6}" type="datetime1">
               <a:rPr lang="en-US" smtClean="0"/>
-              <a:t>6/11/18</a:t>
+              <a:t>5/29/23</a:t>
             </a:fld>
             <a:endParaRPr lang="en-US"/>
           </a:p>
@@ -20996,7 +20996,7 @@
           <a:p>
             <a:r>
               <a:rPr lang="en-US"/>
-              <a:t>© 2018, FLL Tutorials, Last Edit 6/11/2018</a:t>
+              <a:t>© 2023, FLLTutorials.com, Last Edit 5/29/2023</a:t>
             </a:r>
           </a:p>
         </p:txBody>
@@ -21368,9 +21368,9 @@
             </a:lvl1pPr>
           </a:lstStyle>
           <a:p>
-            <a:fld id="{2F9BBE75-C39F-4204-9E80-3725E99B3624}" type="datetime1">
+            <a:fld id="{49EE79FD-6E89-454E-8F68-EE31FD70A992}" type="datetime1">
               <a:rPr lang="en-US" smtClean="0"/>
-              <a:t>6/11/18</a:t>
+              <a:t>5/29/23</a:t>
             </a:fld>
             <a:endParaRPr lang="en-US"/>
           </a:p>
@@ -21412,7 +21412,7 @@
           <a:p>
             <a:r>
               <a:rPr lang="en-US"/>
-              <a:t>© 2018, FLL Tutorials, Last Edit 6/11/2018</a:t>
+              <a:t>© 2023, FLLTutorials.com, Last Edit 5/29/2023</a:t>
             </a:r>
           </a:p>
         </p:txBody>
@@ -21684,9 +21684,9 @@
           <a:bodyPr/>
           <a:lstStyle/>
           <a:p>
-            <a:fld id="{9383E75F-093E-436D-ABCC-DD8CC586D1D4}" type="datetime1">
+            <a:fld id="{4648E1E3-8D8C-3543-9237-F6E860E68C40}" type="datetime1">
               <a:rPr lang="en-US" smtClean="0"/>
-              <a:t>6/11/18</a:t>
+              <a:t>5/29/23</a:t>
             </a:fld>
             <a:endParaRPr lang="en-US"/>
           </a:p>
@@ -21717,7 +21717,7 @@
           <a:p>
             <a:r>
               <a:rPr lang="en-US"/>
-              <a:t>© 2018, FLL Tutorials, Last Edit 6/11/2018</a:t>
+              <a:t>© 2023, FLLTutorials.com, Last Edit 5/29/2023</a:t>
             </a:r>
           </a:p>
         </p:txBody>
@@ -21936,9 +21936,9 @@
           <a:bodyPr/>
           <a:lstStyle/>
           <a:p>
-            <a:fld id="{FCBBBEC5-7D27-482D-9EDE-3B3D85410A3F}" type="datetime1">
+            <a:fld id="{DA0C070B-6B37-1542-81EE-97021942050E}" type="datetime1">
               <a:rPr lang="en-US" smtClean="0"/>
-              <a:t>6/11/18</a:t>
+              <a:t>5/29/23</a:t>
             </a:fld>
             <a:endParaRPr lang="en-US"/>
           </a:p>
@@ -21969,7 +21969,7 @@
           <a:p>
             <a:r>
               <a:rPr lang="en-US"/>
-              <a:t>© 2018, FLL Tutorials, Last Edit 6/11/2018</a:t>
+              <a:t>© 2023, FLLTutorials.com, Last Edit 5/29/2023</a:t>
             </a:r>
           </a:p>
         </p:txBody>
@@ -22193,9 +22193,9 @@
             </a:lvl1pPr>
           </a:lstStyle>
           <a:p>
-            <a:fld id="{12E05487-55E2-45F2-ABDA-95A37FBF1687}" type="datetime1">
+            <a:fld id="{81BD8996-1F80-7D46-9F21-C1C72B049854}" type="datetime1">
               <a:rPr lang="en-US" smtClean="0"/>
-              <a:t>6/11/18</a:t>
+              <a:t>5/29/23</a:t>
             </a:fld>
             <a:endParaRPr lang="en-US"/>
           </a:p>
@@ -22226,7 +22226,7 @@
           <a:p>
             <a:r>
               <a:rPr lang="en-US"/>
-              <a:t>© 2018, FLL Tutorials, Last Edit 6/11/2018</a:t>
+              <a:t>© 2023, FLLTutorials.com, Last Edit 5/29/2023</a:t>
             </a:r>
           </a:p>
         </p:txBody>
@@ -22470,9 +22470,9 @@
           <a:bodyPr/>
           <a:lstStyle/>
           <a:p>
-            <a:fld id="{C8998F37-5757-428F-B2EB-D2A5C8AF84D1}" type="datetime1">
+            <a:fld id="{EDC3C81F-D682-A640-B140-AC33A87CFCCA}" type="datetime1">
               <a:rPr lang="en-US" smtClean="0"/>
-              <a:t>6/11/18</a:t>
+              <a:t>5/29/23</a:t>
             </a:fld>
             <a:endParaRPr lang="en-US"/>
           </a:p>
@@ -22495,7 +22495,7 @@
           <a:p>
             <a:r>
               <a:rPr lang="en-US"/>
-              <a:t>© 2018, FLL Tutorials, Last Edit 6/11/2018</a:t>
+              <a:t>© 2023, FLLTutorials.com, Last Edit 5/29/2023</a:t>
             </a:r>
           </a:p>
         </p:txBody>
@@ -22770,9 +22770,9 @@
           <a:bodyPr/>
           <a:lstStyle/>
           <a:p>
-            <a:fld id="{22C40611-8DE4-41B7-82C5-46BD359C8F8B}" type="datetime1">
+            <a:fld id="{11E4902B-074C-8641-9F46-692630AFCDE3}" type="datetime1">
               <a:rPr lang="en-US" smtClean="0"/>
-              <a:t>6/11/18</a:t>
+              <a:t>5/29/23</a:t>
             </a:fld>
             <a:endParaRPr lang="en-US"/>
           </a:p>
@@ -22795,7 +22795,7 @@
           <a:p>
             <a:r>
               <a:rPr lang="en-US"/>
-              <a:t>© 2018, FLL Tutorials, Last Edit 6/11/2018</a:t>
+              <a:t>© 2023, FLLTutorials.com, Last Edit 5/29/2023</a:t>
             </a:r>
           </a:p>
         </p:txBody>
@@ -23071,9 +23071,9 @@
             </a:lvl1pPr>
           </a:lstStyle>
           <a:p>
-            <a:fld id="{CD545273-D1CB-4F9F-BC3C-B8B219AEB723}" type="datetime1">
+            <a:fld id="{AE05689A-6A38-4240-BC04-96C507CE8498}" type="datetime1">
               <a:rPr lang="en-US" smtClean="0"/>
-              <a:t>6/11/18</a:t>
+              <a:t>5/29/23</a:t>
             </a:fld>
             <a:endParaRPr lang="en-US"/>
           </a:p>
@@ -23112,7 +23112,7 @@
           <a:p>
             <a:r>
               <a:rPr lang="en-US"/>
-              <a:t>© 2018, FLL Tutorials, Last Edit 6/11/2018</a:t>
+              <a:t>© 2023, FLLTutorials.com, Last Edit 5/29/2023</a:t>
             </a:r>
           </a:p>
         </p:txBody>
@@ -24023,9 +24023,9 @@
             </a:lvl1pPr>
           </a:lstStyle>
           <a:p>
-            <a:fld id="{BFCB1517-3D91-448A-A67F-5AD7BE4B8733}" type="datetime1">
+            <a:fld id="{3D066495-4E81-CE41-BB73-2A13DB834EBC}" type="datetime1">
               <a:rPr lang="en-US" smtClean="0"/>
-              <a:t>6/11/18</a:t>
+              <a:t>5/29/23</a:t>
             </a:fld>
             <a:endParaRPr lang="en-US"/>
           </a:p>
@@ -24064,7 +24064,7 @@
           <a:p>
             <a:r>
               <a:rPr lang="en-US"/>
-              <a:t>© 2018, FLL Tutorials, Last Edit 6/11/2018</a:t>
+              <a:t>© 2023, FLLTutorials.com, Last Edit 5/29/2023</a:t>
             </a:r>
           </a:p>
         </p:txBody>
@@ -25081,9 +25081,9 @@
             </a:lvl1pPr>
           </a:lstStyle>
           <a:p>
-            <a:fld id="{5F6109C3-2FD9-47C9-ACEE-EF44FF0CB09E}" type="datetime1">
+            <a:fld id="{5F9862AB-5C7F-DA4E-9A56-3F4FD92DACAA}" type="datetime1">
               <a:rPr lang="en-US" smtClean="0"/>
-              <a:t>6/11/18</a:t>
+              <a:t>5/29/23</a:t>
             </a:fld>
             <a:endParaRPr lang="en-US"/>
           </a:p>
@@ -25124,7 +25124,7 @@
           <a:p>
             <a:r>
               <a:rPr lang="en-US"/>
-              <a:t>© 2018, FLL Tutorials, Last Edit 6/11/2018</a:t>
+              <a:t>© 2023, FLLTutorials.com, Last Edit 5/29/2023</a:t>
             </a:r>
           </a:p>
         </p:txBody>
@@ -25623,9 +25623,9 @@
             </a:lvl1pPr>
           </a:lstStyle>
           <a:p>
-            <a:fld id="{D79FE078-B84E-4361-AAF5-1BBC8B0042FA}" type="datetime1">
+            <a:fld id="{6E066411-C155-7046-9155-846DFA9CE5D3}" type="datetime1">
               <a:rPr lang="en-US" smtClean="0"/>
-              <a:t>6/11/18</a:t>
+              <a:t>5/29/23</a:t>
             </a:fld>
             <a:endParaRPr lang="en-US"/>
           </a:p>
@@ -25664,7 +25664,7 @@
           <a:p>
             <a:r>
               <a:rPr lang="en-US"/>
-              <a:t>© 2018, FLL Tutorials, Last Edit 6/11/2018</a:t>
+              <a:t>© 2023, FLLTutorials.com, Last Edit 5/29/2023</a:t>
             </a:r>
           </a:p>
         </p:txBody>
@@ -26992,9 +26992,9 @@
             </a:lvl1pPr>
           </a:lstStyle>
           <a:p>
-            <a:fld id="{34150216-B574-4DA4-BF35-4C59DF9871C8}" type="datetime1">
+            <a:fld id="{F830F717-3836-F744-AA24-25544AE1648F}" type="datetime1">
               <a:rPr lang="en-US" smtClean="0"/>
-              <a:t>6/11/18</a:t>
+              <a:t>5/29/23</a:t>
             </a:fld>
             <a:endParaRPr lang="en-US"/>
           </a:p>
@@ -27033,7 +27033,7 @@
           <a:p>
             <a:r>
               <a:rPr lang="en-US"/>
-              <a:t>© 2018, FLL Tutorials, Last Edit 6/11/2018</a:t>
+              <a:t>© 2023, FLLTutorials.com, Last Edit 5/29/2023</a:t>
             </a:r>
           </a:p>
         </p:txBody>
@@ -28070,9 +28070,9 @@
             </a:lvl1pPr>
           </a:lstStyle>
           <a:p>
-            <a:fld id="{F5834530-F8F9-48D8-B9BC-E3B03C7FD50E}" type="datetime1">
+            <a:fld id="{8E8E5246-50DD-7F41-9417-36406ECD96F9}" type="datetime1">
               <a:rPr lang="en-US" smtClean="0"/>
-              <a:t>6/11/18</a:t>
+              <a:t>5/29/23</a:t>
             </a:fld>
             <a:endParaRPr lang="en-US"/>
           </a:p>
@@ -28113,7 +28113,7 @@
           <a:p>
             <a:r>
               <a:rPr lang="en-US"/>
-              <a:t>© 2018, FLL Tutorials, Last Edit 6/11/2018</a:t>
+              <a:t>© 2023, FLLTutorials.com, Last Edit 5/29/2023</a:t>
             </a:r>
           </a:p>
         </p:txBody>
@@ -28732,9 +28732,9 @@
             </a:lvl1pPr>
           </a:lstStyle>
           <a:p>
-            <a:fld id="{32A599D3-A7E9-46A7-948E-382BB12B5E64}" type="datetime1">
+            <a:fld id="{EDBBDA93-CB6D-C74A-B3FD-35B86472B212}" type="datetime1">
               <a:rPr lang="en-US" smtClean="0"/>
-              <a:t>6/11/18</a:t>
+              <a:t>5/29/23</a:t>
             </a:fld>
             <a:endParaRPr lang="en-US"/>
           </a:p>
@@ -28782,7 +28782,7 @@
           <a:p>
             <a:r>
               <a:rPr lang="en-US"/>
-              <a:t>© 2018, FLL Tutorials, Last Edit 6/11/2018</a:t>
+              <a:t>© 2023, FLLTutorials.com, Last Edit 5/29/2023</a:t>
             </a:r>
           </a:p>
         </p:txBody>
@@ -29389,7 +29389,7 @@
           <a:p>
             <a:r>
               <a:rPr lang="en-US"/>
-              <a:t>© 2018, FLL Tutorials, Last Edit 6/11/2018</a:t>
+              <a:t>© 2023, FLLTutorials.com, Last Edit 5/29/2023</a:t>
             </a:r>
           </a:p>
         </p:txBody>
@@ -29570,7 +29570,7 @@
           <a:p>
             <a:r>
               <a:rPr lang="en-US"/>
-              <a:t>© 2018, FLL Tutorials, Last Edit 6/11/2018</a:t>
+              <a:t>© 2023, FLLTutorials.com, Last Edit 5/29/2023</a:t>
             </a:r>
             <a:endParaRPr lang="en-US" dirty="0"/>
           </a:p>
@@ -30067,7 +30067,7 @@
           <a:p>
             <a:r>
               <a:rPr lang="en-US"/>
-              <a:t>© 2018, FLL Tutorials, Last Edit 6/11/2018</a:t>
+              <a:t>© 2023, FLLTutorials.com, Last Edit 5/29/2023</a:t>
             </a:r>
           </a:p>
         </p:txBody>
@@ -30552,7 +30552,7 @@
           <a:p>
             <a:r>
               <a:rPr lang="en-US"/>
-              <a:t>© 2018, FLL Tutorials, Last Edit 6/11/2018</a:t>
+              <a:t>© 2023, FLLTutorials.com, Last Edit 5/29/2023</a:t>
             </a:r>
           </a:p>
         </p:txBody>
@@ -30761,7 +30761,7 @@
           <a:p>
             <a:r>
               <a:rPr lang="en-US"/>
-              <a:t>© 2018, FLL Tutorials, Last Edit 6/11/2018</a:t>
+              <a:t>© 2023, FLLTutorials.com, Last Edit 5/29/2023</a:t>
             </a:r>
           </a:p>
         </p:txBody>
@@ -30912,22 +30912,22 @@
               <a:buChar char="•"/>
             </a:pPr>
             <a:r>
-              <a:rPr lang="en-US" sz="3200" dirty="0"/>
+              <a:rPr lang="en-US" sz="2800" dirty="0"/>
               <a:t>This tutorial was created by Sanjay </a:t>
             </a:r>
             <a:r>
-              <a:rPr lang="en-US" sz="3200" dirty="0" err="1"/>
+              <a:rPr lang="en-US" sz="2800" dirty="0" err="1"/>
               <a:t>Seshan</a:t>
             </a:r>
             <a:r>
-              <a:rPr lang="en-US" sz="3200" dirty="0"/>
+              <a:rPr lang="en-US" sz="2800" dirty="0"/>
               <a:t> and Arvind </a:t>
             </a:r>
             <a:r>
-              <a:rPr lang="en-US" sz="3200" dirty="0" err="1"/>
+              <a:rPr lang="en-US" sz="2800" dirty="0" err="1"/>
               <a:t>Seshan</a:t>
             </a:r>
-            <a:endParaRPr lang="en-US" sz="3200" dirty="0"/>
+            <a:endParaRPr lang="en-US" sz="2800" dirty="0"/>
           </a:p>
           <a:p>
             <a:pPr marL="342900" indent="-342900">
@@ -30935,19 +30935,42 @@
               <a:buChar char="•"/>
             </a:pPr>
             <a:r>
-              <a:rPr lang="en-US" sz="3200" dirty="0"/>
+              <a:rPr lang="en-US" sz="2800" dirty="0"/>
               <a:t>More lessons at </a:t>
             </a:r>
             <a:r>
-              <a:rPr lang="en-US" sz="3200" dirty="0">
+              <a:rPr lang="en-US" sz="2800" dirty="0">
                 <a:hlinkClick r:id="rId3"/>
               </a:rPr>
               <a:t>www.ev3lessons.com</a:t>
             </a:r>
             <a:r>
-              <a:rPr lang="en-US" sz="3200" dirty="0"/>
-              <a:t> and www.flltutorials.com</a:t>
-            </a:r>
+              <a:rPr lang="en-US" sz="2800" dirty="0"/>
+              <a:t>, </a:t>
+            </a:r>
+            <a:r>
+              <a:rPr lang="en-US" sz="2800" dirty="0">
+                <a:hlinkClick r:id="rId4"/>
+              </a:rPr>
+              <a:t>www.primelessons.org</a:t>
+            </a:r>
+            <a:r>
+              <a:rPr lang="en-US" sz="2800" dirty="0"/>
+              <a:t> and </a:t>
+            </a:r>
+            <a:r>
+              <a:rPr lang="en-US" sz="2800" dirty="0">
+                <a:hlinkClick r:id="rId5"/>
+              </a:rPr>
+              <a:t>www.flltutorials.com</a:t>
+            </a:r>
+            <a:endParaRPr lang="en-US" sz="2800" dirty="0"/>
+          </a:p>
+          <a:p>
+            <a:pPr marL="0" indent="0">
+              <a:buNone/>
+            </a:pPr>
+            <a:endParaRPr lang="en-US" sz="3200" dirty="0"/>
           </a:p>
         </p:txBody>
       </p:sp>
@@ -30968,7 +30991,7 @@
           <a:p>
             <a:r>
               <a:rPr lang="en-US"/>
-              <a:t>© 2018, FLL Tutorials, Last Edit 6/11/2018</a:t>
+              <a:t>© 2023, FLLTutorials.com, Last Edit 5/29/2023</a:t>
             </a:r>
           </a:p>
         </p:txBody>
@@ -30998,7 +31021,7 @@
           <a:effectLst/>
           <a:extLst>
             <a:ext uri="{91240B29-F687-4f45-9708-019B960494DF}">
-              <a14:hiddenLine xmlns="" xmlns:a14="http://schemas.microsoft.com/office/drawing/2010/main" w="9525">
+              <a14:hiddenLine xmlns:a14="http://schemas.microsoft.com/office/drawing/2010/main" xmlns="" w="9525">
                 <a:solidFill>
                   <a:schemeClr val="tx1"/>
                 </a:solidFill>
@@ -31008,7 +31031,7 @@
               </a14:hiddenLine>
             </a:ext>
             <a:ext uri="{AF507438-7753-43e0-B8FC-AC1667EBCBE1}">
-              <a14:hiddenEffects xmlns="" xmlns:a14="http://schemas.microsoft.com/office/drawing/2010/main">
+              <a14:hiddenEffects xmlns:a14="http://schemas.microsoft.com/office/drawing/2010/main" xmlns="">
                 <a:effectLst>
                   <a:outerShdw dist="35921" dir="2700000" algn="ctr" rotWithShape="0">
                     <a:schemeClr val="bg2"/>
@@ -31217,7 +31240,7 @@
                 </a:solidFill>
                 <a:effectLst/>
                 <a:latin typeface="Helvetica Neue"/>
-                <a:hlinkClick r:id="rId4"/>
+                <a:hlinkClick r:id="rId6"/>
               </a:rPr>
               <a:t>Creative Commons Attribution-</a:t>
             </a:r>
@@ -31231,7 +31254,7 @@
                 </a:solidFill>
                 <a:effectLst/>
                 <a:latin typeface="Helvetica Neue"/>
-                <a:hlinkClick r:id="rId4"/>
+                <a:hlinkClick r:id="rId6"/>
               </a:rPr>
               <a:t>NonCommercial</a:t>
             </a:r>
@@ -31245,7 +31268,7 @@
                 </a:solidFill>
                 <a:effectLst/>
                 <a:latin typeface="Helvetica Neue"/>
-                <a:hlinkClick r:id="rId4"/>
+                <a:hlinkClick r:id="rId6"/>
               </a:rPr>
               <a:t>-</a:t>
             </a:r>
@@ -31259,7 +31282,7 @@
                 </a:solidFill>
                 <a:effectLst/>
                 <a:latin typeface="Helvetica Neue"/>
-                <a:hlinkClick r:id="rId4"/>
+                <a:hlinkClick r:id="rId6"/>
               </a:rPr>
               <a:t>ShareAlike</a:t>
             </a:r>
@@ -31273,7 +31296,7 @@
                 </a:solidFill>
                 <a:effectLst/>
                 <a:latin typeface="Helvetica Neue"/>
-                <a:hlinkClick r:id="rId4"/>
+                <a:hlinkClick r:id="rId6"/>
               </a:rPr>
               <a:t> 4.0 International License</a:t>
             </a:r>
@@ -31318,7 +31341,7 @@
       <p:pic>
         <p:nvPicPr>
           <p:cNvPr id="6" name="Picture 2" descr="Creative Commons License">
-            <a:hlinkClick r:id="rId4"/>
+            <a:hlinkClick r:id="rId6"/>
           </p:cNvPr>
           <p:cNvPicPr>
             <a:picLocks noChangeAspect="1" noChangeArrowheads="1"/>
@@ -31326,7 +31349,7 @@
           <p:nvPr/>
         </p:nvPicPr>
         <p:blipFill>
-          <a:blip r:embed="rId5">
+          <a:blip r:embed="rId7">
             <a:extLst>
               <a:ext uri="{28A0092B-C50C-407E-A947-70E740481C1C}">
                 <a14:useLocalDpi xmlns:a14="http://schemas.microsoft.com/office/drawing/2010/main"/>
@@ -31340,7 +31363,7 @@
         </p:blipFill>
         <p:spPr bwMode="auto">
           <a:xfrm>
-            <a:off x="3812487" y="4160675"/>
+            <a:off x="3675327" y="4297835"/>
             <a:ext cx="2161449" cy="761422"/>
           </a:xfrm>
           <a:prstGeom prst="rect">
@@ -31349,7 +31372,7 @@
           <a:noFill/>
           <a:extLst>
             <a:ext uri="{909E8E84-426E-40dd-AFC4-6F175D3DCCD1}">
-              <a14:hiddenFill xmlns="" xmlns:a14="http://schemas.microsoft.com/office/drawing/2010/main">
+              <a14:hiddenFill xmlns:a14="http://schemas.microsoft.com/office/drawing/2010/main" xmlns="">
                 <a:solidFill>
                   <a:srgbClr val="FFFFFF"/>
                 </a:solidFill>
@@ -31470,7 +31493,7 @@
           <a:p>
             <a:r>
               <a:rPr lang="en-US"/>
-              <a:t>© 2018, FLL Tutorials, Last Edit 6/11/2018</a:t>
+              <a:t>© 2023, FLLTutorials.com, Last Edit 5/29/2023</a:t>
             </a:r>
           </a:p>
         </p:txBody>
@@ -31601,7 +31624,7 @@
           <a:p>
             <a:r>
               <a:rPr lang="en-US"/>
-              <a:t>© 2018, FLL Tutorials, Last Edit 6/11/2018</a:t>
+              <a:t>© 2023, FLLTutorials.com, Last Edit 5/29/2023</a:t>
             </a:r>
           </a:p>
         </p:txBody>
@@ -32211,7 +32234,7 @@
           <a:p>
             <a:r>
               <a:rPr lang="en-US"/>
-              <a:t>© 2018, FLL Tutorials, Last Edit 6/11/2018</a:t>
+              <a:t>© 2023, FLLTutorials.com, Last Edit 5/29/2023</a:t>
             </a:r>
           </a:p>
         </p:txBody>
@@ -32410,7 +32433,7 @@
           <a:p>
             <a:r>
               <a:rPr lang="en-US"/>
-              <a:t>© 2018, FLL Tutorials, Last Edit 6/11/2018</a:t>
+              <a:t>© 2023, FLLTutorials.com, Last Edit 5/29/2023</a:t>
             </a:r>
           </a:p>
         </p:txBody>
@@ -32940,7 +32963,7 @@
           <a:p>
             <a:r>
               <a:rPr lang="en-US"/>
-              <a:t>© 2018, FLL Tutorials, Last Edit 6/11/2018</a:t>
+              <a:t>© 2023, FLLTutorials.com, Last Edit 5/29/2023</a:t>
             </a:r>
           </a:p>
         </p:txBody>
@@ -33279,7 +33302,7 @@
           <a:p>
             <a:r>
               <a:rPr lang="en-US"/>
-              <a:t>© 2018, FLL Tutorials, Last Edit 6/11/2018</a:t>
+              <a:t>© 2023, FLLTutorials.com, Last Edit 5/29/2023</a:t>
             </a:r>
           </a:p>
         </p:txBody>
@@ -33473,7 +33496,7 @@
           <a:p>
             <a:r>
               <a:rPr lang="en-US"/>
-              <a:t>© 2018, FLL Tutorials, Last Edit 6/11/2018</a:t>
+              <a:t>© 2023, FLLTutorials.com, Last Edit 5/29/2023</a:t>
             </a:r>
           </a:p>
         </p:txBody>
@@ -33641,7 +33664,7 @@
           <a:p>
             <a:r>
               <a:rPr lang="en-US"/>
-              <a:t>© 2018, FLL Tutorials, Last Edit 6/11/2018</a:t>
+              <a:t>© 2023, FLLTutorials.com, Last Edit 5/29/2023</a:t>
             </a:r>
           </a:p>
         </p:txBody>
